--- a/content/10-services-monitoring-logging.pptx
+++ b/content/10-services-monitoring-logging.pptx
@@ -5,7 +5,7 @@
     <p:sldMasterId id="2147483696" r:id="rId1"/>
   </p:sldMasterIdLst>
   <p:notesMasterIdLst>
-    <p:notesMasterId r:id="rId42"/>
+    <p:notesMasterId r:id="rId32"/>
   </p:notesMasterIdLst>
   <p:sldIdLst>
     <p:sldId id="297" r:id="rId2"/>
@@ -23,31 +23,21 @@
     <p:sldId id="342" r:id="rId14"/>
     <p:sldId id="273" r:id="rId15"/>
     <p:sldId id="274" r:id="rId16"/>
-    <p:sldId id="275" r:id="rId17"/>
-    <p:sldId id="276" r:id="rId18"/>
-    <p:sldId id="277" r:id="rId19"/>
-    <p:sldId id="278" r:id="rId20"/>
-    <p:sldId id="279" r:id="rId21"/>
-    <p:sldId id="281" r:id="rId22"/>
-    <p:sldId id="282" r:id="rId23"/>
-    <p:sldId id="343" r:id="rId24"/>
-    <p:sldId id="284" r:id="rId25"/>
-    <p:sldId id="285" r:id="rId26"/>
-    <p:sldId id="286" r:id="rId27"/>
-    <p:sldId id="287" r:id="rId28"/>
-    <p:sldId id="288" r:id="rId29"/>
-    <p:sldId id="344" r:id="rId30"/>
-    <p:sldId id="290" r:id="rId31"/>
-    <p:sldId id="345" r:id="rId32"/>
-    <p:sldId id="346" r:id="rId33"/>
-    <p:sldId id="272" r:id="rId34"/>
-    <p:sldId id="340" r:id="rId35"/>
-    <p:sldId id="302" r:id="rId36"/>
-    <p:sldId id="291" r:id="rId37"/>
-    <p:sldId id="294" r:id="rId38"/>
-    <p:sldId id="292" r:id="rId39"/>
-    <p:sldId id="301" r:id="rId40"/>
-    <p:sldId id="283" r:id="rId41"/>
+    <p:sldId id="276" r:id="rId17"/>
+    <p:sldId id="278" r:id="rId18"/>
+    <p:sldId id="279" r:id="rId19"/>
+    <p:sldId id="281" r:id="rId20"/>
+    <p:sldId id="284" r:id="rId21"/>
+    <p:sldId id="285" r:id="rId22"/>
+    <p:sldId id="290" r:id="rId23"/>
+    <p:sldId id="345" r:id="rId24"/>
+    <p:sldId id="346" r:id="rId25"/>
+    <p:sldId id="272" r:id="rId26"/>
+    <p:sldId id="291" r:id="rId27"/>
+    <p:sldId id="294" r:id="rId28"/>
+    <p:sldId id="292" r:id="rId29"/>
+    <p:sldId id="301" r:id="rId30"/>
+    <p:sldId id="283" r:id="rId31"/>
   </p:sldIdLst>
   <p:sldSz cx="12192000" cy="6858000"/>
   <p:notesSz cx="6858000" cy="9144000"/>
@@ -170,26 +160,16 @@
             <p14:sldId id="342"/>
             <p14:sldId id="273"/>
             <p14:sldId id="274"/>
-            <p14:sldId id="275"/>
             <p14:sldId id="276"/>
-            <p14:sldId id="277"/>
             <p14:sldId id="278"/>
             <p14:sldId id="279"/>
             <p14:sldId id="281"/>
-            <p14:sldId id="282"/>
-            <p14:sldId id="343"/>
             <p14:sldId id="284"/>
             <p14:sldId id="285"/>
-            <p14:sldId id="286"/>
-            <p14:sldId id="287"/>
-            <p14:sldId id="288"/>
-            <p14:sldId id="344"/>
             <p14:sldId id="290"/>
             <p14:sldId id="345"/>
             <p14:sldId id="346"/>
             <p14:sldId id="272"/>
-            <p14:sldId id="340"/>
-            <p14:sldId id="302"/>
             <p14:sldId id="291"/>
             <p14:sldId id="294"/>
           </p14:sldIdLst>
@@ -5579,13 +5559,6 @@
     <dgm:pt modelId="{70DAE75A-6989-462C-9125-78A166D9FA86}" type="pres">
       <dgm:prSet presAssocID="{B7F8AF53-FF89-4CB6-B4E8-72705B2728E9}" presName="circ1" presStyleLbl="vennNode1" presStyleIdx="0" presStyleCnt="3"/>
       <dgm:spPr/>
-      <dgm:t>
-        <a:bodyPr/>
-        <a:lstStyle/>
-        <a:p>
-          <a:endParaRPr lang="en-US"/>
-        </a:p>
-      </dgm:t>
     </dgm:pt>
     <dgm:pt modelId="{465EE09B-6C08-4586-86DB-F342C746D877}" type="pres">
       <dgm:prSet presAssocID="{B7F8AF53-FF89-4CB6-B4E8-72705B2728E9}" presName="circ1Tx" presStyleLbl="revTx" presStyleIdx="0" presStyleCnt="0">
@@ -5596,24 +5569,10 @@
         </dgm:presLayoutVars>
       </dgm:prSet>
       <dgm:spPr/>
-      <dgm:t>
-        <a:bodyPr/>
-        <a:lstStyle/>
-        <a:p>
-          <a:endParaRPr lang="en-US"/>
-        </a:p>
-      </dgm:t>
     </dgm:pt>
     <dgm:pt modelId="{A4AE2A36-361C-46AC-AC4F-1999001E76AD}" type="pres">
       <dgm:prSet presAssocID="{4F3BC159-59AB-4143-A5CA-607FDA1514E6}" presName="circ2" presStyleLbl="vennNode1" presStyleIdx="1" presStyleCnt="3"/>
       <dgm:spPr/>
-      <dgm:t>
-        <a:bodyPr/>
-        <a:lstStyle/>
-        <a:p>
-          <a:endParaRPr lang="en-US"/>
-        </a:p>
-      </dgm:t>
     </dgm:pt>
     <dgm:pt modelId="{BD15C853-3AFA-4DF1-B436-E603F17031E2}" type="pres">
       <dgm:prSet presAssocID="{4F3BC159-59AB-4143-A5CA-607FDA1514E6}" presName="circ2Tx" presStyleLbl="revTx" presStyleIdx="0" presStyleCnt="0">
@@ -5624,24 +5583,10 @@
         </dgm:presLayoutVars>
       </dgm:prSet>
       <dgm:spPr/>
-      <dgm:t>
-        <a:bodyPr/>
-        <a:lstStyle/>
-        <a:p>
-          <a:endParaRPr lang="en-US"/>
-        </a:p>
-      </dgm:t>
     </dgm:pt>
     <dgm:pt modelId="{5B1BB002-2D6C-43E7-85B4-30EBC572CADE}" type="pres">
       <dgm:prSet presAssocID="{60C45694-ED53-423A-A5D5-63678677E296}" presName="circ3" presStyleLbl="vennNode1" presStyleIdx="2" presStyleCnt="3"/>
       <dgm:spPr/>
-      <dgm:t>
-        <a:bodyPr/>
-        <a:lstStyle/>
-        <a:p>
-          <a:endParaRPr lang="en-US"/>
-        </a:p>
-      </dgm:t>
     </dgm:pt>
     <dgm:pt modelId="{E4D9B3C2-2C33-4F9B-99A9-E92A905EE8CD}" type="pres">
       <dgm:prSet presAssocID="{60C45694-ED53-423A-A5D5-63678677E296}" presName="circ3Tx" presStyleLbl="revTx" presStyleIdx="0" presStyleCnt="0">
@@ -5652,26 +5597,19 @@
         </dgm:presLayoutVars>
       </dgm:prSet>
       <dgm:spPr/>
-      <dgm:t>
-        <a:bodyPr/>
-        <a:lstStyle/>
-        <a:p>
-          <a:endParaRPr lang="en-US"/>
-        </a:p>
-      </dgm:t>
     </dgm:pt>
   </dgm:ptLst>
   <dgm:cxnLst>
+    <dgm:cxn modelId="{4FA5F50B-E113-47E9-AD3B-B545C9E0B524}" type="presOf" srcId="{4F3BC159-59AB-4143-A5CA-607FDA1514E6}" destId="{A4AE2A36-361C-46AC-AC4F-1999001E76AD}" srcOrd="0" destOrd="0" presId="urn:microsoft.com/office/officeart/2005/8/layout/venn1"/>
+    <dgm:cxn modelId="{2D394833-EBB9-4FC6-A42C-8B40B321D47F}" type="presOf" srcId="{60C45694-ED53-423A-A5D5-63678677E296}" destId="{5B1BB002-2D6C-43E7-85B4-30EBC572CADE}" srcOrd="0" destOrd="0" presId="urn:microsoft.com/office/officeart/2005/8/layout/venn1"/>
+    <dgm:cxn modelId="{E9C96664-F9FC-45ED-ADE1-E582A1C768CB}" srcId="{BC27637B-48FF-45BA-99D4-1D6AC9D5C38B}" destId="{4F3BC159-59AB-4143-A5CA-607FDA1514E6}" srcOrd="1" destOrd="0" parTransId="{AC8D8D38-0584-4CA7-BD38-F889D9B93A1D}" sibTransId="{9F67F76E-93E8-4380-B45C-F6BCB0EEC008}"/>
+    <dgm:cxn modelId="{67023865-99E7-4DD0-AC25-E1714AAC755A}" srcId="{BC27637B-48FF-45BA-99D4-1D6AC9D5C38B}" destId="{B7F8AF53-FF89-4CB6-B4E8-72705B2728E9}" srcOrd="0" destOrd="0" parTransId="{8C111A05-1369-4A4D-A0EE-8F7A76F8C40F}" sibTransId="{645BFD56-7AC8-4141-AA0F-92C69DB10EB0}"/>
+    <dgm:cxn modelId="{FCB46E65-4739-4DE6-9208-42783D1DD41F}" type="presOf" srcId="{B7F8AF53-FF89-4CB6-B4E8-72705B2728E9}" destId="{70DAE75A-6989-462C-9125-78A166D9FA86}" srcOrd="0" destOrd="0" presId="urn:microsoft.com/office/officeart/2005/8/layout/venn1"/>
+    <dgm:cxn modelId="{89B87270-3FC0-45A6-8399-862653D9DF56}" srcId="{BC27637B-48FF-45BA-99D4-1D6AC9D5C38B}" destId="{60C45694-ED53-423A-A5D5-63678677E296}" srcOrd="2" destOrd="0" parTransId="{29D3F658-3300-4310-B92F-5CFF14C8F0E0}" sibTransId="{37955995-887A-4B59-8429-54FDCFBF9641}"/>
+    <dgm:cxn modelId="{7ADF0A53-3814-4CA6-83BF-AD910BD6DC02}" type="presOf" srcId="{BC27637B-48FF-45BA-99D4-1D6AC9D5C38B}" destId="{B36EF9F2-952A-46A2-99EE-5FB9B6756530}" srcOrd="0" destOrd="0" presId="urn:microsoft.com/office/officeart/2005/8/layout/venn1"/>
+    <dgm:cxn modelId="{9FA48155-AAB3-4C31-B129-25491E7E5AD8}" type="presOf" srcId="{B7F8AF53-FF89-4CB6-B4E8-72705B2728E9}" destId="{465EE09B-6C08-4586-86DB-F342C746D877}" srcOrd="1" destOrd="0" presId="urn:microsoft.com/office/officeart/2005/8/layout/venn1"/>
+    <dgm:cxn modelId="{7AD4F69E-7BA4-48F6-B74D-E7BDCCBD3D18}" type="presOf" srcId="{4F3BC159-59AB-4143-A5CA-607FDA1514E6}" destId="{BD15C853-3AFA-4DF1-B436-E603F17031E2}" srcOrd="1" destOrd="0" presId="urn:microsoft.com/office/officeart/2005/8/layout/venn1"/>
     <dgm:cxn modelId="{B24613B4-5214-4E5F-A6C4-26CAEA332FA5}" type="presOf" srcId="{60C45694-ED53-423A-A5D5-63678677E296}" destId="{E4D9B3C2-2C33-4F9B-99A9-E92A905EE8CD}" srcOrd="1" destOrd="0" presId="urn:microsoft.com/office/officeart/2005/8/layout/venn1"/>
-    <dgm:cxn modelId="{89B87270-3FC0-45A6-8399-862653D9DF56}" srcId="{BC27637B-48FF-45BA-99D4-1D6AC9D5C38B}" destId="{60C45694-ED53-423A-A5D5-63678677E296}" srcOrd="2" destOrd="0" parTransId="{29D3F658-3300-4310-B92F-5CFF14C8F0E0}" sibTransId="{37955995-887A-4B59-8429-54FDCFBF9641}"/>
-    <dgm:cxn modelId="{FCB46E65-4739-4DE6-9208-42783D1DD41F}" type="presOf" srcId="{B7F8AF53-FF89-4CB6-B4E8-72705B2728E9}" destId="{70DAE75A-6989-462C-9125-78A166D9FA86}" srcOrd="0" destOrd="0" presId="urn:microsoft.com/office/officeart/2005/8/layout/venn1"/>
-    <dgm:cxn modelId="{2D394833-EBB9-4FC6-A42C-8B40B321D47F}" type="presOf" srcId="{60C45694-ED53-423A-A5D5-63678677E296}" destId="{5B1BB002-2D6C-43E7-85B4-30EBC572CADE}" srcOrd="0" destOrd="0" presId="urn:microsoft.com/office/officeart/2005/8/layout/venn1"/>
-    <dgm:cxn modelId="{7ADF0A53-3814-4CA6-83BF-AD910BD6DC02}" type="presOf" srcId="{BC27637B-48FF-45BA-99D4-1D6AC9D5C38B}" destId="{B36EF9F2-952A-46A2-99EE-5FB9B6756530}" srcOrd="0" destOrd="0" presId="urn:microsoft.com/office/officeart/2005/8/layout/venn1"/>
-    <dgm:cxn modelId="{67023865-99E7-4DD0-AC25-E1714AAC755A}" srcId="{BC27637B-48FF-45BA-99D4-1D6AC9D5C38B}" destId="{B7F8AF53-FF89-4CB6-B4E8-72705B2728E9}" srcOrd="0" destOrd="0" parTransId="{8C111A05-1369-4A4D-A0EE-8F7A76F8C40F}" sibTransId="{645BFD56-7AC8-4141-AA0F-92C69DB10EB0}"/>
-    <dgm:cxn modelId="{9FA48155-AAB3-4C31-B129-25491E7E5AD8}" type="presOf" srcId="{B7F8AF53-FF89-4CB6-B4E8-72705B2728E9}" destId="{465EE09B-6C08-4586-86DB-F342C746D877}" srcOrd="1" destOrd="0" presId="urn:microsoft.com/office/officeart/2005/8/layout/venn1"/>
-    <dgm:cxn modelId="{E9C96664-F9FC-45ED-ADE1-E582A1C768CB}" srcId="{BC27637B-48FF-45BA-99D4-1D6AC9D5C38B}" destId="{4F3BC159-59AB-4143-A5CA-607FDA1514E6}" srcOrd="1" destOrd="0" parTransId="{AC8D8D38-0584-4CA7-BD38-F889D9B93A1D}" sibTransId="{9F67F76E-93E8-4380-B45C-F6BCB0EEC008}"/>
-    <dgm:cxn modelId="{4FA5F50B-E113-47E9-AD3B-B545C9E0B524}" type="presOf" srcId="{4F3BC159-59AB-4143-A5CA-607FDA1514E6}" destId="{A4AE2A36-361C-46AC-AC4F-1999001E76AD}" srcOrd="0" destOrd="0" presId="urn:microsoft.com/office/officeart/2005/8/layout/venn1"/>
-    <dgm:cxn modelId="{7AD4F69E-7BA4-48F6-B74D-E7BDCCBD3D18}" type="presOf" srcId="{4F3BC159-59AB-4143-A5CA-607FDA1514E6}" destId="{BD15C853-3AFA-4DF1-B436-E603F17031E2}" srcOrd="1" destOrd="0" presId="urn:microsoft.com/office/officeart/2005/8/layout/venn1"/>
     <dgm:cxn modelId="{046A6140-3C8A-4B36-8301-31451465E7E4}" type="presParOf" srcId="{B36EF9F2-952A-46A2-99EE-5FB9B6756530}" destId="{70DAE75A-6989-462C-9125-78A166D9FA86}" srcOrd="0" destOrd="0" presId="urn:microsoft.com/office/officeart/2005/8/layout/venn1"/>
     <dgm:cxn modelId="{ED4697D0-897C-4CFB-BEA0-886C3DD45514}" type="presParOf" srcId="{B36EF9F2-952A-46A2-99EE-5FB9B6756530}" destId="{465EE09B-6C08-4586-86DB-F342C746D877}" srcOrd="1" destOrd="0" presId="urn:microsoft.com/office/officeart/2005/8/layout/venn1"/>
     <dgm:cxn modelId="{CF767A1A-3F14-47D2-ABB2-A9167023608C}" type="presParOf" srcId="{B36EF9F2-952A-46A2-99EE-5FB9B6756530}" destId="{A4AE2A36-361C-46AC-AC4F-1999001E76AD}" srcOrd="2" destOrd="0" presId="urn:microsoft.com/office/officeart/2005/8/layout/venn1"/>
@@ -5841,10 +5779,6 @@
             <a:rPr lang="en-US" b="1" dirty="0"/>
             <a:t>APIs</a:t>
           </a:r>
-          <a:r>
-            <a:rPr lang="en-US" b="0" dirty="0"/>
-            <a:t/>
-          </a:r>
           <a:br>
             <a:rPr lang="en-US" b="0" dirty="0"/>
           </a:br>
@@ -5905,13 +5839,6 @@
     <dgm:pt modelId="{70DAE75A-6989-462C-9125-78A166D9FA86}" type="pres">
       <dgm:prSet presAssocID="{B7F8AF53-FF89-4CB6-B4E8-72705B2728E9}" presName="circ1" presStyleLbl="vennNode1" presStyleIdx="0" presStyleCnt="3"/>
       <dgm:spPr/>
-      <dgm:t>
-        <a:bodyPr/>
-        <a:lstStyle/>
-        <a:p>
-          <a:endParaRPr lang="en-US"/>
-        </a:p>
-      </dgm:t>
     </dgm:pt>
     <dgm:pt modelId="{465EE09B-6C08-4586-86DB-F342C746D877}" type="pres">
       <dgm:prSet presAssocID="{B7F8AF53-FF89-4CB6-B4E8-72705B2728E9}" presName="circ1Tx" presStyleLbl="revTx" presStyleIdx="0" presStyleCnt="0">
@@ -5922,24 +5849,10 @@
         </dgm:presLayoutVars>
       </dgm:prSet>
       <dgm:spPr/>
-      <dgm:t>
-        <a:bodyPr/>
-        <a:lstStyle/>
-        <a:p>
-          <a:endParaRPr lang="en-US"/>
-        </a:p>
-      </dgm:t>
     </dgm:pt>
     <dgm:pt modelId="{A4AE2A36-361C-46AC-AC4F-1999001E76AD}" type="pres">
       <dgm:prSet presAssocID="{4F3BC159-59AB-4143-A5CA-607FDA1514E6}" presName="circ2" presStyleLbl="vennNode1" presStyleIdx="1" presStyleCnt="3"/>
       <dgm:spPr/>
-      <dgm:t>
-        <a:bodyPr/>
-        <a:lstStyle/>
-        <a:p>
-          <a:endParaRPr lang="en-US"/>
-        </a:p>
-      </dgm:t>
     </dgm:pt>
     <dgm:pt modelId="{BD15C853-3AFA-4DF1-B436-E603F17031E2}" type="pres">
       <dgm:prSet presAssocID="{4F3BC159-59AB-4143-A5CA-607FDA1514E6}" presName="circ2Tx" presStyleLbl="revTx" presStyleIdx="0" presStyleCnt="0">
@@ -5950,24 +5863,10 @@
         </dgm:presLayoutVars>
       </dgm:prSet>
       <dgm:spPr/>
-      <dgm:t>
-        <a:bodyPr/>
-        <a:lstStyle/>
-        <a:p>
-          <a:endParaRPr lang="en-US"/>
-        </a:p>
-      </dgm:t>
     </dgm:pt>
     <dgm:pt modelId="{5B1BB002-2D6C-43E7-85B4-30EBC572CADE}" type="pres">
       <dgm:prSet presAssocID="{60C45694-ED53-423A-A5D5-63678677E296}" presName="circ3" presStyleLbl="vennNode1" presStyleIdx="2" presStyleCnt="3"/>
       <dgm:spPr/>
-      <dgm:t>
-        <a:bodyPr/>
-        <a:lstStyle/>
-        <a:p>
-          <a:endParaRPr lang="en-US"/>
-        </a:p>
-      </dgm:t>
     </dgm:pt>
     <dgm:pt modelId="{E4D9B3C2-2C33-4F9B-99A9-E92A905EE8CD}" type="pres">
       <dgm:prSet presAssocID="{60C45694-ED53-423A-A5D5-63678677E296}" presName="circ3Tx" presStyleLbl="revTx" presStyleIdx="0" presStyleCnt="0">
@@ -5978,26 +5877,19 @@
         </dgm:presLayoutVars>
       </dgm:prSet>
       <dgm:spPr/>
-      <dgm:t>
-        <a:bodyPr/>
-        <a:lstStyle/>
-        <a:p>
-          <a:endParaRPr lang="en-US"/>
-        </a:p>
-      </dgm:t>
     </dgm:pt>
   </dgm:ptLst>
   <dgm:cxnLst>
+    <dgm:cxn modelId="{C5E60400-4E15-446D-90A9-71BF60FDB149}" type="presOf" srcId="{60C45694-ED53-423A-A5D5-63678677E296}" destId="{5B1BB002-2D6C-43E7-85B4-30EBC572CADE}" srcOrd="0" destOrd="0" presId="urn:microsoft.com/office/officeart/2005/8/layout/venn1"/>
+    <dgm:cxn modelId="{379D4B07-9601-4D3B-B7E9-C55E89F79EBF}" type="presOf" srcId="{4F3BC159-59AB-4143-A5CA-607FDA1514E6}" destId="{BD15C853-3AFA-4DF1-B436-E603F17031E2}" srcOrd="1" destOrd="0" presId="urn:microsoft.com/office/officeart/2005/8/layout/venn1"/>
+    <dgm:cxn modelId="{491D220A-51F9-4E6F-B16A-BB7A763F9DB1}" type="presOf" srcId="{60C45694-ED53-423A-A5D5-63678677E296}" destId="{E4D9B3C2-2C33-4F9B-99A9-E92A905EE8CD}" srcOrd="1" destOrd="0" presId="urn:microsoft.com/office/officeart/2005/8/layout/venn1"/>
+    <dgm:cxn modelId="{15E45425-F1D0-4000-9C9C-E1B8F9DD3EE6}" type="presOf" srcId="{4F3BC159-59AB-4143-A5CA-607FDA1514E6}" destId="{A4AE2A36-361C-46AC-AC4F-1999001E76AD}" srcOrd="0" destOrd="0" presId="urn:microsoft.com/office/officeart/2005/8/layout/venn1"/>
+    <dgm:cxn modelId="{5F5D8A32-0D0A-4389-BC5E-DAC3D7CADB59}" type="presOf" srcId="{B7F8AF53-FF89-4CB6-B4E8-72705B2728E9}" destId="{70DAE75A-6989-462C-9125-78A166D9FA86}" srcOrd="0" destOrd="0" presId="urn:microsoft.com/office/officeart/2005/8/layout/venn1"/>
+    <dgm:cxn modelId="{B64E933F-56D9-4BBC-ADCE-8A9FA5C247A9}" type="presOf" srcId="{BC27637B-48FF-45BA-99D4-1D6AC9D5C38B}" destId="{B36EF9F2-952A-46A2-99EE-5FB9B6756530}" srcOrd="0" destOrd="0" presId="urn:microsoft.com/office/officeart/2005/8/layout/venn1"/>
+    <dgm:cxn modelId="{E9C96664-F9FC-45ED-ADE1-E582A1C768CB}" srcId="{BC27637B-48FF-45BA-99D4-1D6AC9D5C38B}" destId="{4F3BC159-59AB-4143-A5CA-607FDA1514E6}" srcOrd="1" destOrd="0" parTransId="{AC8D8D38-0584-4CA7-BD38-F889D9B93A1D}" sibTransId="{9F67F76E-93E8-4380-B45C-F6BCB0EEC008}"/>
+    <dgm:cxn modelId="{67023865-99E7-4DD0-AC25-E1714AAC755A}" srcId="{BC27637B-48FF-45BA-99D4-1D6AC9D5C38B}" destId="{B7F8AF53-FF89-4CB6-B4E8-72705B2728E9}" srcOrd="0" destOrd="0" parTransId="{8C111A05-1369-4A4D-A0EE-8F7A76F8C40F}" sibTransId="{645BFD56-7AC8-4141-AA0F-92C69DB10EB0}"/>
     <dgm:cxn modelId="{89B87270-3FC0-45A6-8399-862653D9DF56}" srcId="{BC27637B-48FF-45BA-99D4-1D6AC9D5C38B}" destId="{60C45694-ED53-423A-A5D5-63678677E296}" srcOrd="2" destOrd="0" parTransId="{29D3F658-3300-4310-B92F-5CFF14C8F0E0}" sibTransId="{37955995-887A-4B59-8429-54FDCFBF9641}"/>
     <dgm:cxn modelId="{C8692956-952F-43F6-BD8E-D80C9425F431}" type="presOf" srcId="{B7F8AF53-FF89-4CB6-B4E8-72705B2728E9}" destId="{465EE09B-6C08-4586-86DB-F342C746D877}" srcOrd="1" destOrd="0" presId="urn:microsoft.com/office/officeart/2005/8/layout/venn1"/>
-    <dgm:cxn modelId="{C5E60400-4E15-446D-90A9-71BF60FDB149}" type="presOf" srcId="{60C45694-ED53-423A-A5D5-63678677E296}" destId="{5B1BB002-2D6C-43E7-85B4-30EBC572CADE}" srcOrd="0" destOrd="0" presId="urn:microsoft.com/office/officeart/2005/8/layout/venn1"/>
-    <dgm:cxn modelId="{B64E933F-56D9-4BBC-ADCE-8A9FA5C247A9}" type="presOf" srcId="{BC27637B-48FF-45BA-99D4-1D6AC9D5C38B}" destId="{B36EF9F2-952A-46A2-99EE-5FB9B6756530}" srcOrd="0" destOrd="0" presId="urn:microsoft.com/office/officeart/2005/8/layout/venn1"/>
-    <dgm:cxn modelId="{67023865-99E7-4DD0-AC25-E1714AAC755A}" srcId="{BC27637B-48FF-45BA-99D4-1D6AC9D5C38B}" destId="{B7F8AF53-FF89-4CB6-B4E8-72705B2728E9}" srcOrd="0" destOrd="0" parTransId="{8C111A05-1369-4A4D-A0EE-8F7A76F8C40F}" sibTransId="{645BFD56-7AC8-4141-AA0F-92C69DB10EB0}"/>
-    <dgm:cxn modelId="{379D4B07-9601-4D3B-B7E9-C55E89F79EBF}" type="presOf" srcId="{4F3BC159-59AB-4143-A5CA-607FDA1514E6}" destId="{BD15C853-3AFA-4DF1-B436-E603F17031E2}" srcOrd="1" destOrd="0" presId="urn:microsoft.com/office/officeart/2005/8/layout/venn1"/>
-    <dgm:cxn modelId="{5F5D8A32-0D0A-4389-BC5E-DAC3D7CADB59}" type="presOf" srcId="{B7F8AF53-FF89-4CB6-B4E8-72705B2728E9}" destId="{70DAE75A-6989-462C-9125-78A166D9FA86}" srcOrd="0" destOrd="0" presId="urn:microsoft.com/office/officeart/2005/8/layout/venn1"/>
-    <dgm:cxn modelId="{E9C96664-F9FC-45ED-ADE1-E582A1C768CB}" srcId="{BC27637B-48FF-45BA-99D4-1D6AC9D5C38B}" destId="{4F3BC159-59AB-4143-A5CA-607FDA1514E6}" srcOrd="1" destOrd="0" parTransId="{AC8D8D38-0584-4CA7-BD38-F889D9B93A1D}" sibTransId="{9F67F76E-93E8-4380-B45C-F6BCB0EEC008}"/>
-    <dgm:cxn modelId="{491D220A-51F9-4E6F-B16A-BB7A763F9DB1}" type="presOf" srcId="{60C45694-ED53-423A-A5D5-63678677E296}" destId="{E4D9B3C2-2C33-4F9B-99A9-E92A905EE8CD}" srcOrd="1" destOrd="0" presId="urn:microsoft.com/office/officeart/2005/8/layout/venn1"/>
-    <dgm:cxn modelId="{15E45425-F1D0-4000-9C9C-E1B8F9DD3EE6}" type="presOf" srcId="{4F3BC159-59AB-4143-A5CA-607FDA1514E6}" destId="{A4AE2A36-361C-46AC-AC4F-1999001E76AD}" srcOrd="0" destOrd="0" presId="urn:microsoft.com/office/officeart/2005/8/layout/venn1"/>
     <dgm:cxn modelId="{62AEA6E1-0FDA-4C58-A551-FD2A3DA58779}" type="presParOf" srcId="{B36EF9F2-952A-46A2-99EE-5FB9B6756530}" destId="{70DAE75A-6989-462C-9125-78A166D9FA86}" srcOrd="0" destOrd="0" presId="urn:microsoft.com/office/officeart/2005/8/layout/venn1"/>
     <dgm:cxn modelId="{35A09CE0-4D1F-49C9-9887-BB1F995CBF20}" type="presParOf" srcId="{B36EF9F2-952A-46A2-99EE-5FB9B6756530}" destId="{465EE09B-6C08-4586-86DB-F342C746D877}" srcOrd="1" destOrd="0" presId="urn:microsoft.com/office/officeart/2005/8/layout/venn1"/>
     <dgm:cxn modelId="{6D337B75-7FAD-4EBF-B5D4-58E506802C32}" type="presParOf" srcId="{B36EF9F2-952A-46A2-99EE-5FB9B6756530}" destId="{A4AE2A36-361C-46AC-AC4F-1999001E76AD}" srcOrd="2" destOrd="0" presId="urn:microsoft.com/office/officeart/2005/8/layout/venn1"/>
@@ -6186,13 +6078,6 @@
         </dgm:presLayoutVars>
       </dgm:prSet>
       <dgm:spPr/>
-      <dgm:t>
-        <a:bodyPr/>
-        <a:lstStyle/>
-        <a:p>
-          <a:endParaRPr lang="en-US"/>
-        </a:p>
-      </dgm:t>
     </dgm:pt>
     <dgm:pt modelId="{B49CD390-516E-4834-BF82-0F90BED2D188}" type="pres">
       <dgm:prSet presAssocID="{C49691FD-4849-4C15-8634-F069D077C73B}" presName="levelTx" presStyleLbl="revTx" presStyleIdx="0" presStyleCnt="0">
@@ -6202,13 +6087,6 @@
         </dgm:presLayoutVars>
       </dgm:prSet>
       <dgm:spPr/>
-      <dgm:t>
-        <a:bodyPr/>
-        <a:lstStyle/>
-        <a:p>
-          <a:endParaRPr lang="en-US"/>
-        </a:p>
-      </dgm:t>
     </dgm:pt>
     <dgm:pt modelId="{8FFC78BD-5E16-4EC5-9846-5A7104FC4113}" type="pres">
       <dgm:prSet presAssocID="{51A7FBBE-4ED1-4CEA-BDBF-0ACAB1AB8AC5}" presName="Name8" presStyleCnt="0"/>
@@ -6222,13 +6100,6 @@
         </dgm:presLayoutVars>
       </dgm:prSet>
       <dgm:spPr/>
-      <dgm:t>
-        <a:bodyPr/>
-        <a:lstStyle/>
-        <a:p>
-          <a:endParaRPr lang="en-US"/>
-        </a:p>
-      </dgm:t>
     </dgm:pt>
     <dgm:pt modelId="{1B79A6DD-1CB3-404F-8A68-3EBCD4B59D64}" type="pres">
       <dgm:prSet presAssocID="{51A7FBBE-4ED1-4CEA-BDBF-0ACAB1AB8AC5}" presName="levelTx" presStyleLbl="revTx" presStyleIdx="0" presStyleCnt="0">
@@ -6238,13 +6109,6 @@
         </dgm:presLayoutVars>
       </dgm:prSet>
       <dgm:spPr/>
-      <dgm:t>
-        <a:bodyPr/>
-        <a:lstStyle/>
-        <a:p>
-          <a:endParaRPr lang="en-US"/>
-        </a:p>
-      </dgm:t>
     </dgm:pt>
     <dgm:pt modelId="{642C1F3D-C02B-4B6A-8CD0-52B3D2FD2C71}" type="pres">
       <dgm:prSet presAssocID="{5B494DB3-25B3-4B1C-BA74-414CB976A057}" presName="Name8" presStyleCnt="0"/>
@@ -6258,13 +6122,6 @@
         </dgm:presLayoutVars>
       </dgm:prSet>
       <dgm:spPr/>
-      <dgm:t>
-        <a:bodyPr/>
-        <a:lstStyle/>
-        <a:p>
-          <a:endParaRPr lang="en-US"/>
-        </a:p>
-      </dgm:t>
     </dgm:pt>
     <dgm:pt modelId="{4C0F2CF9-756B-49DD-90EF-B981DA57DCB4}" type="pres">
       <dgm:prSet presAssocID="{5B494DB3-25B3-4B1C-BA74-414CB976A057}" presName="levelTx" presStyleLbl="revTx" presStyleIdx="0" presStyleCnt="0">
@@ -6274,26 +6131,19 @@
         </dgm:presLayoutVars>
       </dgm:prSet>
       <dgm:spPr/>
-      <dgm:t>
-        <a:bodyPr/>
-        <a:lstStyle/>
-        <a:p>
-          <a:endParaRPr lang="en-US"/>
-        </a:p>
-      </dgm:t>
     </dgm:pt>
   </dgm:ptLst>
   <dgm:cxnLst>
+    <dgm:cxn modelId="{6119FE06-746F-453C-88A8-FA2CF08B5F22}" srcId="{0D96D9B2-360F-409B-8944-C60D4512A617}" destId="{C49691FD-4849-4C15-8634-F069D077C73B}" srcOrd="0" destOrd="0" parTransId="{04EFF946-73EC-4B76-80BD-C8B80735368C}" sibTransId="{150C0183-4BCA-4F14-9226-91951A87F520}"/>
+    <dgm:cxn modelId="{9916AD25-D81E-4CF8-89F1-C1E2FE8AD3A5}" type="presOf" srcId="{51A7FBBE-4ED1-4CEA-BDBF-0ACAB1AB8AC5}" destId="{1B79A6DD-1CB3-404F-8A68-3EBCD4B59D64}" srcOrd="1" destOrd="0" presId="urn:microsoft.com/office/officeart/2005/8/layout/pyramid1"/>
+    <dgm:cxn modelId="{0E08E02D-FAC0-4E4E-8E04-CDA6637479C4}" type="presOf" srcId="{C49691FD-4849-4C15-8634-F069D077C73B}" destId="{B49CD390-516E-4834-BF82-0F90BED2D188}" srcOrd="1" destOrd="0" presId="urn:microsoft.com/office/officeart/2005/8/layout/pyramid1"/>
+    <dgm:cxn modelId="{DC8E8E70-70CF-4E90-BB86-30C7D7183B9A}" type="presOf" srcId="{5B494DB3-25B3-4B1C-BA74-414CB976A057}" destId="{E893878F-A869-478D-B8E0-A002D1DC4A1A}" srcOrd="0" destOrd="0" presId="urn:microsoft.com/office/officeart/2005/8/layout/pyramid1"/>
+    <dgm:cxn modelId="{00E1AF86-C807-4F57-A6F7-A67ECD863607}" type="presOf" srcId="{C49691FD-4849-4C15-8634-F069D077C73B}" destId="{53D5CB5D-3356-4A44-BF32-61B66773DF58}" srcOrd="0" destOrd="0" presId="urn:microsoft.com/office/officeart/2005/8/layout/pyramid1"/>
+    <dgm:cxn modelId="{A4F87192-EA47-4D04-A5EC-2E925250C3CD}" srcId="{0D96D9B2-360F-409B-8944-C60D4512A617}" destId="{5B494DB3-25B3-4B1C-BA74-414CB976A057}" srcOrd="2" destOrd="0" parTransId="{624D950E-6AC2-42CD-9574-FBEBF3146322}" sibTransId="{BF1F1BC1-F177-4726-8765-983512EA0860}"/>
+    <dgm:cxn modelId="{CBDDDAA2-CC7E-4BFB-A9B0-9CBDEE6BD318}" type="presOf" srcId="{0D96D9B2-360F-409B-8944-C60D4512A617}" destId="{75C8CCFF-7AA4-4953-9A65-6634F9311B71}" srcOrd="0" destOrd="0" presId="urn:microsoft.com/office/officeart/2005/8/layout/pyramid1"/>
     <dgm:cxn modelId="{8744C7B5-A605-419B-97DA-ABF1914BF0EE}" type="presOf" srcId="{5B494DB3-25B3-4B1C-BA74-414CB976A057}" destId="{4C0F2CF9-756B-49DD-90EF-B981DA57DCB4}" srcOrd="1" destOrd="0" presId="urn:microsoft.com/office/officeart/2005/8/layout/pyramid1"/>
-    <dgm:cxn modelId="{DC8E8E70-70CF-4E90-BB86-30C7D7183B9A}" type="presOf" srcId="{5B494DB3-25B3-4B1C-BA74-414CB976A057}" destId="{E893878F-A869-478D-B8E0-A002D1DC4A1A}" srcOrd="0" destOrd="0" presId="urn:microsoft.com/office/officeart/2005/8/layout/pyramid1"/>
-    <dgm:cxn modelId="{9916AD25-D81E-4CF8-89F1-C1E2FE8AD3A5}" type="presOf" srcId="{51A7FBBE-4ED1-4CEA-BDBF-0ACAB1AB8AC5}" destId="{1B79A6DD-1CB3-404F-8A68-3EBCD4B59D64}" srcOrd="1" destOrd="0" presId="urn:microsoft.com/office/officeart/2005/8/layout/pyramid1"/>
-    <dgm:cxn modelId="{CBDDDAA2-CC7E-4BFB-A9B0-9CBDEE6BD318}" type="presOf" srcId="{0D96D9B2-360F-409B-8944-C60D4512A617}" destId="{75C8CCFF-7AA4-4953-9A65-6634F9311B71}" srcOrd="0" destOrd="0" presId="urn:microsoft.com/office/officeart/2005/8/layout/pyramid1"/>
     <dgm:cxn modelId="{B65DA5BF-EF57-433C-805F-267C93688EE3}" srcId="{0D96D9B2-360F-409B-8944-C60D4512A617}" destId="{51A7FBBE-4ED1-4CEA-BDBF-0ACAB1AB8AC5}" srcOrd="1" destOrd="0" parTransId="{653F4216-6EE7-41F4-B363-BADFE267FBC8}" sibTransId="{B1687BBB-13E3-4529-B526-8B09F069137C}"/>
-    <dgm:cxn modelId="{6119FE06-746F-453C-88A8-FA2CF08B5F22}" srcId="{0D96D9B2-360F-409B-8944-C60D4512A617}" destId="{C49691FD-4849-4C15-8634-F069D077C73B}" srcOrd="0" destOrd="0" parTransId="{04EFF946-73EC-4B76-80BD-C8B80735368C}" sibTransId="{150C0183-4BCA-4F14-9226-91951A87F520}"/>
     <dgm:cxn modelId="{5AE899D4-2B20-4CA9-9EA8-FC5AA3B79B52}" type="presOf" srcId="{51A7FBBE-4ED1-4CEA-BDBF-0ACAB1AB8AC5}" destId="{B3467A7F-FB25-44DC-9154-79FFC4EE6B30}" srcOrd="0" destOrd="0" presId="urn:microsoft.com/office/officeart/2005/8/layout/pyramid1"/>
-    <dgm:cxn modelId="{A4F87192-EA47-4D04-A5EC-2E925250C3CD}" srcId="{0D96D9B2-360F-409B-8944-C60D4512A617}" destId="{5B494DB3-25B3-4B1C-BA74-414CB976A057}" srcOrd="2" destOrd="0" parTransId="{624D950E-6AC2-42CD-9574-FBEBF3146322}" sibTransId="{BF1F1BC1-F177-4726-8765-983512EA0860}"/>
-    <dgm:cxn modelId="{0E08E02D-FAC0-4E4E-8E04-CDA6637479C4}" type="presOf" srcId="{C49691FD-4849-4C15-8634-F069D077C73B}" destId="{B49CD390-516E-4834-BF82-0F90BED2D188}" srcOrd="1" destOrd="0" presId="urn:microsoft.com/office/officeart/2005/8/layout/pyramid1"/>
-    <dgm:cxn modelId="{00E1AF86-C807-4F57-A6F7-A67ECD863607}" type="presOf" srcId="{C49691FD-4849-4C15-8634-F069D077C73B}" destId="{53D5CB5D-3356-4A44-BF32-61B66773DF58}" srcOrd="0" destOrd="0" presId="urn:microsoft.com/office/officeart/2005/8/layout/pyramid1"/>
     <dgm:cxn modelId="{04B9606B-B281-488C-8124-CED067FA7027}" type="presParOf" srcId="{75C8CCFF-7AA4-4953-9A65-6634F9311B71}" destId="{7FF3305D-B91D-4FEC-8EE7-03D7A065BBC0}" srcOrd="0" destOrd="0" presId="urn:microsoft.com/office/officeart/2005/8/layout/pyramid1"/>
     <dgm:cxn modelId="{4F82262E-F4D3-484A-B890-1952E593F793}" type="presParOf" srcId="{7FF3305D-B91D-4FEC-8EE7-03D7A065BBC0}" destId="{53D5CB5D-3356-4A44-BF32-61B66773DF58}" srcOrd="0" destOrd="0" presId="urn:microsoft.com/office/officeart/2005/8/layout/pyramid1"/>
     <dgm:cxn modelId="{C6DB0FC3-59B9-41D4-96B9-56021FEEA77C}" type="presParOf" srcId="{7FF3305D-B91D-4FEC-8EE7-03D7A065BBC0}" destId="{B49CD390-516E-4834-BF82-0F90BED2D188}" srcOrd="1" destOrd="0" presId="urn:microsoft.com/office/officeart/2005/8/layout/pyramid1"/>
@@ -6462,13 +6312,6 @@
         </dgm:presLayoutVars>
       </dgm:prSet>
       <dgm:spPr/>
-      <dgm:t>
-        <a:bodyPr/>
-        <a:lstStyle/>
-        <a:p>
-          <a:endParaRPr lang="en-US"/>
-        </a:p>
-      </dgm:t>
     </dgm:pt>
     <dgm:pt modelId="{B49CD390-516E-4834-BF82-0F90BED2D188}" type="pres">
       <dgm:prSet presAssocID="{C49691FD-4849-4C15-8634-F069D077C73B}" presName="levelTx" presStyleLbl="revTx" presStyleIdx="0" presStyleCnt="0">
@@ -6478,13 +6321,6 @@
         </dgm:presLayoutVars>
       </dgm:prSet>
       <dgm:spPr/>
-      <dgm:t>
-        <a:bodyPr/>
-        <a:lstStyle/>
-        <a:p>
-          <a:endParaRPr lang="en-US"/>
-        </a:p>
-      </dgm:t>
     </dgm:pt>
     <dgm:pt modelId="{8FFC78BD-5E16-4EC5-9846-5A7104FC4113}" type="pres">
       <dgm:prSet presAssocID="{51A7FBBE-4ED1-4CEA-BDBF-0ACAB1AB8AC5}" presName="Name8" presStyleCnt="0"/>
@@ -6498,13 +6334,6 @@
         </dgm:presLayoutVars>
       </dgm:prSet>
       <dgm:spPr/>
-      <dgm:t>
-        <a:bodyPr/>
-        <a:lstStyle/>
-        <a:p>
-          <a:endParaRPr lang="en-US"/>
-        </a:p>
-      </dgm:t>
     </dgm:pt>
     <dgm:pt modelId="{1B79A6DD-1CB3-404F-8A68-3EBCD4B59D64}" type="pres">
       <dgm:prSet presAssocID="{51A7FBBE-4ED1-4CEA-BDBF-0ACAB1AB8AC5}" presName="levelTx" presStyleLbl="revTx" presStyleIdx="0" presStyleCnt="0">
@@ -6514,13 +6343,6 @@
         </dgm:presLayoutVars>
       </dgm:prSet>
       <dgm:spPr/>
-      <dgm:t>
-        <a:bodyPr/>
-        <a:lstStyle/>
-        <a:p>
-          <a:endParaRPr lang="en-US"/>
-        </a:p>
-      </dgm:t>
     </dgm:pt>
     <dgm:pt modelId="{642C1F3D-C02B-4B6A-8CD0-52B3D2FD2C71}" type="pres">
       <dgm:prSet presAssocID="{5B494DB3-25B3-4B1C-BA74-414CB976A057}" presName="Name8" presStyleCnt="0"/>
@@ -6534,13 +6356,6 @@
         </dgm:presLayoutVars>
       </dgm:prSet>
       <dgm:spPr/>
-      <dgm:t>
-        <a:bodyPr/>
-        <a:lstStyle/>
-        <a:p>
-          <a:endParaRPr lang="en-US"/>
-        </a:p>
-      </dgm:t>
     </dgm:pt>
     <dgm:pt modelId="{4C0F2CF9-756B-49DD-90EF-B981DA57DCB4}" type="pres">
       <dgm:prSet presAssocID="{5B494DB3-25B3-4B1C-BA74-414CB976A057}" presName="levelTx" presStyleLbl="revTx" presStyleIdx="0" presStyleCnt="0">
@@ -6550,26 +6365,19 @@
         </dgm:presLayoutVars>
       </dgm:prSet>
       <dgm:spPr/>
-      <dgm:t>
-        <a:bodyPr/>
-        <a:lstStyle/>
-        <a:p>
-          <a:endParaRPr lang="en-US"/>
-        </a:p>
-      </dgm:t>
     </dgm:pt>
   </dgm:ptLst>
   <dgm:cxnLst>
+    <dgm:cxn modelId="{E1F6B800-FCB9-459E-A312-ABB87E3C4BA4}" type="presOf" srcId="{51A7FBBE-4ED1-4CEA-BDBF-0ACAB1AB8AC5}" destId="{B3467A7F-FB25-44DC-9154-79FFC4EE6B30}" srcOrd="0" destOrd="0" presId="urn:microsoft.com/office/officeart/2005/8/layout/pyramid1"/>
+    <dgm:cxn modelId="{6119FE06-746F-453C-88A8-FA2CF08B5F22}" srcId="{0D96D9B2-360F-409B-8944-C60D4512A617}" destId="{C49691FD-4849-4C15-8634-F069D077C73B}" srcOrd="0" destOrd="0" parTransId="{04EFF946-73EC-4B76-80BD-C8B80735368C}" sibTransId="{150C0183-4BCA-4F14-9226-91951A87F520}"/>
+    <dgm:cxn modelId="{9404231A-A526-49BC-80C4-CBD8A68A145B}" type="presOf" srcId="{5B494DB3-25B3-4B1C-BA74-414CB976A057}" destId="{4C0F2CF9-756B-49DD-90EF-B981DA57DCB4}" srcOrd="1" destOrd="0" presId="urn:microsoft.com/office/officeart/2005/8/layout/pyramid1"/>
+    <dgm:cxn modelId="{1E276623-AF37-4C13-96A1-AF6CEF2606ED}" type="presOf" srcId="{5B494DB3-25B3-4B1C-BA74-414CB976A057}" destId="{E893878F-A869-478D-B8E0-A002D1DC4A1A}" srcOrd="0" destOrd="0" presId="urn:microsoft.com/office/officeart/2005/8/layout/pyramid1"/>
+    <dgm:cxn modelId="{732C5D2A-B1AE-49F4-8058-C7BF0EF2C71A}" type="presOf" srcId="{0D96D9B2-360F-409B-8944-C60D4512A617}" destId="{75C8CCFF-7AA4-4953-9A65-6634F9311B71}" srcOrd="0" destOrd="0" presId="urn:microsoft.com/office/officeart/2005/8/layout/pyramid1"/>
+    <dgm:cxn modelId="{A4F87192-EA47-4D04-A5EC-2E925250C3CD}" srcId="{0D96D9B2-360F-409B-8944-C60D4512A617}" destId="{5B494DB3-25B3-4B1C-BA74-414CB976A057}" srcOrd="2" destOrd="0" parTransId="{624D950E-6AC2-42CD-9574-FBEBF3146322}" sibTransId="{BF1F1BC1-F177-4726-8765-983512EA0860}"/>
+    <dgm:cxn modelId="{B65DA5BF-EF57-433C-805F-267C93688EE3}" srcId="{0D96D9B2-360F-409B-8944-C60D4512A617}" destId="{51A7FBBE-4ED1-4CEA-BDBF-0ACAB1AB8AC5}" srcOrd="1" destOrd="0" parTransId="{653F4216-6EE7-41F4-B363-BADFE267FBC8}" sibTransId="{B1687BBB-13E3-4529-B526-8B09F069137C}"/>
+    <dgm:cxn modelId="{0FF90DC4-578A-4E30-BC0D-4ACB64E48B4D}" type="presOf" srcId="{C49691FD-4849-4C15-8634-F069D077C73B}" destId="{53D5CB5D-3356-4A44-BF32-61B66773DF58}" srcOrd="0" destOrd="0" presId="urn:microsoft.com/office/officeart/2005/8/layout/pyramid1"/>
+    <dgm:cxn modelId="{203EB8D8-90A6-40BA-B39B-3585AE228CBC}" type="presOf" srcId="{51A7FBBE-4ED1-4CEA-BDBF-0ACAB1AB8AC5}" destId="{1B79A6DD-1CB3-404F-8A68-3EBCD4B59D64}" srcOrd="1" destOrd="0" presId="urn:microsoft.com/office/officeart/2005/8/layout/pyramid1"/>
     <dgm:cxn modelId="{2B311BF8-4502-4B80-9F1C-27F8C131958A}" type="presOf" srcId="{C49691FD-4849-4C15-8634-F069D077C73B}" destId="{B49CD390-516E-4834-BF82-0F90BED2D188}" srcOrd="1" destOrd="0" presId="urn:microsoft.com/office/officeart/2005/8/layout/pyramid1"/>
-    <dgm:cxn modelId="{1E276623-AF37-4C13-96A1-AF6CEF2606ED}" type="presOf" srcId="{5B494DB3-25B3-4B1C-BA74-414CB976A057}" destId="{E893878F-A869-478D-B8E0-A002D1DC4A1A}" srcOrd="0" destOrd="0" presId="urn:microsoft.com/office/officeart/2005/8/layout/pyramid1"/>
-    <dgm:cxn modelId="{203EB8D8-90A6-40BA-B39B-3585AE228CBC}" type="presOf" srcId="{51A7FBBE-4ED1-4CEA-BDBF-0ACAB1AB8AC5}" destId="{1B79A6DD-1CB3-404F-8A68-3EBCD4B59D64}" srcOrd="1" destOrd="0" presId="urn:microsoft.com/office/officeart/2005/8/layout/pyramid1"/>
-    <dgm:cxn modelId="{0FF90DC4-578A-4E30-BC0D-4ACB64E48B4D}" type="presOf" srcId="{C49691FD-4849-4C15-8634-F069D077C73B}" destId="{53D5CB5D-3356-4A44-BF32-61B66773DF58}" srcOrd="0" destOrd="0" presId="urn:microsoft.com/office/officeart/2005/8/layout/pyramid1"/>
-    <dgm:cxn modelId="{732C5D2A-B1AE-49F4-8058-C7BF0EF2C71A}" type="presOf" srcId="{0D96D9B2-360F-409B-8944-C60D4512A617}" destId="{75C8CCFF-7AA4-4953-9A65-6634F9311B71}" srcOrd="0" destOrd="0" presId="urn:microsoft.com/office/officeart/2005/8/layout/pyramid1"/>
-    <dgm:cxn modelId="{E1F6B800-FCB9-459E-A312-ABB87E3C4BA4}" type="presOf" srcId="{51A7FBBE-4ED1-4CEA-BDBF-0ACAB1AB8AC5}" destId="{B3467A7F-FB25-44DC-9154-79FFC4EE6B30}" srcOrd="0" destOrd="0" presId="urn:microsoft.com/office/officeart/2005/8/layout/pyramid1"/>
-    <dgm:cxn modelId="{B65DA5BF-EF57-433C-805F-267C93688EE3}" srcId="{0D96D9B2-360F-409B-8944-C60D4512A617}" destId="{51A7FBBE-4ED1-4CEA-BDBF-0ACAB1AB8AC5}" srcOrd="1" destOrd="0" parTransId="{653F4216-6EE7-41F4-B363-BADFE267FBC8}" sibTransId="{B1687BBB-13E3-4529-B526-8B09F069137C}"/>
-    <dgm:cxn modelId="{6119FE06-746F-453C-88A8-FA2CF08B5F22}" srcId="{0D96D9B2-360F-409B-8944-C60D4512A617}" destId="{C49691FD-4849-4C15-8634-F069D077C73B}" srcOrd="0" destOrd="0" parTransId="{04EFF946-73EC-4B76-80BD-C8B80735368C}" sibTransId="{150C0183-4BCA-4F14-9226-91951A87F520}"/>
-    <dgm:cxn modelId="{A4F87192-EA47-4D04-A5EC-2E925250C3CD}" srcId="{0D96D9B2-360F-409B-8944-C60D4512A617}" destId="{5B494DB3-25B3-4B1C-BA74-414CB976A057}" srcOrd="2" destOrd="0" parTransId="{624D950E-6AC2-42CD-9574-FBEBF3146322}" sibTransId="{BF1F1BC1-F177-4726-8765-983512EA0860}"/>
-    <dgm:cxn modelId="{9404231A-A526-49BC-80C4-CBD8A68A145B}" type="presOf" srcId="{5B494DB3-25B3-4B1C-BA74-414CB976A057}" destId="{4C0F2CF9-756B-49DD-90EF-B981DA57DCB4}" srcOrd="1" destOrd="0" presId="urn:microsoft.com/office/officeart/2005/8/layout/pyramid1"/>
     <dgm:cxn modelId="{059D18EB-8DE2-43FC-86E0-49D31825BC18}" type="presParOf" srcId="{75C8CCFF-7AA4-4953-9A65-6634F9311B71}" destId="{7FF3305D-B91D-4FEC-8EE7-03D7A065BBC0}" srcOrd="0" destOrd="0" presId="urn:microsoft.com/office/officeart/2005/8/layout/pyramid1"/>
     <dgm:cxn modelId="{FF1D41FE-1D35-427F-B817-7478BC73BDC7}" type="presParOf" srcId="{7FF3305D-B91D-4FEC-8EE7-03D7A065BBC0}" destId="{53D5CB5D-3356-4A44-BF32-61B66773DF58}" srcOrd="0" destOrd="0" presId="urn:microsoft.com/office/officeart/2005/8/layout/pyramid1"/>
     <dgm:cxn modelId="{3DFBCDD4-2E27-4E4B-972F-4E2DA14762BB}" type="presParOf" srcId="{7FF3305D-B91D-4FEC-8EE7-03D7A065BBC0}" destId="{B49CD390-516E-4834-BF82-0F90BED2D188}" srcOrd="1" destOrd="0" presId="urn:microsoft.com/office/officeart/2005/8/layout/pyramid1"/>
@@ -6710,10 +6518,6 @@
           <a:br>
             <a:rPr lang="en-US" dirty="0"/>
           </a:br>
-          <a:r>
-            <a:rPr lang="en-US" dirty="0"/>
-            <a:t/>
-          </a:r>
           <a:br>
             <a:rPr lang="en-US" dirty="0"/>
           </a:br>
@@ -6760,10 +6564,6 @@
           <a:br>
             <a:rPr lang="en-US" dirty="0"/>
           </a:br>
-          <a:r>
-            <a:rPr lang="en-US" dirty="0"/>
-            <a:t/>
-          </a:r>
           <a:br>
             <a:rPr lang="en-US" dirty="0"/>
           </a:br>
@@ -6810,10 +6610,6 @@
           <a:br>
             <a:rPr lang="en-US" dirty="0"/>
           </a:br>
-          <a:r>
-            <a:rPr lang="en-US" dirty="0"/>
-            <a:t/>
-          </a:r>
           <a:br>
             <a:rPr lang="en-US" dirty="0"/>
           </a:br>
@@ -6860,10 +6656,6 @@
           <a:br>
             <a:rPr lang="en-US" dirty="0"/>
           </a:br>
-          <a:r>
-            <a:rPr lang="en-US" dirty="0"/>
-            <a:t/>
-          </a:r>
           <a:br>
             <a:rPr lang="en-US" dirty="0"/>
           </a:br>
@@ -6904,13 +6696,6 @@
         </dgm:presLayoutVars>
       </dgm:prSet>
       <dgm:spPr/>
-      <dgm:t>
-        <a:bodyPr/>
-        <a:lstStyle/>
-        <a:p>
-          <a:endParaRPr lang="en-US"/>
-        </a:p>
-      </dgm:t>
     </dgm:pt>
     <dgm:pt modelId="{69A9F42F-FEB1-4698-AF4D-B38FD8F70BBA}" type="pres">
       <dgm:prSet presAssocID="{20C9EC5B-FD33-407B-B72D-458BD5B369EC}" presName="Name5" presStyleLbl="vennNode1" presStyleIdx="0" presStyleCnt="6">
@@ -6919,13 +6704,6 @@
         </dgm:presLayoutVars>
       </dgm:prSet>
       <dgm:spPr/>
-      <dgm:t>
-        <a:bodyPr/>
-        <a:lstStyle/>
-        <a:p>
-          <a:endParaRPr lang="en-US"/>
-        </a:p>
-      </dgm:t>
     </dgm:pt>
     <dgm:pt modelId="{7D3BE575-29AC-4541-80E6-4E5EDBE912EF}" type="pres">
       <dgm:prSet presAssocID="{D802A6D0-4B39-49D9-A084-9C8E92433DE4}" presName="space" presStyleCnt="0"/>
@@ -6938,13 +6716,6 @@
         </dgm:presLayoutVars>
       </dgm:prSet>
       <dgm:spPr/>
-      <dgm:t>
-        <a:bodyPr/>
-        <a:lstStyle/>
-        <a:p>
-          <a:endParaRPr lang="en-US"/>
-        </a:p>
-      </dgm:t>
     </dgm:pt>
     <dgm:pt modelId="{E84C4DC5-61D8-482F-A45E-E671D55AF85F}" type="pres">
       <dgm:prSet presAssocID="{7F15C855-0079-4125-9BF7-E8E1CE7A4EA3}" presName="space" presStyleCnt="0"/>
@@ -6957,13 +6728,6 @@
         </dgm:presLayoutVars>
       </dgm:prSet>
       <dgm:spPr/>
-      <dgm:t>
-        <a:bodyPr/>
-        <a:lstStyle/>
-        <a:p>
-          <a:endParaRPr lang="en-US"/>
-        </a:p>
-      </dgm:t>
     </dgm:pt>
     <dgm:pt modelId="{84ED5D32-3927-4BED-963C-89BC98ABA245}" type="pres">
       <dgm:prSet presAssocID="{8A60ADF7-5744-48C3-8004-FF73561CE6CB}" presName="space" presStyleCnt="0"/>
@@ -6976,13 +6740,6 @@
         </dgm:presLayoutVars>
       </dgm:prSet>
       <dgm:spPr/>
-      <dgm:t>
-        <a:bodyPr/>
-        <a:lstStyle/>
-        <a:p>
-          <a:endParaRPr lang="en-US"/>
-        </a:p>
-      </dgm:t>
     </dgm:pt>
     <dgm:pt modelId="{2B839710-ED24-45B9-B01A-5743CDA867AE}" type="pres">
       <dgm:prSet presAssocID="{FFEE094D-1FDF-4CA5-8E17-96CBDE2AE666}" presName="space" presStyleCnt="0"/>
@@ -6995,13 +6752,6 @@
         </dgm:presLayoutVars>
       </dgm:prSet>
       <dgm:spPr/>
-      <dgm:t>
-        <a:bodyPr/>
-        <a:lstStyle/>
-        <a:p>
-          <a:endParaRPr lang="en-US"/>
-        </a:p>
-      </dgm:t>
     </dgm:pt>
     <dgm:pt modelId="{2A703670-C048-4F6F-AB6F-03DE0ED33E5C}" type="pres">
       <dgm:prSet presAssocID="{30415895-89DA-4331-9D45-BFF8902909F1}" presName="space" presStyleCnt="0"/>
@@ -7014,29 +6764,22 @@
         </dgm:presLayoutVars>
       </dgm:prSet>
       <dgm:spPr/>
-      <dgm:t>
-        <a:bodyPr/>
-        <a:lstStyle/>
-        <a:p>
-          <a:endParaRPr lang="en-US"/>
-        </a:p>
-      </dgm:t>
     </dgm:pt>
   </dgm:ptLst>
   <dgm:cxnLst>
+    <dgm:cxn modelId="{0689E601-E0A3-4BE0-A79E-F3AA5C6D440E}" type="presOf" srcId="{C52193E7-B1B0-4D83-ACBF-3E4F243A9F10}" destId="{8764A27A-09A7-4138-A5DF-87E746A50D23}" srcOrd="0" destOrd="0" presId="urn:microsoft.com/office/officeart/2005/8/layout/venn3"/>
     <dgm:cxn modelId="{50D34521-E027-40B4-A317-3E3D4EEDA008}" type="presOf" srcId="{C887FFC3-293B-435F-A8D8-D49E088FCEBD}" destId="{CBFFB83D-AA45-4B15-AC20-50B80727D7E1}" srcOrd="0" destOrd="0" presId="urn:microsoft.com/office/officeart/2005/8/layout/venn3"/>
+    <dgm:cxn modelId="{F28E9979-E69F-4208-8E3B-DBA478A7DAE4}" srcId="{C52193E7-B1B0-4D83-ACBF-3E4F243A9F10}" destId="{20C9EC5B-FD33-407B-B72D-458BD5B369EC}" srcOrd="0" destOrd="0" parTransId="{A03E7390-FCD1-4DB1-B5DA-1A1D6692E90F}" sibTransId="{D802A6D0-4B39-49D9-A084-9C8E92433DE4}"/>
+    <dgm:cxn modelId="{63BEF097-AD33-4BA3-B33C-CB499846E504}" srcId="{C52193E7-B1B0-4D83-ACBF-3E4F243A9F10}" destId="{F8F575CF-1894-46BE-AD33-2A2B6F28B694}" srcOrd="5" destOrd="0" parTransId="{EC2ED921-9D50-45C6-89D5-99EC1A683D82}" sibTransId="{834F6F9B-255C-4B50-B02D-B1113E92368F}"/>
+    <dgm:cxn modelId="{F71CE7A0-9924-4FFF-9E1E-187F5CDDD521}" type="presOf" srcId="{F8F575CF-1894-46BE-AD33-2A2B6F28B694}" destId="{59D66EC7-6FFB-4EBB-A203-44296DB21A5E}" srcOrd="0" destOrd="0" presId="urn:microsoft.com/office/officeart/2005/8/layout/venn3"/>
     <dgm:cxn modelId="{7AA1A0B0-25C1-462B-8CA9-0CEAA3485799}" type="presOf" srcId="{482B88A1-27B7-4357-ADEC-C906072D638F}" destId="{7594410F-5A0C-4A65-A798-37E721366B1A}" srcOrd="0" destOrd="0" presId="urn:microsoft.com/office/officeart/2005/8/layout/venn3"/>
-    <dgm:cxn modelId="{F71CE7A0-9924-4FFF-9E1E-187F5CDDD521}" type="presOf" srcId="{F8F575CF-1894-46BE-AD33-2A2B6F28B694}" destId="{59D66EC7-6FFB-4EBB-A203-44296DB21A5E}" srcOrd="0" destOrd="0" presId="urn:microsoft.com/office/officeart/2005/8/layout/venn3"/>
-    <dgm:cxn modelId="{4F49ACEC-DB7E-4550-B3AD-EB06E300C884}" srcId="{C52193E7-B1B0-4D83-ACBF-3E4F243A9F10}" destId="{D6018F32-8DEF-40F9-A9B4-253865D7EE70}" srcOrd="4" destOrd="0" parTransId="{92A38E36-980C-429D-BC08-FF5ED8A8A06F}" sibTransId="{30415895-89DA-4331-9D45-BFF8902909F1}"/>
     <dgm:cxn modelId="{58EBD8B1-37C9-4A11-95BE-30B942A1CBE4}" type="presOf" srcId="{D6018F32-8DEF-40F9-A9B4-253865D7EE70}" destId="{CF3D7F23-0876-40A8-A613-2810A593F71F}" srcOrd="0" destOrd="0" presId="urn:microsoft.com/office/officeart/2005/8/layout/venn3"/>
     <dgm:cxn modelId="{B25923C7-4011-41D0-B8BF-D0C5F7639430}" srcId="{C52193E7-B1B0-4D83-ACBF-3E4F243A9F10}" destId="{C887FFC3-293B-435F-A8D8-D49E088FCEBD}" srcOrd="3" destOrd="0" parTransId="{7BA32A09-8B14-4BE7-89C2-EE7757C5B70A}" sibTransId="{FFEE094D-1FDF-4CA5-8E17-96CBDE2AE666}"/>
     <dgm:cxn modelId="{072B6AD9-CB33-414B-A991-78E92E20BDD8}" type="presOf" srcId="{62F817BD-D997-44BE-A9AF-9F3458AD2A69}" destId="{B176AA14-FAC2-4A57-ABA9-6E825CC73539}" srcOrd="0" destOrd="0" presId="urn:microsoft.com/office/officeart/2005/8/layout/venn3"/>
+    <dgm:cxn modelId="{650472EC-F1C5-4FA6-B3EC-F54F929534CA}" srcId="{C52193E7-B1B0-4D83-ACBF-3E4F243A9F10}" destId="{482B88A1-27B7-4357-ADEC-C906072D638F}" srcOrd="1" destOrd="0" parTransId="{35866E5D-BB2A-4597-9013-8468366A589F}" sibTransId="{7F15C855-0079-4125-9BF7-E8E1CE7A4EA3}"/>
+    <dgm:cxn modelId="{4F49ACEC-DB7E-4550-B3AD-EB06E300C884}" srcId="{C52193E7-B1B0-4D83-ACBF-3E4F243A9F10}" destId="{D6018F32-8DEF-40F9-A9B4-253865D7EE70}" srcOrd="4" destOrd="0" parTransId="{92A38E36-980C-429D-BC08-FF5ED8A8A06F}" sibTransId="{30415895-89DA-4331-9D45-BFF8902909F1}"/>
     <dgm:cxn modelId="{7FE8C1FA-AA1D-4FA0-8DEE-654DFA812598}" type="presOf" srcId="{20C9EC5B-FD33-407B-B72D-458BD5B369EC}" destId="{69A9F42F-FEB1-4698-AF4D-B38FD8F70BBA}" srcOrd="0" destOrd="0" presId="urn:microsoft.com/office/officeart/2005/8/layout/venn3"/>
-    <dgm:cxn modelId="{F28E9979-E69F-4208-8E3B-DBA478A7DAE4}" srcId="{C52193E7-B1B0-4D83-ACBF-3E4F243A9F10}" destId="{20C9EC5B-FD33-407B-B72D-458BD5B369EC}" srcOrd="0" destOrd="0" parTransId="{A03E7390-FCD1-4DB1-B5DA-1A1D6692E90F}" sibTransId="{D802A6D0-4B39-49D9-A084-9C8E92433DE4}"/>
-    <dgm:cxn modelId="{63BEF097-AD33-4BA3-B33C-CB499846E504}" srcId="{C52193E7-B1B0-4D83-ACBF-3E4F243A9F10}" destId="{F8F575CF-1894-46BE-AD33-2A2B6F28B694}" srcOrd="5" destOrd="0" parTransId="{EC2ED921-9D50-45C6-89D5-99EC1A683D82}" sibTransId="{834F6F9B-255C-4B50-B02D-B1113E92368F}"/>
-    <dgm:cxn modelId="{0689E601-E0A3-4BE0-A79E-F3AA5C6D440E}" type="presOf" srcId="{C52193E7-B1B0-4D83-ACBF-3E4F243A9F10}" destId="{8764A27A-09A7-4138-A5DF-87E746A50D23}" srcOrd="0" destOrd="0" presId="urn:microsoft.com/office/officeart/2005/8/layout/venn3"/>
     <dgm:cxn modelId="{5F779FFE-1570-4F15-B6D0-7065862009F6}" srcId="{C52193E7-B1B0-4D83-ACBF-3E4F243A9F10}" destId="{62F817BD-D997-44BE-A9AF-9F3458AD2A69}" srcOrd="2" destOrd="0" parTransId="{3F79AB96-434A-4D1A-A524-FF1B6135FA15}" sibTransId="{8A60ADF7-5744-48C3-8004-FF73561CE6CB}"/>
-    <dgm:cxn modelId="{650472EC-F1C5-4FA6-B3EC-F54F929534CA}" srcId="{C52193E7-B1B0-4D83-ACBF-3E4F243A9F10}" destId="{482B88A1-27B7-4357-ADEC-C906072D638F}" srcOrd="1" destOrd="0" parTransId="{35866E5D-BB2A-4597-9013-8468366A589F}" sibTransId="{7F15C855-0079-4125-9BF7-E8E1CE7A4EA3}"/>
     <dgm:cxn modelId="{0BA57101-1ACE-4911-A952-44A9B7E15345}" type="presParOf" srcId="{8764A27A-09A7-4138-A5DF-87E746A50D23}" destId="{69A9F42F-FEB1-4698-AF4D-B38FD8F70BBA}" srcOrd="0" destOrd="0" presId="urn:microsoft.com/office/officeart/2005/8/layout/venn3"/>
     <dgm:cxn modelId="{0EDD712B-FA24-4129-B161-A70C45308B8A}" type="presParOf" srcId="{8764A27A-09A7-4138-A5DF-87E746A50D23}" destId="{7D3BE575-29AC-4541-80E6-4E5EDBE912EF}" srcOrd="1" destOrd="0" presId="urn:microsoft.com/office/officeart/2005/8/layout/venn3"/>
     <dgm:cxn modelId="{8231D997-2CFB-4E39-A794-9E05DD8CCD89}" type="presParOf" srcId="{8764A27A-09A7-4138-A5DF-87E746A50D23}" destId="{7594410F-5A0C-4A65-A798-37E721366B1A}" srcOrd="2" destOrd="0" presId="urn:microsoft.com/office/officeart/2005/8/layout/venn3"/>
@@ -7187,13 +6930,6 @@
     <dgm:pt modelId="{384A7A3C-D927-406D-B4C0-763B3DC90AD4}" type="pres">
       <dgm:prSet presAssocID="{C99B45EC-C5BA-488F-BF5D-6769DDB723A9}" presName="wedge1" presStyleLbl="node1" presStyleIdx="0" presStyleCnt="3"/>
       <dgm:spPr/>
-      <dgm:t>
-        <a:bodyPr/>
-        <a:lstStyle/>
-        <a:p>
-          <a:endParaRPr lang="en-US"/>
-        </a:p>
-      </dgm:t>
     </dgm:pt>
     <dgm:pt modelId="{626DD26F-66E4-4FD3-9E13-BB4A7DC6B60D}" type="pres">
       <dgm:prSet presAssocID="{C99B45EC-C5BA-488F-BF5D-6769DDB723A9}" presName="dummy1a" presStyleCnt="0"/>
@@ -7212,24 +6948,10 @@
         </dgm:presLayoutVars>
       </dgm:prSet>
       <dgm:spPr/>
-      <dgm:t>
-        <a:bodyPr/>
-        <a:lstStyle/>
-        <a:p>
-          <a:endParaRPr lang="en-US"/>
-        </a:p>
-      </dgm:t>
     </dgm:pt>
     <dgm:pt modelId="{D3F1D94B-5D5F-4645-96EF-A38BE0CFDC7B}" type="pres">
       <dgm:prSet presAssocID="{C99B45EC-C5BA-488F-BF5D-6769DDB723A9}" presName="wedge2" presStyleLbl="node1" presStyleIdx="1" presStyleCnt="3"/>
       <dgm:spPr/>
-      <dgm:t>
-        <a:bodyPr/>
-        <a:lstStyle/>
-        <a:p>
-          <a:endParaRPr lang="en-US"/>
-        </a:p>
-      </dgm:t>
     </dgm:pt>
     <dgm:pt modelId="{E22F5F77-567D-422C-90B7-A81A0F405B69}" type="pres">
       <dgm:prSet presAssocID="{C99B45EC-C5BA-488F-BF5D-6769DDB723A9}" presName="dummy2a" presStyleCnt="0"/>
@@ -7248,24 +6970,10 @@
         </dgm:presLayoutVars>
       </dgm:prSet>
       <dgm:spPr/>
-      <dgm:t>
-        <a:bodyPr/>
-        <a:lstStyle/>
-        <a:p>
-          <a:endParaRPr lang="en-US"/>
-        </a:p>
-      </dgm:t>
     </dgm:pt>
     <dgm:pt modelId="{340A2270-6372-4019-BA75-525473D2911E}" type="pres">
       <dgm:prSet presAssocID="{C99B45EC-C5BA-488F-BF5D-6769DDB723A9}" presName="wedge3" presStyleLbl="node1" presStyleIdx="2" presStyleCnt="3"/>
       <dgm:spPr/>
-      <dgm:t>
-        <a:bodyPr/>
-        <a:lstStyle/>
-        <a:p>
-          <a:endParaRPr lang="en-US"/>
-        </a:p>
-      </dgm:t>
     </dgm:pt>
     <dgm:pt modelId="{43096DA8-7F41-4894-83FD-1D125EA127F1}" type="pres">
       <dgm:prSet presAssocID="{C99B45EC-C5BA-488F-BF5D-6769DDB723A9}" presName="dummy3a" presStyleCnt="0"/>
@@ -7284,13 +6992,6 @@
         </dgm:presLayoutVars>
       </dgm:prSet>
       <dgm:spPr/>
-      <dgm:t>
-        <a:bodyPr/>
-        <a:lstStyle/>
-        <a:p>
-          <a:endParaRPr lang="en-US"/>
-        </a:p>
-      </dgm:t>
     </dgm:pt>
     <dgm:pt modelId="{C1F70047-4808-49B3-AD50-D056BDA0B699}" type="pres">
       <dgm:prSet presAssocID="{FDBF1EA1-D590-4C72-8814-D9D730BEB236}" presName="arrowWedge1" presStyleLbl="fgSibTrans2D1" presStyleIdx="0" presStyleCnt="3"/>
@@ -7306,16 +7007,16 @@
     </dgm:pt>
   </dgm:ptLst>
   <dgm:cxnLst>
+    <dgm:cxn modelId="{EA965600-A9BA-45E6-B979-A3D8BF78C6E7}" type="presOf" srcId="{E292B5D8-C12A-445E-B6DE-B3B237A5BA5E}" destId="{384A7A3C-D927-406D-B4C0-763B3DC90AD4}" srcOrd="0" destOrd="0" presId="urn:microsoft.com/office/officeart/2005/8/layout/cycle8"/>
+    <dgm:cxn modelId="{4035CF11-6AEB-4AEF-90FD-E8CE4CF4A771}" type="presOf" srcId="{C99B45EC-C5BA-488F-BF5D-6769DDB723A9}" destId="{B265D87F-6925-4570-A2CF-2AD320FD4A0F}" srcOrd="0" destOrd="0" presId="urn:microsoft.com/office/officeart/2005/8/layout/cycle8"/>
+    <dgm:cxn modelId="{86F5761A-4F76-4AA8-BA57-15BF5BAA1DB1}" srcId="{C99B45EC-C5BA-488F-BF5D-6769DDB723A9}" destId="{E292B5D8-C12A-445E-B6DE-B3B237A5BA5E}" srcOrd="0" destOrd="0" parTransId="{D05F0A9C-68C2-44D1-9817-F9FEED91BA59}" sibTransId="{FDBF1EA1-D590-4C72-8814-D9D730BEB236}"/>
+    <dgm:cxn modelId="{547EC937-0797-4A20-A28D-F1D6CC9088C5}" type="presOf" srcId="{E292B5D8-C12A-445E-B6DE-B3B237A5BA5E}" destId="{3201D66B-928D-44BE-BFFD-8065C85A5C8E}" srcOrd="1" destOrd="0" presId="urn:microsoft.com/office/officeart/2005/8/layout/cycle8"/>
     <dgm:cxn modelId="{03366038-2A0D-42DC-988C-07B88E20D219}" type="presOf" srcId="{36B66DDC-4772-4A80-A9FA-5014B46FF7F3}" destId="{D3F1D94B-5D5F-4645-96EF-A38BE0CFDC7B}" srcOrd="0" destOrd="0" presId="urn:microsoft.com/office/officeart/2005/8/layout/cycle8"/>
-    <dgm:cxn modelId="{EA965600-A9BA-45E6-B979-A3D8BF78C6E7}" type="presOf" srcId="{E292B5D8-C12A-445E-B6DE-B3B237A5BA5E}" destId="{384A7A3C-D927-406D-B4C0-763B3DC90AD4}" srcOrd="0" destOrd="0" presId="urn:microsoft.com/office/officeart/2005/8/layout/cycle8"/>
-    <dgm:cxn modelId="{547EC937-0797-4A20-A28D-F1D6CC9088C5}" type="presOf" srcId="{E292B5D8-C12A-445E-B6DE-B3B237A5BA5E}" destId="{3201D66B-928D-44BE-BFFD-8065C85A5C8E}" srcOrd="1" destOrd="0" presId="urn:microsoft.com/office/officeart/2005/8/layout/cycle8"/>
     <dgm:cxn modelId="{76BE7E75-7D5F-4192-A06D-A7F2B18C870A}" type="presOf" srcId="{AEF5A3F3-F681-4672-B60E-9CF53C490614}" destId="{35ED300C-21B5-4509-93EE-9C1D0AE69543}" srcOrd="1" destOrd="0" presId="urn:microsoft.com/office/officeart/2005/8/layout/cycle8"/>
-    <dgm:cxn modelId="{6376A2AB-9A9D-46B9-9F09-5EB2F2F22B85}" type="presOf" srcId="{36B66DDC-4772-4A80-A9FA-5014B46FF7F3}" destId="{A327E96E-5258-46C3-9D51-E036547C4A94}" srcOrd="1" destOrd="0" presId="urn:microsoft.com/office/officeart/2005/8/layout/cycle8"/>
     <dgm:cxn modelId="{6C108887-21ED-495A-96AB-E9D5F5698D86}" srcId="{C99B45EC-C5BA-488F-BF5D-6769DDB723A9}" destId="{36B66DDC-4772-4A80-A9FA-5014B46FF7F3}" srcOrd="1" destOrd="0" parTransId="{5E9FF5E7-72E0-492C-9969-980255C0805A}" sibTransId="{835D4631-84B5-43C6-888C-BEDCD5D034C2}"/>
     <dgm:cxn modelId="{02962BA6-0502-4407-81D4-146837D07072}" srcId="{C99B45EC-C5BA-488F-BF5D-6769DDB723A9}" destId="{AEF5A3F3-F681-4672-B60E-9CF53C490614}" srcOrd="2" destOrd="0" parTransId="{47C11CC5-620A-4872-B3B0-FFE8A7A76FE4}" sibTransId="{79350B10-356A-42FD-92B0-4576FA1AC93F}"/>
-    <dgm:cxn modelId="{86F5761A-4F76-4AA8-BA57-15BF5BAA1DB1}" srcId="{C99B45EC-C5BA-488F-BF5D-6769DDB723A9}" destId="{E292B5D8-C12A-445E-B6DE-B3B237A5BA5E}" srcOrd="0" destOrd="0" parTransId="{D05F0A9C-68C2-44D1-9817-F9FEED91BA59}" sibTransId="{FDBF1EA1-D590-4C72-8814-D9D730BEB236}"/>
+    <dgm:cxn modelId="{6376A2AB-9A9D-46B9-9F09-5EB2F2F22B85}" type="presOf" srcId="{36B66DDC-4772-4A80-A9FA-5014B46FF7F3}" destId="{A327E96E-5258-46C3-9D51-E036547C4A94}" srcOrd="1" destOrd="0" presId="urn:microsoft.com/office/officeart/2005/8/layout/cycle8"/>
     <dgm:cxn modelId="{FB8101E4-6A77-434D-AA1E-3C2DB5BBFEC8}" type="presOf" srcId="{AEF5A3F3-F681-4672-B60E-9CF53C490614}" destId="{340A2270-6372-4019-BA75-525473D2911E}" srcOrd="0" destOrd="0" presId="urn:microsoft.com/office/officeart/2005/8/layout/cycle8"/>
-    <dgm:cxn modelId="{4035CF11-6AEB-4AEF-90FD-E8CE4CF4A771}" type="presOf" srcId="{C99B45EC-C5BA-488F-BF5D-6769DDB723A9}" destId="{B265D87F-6925-4570-A2CF-2AD320FD4A0F}" srcOrd="0" destOrd="0" presId="urn:microsoft.com/office/officeart/2005/8/layout/cycle8"/>
     <dgm:cxn modelId="{11BFFF00-2B0B-4759-8C8C-1A205073663C}" type="presParOf" srcId="{B265D87F-6925-4570-A2CF-2AD320FD4A0F}" destId="{384A7A3C-D927-406D-B4C0-763B3DC90AD4}" srcOrd="0" destOrd="0" presId="urn:microsoft.com/office/officeart/2005/8/layout/cycle8"/>
     <dgm:cxn modelId="{ED4D4FDB-0E4E-4A3B-BE27-46927B42D805}" type="presParOf" srcId="{B265D87F-6925-4570-A2CF-2AD320FD4A0F}" destId="{626DD26F-66E4-4FD3-9E13-BB4A7DC6B60D}" srcOrd="1" destOrd="0" presId="urn:microsoft.com/office/officeart/2005/8/layout/cycle8"/>
     <dgm:cxn modelId="{FCD47A4C-21AB-4BF7-A6C3-A4E188B9FA75}" type="presParOf" srcId="{B265D87F-6925-4570-A2CF-2AD320FD4A0F}" destId="{1EEEB596-C01C-41F9-9890-30D6E99C72F1}" srcOrd="2" destOrd="0" presId="urn:microsoft.com/office/officeart/2005/8/layout/cycle8"/>
@@ -7462,10 +7163,6 @@
           <a:br>
             <a:rPr lang="en-US" dirty="0"/>
           </a:br>
-          <a:r>
-            <a:rPr lang="en-US" dirty="0"/>
-            <a:t/>
-          </a:r>
           <a:br>
             <a:rPr lang="en-US" dirty="0"/>
           </a:br>
@@ -7512,10 +7209,6 @@
           <a:br>
             <a:rPr lang="en-US" dirty="0"/>
           </a:br>
-          <a:r>
-            <a:rPr lang="en-US" dirty="0"/>
-            <a:t/>
-          </a:r>
           <a:br>
             <a:rPr lang="en-US" dirty="0"/>
           </a:br>
@@ -7562,10 +7255,6 @@
           <a:br>
             <a:rPr lang="en-US" dirty="0"/>
           </a:br>
-          <a:r>
-            <a:rPr lang="en-US" dirty="0"/>
-            <a:t/>
-          </a:r>
           <a:br>
             <a:rPr lang="en-US" dirty="0"/>
           </a:br>
@@ -7612,10 +7301,6 @@
           <a:br>
             <a:rPr lang="en-US" dirty="0"/>
           </a:br>
-          <a:r>
-            <a:rPr lang="en-US" dirty="0"/>
-            <a:t/>
-          </a:r>
           <a:br>
             <a:rPr lang="en-US" dirty="0"/>
           </a:br>
@@ -7656,13 +7341,6 @@
         </dgm:presLayoutVars>
       </dgm:prSet>
       <dgm:spPr/>
-      <dgm:t>
-        <a:bodyPr/>
-        <a:lstStyle/>
-        <a:p>
-          <a:endParaRPr lang="en-US"/>
-        </a:p>
-      </dgm:t>
     </dgm:pt>
     <dgm:pt modelId="{69A9F42F-FEB1-4698-AF4D-B38FD8F70BBA}" type="pres">
       <dgm:prSet presAssocID="{20C9EC5B-FD33-407B-B72D-458BD5B369EC}" presName="Name5" presStyleLbl="vennNode1" presStyleIdx="0" presStyleCnt="6">
@@ -7671,13 +7349,6 @@
         </dgm:presLayoutVars>
       </dgm:prSet>
       <dgm:spPr/>
-      <dgm:t>
-        <a:bodyPr/>
-        <a:lstStyle/>
-        <a:p>
-          <a:endParaRPr lang="en-US"/>
-        </a:p>
-      </dgm:t>
     </dgm:pt>
     <dgm:pt modelId="{7D3BE575-29AC-4541-80E6-4E5EDBE912EF}" type="pres">
       <dgm:prSet presAssocID="{D802A6D0-4B39-49D9-A084-9C8E92433DE4}" presName="space" presStyleCnt="0"/>
@@ -7690,13 +7361,6 @@
         </dgm:presLayoutVars>
       </dgm:prSet>
       <dgm:spPr/>
-      <dgm:t>
-        <a:bodyPr/>
-        <a:lstStyle/>
-        <a:p>
-          <a:endParaRPr lang="en-US"/>
-        </a:p>
-      </dgm:t>
     </dgm:pt>
     <dgm:pt modelId="{E84C4DC5-61D8-482F-A45E-E671D55AF85F}" type="pres">
       <dgm:prSet presAssocID="{7F15C855-0079-4125-9BF7-E8E1CE7A4EA3}" presName="space" presStyleCnt="0"/>
@@ -7709,13 +7373,6 @@
         </dgm:presLayoutVars>
       </dgm:prSet>
       <dgm:spPr/>
-      <dgm:t>
-        <a:bodyPr/>
-        <a:lstStyle/>
-        <a:p>
-          <a:endParaRPr lang="en-US"/>
-        </a:p>
-      </dgm:t>
     </dgm:pt>
     <dgm:pt modelId="{84ED5D32-3927-4BED-963C-89BC98ABA245}" type="pres">
       <dgm:prSet presAssocID="{8A60ADF7-5744-48C3-8004-FF73561CE6CB}" presName="space" presStyleCnt="0"/>
@@ -7728,13 +7385,6 @@
         </dgm:presLayoutVars>
       </dgm:prSet>
       <dgm:spPr/>
-      <dgm:t>
-        <a:bodyPr/>
-        <a:lstStyle/>
-        <a:p>
-          <a:endParaRPr lang="en-US"/>
-        </a:p>
-      </dgm:t>
     </dgm:pt>
     <dgm:pt modelId="{2B839710-ED24-45B9-B01A-5743CDA867AE}" type="pres">
       <dgm:prSet presAssocID="{FFEE094D-1FDF-4CA5-8E17-96CBDE2AE666}" presName="space" presStyleCnt="0"/>
@@ -7747,13 +7397,6 @@
         </dgm:presLayoutVars>
       </dgm:prSet>
       <dgm:spPr/>
-      <dgm:t>
-        <a:bodyPr/>
-        <a:lstStyle/>
-        <a:p>
-          <a:endParaRPr lang="en-US"/>
-        </a:p>
-      </dgm:t>
     </dgm:pt>
     <dgm:pt modelId="{2A703670-C048-4F6F-AB6F-03DE0ED33E5C}" type="pres">
       <dgm:prSet presAssocID="{30415895-89DA-4331-9D45-BFF8902909F1}" presName="space" presStyleCnt="0"/>
@@ -7766,29 +7409,22 @@
         </dgm:presLayoutVars>
       </dgm:prSet>
       <dgm:spPr/>
-      <dgm:t>
-        <a:bodyPr/>
-        <a:lstStyle/>
-        <a:p>
-          <a:endParaRPr lang="en-US"/>
-        </a:p>
-      </dgm:t>
     </dgm:pt>
   </dgm:ptLst>
   <dgm:cxnLst>
+    <dgm:cxn modelId="{0689E601-E0A3-4BE0-A79E-F3AA5C6D440E}" type="presOf" srcId="{C52193E7-B1B0-4D83-ACBF-3E4F243A9F10}" destId="{8764A27A-09A7-4138-A5DF-87E746A50D23}" srcOrd="0" destOrd="0" presId="urn:microsoft.com/office/officeart/2005/8/layout/venn3"/>
     <dgm:cxn modelId="{50D34521-E027-40B4-A317-3E3D4EEDA008}" type="presOf" srcId="{C887FFC3-293B-435F-A8D8-D49E088FCEBD}" destId="{CBFFB83D-AA45-4B15-AC20-50B80727D7E1}" srcOrd="0" destOrd="0" presId="urn:microsoft.com/office/officeart/2005/8/layout/venn3"/>
+    <dgm:cxn modelId="{F28E9979-E69F-4208-8E3B-DBA478A7DAE4}" srcId="{C52193E7-B1B0-4D83-ACBF-3E4F243A9F10}" destId="{20C9EC5B-FD33-407B-B72D-458BD5B369EC}" srcOrd="0" destOrd="0" parTransId="{A03E7390-FCD1-4DB1-B5DA-1A1D6692E90F}" sibTransId="{D802A6D0-4B39-49D9-A084-9C8E92433DE4}"/>
+    <dgm:cxn modelId="{63BEF097-AD33-4BA3-B33C-CB499846E504}" srcId="{C52193E7-B1B0-4D83-ACBF-3E4F243A9F10}" destId="{F8F575CF-1894-46BE-AD33-2A2B6F28B694}" srcOrd="5" destOrd="0" parTransId="{EC2ED921-9D50-45C6-89D5-99EC1A683D82}" sibTransId="{834F6F9B-255C-4B50-B02D-B1113E92368F}"/>
+    <dgm:cxn modelId="{F71CE7A0-9924-4FFF-9E1E-187F5CDDD521}" type="presOf" srcId="{F8F575CF-1894-46BE-AD33-2A2B6F28B694}" destId="{59D66EC7-6FFB-4EBB-A203-44296DB21A5E}" srcOrd="0" destOrd="0" presId="urn:microsoft.com/office/officeart/2005/8/layout/venn3"/>
     <dgm:cxn modelId="{7AA1A0B0-25C1-462B-8CA9-0CEAA3485799}" type="presOf" srcId="{482B88A1-27B7-4357-ADEC-C906072D638F}" destId="{7594410F-5A0C-4A65-A798-37E721366B1A}" srcOrd="0" destOrd="0" presId="urn:microsoft.com/office/officeart/2005/8/layout/venn3"/>
-    <dgm:cxn modelId="{F71CE7A0-9924-4FFF-9E1E-187F5CDDD521}" type="presOf" srcId="{F8F575CF-1894-46BE-AD33-2A2B6F28B694}" destId="{59D66EC7-6FFB-4EBB-A203-44296DB21A5E}" srcOrd="0" destOrd="0" presId="urn:microsoft.com/office/officeart/2005/8/layout/venn3"/>
-    <dgm:cxn modelId="{4F49ACEC-DB7E-4550-B3AD-EB06E300C884}" srcId="{C52193E7-B1B0-4D83-ACBF-3E4F243A9F10}" destId="{D6018F32-8DEF-40F9-A9B4-253865D7EE70}" srcOrd="4" destOrd="0" parTransId="{92A38E36-980C-429D-BC08-FF5ED8A8A06F}" sibTransId="{30415895-89DA-4331-9D45-BFF8902909F1}"/>
     <dgm:cxn modelId="{58EBD8B1-37C9-4A11-95BE-30B942A1CBE4}" type="presOf" srcId="{D6018F32-8DEF-40F9-A9B4-253865D7EE70}" destId="{CF3D7F23-0876-40A8-A613-2810A593F71F}" srcOrd="0" destOrd="0" presId="urn:microsoft.com/office/officeart/2005/8/layout/venn3"/>
     <dgm:cxn modelId="{B25923C7-4011-41D0-B8BF-D0C5F7639430}" srcId="{C52193E7-B1B0-4D83-ACBF-3E4F243A9F10}" destId="{C887FFC3-293B-435F-A8D8-D49E088FCEBD}" srcOrd="3" destOrd="0" parTransId="{7BA32A09-8B14-4BE7-89C2-EE7757C5B70A}" sibTransId="{FFEE094D-1FDF-4CA5-8E17-96CBDE2AE666}"/>
     <dgm:cxn modelId="{072B6AD9-CB33-414B-A991-78E92E20BDD8}" type="presOf" srcId="{62F817BD-D997-44BE-A9AF-9F3458AD2A69}" destId="{B176AA14-FAC2-4A57-ABA9-6E825CC73539}" srcOrd="0" destOrd="0" presId="urn:microsoft.com/office/officeart/2005/8/layout/venn3"/>
+    <dgm:cxn modelId="{650472EC-F1C5-4FA6-B3EC-F54F929534CA}" srcId="{C52193E7-B1B0-4D83-ACBF-3E4F243A9F10}" destId="{482B88A1-27B7-4357-ADEC-C906072D638F}" srcOrd="1" destOrd="0" parTransId="{35866E5D-BB2A-4597-9013-8468366A589F}" sibTransId="{7F15C855-0079-4125-9BF7-E8E1CE7A4EA3}"/>
+    <dgm:cxn modelId="{4F49ACEC-DB7E-4550-B3AD-EB06E300C884}" srcId="{C52193E7-B1B0-4D83-ACBF-3E4F243A9F10}" destId="{D6018F32-8DEF-40F9-A9B4-253865D7EE70}" srcOrd="4" destOrd="0" parTransId="{92A38E36-980C-429D-BC08-FF5ED8A8A06F}" sibTransId="{30415895-89DA-4331-9D45-BFF8902909F1}"/>
     <dgm:cxn modelId="{7FE8C1FA-AA1D-4FA0-8DEE-654DFA812598}" type="presOf" srcId="{20C9EC5B-FD33-407B-B72D-458BD5B369EC}" destId="{69A9F42F-FEB1-4698-AF4D-B38FD8F70BBA}" srcOrd="0" destOrd="0" presId="urn:microsoft.com/office/officeart/2005/8/layout/venn3"/>
-    <dgm:cxn modelId="{F28E9979-E69F-4208-8E3B-DBA478A7DAE4}" srcId="{C52193E7-B1B0-4D83-ACBF-3E4F243A9F10}" destId="{20C9EC5B-FD33-407B-B72D-458BD5B369EC}" srcOrd="0" destOrd="0" parTransId="{A03E7390-FCD1-4DB1-B5DA-1A1D6692E90F}" sibTransId="{D802A6D0-4B39-49D9-A084-9C8E92433DE4}"/>
-    <dgm:cxn modelId="{63BEF097-AD33-4BA3-B33C-CB499846E504}" srcId="{C52193E7-B1B0-4D83-ACBF-3E4F243A9F10}" destId="{F8F575CF-1894-46BE-AD33-2A2B6F28B694}" srcOrd="5" destOrd="0" parTransId="{EC2ED921-9D50-45C6-89D5-99EC1A683D82}" sibTransId="{834F6F9B-255C-4B50-B02D-B1113E92368F}"/>
-    <dgm:cxn modelId="{0689E601-E0A3-4BE0-A79E-F3AA5C6D440E}" type="presOf" srcId="{C52193E7-B1B0-4D83-ACBF-3E4F243A9F10}" destId="{8764A27A-09A7-4138-A5DF-87E746A50D23}" srcOrd="0" destOrd="0" presId="urn:microsoft.com/office/officeart/2005/8/layout/venn3"/>
     <dgm:cxn modelId="{5F779FFE-1570-4F15-B6D0-7065862009F6}" srcId="{C52193E7-B1B0-4D83-ACBF-3E4F243A9F10}" destId="{62F817BD-D997-44BE-A9AF-9F3458AD2A69}" srcOrd="2" destOrd="0" parTransId="{3F79AB96-434A-4D1A-A524-FF1B6135FA15}" sibTransId="{8A60ADF7-5744-48C3-8004-FF73561CE6CB}"/>
-    <dgm:cxn modelId="{650472EC-F1C5-4FA6-B3EC-F54F929534CA}" srcId="{C52193E7-B1B0-4D83-ACBF-3E4F243A9F10}" destId="{482B88A1-27B7-4357-ADEC-C906072D638F}" srcOrd="1" destOrd="0" parTransId="{35866E5D-BB2A-4597-9013-8468366A589F}" sibTransId="{7F15C855-0079-4125-9BF7-E8E1CE7A4EA3}"/>
     <dgm:cxn modelId="{0BA57101-1ACE-4911-A952-44A9B7E15345}" type="presParOf" srcId="{8764A27A-09A7-4138-A5DF-87E746A50D23}" destId="{69A9F42F-FEB1-4698-AF4D-B38FD8F70BBA}" srcOrd="0" destOrd="0" presId="urn:microsoft.com/office/officeart/2005/8/layout/venn3"/>
     <dgm:cxn modelId="{0EDD712B-FA24-4129-B161-A70C45308B8A}" type="presParOf" srcId="{8764A27A-09A7-4138-A5DF-87E746A50D23}" destId="{7D3BE575-29AC-4541-80E6-4E5EDBE912EF}" srcOrd="1" destOrd="0" presId="urn:microsoft.com/office/officeart/2005/8/layout/venn3"/>
     <dgm:cxn modelId="{8231D997-2CFB-4E39-A794-9E05DD8CCD89}" type="presParOf" srcId="{8764A27A-09A7-4138-A5DF-87E746A50D23}" destId="{7594410F-5A0C-4A65-A798-37E721366B1A}" srcOrd="2" destOrd="0" presId="urn:microsoft.com/office/officeart/2005/8/layout/venn3"/>
@@ -7875,7 +7511,7 @@
         </a:bodyPr>
         <a:lstStyle/>
         <a:p>
-          <a:pPr lvl="0" algn="ctr" defTabSz="1200150">
+          <a:pPr marL="0" lvl="0" indent="0" algn="ctr" defTabSz="1200150">
             <a:lnSpc>
               <a:spcPct val="90000"/>
             </a:lnSpc>
@@ -7885,6 +7521,7 @@
             <a:spcAft>
               <a:spcPct val="35000"/>
             </a:spcAft>
+            <a:buNone/>
           </a:pPr>
           <a:r>
             <a:rPr lang="en-US" sz="2700" kern="1200" dirty="0"/>
@@ -7949,7 +7586,7 @@
         </a:bodyPr>
         <a:lstStyle/>
         <a:p>
-          <a:pPr lvl="0" algn="ctr" defTabSz="1200150">
+          <a:pPr marL="0" lvl="0" indent="0" algn="ctr" defTabSz="1200150">
             <a:lnSpc>
               <a:spcPct val="90000"/>
             </a:lnSpc>
@@ -7959,6 +7596,7 @@
             <a:spcAft>
               <a:spcPct val="35000"/>
             </a:spcAft>
+            <a:buNone/>
           </a:pPr>
           <a:r>
             <a:rPr lang="en-US" sz="2700" kern="1200" dirty="0"/>
@@ -8023,7 +7661,7 @@
         </a:bodyPr>
         <a:lstStyle/>
         <a:p>
-          <a:pPr lvl="0" algn="ctr" defTabSz="1200150">
+          <a:pPr marL="0" lvl="0" indent="0" algn="ctr" defTabSz="1200150">
             <a:lnSpc>
               <a:spcPct val="90000"/>
             </a:lnSpc>
@@ -8033,6 +7671,7 @@
             <a:spcAft>
               <a:spcPct val="35000"/>
             </a:spcAft>
+            <a:buNone/>
           </a:pPr>
           <a:r>
             <a:rPr lang="en-US" sz="2700" kern="1200" dirty="0"/>
@@ -8113,7 +7752,7 @@
         </a:bodyPr>
         <a:lstStyle/>
         <a:p>
-          <a:pPr lvl="0" algn="ctr" defTabSz="844550">
+          <a:pPr marL="0" lvl="0" indent="0" algn="ctr" defTabSz="844550">
             <a:lnSpc>
               <a:spcPct val="90000"/>
             </a:lnSpc>
@@ -8123,6 +7762,7 @@
             <a:spcAft>
               <a:spcPct val="35000"/>
             </a:spcAft>
+            <a:buNone/>
           </a:pPr>
           <a:r>
             <a:rPr lang="en-US" sz="1900" b="1" kern="1200" dirty="0"/>
@@ -8201,7 +7841,7 @@
         </a:bodyPr>
         <a:lstStyle/>
         <a:p>
-          <a:pPr lvl="0" algn="ctr" defTabSz="844550">
+          <a:pPr marL="0" lvl="0" indent="0" algn="ctr" defTabSz="844550">
             <a:lnSpc>
               <a:spcPct val="90000"/>
             </a:lnSpc>
@@ -8211,6 +7851,7 @@
             <a:spcAft>
               <a:spcPct val="35000"/>
             </a:spcAft>
+            <a:buNone/>
           </a:pPr>
           <a:r>
             <a:rPr lang="en-US" sz="1900" b="1" kern="1200" dirty="0"/>
@@ -8311,7 +7952,7 @@
         </a:bodyPr>
         <a:lstStyle/>
         <a:p>
-          <a:pPr lvl="0" algn="ctr" defTabSz="844550">
+          <a:pPr marL="0" lvl="0" indent="0" algn="ctr" defTabSz="844550">
             <a:lnSpc>
               <a:spcPct val="90000"/>
             </a:lnSpc>
@@ -8321,14 +7962,11 @@
             <a:spcAft>
               <a:spcPct val="35000"/>
             </a:spcAft>
+            <a:buNone/>
           </a:pPr>
           <a:r>
             <a:rPr lang="en-US" sz="1900" b="1" kern="1200" dirty="0"/>
             <a:t>APIs</a:t>
-          </a:r>
-          <a:r>
-            <a:rPr lang="en-US" sz="1900" b="0" kern="1200" dirty="0"/>
-            <a:t/>
           </a:r>
           <a:br>
             <a:rPr lang="en-US" sz="1900" b="0" kern="1200" dirty="0"/>
@@ -8426,7 +8064,7 @@
         </a:bodyPr>
         <a:lstStyle/>
         <a:p>
-          <a:pPr lvl="0" algn="ctr" defTabSz="2000250">
+          <a:pPr marL="0" lvl="0" indent="0" algn="ctr" defTabSz="2000250">
             <a:lnSpc>
               <a:spcPct val="90000"/>
             </a:lnSpc>
@@ -8436,6 +8074,7 @@
             <a:spcAft>
               <a:spcPct val="35000"/>
             </a:spcAft>
+            <a:buNone/>
           </a:pPr>
           <a:r>
             <a:rPr lang="en-US" sz="4500" kern="1200" dirty="0">
@@ -8509,7 +8148,7 @@
         </a:bodyPr>
         <a:lstStyle/>
         <a:p>
-          <a:pPr lvl="0" algn="ctr" defTabSz="2000250">
+          <a:pPr marL="0" lvl="0" indent="0" algn="ctr" defTabSz="2000250">
             <a:lnSpc>
               <a:spcPct val="90000"/>
             </a:lnSpc>
@@ -8519,6 +8158,7 @@
             <a:spcAft>
               <a:spcPct val="35000"/>
             </a:spcAft>
+            <a:buNone/>
           </a:pPr>
           <a:r>
             <a:rPr lang="en-US" sz="4500" kern="1200" dirty="0">
@@ -8595,7 +8235,7 @@
         </a:bodyPr>
         <a:lstStyle/>
         <a:p>
-          <a:pPr lvl="0" algn="ctr" defTabSz="2000250">
+          <a:pPr marL="0" lvl="0" indent="0" algn="ctr" defTabSz="2000250">
             <a:lnSpc>
               <a:spcPct val="90000"/>
             </a:lnSpc>
@@ -8605,6 +8245,7 @@
             <a:spcAft>
               <a:spcPct val="35000"/>
             </a:spcAft>
+            <a:buNone/>
           </a:pPr>
           <a:r>
             <a:rPr lang="en-US" sz="4500" kern="1200" dirty="0">
@@ -8691,7 +8332,7 @@
         </a:bodyPr>
         <a:lstStyle/>
         <a:p>
-          <a:pPr lvl="0" algn="ctr" defTabSz="2489200">
+          <a:pPr marL="0" lvl="0" indent="0" algn="ctr" defTabSz="2489200">
             <a:lnSpc>
               <a:spcPct val="90000"/>
             </a:lnSpc>
@@ -8701,6 +8342,7 @@
             <a:spcAft>
               <a:spcPct val="35000"/>
             </a:spcAft>
+            <a:buNone/>
           </a:pPr>
           <a:endParaRPr lang="en-US" sz="5600" kern="1200" dirty="0"/>
         </a:p>
@@ -8765,7 +8407,7 @@
         </a:bodyPr>
         <a:lstStyle/>
         <a:p>
-          <a:pPr lvl="0" algn="ctr" defTabSz="2489200">
+          <a:pPr marL="0" lvl="0" indent="0" algn="ctr" defTabSz="2489200">
             <a:lnSpc>
               <a:spcPct val="90000"/>
             </a:lnSpc>
@@ -8775,6 +8417,7 @@
             <a:spcAft>
               <a:spcPct val="35000"/>
             </a:spcAft>
+            <a:buNone/>
           </a:pPr>
           <a:r>
             <a:rPr lang="en-US" sz="5600" kern="1200" dirty="0"/>
@@ -8844,7 +8487,7 @@
         </a:bodyPr>
         <a:lstStyle/>
         <a:p>
-          <a:pPr lvl="0" algn="ctr" defTabSz="2489200">
+          <a:pPr marL="0" lvl="0" indent="0" algn="ctr" defTabSz="2489200">
             <a:lnSpc>
               <a:spcPct val="90000"/>
             </a:lnSpc>
@@ -8854,6 +8497,7 @@
             <a:spcAft>
               <a:spcPct val="35000"/>
             </a:spcAft>
+            <a:buNone/>
           </a:pPr>
           <a:r>
             <a:rPr lang="en-US" sz="5600" kern="1200" dirty="0"/>
@@ -8934,7 +8578,7 @@
         </a:bodyPr>
         <a:lstStyle/>
         <a:p>
-          <a:pPr lvl="0" algn="ctr" defTabSz="800100">
+          <a:pPr marL="0" lvl="0" indent="0" algn="ctr" defTabSz="800100">
             <a:lnSpc>
               <a:spcPct val="90000"/>
             </a:lnSpc>
@@ -8944,6 +8588,7 @@
             <a:spcAft>
               <a:spcPct val="35000"/>
             </a:spcAft>
+            <a:buNone/>
           </a:pPr>
           <a:r>
             <a:rPr lang="en-US" sz="1800" kern="1200" dirty="0"/>
@@ -8955,7 +8600,7 @@
           <a:endParaRPr lang="en-US" sz="1800" kern="1200" dirty="0"/>
         </a:p>
         <a:p>
-          <a:pPr lvl="0" algn="ctr" defTabSz="800100">
+          <a:pPr marL="0" lvl="0" indent="0" algn="ctr" defTabSz="800100">
             <a:lnSpc>
               <a:spcPct val="90000"/>
             </a:lnSpc>
@@ -8965,6 +8610,7 @@
             <a:spcAft>
               <a:spcPct val="35000"/>
             </a:spcAft>
+            <a:buNone/>
           </a:pPr>
           <a:r>
             <a:rPr lang="en-US" sz="1800" kern="1200" dirty="0"/>
@@ -9033,7 +8679,7 @@
         </a:bodyPr>
         <a:lstStyle/>
         <a:p>
-          <a:pPr lvl="0" algn="ctr" defTabSz="800100">
+          <a:pPr marL="0" lvl="0" indent="0" algn="ctr" defTabSz="800100">
             <a:lnSpc>
               <a:spcPct val="90000"/>
             </a:lnSpc>
@@ -9043,6 +8689,7 @@
             <a:spcAft>
               <a:spcPct val="35000"/>
             </a:spcAft>
+            <a:buNone/>
           </a:pPr>
           <a:r>
             <a:rPr lang="en-US" sz="1800" kern="1200" dirty="0"/>
@@ -9054,7 +8701,7 @@
           <a:endParaRPr lang="en-US" sz="1800" kern="1200" dirty="0"/>
         </a:p>
         <a:p>
-          <a:pPr lvl="0" algn="ctr" defTabSz="800100">
+          <a:pPr marL="0" lvl="0" indent="0" algn="ctr" defTabSz="800100">
             <a:lnSpc>
               <a:spcPct val="90000"/>
             </a:lnSpc>
@@ -9064,6 +8711,7 @@
             <a:spcAft>
               <a:spcPct val="35000"/>
             </a:spcAft>
+            <a:buNone/>
           </a:pPr>
           <a:r>
             <a:rPr lang="en-US" sz="1800" kern="1200" dirty="0"/>
@@ -9132,7 +8780,7 @@
         </a:bodyPr>
         <a:lstStyle/>
         <a:p>
-          <a:pPr lvl="0" algn="ctr" defTabSz="800100">
+          <a:pPr marL="0" lvl="0" indent="0" algn="ctr" defTabSz="800100">
             <a:lnSpc>
               <a:spcPct val="90000"/>
             </a:lnSpc>
@@ -9142,6 +8790,7 @@
             <a:spcAft>
               <a:spcPct val="35000"/>
             </a:spcAft>
+            <a:buNone/>
           </a:pPr>
           <a:r>
             <a:rPr lang="en-US" sz="1800" kern="1200" dirty="0"/>
@@ -9150,10 +8799,6 @@
           <a:br>
             <a:rPr lang="en-US" sz="1800" kern="1200" dirty="0"/>
           </a:br>
-          <a:r>
-            <a:rPr lang="en-US" sz="1800" kern="1200" dirty="0"/>
-            <a:t/>
-          </a:r>
           <a:br>
             <a:rPr lang="en-US" sz="1800" kern="1200" dirty="0"/>
           </a:br>
@@ -9224,7 +8869,7 @@
         </a:bodyPr>
         <a:lstStyle/>
         <a:p>
-          <a:pPr lvl="0" algn="ctr" defTabSz="800100">
+          <a:pPr marL="0" lvl="0" indent="0" algn="ctr" defTabSz="800100">
             <a:lnSpc>
               <a:spcPct val="90000"/>
             </a:lnSpc>
@@ -9234,6 +8879,7 @@
             <a:spcAft>
               <a:spcPct val="35000"/>
             </a:spcAft>
+            <a:buNone/>
           </a:pPr>
           <a:r>
             <a:rPr lang="en-US" sz="1800" kern="1200" dirty="0"/>
@@ -9242,10 +8888,6 @@
           <a:br>
             <a:rPr lang="en-US" sz="1800" kern="1200" dirty="0"/>
           </a:br>
-          <a:r>
-            <a:rPr lang="en-US" sz="1800" kern="1200" dirty="0"/>
-            <a:t/>
-          </a:r>
           <a:br>
             <a:rPr lang="en-US" sz="1800" kern="1200" dirty="0"/>
           </a:br>
@@ -9316,7 +8958,7 @@
         </a:bodyPr>
         <a:lstStyle/>
         <a:p>
-          <a:pPr lvl="0" algn="ctr" defTabSz="800100">
+          <a:pPr marL="0" lvl="0" indent="0" algn="ctr" defTabSz="800100">
             <a:lnSpc>
               <a:spcPct val="90000"/>
             </a:lnSpc>
@@ -9326,6 +8968,7 @@
             <a:spcAft>
               <a:spcPct val="35000"/>
             </a:spcAft>
+            <a:buNone/>
           </a:pPr>
           <a:r>
             <a:rPr lang="en-US" sz="1800" kern="1200" dirty="0"/>
@@ -9334,10 +8977,6 @@
           <a:br>
             <a:rPr lang="en-US" sz="1800" kern="1200" dirty="0"/>
           </a:br>
-          <a:r>
-            <a:rPr lang="en-US" sz="1800" kern="1200" dirty="0"/>
-            <a:t/>
-          </a:r>
           <a:br>
             <a:rPr lang="en-US" sz="1800" kern="1200" dirty="0"/>
           </a:br>
@@ -9408,7 +9047,7 @@
         </a:bodyPr>
         <a:lstStyle/>
         <a:p>
-          <a:pPr lvl="0" algn="ctr" defTabSz="800100">
+          <a:pPr marL="0" lvl="0" indent="0" algn="ctr" defTabSz="800100">
             <a:lnSpc>
               <a:spcPct val="90000"/>
             </a:lnSpc>
@@ -9418,6 +9057,7 @@
             <a:spcAft>
               <a:spcPct val="35000"/>
             </a:spcAft>
+            <a:buNone/>
           </a:pPr>
           <a:r>
             <a:rPr lang="en-US" sz="1800" kern="1200" dirty="0"/>
@@ -9426,10 +9066,6 @@
           <a:br>
             <a:rPr lang="en-US" sz="1800" kern="1200" dirty="0"/>
           </a:br>
-          <a:r>
-            <a:rPr lang="en-US" sz="1800" kern="1200" dirty="0"/>
-            <a:t/>
-          </a:r>
           <a:br>
             <a:rPr lang="en-US" sz="1800" kern="1200" dirty="0"/>
           </a:br>
@@ -9514,7 +9150,7 @@
         </a:bodyPr>
         <a:lstStyle/>
         <a:p>
-          <a:pPr lvl="0" algn="ctr" defTabSz="2000250">
+          <a:pPr marL="0" lvl="0" indent="0" algn="ctr" defTabSz="2000250">
             <a:lnSpc>
               <a:spcPct val="90000"/>
             </a:lnSpc>
@@ -9524,6 +9160,7 @@
             <a:spcAft>
               <a:spcPct val="35000"/>
             </a:spcAft>
+            <a:buNone/>
           </a:pPr>
           <a:r>
             <a:rPr lang="en-US" sz="4500" kern="1200" dirty="0"/>
@@ -9594,7 +9231,7 @@
         </a:bodyPr>
         <a:lstStyle/>
         <a:p>
-          <a:pPr lvl="0" algn="ctr" defTabSz="2000250">
+          <a:pPr marL="0" lvl="0" indent="0" algn="ctr" defTabSz="2000250">
             <a:lnSpc>
               <a:spcPct val="90000"/>
             </a:lnSpc>
@@ -9604,6 +9241,7 @@
             <a:spcAft>
               <a:spcPct val="35000"/>
             </a:spcAft>
+            <a:buNone/>
           </a:pPr>
           <a:r>
             <a:rPr lang="en-US" sz="4500" kern="1200" dirty="0"/>
@@ -9674,7 +9312,7 @@
         </a:bodyPr>
         <a:lstStyle/>
         <a:p>
-          <a:pPr lvl="0" algn="ctr" defTabSz="2000250">
+          <a:pPr marL="0" lvl="0" indent="0" algn="ctr" defTabSz="2000250">
             <a:lnSpc>
               <a:spcPct val="90000"/>
             </a:lnSpc>
@@ -9684,6 +9322,7 @@
             <a:spcAft>
               <a:spcPct val="35000"/>
             </a:spcAft>
+            <a:buNone/>
           </a:pPr>
           <a:r>
             <a:rPr lang="en-US" sz="4500" kern="1200" dirty="0"/>
@@ -9908,7 +9547,7 @@
         </a:bodyPr>
         <a:lstStyle/>
         <a:p>
-          <a:pPr lvl="0" algn="ctr" defTabSz="933450">
+          <a:pPr marL="0" lvl="0" indent="0" algn="ctr" defTabSz="933450">
             <a:lnSpc>
               <a:spcPct val="90000"/>
             </a:lnSpc>
@@ -9918,6 +9557,7 @@
             <a:spcAft>
               <a:spcPct val="35000"/>
             </a:spcAft>
+            <a:buNone/>
           </a:pPr>
           <a:r>
             <a:rPr lang="en-US" sz="2100" kern="1200" dirty="0"/>
@@ -9929,7 +9569,7 @@
           <a:endParaRPr lang="en-US" sz="2100" kern="1200" dirty="0"/>
         </a:p>
         <a:p>
-          <a:pPr lvl="0" algn="ctr" defTabSz="933450">
+          <a:pPr marL="0" lvl="0" indent="0" algn="ctr" defTabSz="933450">
             <a:lnSpc>
               <a:spcPct val="90000"/>
             </a:lnSpc>
@@ -9939,6 +9579,7 @@
             <a:spcAft>
               <a:spcPct val="35000"/>
             </a:spcAft>
+            <a:buNone/>
           </a:pPr>
           <a:r>
             <a:rPr lang="en-US" sz="2100" kern="1200" dirty="0"/>
@@ -10007,7 +9648,7 @@
         </a:bodyPr>
         <a:lstStyle/>
         <a:p>
-          <a:pPr lvl="0" algn="ctr" defTabSz="933450">
+          <a:pPr marL="0" lvl="0" indent="0" algn="ctr" defTabSz="933450">
             <a:lnSpc>
               <a:spcPct val="90000"/>
             </a:lnSpc>
@@ -10017,6 +9658,7 @@
             <a:spcAft>
               <a:spcPct val="35000"/>
             </a:spcAft>
+            <a:buNone/>
           </a:pPr>
           <a:r>
             <a:rPr lang="en-US" sz="2100" kern="1200" dirty="0"/>
@@ -10028,7 +9670,7 @@
           <a:endParaRPr lang="en-US" sz="2100" kern="1200" dirty="0"/>
         </a:p>
         <a:p>
-          <a:pPr lvl="0" algn="ctr" defTabSz="933450">
+          <a:pPr marL="0" lvl="0" indent="0" algn="ctr" defTabSz="933450">
             <a:lnSpc>
               <a:spcPct val="90000"/>
             </a:lnSpc>
@@ -10038,6 +9680,7 @@
             <a:spcAft>
               <a:spcPct val="35000"/>
             </a:spcAft>
+            <a:buNone/>
           </a:pPr>
           <a:r>
             <a:rPr lang="en-US" sz="2100" kern="1200" dirty="0"/>
@@ -10106,7 +9749,7 @@
         </a:bodyPr>
         <a:lstStyle/>
         <a:p>
-          <a:pPr lvl="0" algn="ctr" defTabSz="933450">
+          <a:pPr marL="0" lvl="0" indent="0" algn="ctr" defTabSz="933450">
             <a:lnSpc>
               <a:spcPct val="90000"/>
             </a:lnSpc>
@@ -10116,6 +9759,7 @@
             <a:spcAft>
               <a:spcPct val="35000"/>
             </a:spcAft>
+            <a:buNone/>
           </a:pPr>
           <a:r>
             <a:rPr lang="en-US" sz="2100" kern="1200" dirty="0"/>
@@ -10124,10 +9768,6 @@
           <a:br>
             <a:rPr lang="en-US" sz="2100" kern="1200" dirty="0"/>
           </a:br>
-          <a:r>
-            <a:rPr lang="en-US" sz="2100" kern="1200" dirty="0"/>
-            <a:t/>
-          </a:r>
           <a:br>
             <a:rPr lang="en-US" sz="2100" kern="1200" dirty="0"/>
           </a:br>
@@ -10198,7 +9838,7 @@
         </a:bodyPr>
         <a:lstStyle/>
         <a:p>
-          <a:pPr lvl="0" algn="ctr" defTabSz="933450">
+          <a:pPr marL="0" lvl="0" indent="0" algn="ctr" defTabSz="933450">
             <a:lnSpc>
               <a:spcPct val="90000"/>
             </a:lnSpc>
@@ -10208,6 +9848,7 @@
             <a:spcAft>
               <a:spcPct val="35000"/>
             </a:spcAft>
+            <a:buNone/>
           </a:pPr>
           <a:r>
             <a:rPr lang="en-US" sz="2100" kern="1200" dirty="0"/>
@@ -10216,10 +9857,6 @@
           <a:br>
             <a:rPr lang="en-US" sz="2100" kern="1200" dirty="0"/>
           </a:br>
-          <a:r>
-            <a:rPr lang="en-US" sz="2100" kern="1200" dirty="0"/>
-            <a:t/>
-          </a:r>
           <a:br>
             <a:rPr lang="en-US" sz="2100" kern="1200" dirty="0"/>
           </a:br>
@@ -10290,7 +9927,7 @@
         </a:bodyPr>
         <a:lstStyle/>
         <a:p>
-          <a:pPr lvl="0" algn="ctr" defTabSz="933450">
+          <a:pPr marL="0" lvl="0" indent="0" algn="ctr" defTabSz="933450">
             <a:lnSpc>
               <a:spcPct val="90000"/>
             </a:lnSpc>
@@ -10300,6 +9937,7 @@
             <a:spcAft>
               <a:spcPct val="35000"/>
             </a:spcAft>
+            <a:buNone/>
           </a:pPr>
           <a:r>
             <a:rPr lang="en-US" sz="2100" kern="1200" dirty="0"/>
@@ -10308,10 +9946,6 @@
           <a:br>
             <a:rPr lang="en-US" sz="2100" kern="1200" dirty="0"/>
           </a:br>
-          <a:r>
-            <a:rPr lang="en-US" sz="2100" kern="1200" dirty="0"/>
-            <a:t/>
-          </a:r>
           <a:br>
             <a:rPr lang="en-US" sz="2100" kern="1200" dirty="0"/>
           </a:br>
@@ -10382,7 +10016,7 @@
         </a:bodyPr>
         <a:lstStyle/>
         <a:p>
-          <a:pPr lvl="0" algn="ctr" defTabSz="933450">
+          <a:pPr marL="0" lvl="0" indent="0" algn="ctr" defTabSz="933450">
             <a:lnSpc>
               <a:spcPct val="90000"/>
             </a:lnSpc>
@@ -10392,6 +10026,7 @@
             <a:spcAft>
               <a:spcPct val="35000"/>
             </a:spcAft>
+            <a:buNone/>
           </a:pPr>
           <a:r>
             <a:rPr lang="en-US" sz="2100" kern="1200" dirty="0"/>
@@ -10400,10 +10035,6 @@
           <a:br>
             <a:rPr lang="en-US" sz="2100" kern="1200" dirty="0"/>
           </a:br>
-          <a:r>
-            <a:rPr lang="en-US" sz="2100" kern="1200" dirty="0"/>
-            <a:t/>
-          </a:r>
           <a:br>
             <a:rPr lang="en-US" sz="2100" kern="1200" dirty="0"/>
           </a:br>
@@ -22342,7 +21973,7 @@
 </p:notes>
 </file>
 
-<file path=ppt/notesSlides/notesSlide10.xml><?xml version="1.0" encoding="utf-8"?>
+<file path=ppt/notesSlides/notesSlide2.xml><?xml version="1.0" encoding="utf-8"?>
 <p:notes xmlns:a="http://schemas.openxmlformats.org/drawingml/2006/main" xmlns:r="http://schemas.openxmlformats.org/officeDocument/2006/relationships" xmlns:p="http://schemas.openxmlformats.org/presentationml/2006/main">
   <p:cSld>
     <p:spTree>
@@ -22388,388 +22019,10 @@
           <a:p>
             <a:r>
               <a:rPr lang="en-US" dirty="0"/>
-              <a:t>Service monitoring:</a:t>
+              <a:t>You don’t need all three but most of the time you do have all three</a:t>
             </a:r>
             <a:r>
               <a:rPr lang="en-US" baseline="0" dirty="0"/>
-              <a:t>  SCOM</a:t>
-            </a:r>
-          </a:p>
-          <a:p>
-            <a:r>
-              <a:rPr lang="en-US" baseline="0" dirty="0"/>
-              <a:t>Service logging:  </a:t>
-            </a:r>
-            <a:r>
-              <a:rPr lang="en-US" baseline="0" dirty="0" err="1"/>
-              <a:t>Splunk</a:t>
-            </a:r>
-            <a:r>
-              <a:rPr lang="en-US" baseline="0" dirty="0"/>
-              <a:t>, its-stats-box</a:t>
-            </a:r>
-            <a:endParaRPr lang="en-US" dirty="0"/>
-          </a:p>
-          <a:p>
-            <a:endParaRPr lang="en-US" dirty="0"/>
-          </a:p>
-        </p:txBody>
-      </p:sp>
-      <p:sp>
-        <p:nvSpPr>
-          <p:cNvPr id="4" name="Slide Number Placeholder 3"/>
-          <p:cNvSpPr>
-            <a:spLocks noGrp="1"/>
-          </p:cNvSpPr>
-          <p:nvPr>
-            <p:ph type="sldNum" sz="quarter" idx="10"/>
-          </p:nvPr>
-        </p:nvSpPr>
-        <p:spPr/>
-        <p:txBody>
-          <a:bodyPr/>
-          <a:lstStyle/>
-          <a:p>
-            <a:fld id="{A18D14DE-E488-4898-9DAD-6800464C8727}" type="slidenum">
-              <a:rPr lang="en-US" smtClean="0"/>
-              <a:pPr/>
-              <a:t>23</a:t>
-            </a:fld>
-            <a:endParaRPr lang="en-US"/>
-          </a:p>
-        </p:txBody>
-      </p:sp>
-    </p:spTree>
-    <p:extLst>
-      <p:ext uri="{BB962C8B-B14F-4D97-AF65-F5344CB8AC3E}">
-        <p14:creationId xmlns:p14="http://schemas.microsoft.com/office/powerpoint/2010/main" val="1681566336"/>
-      </p:ext>
-    </p:extLst>
-  </p:cSld>
-  <p:clrMapOvr>
-    <a:masterClrMapping/>
-  </p:clrMapOvr>
-</p:notes>
-</file>
-
-<file path=ppt/notesSlides/notesSlide11.xml><?xml version="1.0" encoding="utf-8"?>
-<p:notes xmlns:a="http://schemas.openxmlformats.org/drawingml/2006/main" xmlns:r="http://schemas.openxmlformats.org/officeDocument/2006/relationships" xmlns:p="http://schemas.openxmlformats.org/presentationml/2006/main">
-  <p:cSld>
-    <p:spTree>
-      <p:nvGrpSpPr>
-        <p:cNvPr id="1" name=""/>
-        <p:cNvGrpSpPr/>
-        <p:nvPr/>
-      </p:nvGrpSpPr>
-      <p:grpSpPr>
-        <a:xfrm>
-          <a:off x="0" y="0"/>
-          <a:ext cx="0" cy="0"/>
-          <a:chOff x="0" y="0"/>
-          <a:chExt cx="0" cy="0"/>
-        </a:xfrm>
-      </p:grpSpPr>
-      <p:sp>
-        <p:nvSpPr>
-          <p:cNvPr id="2" name="Slide Image Placeholder 1"/>
-          <p:cNvSpPr>
-            <a:spLocks noGrp="1" noRot="1" noChangeAspect="1"/>
-          </p:cNvSpPr>
-          <p:nvPr>
-            <p:ph type="sldImg"/>
-          </p:nvPr>
-        </p:nvSpPr>
-        <p:spPr/>
-      </p:sp>
-      <p:sp>
-        <p:nvSpPr>
-          <p:cNvPr id="3" name="Notes Placeholder 2"/>
-          <p:cNvSpPr>
-            <a:spLocks noGrp="1"/>
-          </p:cNvSpPr>
-          <p:nvPr>
-            <p:ph type="body" idx="1"/>
-          </p:nvPr>
-        </p:nvSpPr>
-        <p:spPr/>
-        <p:txBody>
-          <a:bodyPr/>
-          <a:lstStyle/>
-          <a:p>
-            <a:pPr marL="0" marR="0" lvl="0" indent="0" algn="l" defTabSz="914400" rtl="0" eaLnBrk="1" fontAlgn="auto" latinLnBrk="0" hangingPunct="1">
-              <a:lnSpc>
-                <a:spcPct val="100000"/>
-              </a:lnSpc>
-              <a:spcBef>
-                <a:spcPts val="0"/>
-              </a:spcBef>
-              <a:spcAft>
-                <a:spcPts val="0"/>
-              </a:spcAft>
-              <a:buClrTx/>
-              <a:buSzTx/>
-              <a:buFontTx/>
-              <a:buNone/>
-              <a:tabLst/>
-              <a:defRPr/>
-            </a:pPr>
-            <a:endParaRPr lang="en-US" dirty="0"/>
-          </a:p>
-        </p:txBody>
-      </p:sp>
-      <p:sp>
-        <p:nvSpPr>
-          <p:cNvPr id="4" name="Slide Number Placeholder 3"/>
-          <p:cNvSpPr>
-            <a:spLocks noGrp="1"/>
-          </p:cNvSpPr>
-          <p:nvPr>
-            <p:ph type="sldNum" sz="quarter" idx="10"/>
-          </p:nvPr>
-        </p:nvSpPr>
-        <p:spPr/>
-        <p:txBody>
-          <a:bodyPr/>
-          <a:lstStyle/>
-          <a:p>
-            <a:pPr marL="0" marR="0" lvl="0" indent="0" algn="r" defTabSz="457200" rtl="0" eaLnBrk="1" fontAlgn="auto" latinLnBrk="0" hangingPunct="1">
-              <a:lnSpc>
-                <a:spcPct val="100000"/>
-              </a:lnSpc>
-              <a:spcBef>
-                <a:spcPts val="0"/>
-              </a:spcBef>
-              <a:spcAft>
-                <a:spcPts val="0"/>
-              </a:spcAft>
-              <a:buClrTx/>
-              <a:buSzTx/>
-              <a:buFontTx/>
-              <a:buNone/>
-              <a:tabLst/>
-              <a:defRPr/>
-            </a:pPr>
-            <a:fld id="{0112F830-31CF-4898-9DC8-86941997CB87}" type="slidenum">
-              <a:rPr kumimoji="0" lang="en-US" sz="1200" b="0" i="0" u="none" strike="noStrike" kern="1200" cap="none" spc="0" normalizeH="0" baseline="0" noProof="0" smtClean="0">
-                <a:ln>
-                  <a:noFill/>
-                </a:ln>
-                <a:solidFill>
-                  <a:prstClr val="black"/>
-                </a:solidFill>
-                <a:effectLst/>
-                <a:uLnTx/>
-                <a:uFillTx/>
-                <a:latin typeface="Calibri" panose="020F0502020204030204"/>
-                <a:ea typeface="+mn-ea"/>
-                <a:cs typeface="+mn-cs"/>
-              </a:rPr>
-              <a:pPr marL="0" marR="0" lvl="0" indent="0" algn="r" defTabSz="457200" rtl="0" eaLnBrk="1" fontAlgn="auto" latinLnBrk="0" hangingPunct="1">
-                <a:lnSpc>
-                  <a:spcPct val="100000"/>
-                </a:lnSpc>
-                <a:spcBef>
-                  <a:spcPts val="0"/>
-                </a:spcBef>
-                <a:spcAft>
-                  <a:spcPts val="0"/>
-                </a:spcAft>
-                <a:buClrTx/>
-                <a:buSzTx/>
-                <a:buFontTx/>
-                <a:buNone/>
-                <a:tabLst/>
-                <a:defRPr/>
-              </a:pPr>
-              <a:t>34</a:t>
-            </a:fld>
-            <a:endParaRPr kumimoji="0" lang="en-US" sz="1200" b="0" i="0" u="none" strike="noStrike" kern="1200" cap="none" spc="0" normalizeH="0" baseline="0" noProof="0">
-              <a:ln>
-                <a:noFill/>
-              </a:ln>
-              <a:solidFill>
-                <a:prstClr val="black"/>
-              </a:solidFill>
-              <a:effectLst/>
-              <a:uLnTx/>
-              <a:uFillTx/>
-              <a:latin typeface="Calibri" panose="020F0502020204030204"/>
-              <a:ea typeface="+mn-ea"/>
-              <a:cs typeface="+mn-cs"/>
-            </a:endParaRPr>
-          </a:p>
-        </p:txBody>
-      </p:sp>
-    </p:spTree>
-    <p:extLst>
-      <p:ext uri="{BB962C8B-B14F-4D97-AF65-F5344CB8AC3E}">
-        <p14:creationId xmlns:p14="http://schemas.microsoft.com/office/powerpoint/2010/main" val="3925534200"/>
-      </p:ext>
-    </p:extLst>
-  </p:cSld>
-  <p:clrMapOvr>
-    <a:masterClrMapping/>
-  </p:clrMapOvr>
-</p:notes>
-</file>
-
-<file path=ppt/notesSlides/notesSlide12.xml><?xml version="1.0" encoding="utf-8"?>
-<p:notes xmlns:a="http://schemas.openxmlformats.org/drawingml/2006/main" xmlns:r="http://schemas.openxmlformats.org/officeDocument/2006/relationships" xmlns:p="http://schemas.openxmlformats.org/presentationml/2006/main">
-  <p:cSld>
-    <p:spTree>
-      <p:nvGrpSpPr>
-        <p:cNvPr id="1" name=""/>
-        <p:cNvGrpSpPr/>
-        <p:nvPr/>
-      </p:nvGrpSpPr>
-      <p:grpSpPr>
-        <a:xfrm>
-          <a:off x="0" y="0"/>
-          <a:ext cx="0" cy="0"/>
-          <a:chOff x="0" y="0"/>
-          <a:chExt cx="0" cy="0"/>
-        </a:xfrm>
-      </p:grpSpPr>
-      <p:sp>
-        <p:nvSpPr>
-          <p:cNvPr id="2" name="Slide Image Placeholder 1"/>
-          <p:cNvSpPr>
-            <a:spLocks noGrp="1" noRot="1" noChangeAspect="1"/>
-          </p:cNvSpPr>
-          <p:nvPr>
-            <p:ph type="sldImg"/>
-          </p:nvPr>
-        </p:nvSpPr>
-        <p:spPr/>
-      </p:sp>
-      <p:sp>
-        <p:nvSpPr>
-          <p:cNvPr id="3" name="Notes Placeholder 2"/>
-          <p:cNvSpPr>
-            <a:spLocks noGrp="1"/>
-          </p:cNvSpPr>
-          <p:nvPr>
-            <p:ph type="body" idx="1"/>
-          </p:nvPr>
-        </p:nvSpPr>
-        <p:spPr/>
-        <p:txBody>
-          <a:bodyPr/>
-          <a:lstStyle/>
-          <a:p>
-            <a:pPr marL="0" marR="0" lvl="0" indent="0" algn="l" defTabSz="914400" rtl="0" eaLnBrk="1" fontAlgn="auto" latinLnBrk="0" hangingPunct="1">
-              <a:lnSpc>
-                <a:spcPct val="100000"/>
-              </a:lnSpc>
-              <a:spcBef>
-                <a:spcPts val="0"/>
-              </a:spcBef>
-              <a:spcAft>
-                <a:spcPts val="0"/>
-              </a:spcAft>
-              <a:buClrTx/>
-              <a:buSzTx/>
-              <a:buFontTx/>
-              <a:buNone/>
-              <a:tabLst/>
-              <a:defRPr/>
-            </a:pPr>
-            <a:r>
-              <a:rPr lang="en-US" dirty="0"/>
-              <a:t>ALWAYS CONSULT THE SYLLABUS</a:t>
-            </a:r>
-          </a:p>
-          <a:p>
-            <a:endParaRPr lang="en-US" dirty="0"/>
-          </a:p>
-        </p:txBody>
-      </p:sp>
-      <p:sp>
-        <p:nvSpPr>
-          <p:cNvPr id="4" name="Slide Number Placeholder 3"/>
-          <p:cNvSpPr>
-            <a:spLocks noGrp="1"/>
-          </p:cNvSpPr>
-          <p:nvPr>
-            <p:ph type="sldNum" sz="quarter" idx="10"/>
-          </p:nvPr>
-        </p:nvSpPr>
-        <p:spPr/>
-        <p:txBody>
-          <a:bodyPr/>
-          <a:lstStyle/>
-          <a:p>
-            <a:fld id="{0112F830-31CF-4898-9DC8-86941997CB87}" type="slidenum">
-              <a:rPr lang="en-US" smtClean="0"/>
-              <a:t>38</a:t>
-            </a:fld>
-            <a:endParaRPr lang="en-US"/>
-          </a:p>
-        </p:txBody>
-      </p:sp>
-    </p:spTree>
-    <p:extLst>
-      <p:ext uri="{BB962C8B-B14F-4D97-AF65-F5344CB8AC3E}">
-        <p14:creationId xmlns:p14="http://schemas.microsoft.com/office/powerpoint/2010/main" val="2577053777"/>
-      </p:ext>
-    </p:extLst>
-  </p:cSld>
-  <p:clrMapOvr>
-    <a:masterClrMapping/>
-  </p:clrMapOvr>
-</p:notes>
-</file>
-
-<file path=ppt/notesSlides/notesSlide2.xml><?xml version="1.0" encoding="utf-8"?>
-<p:notes xmlns:a="http://schemas.openxmlformats.org/drawingml/2006/main" xmlns:r="http://schemas.openxmlformats.org/officeDocument/2006/relationships" xmlns:p="http://schemas.openxmlformats.org/presentationml/2006/main">
-  <p:cSld>
-    <p:spTree>
-      <p:nvGrpSpPr>
-        <p:cNvPr id="1" name=""/>
-        <p:cNvGrpSpPr/>
-        <p:nvPr/>
-      </p:nvGrpSpPr>
-      <p:grpSpPr>
-        <a:xfrm>
-          <a:off x="0" y="0"/>
-          <a:ext cx="0" cy="0"/>
-          <a:chOff x="0" y="0"/>
-          <a:chExt cx="0" cy="0"/>
-        </a:xfrm>
-      </p:grpSpPr>
-      <p:sp>
-        <p:nvSpPr>
-          <p:cNvPr id="2" name="Slide Image Placeholder 1"/>
-          <p:cNvSpPr>
-            <a:spLocks noGrp="1" noRot="1" noChangeAspect="1"/>
-          </p:cNvSpPr>
-          <p:nvPr>
-            <p:ph type="sldImg"/>
-          </p:nvPr>
-        </p:nvSpPr>
-        <p:spPr/>
-      </p:sp>
-      <p:sp>
-        <p:nvSpPr>
-          <p:cNvPr id="3" name="Notes Placeholder 2"/>
-          <p:cNvSpPr>
-            <a:spLocks noGrp="1"/>
-          </p:cNvSpPr>
-          <p:nvPr>
-            <p:ph type="body" idx="1"/>
-          </p:nvPr>
-        </p:nvSpPr>
-        <p:spPr/>
-        <p:txBody>
-          <a:bodyPr/>
-          <a:lstStyle/>
-          <a:p>
-            <a:r>
-              <a:rPr lang="en-US" dirty="0" smtClean="0"/>
-              <a:t>You don’t need all three but most of the time you do have all three</a:t>
-            </a:r>
-            <a:r>
-              <a:rPr lang="en-US" baseline="0" dirty="0" smtClean="0"/>
               <a:t> of them.</a:t>
             </a:r>
             <a:endParaRPr lang="en-US" dirty="0"/>
@@ -23312,7 +22565,7 @@
             <a:fld id="{A18D14DE-E488-4898-9DAD-6800464C8727}" type="slidenum">
               <a:rPr lang="en-US" smtClean="0"/>
               <a:pPr/>
-              <a:t>19</a:t>
+              <a:t>17</a:t>
             </a:fld>
             <a:endParaRPr lang="en-US"/>
           </a:p>
@@ -23411,7 +22664,7 @@
             <a:fld id="{A18D14DE-E488-4898-9DAD-6800464C8727}" type="slidenum">
               <a:rPr lang="en-US" smtClean="0"/>
               <a:pPr/>
-              <a:t>20</a:t>
+              <a:t>18</a:t>
             </a:fld>
             <a:endParaRPr lang="en-US"/>
           </a:p>
@@ -23474,6 +22727,29 @@
           <a:bodyPr/>
           <a:lstStyle/>
           <a:p>
+            <a:pPr marL="0" marR="0" lvl="0" indent="0" algn="l" defTabSz="914400" rtl="0" eaLnBrk="1" fontAlgn="auto" latinLnBrk="0" hangingPunct="1">
+              <a:lnSpc>
+                <a:spcPct val="100000"/>
+              </a:lnSpc>
+              <a:spcBef>
+                <a:spcPts val="0"/>
+              </a:spcBef>
+              <a:spcAft>
+                <a:spcPts val="0"/>
+              </a:spcAft>
+              <a:buClrTx/>
+              <a:buSzTx/>
+              <a:buFontTx/>
+              <a:buNone/>
+              <a:tabLst/>
+              <a:defRPr/>
+            </a:pPr>
+            <a:r>
+              <a:rPr lang="en-US" dirty="0"/>
+              <a:t>ALWAYS CONSULT THE SYLLABUS</a:t>
+            </a:r>
+          </a:p>
+          <a:p>
             <a:endParaRPr lang="en-US" dirty="0"/>
           </a:p>
         </p:txBody>
@@ -23493,10 +22769,9 @@
           <a:bodyPr/>
           <a:lstStyle/>
           <a:p>
-            <a:fld id="{A18D14DE-E488-4898-9DAD-6800464C8727}" type="slidenum">
+            <a:fld id="{0112F830-31CF-4898-9DC8-86941997CB87}" type="slidenum">
               <a:rPr lang="en-US" smtClean="0"/>
-              <a:pPr/>
-              <a:t>22</a:t>
+              <a:t>28</a:t>
             </a:fld>
             <a:endParaRPr lang="en-US"/>
           </a:p>
@@ -23505,7 +22780,7 @@
     </p:spTree>
     <p:extLst>
       <p:ext uri="{BB962C8B-B14F-4D97-AF65-F5344CB8AC3E}">
-        <p14:creationId xmlns:p14="http://schemas.microsoft.com/office/powerpoint/2010/main" val="4218638067"/>
+        <p14:creationId xmlns:p14="http://schemas.microsoft.com/office/powerpoint/2010/main" val="2577053777"/>
       </p:ext>
     </p:extLst>
   </p:cSld>
@@ -26432,7 +25707,7 @@
                 <a16:creationId xmlns:a16="http://schemas.microsoft.com/office/drawing/2014/main" id="{6753252F-4873-4F63-801D-CC719279A7D5}"/>
               </a:ext>
               <a:ext uri="{C183D7F6-B498-43B3-948B-1728B52AA6E4}">
-                <adec:decorative xmlns:adec="http://schemas.microsoft.com/office/drawing/2017/decorative" xmlns="" val="1"/>
+                <adec:decorative xmlns:adec="http://schemas.microsoft.com/office/drawing/2017/decorative" val="1"/>
               </a:ext>
             </a:extLst>
           </p:cNvPr>
@@ -26524,7 +25799,7 @@
                 <a16:creationId xmlns:a16="http://schemas.microsoft.com/office/drawing/2014/main" id="{047C8CCB-F95D-4249-92DD-651249D3535A}"/>
               </a:ext>
               <a:ext uri="{C183D7F6-B498-43B3-948B-1728B52AA6E4}">
-                <adec:decorative xmlns:adec="http://schemas.microsoft.com/office/drawing/2017/decorative" xmlns="" val="1"/>
+                <adec:decorative xmlns:adec="http://schemas.microsoft.com/office/drawing/2017/decorative" val="1"/>
               </a:ext>
             </a:extLst>
           </p:cNvPr>
@@ -26657,27 +25932,8 @@
                 <a:ea typeface="+mj-ea"/>
                 <a:cs typeface="+mj-cs"/>
               </a:rPr>
-              <a:t>IST346: </a:t>
+              <a:t>IST346: Services: Monitoring and Logging</a:t>
             </a:r>
-            <a:r>
-              <a:rPr lang="en-US" sz="2600" kern="1200" dirty="0" smtClean="0">
-                <a:solidFill>
-                  <a:srgbClr val="FFFFFF"/>
-                </a:solidFill>
-                <a:latin typeface="+mj-lt"/>
-                <a:ea typeface="+mj-ea"/>
-                <a:cs typeface="+mj-cs"/>
-              </a:rPr>
-              <a:t>Services: Monitoring and Logging</a:t>
-            </a:r>
-            <a:endParaRPr lang="en-US" sz="2600" kern="1200" dirty="0">
-              <a:solidFill>
-                <a:srgbClr val="FFFFFF"/>
-              </a:solidFill>
-              <a:latin typeface="+mj-lt"/>
-              <a:ea typeface="+mj-ea"/>
-              <a:cs typeface="+mj-cs"/>
-            </a:endParaRPr>
           </a:p>
         </p:txBody>
       </p:sp>
@@ -26794,62 +26050,62 @@
           <a:lstStyle/>
           <a:p>
             <a:r>
-              <a:rPr lang="en-US" sz="2400" dirty="0"/>
+              <a:rPr lang="en-US" sz="2800" dirty="0"/>
               <a:t>Core</a:t>
             </a:r>
           </a:p>
           <a:p>
             <a:pPr lvl="1"/>
             <a:r>
-              <a:rPr lang="en-US" sz="2000" b="1" dirty="0"/>
+              <a:rPr lang="en-US" sz="2400" b="1" dirty="0"/>
               <a:t>NTP</a:t>
             </a:r>
             <a:r>
-              <a:rPr lang="en-US" sz="2000" dirty="0"/>
+              <a:rPr lang="en-US" sz="2400" dirty="0"/>
               <a:t> – Network time protocol. Keeps the clocks in sync on several hosts</a:t>
             </a:r>
           </a:p>
           <a:p>
             <a:pPr lvl="1"/>
             <a:r>
-              <a:rPr lang="en-US" sz="2000" b="1" dirty="0"/>
+              <a:rPr lang="en-US" sz="2400" b="1" dirty="0"/>
               <a:t>DNS</a:t>
             </a:r>
             <a:r>
-              <a:rPr lang="en-US" sz="2000" dirty="0"/>
+              <a:rPr lang="en-US" sz="2400" dirty="0"/>
               <a:t> – Domain name system – a method of IP address to host name resolution.</a:t>
             </a:r>
           </a:p>
           <a:p>
             <a:pPr lvl="1"/>
             <a:r>
-              <a:rPr lang="en-US" sz="2000" b="1" dirty="0"/>
+              <a:rPr lang="en-US" sz="2400" b="1" dirty="0"/>
               <a:t>DHCP</a:t>
             </a:r>
             <a:r>
-              <a:rPr lang="en-US" sz="2000" dirty="0"/>
+              <a:rPr lang="en-US" sz="2400" dirty="0"/>
               <a:t> – Dynamic Host configuration Protocol – a method of assigning IP information over the network.</a:t>
             </a:r>
           </a:p>
           <a:p>
             <a:pPr lvl="1"/>
             <a:r>
-              <a:rPr lang="en-US" sz="2000" b="1" dirty="0"/>
+              <a:rPr lang="en-US" sz="2400" b="1" dirty="0"/>
               <a:t>LDAP</a:t>
             </a:r>
             <a:r>
-              <a:rPr lang="en-US" sz="2000" dirty="0"/>
+              <a:rPr lang="en-US" sz="2400" dirty="0"/>
               <a:t> – Lightweight Directory Access Protocol – a hierarchal database of directory information (users, groups, organizations, etc)</a:t>
             </a:r>
           </a:p>
           <a:p>
             <a:pPr lvl="1"/>
             <a:r>
-              <a:rPr lang="en-US" sz="2000" b="1" dirty="0"/>
+              <a:rPr lang="en-US" sz="2400" b="1" dirty="0"/>
               <a:t>Kerberos</a:t>
             </a:r>
             <a:r>
-              <a:rPr lang="en-US" sz="2000" dirty="0"/>
+              <a:rPr lang="en-US" sz="2400" dirty="0"/>
               <a:t> – A network authentication protocol, used for securely evaluating identities over a network</a:t>
             </a:r>
           </a:p>
@@ -26997,98 +26253,94 @@
           <a:lstStyle/>
           <a:p>
             <a:r>
-              <a:rPr lang="en-US" sz="2400" dirty="0"/>
+              <a:rPr lang="en-US" sz="2800" dirty="0"/>
               <a:t>Network</a:t>
             </a:r>
           </a:p>
           <a:p>
             <a:pPr lvl="1"/>
             <a:r>
-              <a:rPr lang="en-US" sz="2000" b="1" dirty="0"/>
+              <a:rPr lang="en-US" sz="2400" b="1" dirty="0"/>
               <a:t>HTTP</a:t>
             </a:r>
             <a:r>
-              <a:rPr lang="en-US" sz="2000" dirty="0"/>
+              <a:rPr lang="en-US" sz="2400" dirty="0"/>
               <a:t> – Hypertext transport protocol. The application protocol for the WWW</a:t>
             </a:r>
           </a:p>
           <a:p>
             <a:pPr lvl="2"/>
             <a:r>
-              <a:rPr lang="en-US" sz="2000" b="1" dirty="0"/>
+              <a:rPr lang="en-US" b="1" dirty="0"/>
               <a:t>SSL</a:t>
             </a:r>
             <a:r>
-              <a:rPr lang="en-US" sz="2000" dirty="0"/>
+              <a:rPr lang="en-US" dirty="0"/>
               <a:t> –Secure Sockets Layer – an encrypted channel for HTTP traffic</a:t>
             </a:r>
           </a:p>
           <a:p>
             <a:pPr lvl="1"/>
             <a:r>
-              <a:rPr lang="en-US" sz="2000" b="1" dirty="0"/>
+              <a:rPr lang="en-US" sz="2400" b="1" dirty="0"/>
               <a:t>SSH / SCP</a:t>
             </a:r>
             <a:r>
-              <a:rPr lang="en-US" sz="2000" dirty="0"/>
+              <a:rPr lang="en-US" sz="2400" dirty="0"/>
               <a:t> – Secure Shell, Secure Copy. Unix/Linux remote shell and remote file copy protocols.</a:t>
             </a:r>
           </a:p>
           <a:p>
             <a:pPr lvl="1"/>
             <a:r>
-              <a:rPr lang="en-US" sz="2000" b="1" dirty="0"/>
+              <a:rPr lang="en-US" sz="2400" b="1" dirty="0"/>
               <a:t>NFS</a:t>
             </a:r>
             <a:r>
-              <a:rPr lang="en-US" sz="2000" dirty="0"/>
+              <a:rPr lang="en-US" sz="2400" dirty="0"/>
               <a:t> – Network File System – File sharing for </a:t>
             </a:r>
             <a:r>
-              <a:rPr lang="en-US" sz="2000" dirty="0" err="1"/>
+              <a:rPr lang="en-US" sz="2400" dirty="0" err="1"/>
               <a:t>unix</a:t>
             </a:r>
             <a:r>
-              <a:rPr lang="en-US" sz="2000" dirty="0"/>
+              <a:rPr lang="en-US" sz="2400" dirty="0"/>
               <a:t>-like computers.</a:t>
             </a:r>
           </a:p>
           <a:p>
             <a:pPr lvl="1"/>
             <a:r>
-              <a:rPr lang="en-US" sz="2000" b="1" dirty="0"/>
+              <a:rPr lang="en-US" sz="2400" b="1" dirty="0"/>
               <a:t>RDP</a:t>
             </a:r>
             <a:r>
-              <a:rPr lang="en-US" sz="2000" dirty="0"/>
+              <a:rPr lang="en-US" sz="2400" dirty="0"/>
               <a:t> – Remote Desktop protocol.  A proprietary protocol for accessing Windows hosts over a network.</a:t>
             </a:r>
           </a:p>
           <a:p>
             <a:pPr lvl="1"/>
             <a:r>
-              <a:rPr lang="en-US" sz="2000" b="1" dirty="0"/>
+              <a:rPr lang="en-US" sz="2400" b="1" dirty="0"/>
               <a:t>SMTP </a:t>
             </a:r>
             <a:r>
-              <a:rPr lang="en-US" sz="2000" dirty="0"/>
+              <a:rPr lang="en-US" sz="2400" dirty="0"/>
               <a:t>– Simple Mail Transport Service. Mail routing protocol.</a:t>
             </a:r>
           </a:p>
           <a:p>
             <a:pPr lvl="1"/>
             <a:r>
-              <a:rPr lang="en-US" sz="2000" b="1" dirty="0"/>
+              <a:rPr lang="en-US" sz="2400" b="1" dirty="0"/>
               <a:t>OAuth2</a:t>
             </a:r>
             <a:r>
-              <a:rPr lang="en-US" sz="2000" dirty="0"/>
+              <a:rPr lang="en-US" sz="2400" dirty="0"/>
               <a:t> – for account authentication and authorization.</a:t>
             </a:r>
-          </a:p>
-          <a:p>
-            <a:pPr lvl="1"/>
-            <a:endParaRPr lang="en-US" sz="2000" dirty="0"/>
           </a:p>
         </p:txBody>
       </p:sp>
@@ -27213,7 +26465,7 @@
                 <a14:useLocalDpi xmlns:a14="http://schemas.microsoft.com/office/drawing/2010/main" val="0"/>
               </a:ext>
               <a:ext uri="{96DAC541-7B7A-43D3-8B79-37D633B846F1}">
-                <asvg:svgBlip xmlns:asvg="http://schemas.microsoft.com/office/drawing/2016/SVG/main" xmlns="" r:embed="rId4"/>
+                <asvg:svgBlip xmlns:asvg="http://schemas.microsoft.com/office/drawing/2016/SVG/main" r:embed="rId4"/>
               </a:ext>
             </a:extLst>
           </a:blip>
@@ -27298,7 +26550,7 @@
               <a:buAutoNum type="arabicPeriod"/>
             </a:pPr>
             <a:r>
-              <a:rPr lang="en-US" dirty="0" smtClean="0"/>
+              <a:rPr lang="en-US" dirty="0"/>
               <a:t>What are the 3 things which make up the Anatomy of any service?</a:t>
             </a:r>
           </a:p>
@@ -27307,7 +26559,7 @@
               <a:buAutoNum type="arabicPeriod"/>
             </a:pPr>
             <a:r>
-              <a:rPr lang="en-US" dirty="0" smtClean="0"/>
+              <a:rPr lang="en-US" dirty="0"/>
               <a:t>What is a core or infrastructure service? Provide an example.</a:t>
             </a:r>
           </a:p>
@@ -27316,7 +26568,7 @@
               <a:buAutoNum type="arabicPeriod"/>
             </a:pPr>
             <a:r>
-              <a:rPr lang="en-US" dirty="0" smtClean="0"/>
+              <a:rPr lang="en-US" dirty="0"/>
               <a:t>Provide an example of a service which depends on another service.</a:t>
             </a:r>
           </a:p>
@@ -27325,7 +26577,7 @@
               <a:buAutoNum type="arabicPeriod"/>
             </a:pPr>
             <a:r>
-              <a:rPr lang="en-US" dirty="0" smtClean="0"/>
+              <a:rPr lang="en-US" dirty="0"/>
               <a:t>A service like Gmail depends on which other services?</a:t>
             </a:r>
           </a:p>
@@ -27512,74 +26764,26 @@
         </p:nvSpPr>
         <p:spPr>
           <a:xfrm>
-            <a:off x="1981200" y="1839913"/>
-            <a:ext cx="8229600" cy="4484687"/>
+            <a:off x="924560" y="1839913"/>
+            <a:ext cx="9286240" cy="4484687"/>
           </a:xfrm>
         </p:spPr>
         <p:txBody>
           <a:bodyPr>
-            <a:normAutofit fontScale="92500" lnSpcReduction="20000"/>
+            <a:normAutofit/>
           </a:bodyPr>
           <a:lstStyle/>
           <a:p>
-            <a:pPr marL="0" indent="0">
-              <a:buNone/>
-            </a:pPr>
             <a:r>
-              <a:rPr lang="en-US" b="1" dirty="0"/>
-              <a:t>Customers are the reason for your service</a:t>
+              <a:rPr lang="en-US" sz="4000" dirty="0"/>
+              <a:t>Identify your customers</a:t>
             </a:r>
           </a:p>
           <a:p>
             <a:r>
-              <a:rPr lang="en-US" dirty="0"/>
-              <a:t>How will they use it?</a:t>
+              <a:rPr lang="en-US" sz="4000" dirty="0"/>
+              <a:t>Formulate an SLA</a:t>
             </a:r>
-          </a:p>
-          <a:p>
-            <a:r>
-              <a:rPr lang="en-US" dirty="0"/>
-              <a:t>What features do they need? Want?</a:t>
-            </a:r>
-          </a:p>
-          <a:p>
-            <a:r>
-              <a:rPr lang="en-US" dirty="0"/>
-              <a:t>How critical is this service?</a:t>
-            </a:r>
-          </a:p>
-          <a:p>
-            <a:r>
-              <a:rPr lang="en-US" dirty="0"/>
-              <a:t>What are the required levels of availability and support?</a:t>
-            </a:r>
-          </a:p>
-          <a:p>
-            <a:pPr marL="0" indent="0">
-              <a:buNone/>
-            </a:pPr>
-            <a:r>
-              <a:rPr lang="en-US" b="1" dirty="0"/>
-              <a:t>Formulate a SLA (Service Level Agreement)</a:t>
-            </a:r>
-          </a:p>
-          <a:p>
-            <a:r>
-              <a:rPr lang="en-US" dirty="0"/>
-              <a:t>This will define the service being offered</a:t>
-            </a:r>
-          </a:p>
-          <a:p>
-            <a:r>
-              <a:rPr lang="en-US" dirty="0"/>
-              <a:t>Clarify the expectations for support levels and response time</a:t>
-            </a:r>
-          </a:p>
-          <a:p>
-            <a:pPr lvl="1">
-              <a:buNone/>
-            </a:pPr>
-            <a:endParaRPr lang="en-US" dirty="0"/>
           </a:p>
         </p:txBody>
       </p:sp>
@@ -27783,76 +26987,36 @@
         </p:nvSpPr>
         <p:spPr>
           <a:xfrm>
-            <a:off x="1981200" y="1677564"/>
-            <a:ext cx="8229600" cy="4875636"/>
+            <a:off x="955040" y="1953980"/>
+            <a:ext cx="9255760" cy="4599219"/>
           </a:xfrm>
         </p:spPr>
         <p:txBody>
           <a:bodyPr>
-            <a:normAutofit fontScale="85000" lnSpcReduction="10000"/>
+            <a:normAutofit/>
           </a:bodyPr>
           <a:lstStyle/>
           <a:p>
-            <a:pPr>
-              <a:buNone/>
-            </a:pPr>
             <a:r>
-              <a:rPr lang="en-US" b="1" dirty="0"/>
+              <a:rPr lang="en-US" sz="3600" dirty="0"/>
               <a:t>Keep it simple</a:t>
             </a:r>
           </a:p>
           <a:p>
             <a:r>
-              <a:rPr lang="en-US" dirty="0"/>
-              <a:t>Simple systems are more reliable and easier to maintain</a:t>
+              <a:rPr lang="en-US" sz="3600" dirty="0"/>
+              <a:t>Don’t be the only expert – rely on the community for support and best practices</a:t>
             </a:r>
           </a:p>
           <a:p>
             <a:r>
-              <a:rPr lang="en-US" dirty="0"/>
-              <a:t>Make the trade-off between features and reliability</a:t>
-            </a:r>
-          </a:p>
-          <a:p>
-            <a:r>
-              <a:rPr lang="en-US" dirty="0"/>
-              <a:t>Use reliable hardware, of course!</a:t>
-            </a:r>
-            <a:br>
-              <a:rPr lang="en-US" dirty="0"/>
-            </a:br>
-            <a:endParaRPr lang="en-US" dirty="0"/>
-          </a:p>
-          <a:p>
-            <a:pPr>
-              <a:buNone/>
-            </a:pPr>
-            <a:r>
-              <a:rPr lang="en-US" b="1" dirty="0"/>
-              <a:t>Take advantage of vendor relationships</a:t>
-            </a:r>
-          </a:p>
-          <a:p>
-            <a:r>
-              <a:rPr lang="en-US" dirty="0"/>
-              <a:t>Have them provide recommendations (they should be the experts!)</a:t>
-            </a:r>
-          </a:p>
-          <a:p>
-            <a:r>
-              <a:rPr lang="en-US" dirty="0"/>
-              <a:t>Let multiple vendors compete for your business</a:t>
-            </a:r>
-          </a:p>
-          <a:p>
-            <a:r>
-              <a:rPr lang="en-US" dirty="0"/>
-              <a:t>Choose a vendor based on not only features but the stability of their company and product</a:t>
+              <a:rPr lang="en-US" sz="3600" dirty="0"/>
+              <a:t>Use Open standards</a:t>
             </a:r>
           </a:p>
           <a:p>
             <a:pPr lvl="1"/>
-            <a:endParaRPr lang="en-US" dirty="0"/>
+            <a:endParaRPr lang="en-US" sz="3200" dirty="0"/>
           </a:p>
         </p:txBody>
       </p:sp>
@@ -28032,14 +27196,19 @@
             <p:ph type="title"/>
           </p:nvPr>
         </p:nvSpPr>
-        <p:spPr/>
+        <p:spPr>
+          <a:xfrm>
+            <a:off x="640080" y="533401"/>
+            <a:ext cx="9570720" cy="769979"/>
+          </a:xfrm>
+        </p:spPr>
         <p:txBody>
           <a:bodyPr/>
           <a:lstStyle/>
           <a:p>
             <a:r>
               <a:rPr lang="en-US" dirty="0"/>
-              <a:t>More Reliability</a:t>
+              <a:t>Reliability: Environments</a:t>
             </a:r>
           </a:p>
         </p:txBody>
@@ -28056,312 +27225,8 @@
         </p:nvSpPr>
         <p:spPr>
           <a:xfrm>
-            <a:off x="1981200" y="1371600"/>
-            <a:ext cx="8229600" cy="5105400"/>
-          </a:xfrm>
-        </p:spPr>
-        <p:txBody>
-          <a:bodyPr>
-            <a:normAutofit fontScale="85000" lnSpcReduction="10000"/>
-          </a:bodyPr>
-          <a:lstStyle/>
-          <a:p>
-            <a:pPr>
-              <a:buNone/>
-            </a:pPr>
-            <a:r>
-              <a:rPr lang="en-US" b="1" dirty="0"/>
-              <a:t>Use Open Architecture:</a:t>
-            </a:r>
-          </a:p>
-          <a:p>
-            <a:r>
-              <a:rPr lang="en-US" dirty="0"/>
-              <a:t>Open protocol standards and file formats </a:t>
-            </a:r>
-          </a:p>
-          <a:p>
-            <a:r>
-              <a:rPr lang="en-US" dirty="0"/>
-              <a:t>RFC’s from the IETF </a:t>
-            </a:r>
-            <a:r>
-              <a:rPr lang="en-US" dirty="0">
-                <a:hlinkClick r:id="rId2"/>
-              </a:rPr>
-              <a:t>http://www.rfc-editor.org</a:t>
-            </a:r>
-            <a:r>
-              <a:rPr lang="en-US" dirty="0"/>
-              <a:t> </a:t>
-            </a:r>
-          </a:p>
-          <a:p>
-            <a:r>
-              <a:rPr lang="en-US" dirty="0"/>
-              <a:t>Pros</a:t>
-            </a:r>
-          </a:p>
-          <a:p>
-            <a:pPr lvl="1"/>
-            <a:r>
-              <a:rPr lang="en-US" dirty="0"/>
-              <a:t>Bigger selection of products and vendors to choose from</a:t>
-            </a:r>
-          </a:p>
-          <a:p>
-            <a:pPr lvl="1"/>
-            <a:r>
-              <a:rPr lang="en-US" dirty="0"/>
-              <a:t>Decoupled client and server selection</a:t>
-            </a:r>
-          </a:p>
-          <a:p>
-            <a:pPr lvl="1"/>
-            <a:r>
-              <a:rPr lang="en-US" dirty="0"/>
-              <a:t>Avoids being locked in to a specific platform or vendor</a:t>
-            </a:r>
-          </a:p>
-          <a:p>
-            <a:r>
-              <a:rPr lang="en-US" dirty="0"/>
-              <a:t>Con</a:t>
-            </a:r>
-          </a:p>
-          <a:p>
-            <a:pPr lvl="1"/>
-            <a:r>
-              <a:rPr lang="en-US" dirty="0"/>
-              <a:t>Sometimes open standards don’t go far enough</a:t>
-            </a:r>
-          </a:p>
-          <a:p>
-            <a:r>
-              <a:rPr lang="en-US" dirty="0"/>
-              <a:t>Google-Worthy</a:t>
-            </a:r>
-          </a:p>
-          <a:p>
-            <a:pPr lvl="1"/>
-            <a:r>
-              <a:rPr lang="en-US" b="1" i="1" dirty="0"/>
-              <a:t>Service-Oriented Architecture </a:t>
-            </a:r>
-            <a:r>
-              <a:rPr lang="en-US" dirty="0"/>
-              <a:t>is changing the game a bit, as most services are gravitating towards interoperability (working with each other)</a:t>
-            </a:r>
-          </a:p>
-        </p:txBody>
-      </p:sp>
-      <p:grpSp>
-        <p:nvGrpSpPr>
-          <p:cNvPr id="4" name="Group 3"/>
-          <p:cNvGrpSpPr/>
-          <p:nvPr/>
-        </p:nvGrpSpPr>
-        <p:grpSpPr>
-          <a:xfrm>
-            <a:off x="8778460" y="472660"/>
-            <a:ext cx="1797880" cy="1797880"/>
-            <a:chOff x="1439402" y="1729959"/>
-            <a:chExt cx="1797880" cy="1797880"/>
-          </a:xfrm>
-        </p:grpSpPr>
-        <p:sp>
-          <p:nvSpPr>
-            <p:cNvPr id="5" name="Oval 4"/>
-            <p:cNvSpPr/>
-            <p:nvPr/>
-          </p:nvSpPr>
-          <p:spPr>
-            <a:xfrm>
-              <a:off x="1439402" y="1729959"/>
-              <a:ext cx="1797880" cy="1797880"/>
-            </a:xfrm>
-            <a:prstGeom prst="ellipse">
-              <a:avLst/>
-            </a:prstGeom>
-          </p:spPr>
-          <p:style>
-            <a:lnRef idx="2">
-              <a:schemeClr val="lt1">
-                <a:hueOff val="0"/>
-                <a:satOff val="0"/>
-                <a:lumOff val="0"/>
-                <a:alphaOff val="0"/>
-              </a:schemeClr>
-            </a:lnRef>
-            <a:fillRef idx="1">
-              <a:schemeClr val="accent1">
-                <a:alpha val="50000"/>
-                <a:hueOff val="0"/>
-                <a:satOff val="0"/>
-                <a:lumOff val="0"/>
-                <a:alphaOff val="0"/>
-              </a:schemeClr>
-            </a:fillRef>
-            <a:effectRef idx="0">
-              <a:schemeClr val="accent1">
-                <a:alpha val="50000"/>
-                <a:hueOff val="0"/>
-                <a:satOff val="0"/>
-                <a:lumOff val="0"/>
-                <a:alphaOff val="0"/>
-              </a:schemeClr>
-            </a:effectRef>
-            <a:fontRef idx="minor">
-              <a:schemeClr val="tx1"/>
-            </a:fontRef>
-          </p:style>
-        </p:sp>
-        <p:sp>
-          <p:nvSpPr>
-            <p:cNvPr id="6" name="Oval 4"/>
-            <p:cNvSpPr/>
-            <p:nvPr/>
-          </p:nvSpPr>
-          <p:spPr>
-            <a:xfrm>
-              <a:off x="1702695" y="1993252"/>
-              <a:ext cx="1271294" cy="1271294"/>
-            </a:xfrm>
-            <a:prstGeom prst="rect">
-              <a:avLst/>
-            </a:prstGeom>
-          </p:spPr>
-          <p:style>
-            <a:lnRef idx="0">
-              <a:scrgbClr r="0" g="0" b="0"/>
-            </a:lnRef>
-            <a:fillRef idx="0">
-              <a:scrgbClr r="0" g="0" b="0"/>
-            </a:fillRef>
-            <a:effectRef idx="0">
-              <a:scrgbClr r="0" g="0" b="0"/>
-            </a:effectRef>
-            <a:fontRef idx="minor">
-              <a:schemeClr val="tx1"/>
-            </a:fontRef>
-          </p:style>
-          <p:txBody>
-            <a:bodyPr spcFirstLastPara="0" vert="horz" wrap="square" lIns="98943" tIns="24130" rIns="98943" bIns="24130" numCol="1" spcCol="1270" anchor="ctr" anchorCtr="0">
-              <a:noAutofit/>
-            </a:bodyPr>
-            <a:lstStyle/>
-            <a:p>
-              <a:pPr algn="ctr" defTabSz="844550">
-                <a:lnSpc>
-                  <a:spcPct val="90000"/>
-                </a:lnSpc>
-                <a:spcBef>
-                  <a:spcPct val="0"/>
-                </a:spcBef>
-                <a:spcAft>
-                  <a:spcPct val="35000"/>
-                </a:spcAft>
-              </a:pPr>
-              <a:r>
-                <a:rPr lang="en-US" sz="1900" dirty="0"/>
-                <a:t>Reliable</a:t>
-              </a:r>
-              <a:br>
-                <a:rPr lang="en-US" sz="1900" dirty="0"/>
-              </a:br>
-              <a:endParaRPr lang="en-US" sz="1900" dirty="0"/>
-            </a:p>
-            <a:p>
-              <a:pPr algn="ctr" defTabSz="844550">
-                <a:lnSpc>
-                  <a:spcPct val="90000"/>
-                </a:lnSpc>
-                <a:spcBef>
-                  <a:spcPct val="0"/>
-                </a:spcBef>
-                <a:spcAft>
-                  <a:spcPct val="35000"/>
-                </a:spcAft>
-              </a:pPr>
-              <a:r>
-                <a:rPr lang="en-US" sz="1900" dirty="0"/>
-                <a:t>2</a:t>
-              </a:r>
-            </a:p>
-          </p:txBody>
-        </p:sp>
-      </p:grpSp>
-    </p:spTree>
-    <p:extLst>
-      <p:ext uri="{BB962C8B-B14F-4D97-AF65-F5344CB8AC3E}">
-        <p14:creationId xmlns:p14="http://schemas.microsoft.com/office/powerpoint/2010/main" val="2253718449"/>
-      </p:ext>
-    </p:extLst>
-  </p:cSld>
-  <p:clrMapOvr>
-    <a:masterClrMapping/>
-  </p:clrMapOvr>
-</p:sld>
-</file>
-
-<file path=ppt/slides/slide17.xml><?xml version="1.0" encoding="utf-8"?>
-<p:sld xmlns:a="http://schemas.openxmlformats.org/drawingml/2006/main" xmlns:r="http://schemas.openxmlformats.org/officeDocument/2006/relationships" xmlns:p="http://schemas.openxmlformats.org/presentationml/2006/main">
-  <p:cSld>
-    <p:spTree>
-      <p:nvGrpSpPr>
-        <p:cNvPr id="1" name=""/>
-        <p:cNvGrpSpPr/>
-        <p:nvPr/>
-      </p:nvGrpSpPr>
-      <p:grpSpPr>
-        <a:xfrm>
-          <a:off x="0" y="0"/>
-          <a:ext cx="0" cy="0"/>
-          <a:chOff x="0" y="0"/>
-          <a:chExt cx="0" cy="0"/>
-        </a:xfrm>
-      </p:grpSpPr>
-      <p:sp>
-        <p:nvSpPr>
-          <p:cNvPr id="2" name="Title 1"/>
-          <p:cNvSpPr>
-            <a:spLocks noGrp="1"/>
-          </p:cNvSpPr>
-          <p:nvPr>
-            <p:ph type="title"/>
-          </p:nvPr>
-        </p:nvSpPr>
-        <p:spPr>
-          <a:xfrm>
-            <a:off x="1981200" y="533401"/>
-            <a:ext cx="8229600" cy="769979"/>
-          </a:xfrm>
-        </p:spPr>
-        <p:txBody>
-          <a:bodyPr/>
-          <a:lstStyle/>
-          <a:p>
-            <a:r>
-              <a:rPr lang="en-US" dirty="0"/>
-              <a:t>Last Slide on Reliability</a:t>
-            </a:r>
-          </a:p>
-        </p:txBody>
-      </p:sp>
-      <p:sp>
-        <p:nvSpPr>
-          <p:cNvPr id="3" name="Content Placeholder 2"/>
-          <p:cNvSpPr>
-            <a:spLocks noGrp="1"/>
-          </p:cNvSpPr>
-          <p:nvPr>
-            <p:ph idx="1"/>
-          </p:nvPr>
-        </p:nvSpPr>
-        <p:spPr>
-          <a:xfrm>
-            <a:off x="1981200" y="1489307"/>
-            <a:ext cx="8229600" cy="2777893"/>
+            <a:off x="762000" y="1489307"/>
+            <a:ext cx="9448800" cy="2777893"/>
           </a:xfrm>
         </p:spPr>
         <p:txBody>
@@ -28387,10 +27252,16 @@
         <p:nvGraphicFramePr>
           <p:cNvPr id="4" name="Diagram 3"/>
           <p:cNvGraphicFramePr/>
-          <p:nvPr/>
+          <p:nvPr>
+            <p:extLst>
+              <p:ext uri="{D42A27DB-BD31-4B8C-83A1-F6EECF244321}">
+                <p14:modId xmlns:p14="http://schemas.microsoft.com/office/powerpoint/2010/main" val="393549177"/>
+              </p:ext>
+            </p:extLst>
+          </p:nvPr>
         </p:nvGraphicFramePr>
         <p:xfrm>
-          <a:off x="3048000" y="2286000"/>
+          <a:off x="2844800" y="2794000"/>
           <a:ext cx="6096000" cy="4064000"/>
         </p:xfrm>
         <a:graphic>
@@ -28407,7 +27278,7 @@
         </p:nvSpPr>
         <p:spPr>
           <a:xfrm>
-            <a:off x="2107553" y="3531670"/>
+            <a:off x="1753247" y="3805427"/>
             <a:ext cx="1676400" cy="1295400"/>
           </a:xfrm>
           <a:prstGeom prst="wedgeRectCallout">
@@ -28463,7 +27334,7 @@
         </p:nvSpPr>
         <p:spPr>
           <a:xfrm>
-            <a:off x="8305800" y="2438400"/>
+            <a:off x="7874000" y="3139403"/>
             <a:ext cx="1981200" cy="1295400"/>
           </a:xfrm>
           <a:prstGeom prst="wedgeRectCallout">
@@ -28519,7 +27390,7 @@
         </p:nvSpPr>
         <p:spPr>
           <a:xfrm>
-            <a:off x="8229600" y="5105400"/>
+            <a:off x="8051153" y="5450840"/>
             <a:ext cx="1981200" cy="1371600"/>
           </a:xfrm>
           <a:prstGeom prst="wedgeRectCallout">
@@ -28716,292 +27587,7 @@
 </p:sld>
 </file>
 
-<file path=ppt/slides/slide18.xml><?xml version="1.0" encoding="utf-8"?>
-<p:sld xmlns:a="http://schemas.openxmlformats.org/drawingml/2006/main" xmlns:r="http://schemas.openxmlformats.org/officeDocument/2006/relationships" xmlns:p="http://schemas.openxmlformats.org/presentationml/2006/main">
-  <p:cSld>
-    <p:spTree>
-      <p:nvGrpSpPr>
-        <p:cNvPr id="1" name=""/>
-        <p:cNvGrpSpPr/>
-        <p:nvPr/>
-      </p:nvGrpSpPr>
-      <p:grpSpPr>
-        <a:xfrm>
-          <a:off x="0" y="0"/>
-          <a:ext cx="0" cy="0"/>
-          <a:chOff x="0" y="0"/>
-          <a:chExt cx="0" cy="0"/>
-        </a:xfrm>
-      </p:grpSpPr>
-      <p:sp>
-        <p:nvSpPr>
-          <p:cNvPr id="2" name="Title 1"/>
-          <p:cNvSpPr>
-            <a:spLocks noGrp="1"/>
-          </p:cNvSpPr>
-          <p:nvPr>
-            <p:ph type="title"/>
-          </p:nvPr>
-        </p:nvSpPr>
-        <p:spPr/>
-        <p:txBody>
-          <a:bodyPr/>
-          <a:lstStyle/>
-          <a:p>
-            <a:r>
-              <a:rPr lang="en-US" dirty="0"/>
-              <a:t>Scalability</a:t>
-            </a:r>
-          </a:p>
-        </p:txBody>
-      </p:sp>
-      <p:sp>
-        <p:nvSpPr>
-          <p:cNvPr id="3" name="Content Placeholder 2"/>
-          <p:cNvSpPr>
-            <a:spLocks noGrp="1"/>
-          </p:cNvSpPr>
-          <p:nvPr>
-            <p:ph idx="1"/>
-          </p:nvPr>
-        </p:nvSpPr>
-        <p:spPr>
-          <a:xfrm>
-            <a:off x="1981200" y="1782323"/>
-            <a:ext cx="8229600" cy="4618477"/>
-          </a:xfrm>
-        </p:spPr>
-        <p:txBody>
-          <a:bodyPr>
-            <a:normAutofit fontScale="85000" lnSpcReduction="10000"/>
-          </a:bodyPr>
-          <a:lstStyle/>
-          <a:p>
-            <a:pPr marL="0" indent="0">
-              <a:buNone/>
-            </a:pPr>
-            <a:r>
-              <a:rPr lang="en-US" b="1" dirty="0"/>
-              <a:t>Scalability</a:t>
-            </a:r>
-            <a:r>
-              <a:rPr lang="en-US" dirty="0"/>
-              <a:t> </a:t>
-            </a:r>
-          </a:p>
-          <a:p>
-            <a:r>
-              <a:rPr lang="en-US" dirty="0"/>
-              <a:t>A service’s ability to grow with its demand.</a:t>
-            </a:r>
-          </a:p>
-          <a:p>
-            <a:r>
-              <a:rPr lang="en-US" dirty="0"/>
-              <a:t>Helps maintain performance levels.</a:t>
-            </a:r>
-          </a:p>
-          <a:p>
-            <a:r>
-              <a:rPr lang="en-US" dirty="0"/>
-              <a:t>You should try to plan for scalability when designing your service.</a:t>
-            </a:r>
-          </a:p>
-          <a:p>
-            <a:r>
-              <a:rPr lang="en-US" dirty="0"/>
-              <a:t>Two types of scalability:</a:t>
-            </a:r>
-          </a:p>
-          <a:p>
-            <a:pPr lvl="1"/>
-            <a:r>
-              <a:rPr lang="en-US" u="sng" dirty="0"/>
-              <a:t>Vertical</a:t>
-            </a:r>
-            <a:r>
-              <a:rPr lang="en-US" dirty="0"/>
-              <a:t> (scale up) – Increasing the size of the node. </a:t>
-            </a:r>
-            <a:br>
-              <a:rPr lang="en-US" dirty="0"/>
-            </a:br>
-            <a:r>
-              <a:rPr lang="en-US" dirty="0" err="1"/>
-              <a:t>Eg</a:t>
-            </a:r>
-            <a:r>
-              <a:rPr lang="en-US" dirty="0"/>
-              <a:t>. add more RAM or an extra CPU to a server, buy a bigger washing machine, </a:t>
-            </a:r>
-          </a:p>
-          <a:p>
-            <a:pPr lvl="1"/>
-            <a:r>
-              <a:rPr lang="en-US" u="sng" dirty="0"/>
-              <a:t>Horizontal</a:t>
-            </a:r>
-            <a:r>
-              <a:rPr lang="en-US" dirty="0"/>
-              <a:t> (scale out) – Adding more nodes to the service.</a:t>
-            </a:r>
-            <a:br>
-              <a:rPr lang="en-US" dirty="0"/>
-            </a:br>
-            <a:r>
-              <a:rPr lang="en-US" dirty="0" err="1"/>
-              <a:t>Eg</a:t>
-            </a:r>
-            <a:r>
-              <a:rPr lang="en-US" dirty="0"/>
-              <a:t>. purchase three more servers and balance their load,  buy another washing machine, but keep your old one.</a:t>
-            </a:r>
-          </a:p>
-        </p:txBody>
-      </p:sp>
-      <p:grpSp>
-        <p:nvGrpSpPr>
-          <p:cNvPr id="4" name="Group 3"/>
-          <p:cNvGrpSpPr/>
-          <p:nvPr/>
-        </p:nvGrpSpPr>
-        <p:grpSpPr>
-          <a:xfrm>
-            <a:off x="8778460" y="456760"/>
-            <a:ext cx="1797880" cy="1797880"/>
-            <a:chOff x="2877707" y="1729959"/>
-            <a:chExt cx="1797880" cy="1797880"/>
-          </a:xfrm>
-        </p:grpSpPr>
-        <p:sp>
-          <p:nvSpPr>
-            <p:cNvPr id="5" name="Oval 4"/>
-            <p:cNvSpPr/>
-            <p:nvPr/>
-          </p:nvSpPr>
-          <p:spPr>
-            <a:xfrm>
-              <a:off x="2877707" y="1729959"/>
-              <a:ext cx="1797880" cy="1797880"/>
-            </a:xfrm>
-            <a:prstGeom prst="ellipse">
-              <a:avLst/>
-            </a:prstGeom>
-          </p:spPr>
-          <p:style>
-            <a:lnRef idx="2">
-              <a:schemeClr val="lt1">
-                <a:hueOff val="0"/>
-                <a:satOff val="0"/>
-                <a:lumOff val="0"/>
-                <a:alphaOff val="0"/>
-              </a:schemeClr>
-            </a:lnRef>
-            <a:fillRef idx="1">
-              <a:schemeClr val="accent1">
-                <a:alpha val="50000"/>
-                <a:hueOff val="0"/>
-                <a:satOff val="0"/>
-                <a:lumOff val="0"/>
-                <a:alphaOff val="0"/>
-              </a:schemeClr>
-            </a:fillRef>
-            <a:effectRef idx="0">
-              <a:schemeClr val="accent1">
-                <a:alpha val="50000"/>
-                <a:hueOff val="0"/>
-                <a:satOff val="0"/>
-                <a:lumOff val="0"/>
-                <a:alphaOff val="0"/>
-              </a:schemeClr>
-            </a:effectRef>
-            <a:fontRef idx="minor">
-              <a:schemeClr val="tx1"/>
-            </a:fontRef>
-          </p:style>
-        </p:sp>
-        <p:sp>
-          <p:nvSpPr>
-            <p:cNvPr id="6" name="Oval 4"/>
-            <p:cNvSpPr/>
-            <p:nvPr/>
-          </p:nvSpPr>
-          <p:spPr>
-            <a:xfrm>
-              <a:off x="3141000" y="1993252"/>
-              <a:ext cx="1271294" cy="1271294"/>
-            </a:xfrm>
-            <a:prstGeom prst="rect">
-              <a:avLst/>
-            </a:prstGeom>
-          </p:spPr>
-          <p:style>
-            <a:lnRef idx="0">
-              <a:scrgbClr r="0" g="0" b="0"/>
-            </a:lnRef>
-            <a:fillRef idx="0">
-              <a:scrgbClr r="0" g="0" b="0"/>
-            </a:fillRef>
-            <a:effectRef idx="0">
-              <a:scrgbClr r="0" g="0" b="0"/>
-            </a:effectRef>
-            <a:fontRef idx="minor">
-              <a:schemeClr val="tx1"/>
-            </a:fontRef>
-          </p:style>
-          <p:txBody>
-            <a:bodyPr spcFirstLastPara="0" vert="horz" wrap="square" lIns="98943" tIns="24130" rIns="98943" bIns="24130" numCol="1" spcCol="1270" anchor="ctr" anchorCtr="0">
-              <a:noAutofit/>
-            </a:bodyPr>
-            <a:lstStyle/>
-            <a:p>
-              <a:pPr algn="ctr" defTabSz="844550">
-                <a:lnSpc>
-                  <a:spcPct val="90000"/>
-                </a:lnSpc>
-                <a:spcBef>
-                  <a:spcPct val="0"/>
-                </a:spcBef>
-                <a:spcAft>
-                  <a:spcPct val="35000"/>
-                </a:spcAft>
-              </a:pPr>
-              <a:r>
-                <a:rPr lang="en-US" sz="1900" dirty="0"/>
-                <a:t>Scalable</a:t>
-              </a:r>
-              <a:br>
-                <a:rPr lang="en-US" sz="1900" dirty="0"/>
-              </a:br>
-              <a:r>
-                <a:rPr lang="en-US" sz="1900" dirty="0"/>
-                <a:t/>
-              </a:r>
-              <a:br>
-                <a:rPr lang="en-US" sz="1900" dirty="0"/>
-              </a:br>
-              <a:r>
-                <a:rPr lang="en-US" sz="1900" dirty="0"/>
-                <a:t>3</a:t>
-              </a:r>
-            </a:p>
-          </p:txBody>
-        </p:sp>
-      </p:grpSp>
-    </p:spTree>
-    <p:extLst>
-      <p:ext uri="{BB962C8B-B14F-4D97-AF65-F5344CB8AC3E}">
-        <p14:creationId xmlns:p14="http://schemas.microsoft.com/office/powerpoint/2010/main" val="2100900683"/>
-      </p:ext>
-    </p:extLst>
-  </p:cSld>
-  <p:clrMapOvr>
-    <a:masterClrMapping/>
-  </p:clrMapOvr>
-</p:sld>
-</file>
-
-<file path=ppt/slides/slide19.xml><?xml version="1.0" encoding="utf-8"?>
+<file path=ppt/slides/slide17.xml><?xml version="1.0" encoding="utf-8"?>
 <p:sld xmlns:a="http://schemas.openxmlformats.org/drawingml/2006/main" xmlns:r="http://schemas.openxmlformats.org/officeDocument/2006/relationships" xmlns:p="http://schemas.openxmlformats.org/presentationml/2006/main">
   <p:cSld>
     <p:spTree>
@@ -29037,7 +27623,7 @@
           <a:p>
             <a:r>
               <a:rPr lang="en-US" dirty="0"/>
-              <a:t>Scalability: H vs. V</a:t>
+              <a:t>Scalability</a:t>
             </a:r>
           </a:p>
         </p:txBody>
@@ -29156,10 +27742,6 @@
               <a:br>
                 <a:rPr lang="en-US" sz="1900" dirty="0"/>
               </a:br>
-              <a:r>
-                <a:rPr lang="en-US" sz="1900" dirty="0"/>
-                <a:t/>
-              </a:r>
               <a:br>
                 <a:rPr lang="en-US" sz="1900" dirty="0"/>
               </a:br>
@@ -29222,8 +27804,8 @@
         </p:nvSpPr>
         <p:spPr>
           <a:xfrm>
-            <a:off x="1752601" y="2655333"/>
-            <a:ext cx="1992725" cy="646331"/>
+            <a:off x="1375959" y="2474893"/>
+            <a:ext cx="3010568" cy="954107"/>
           </a:xfrm>
           <a:prstGeom prst="rect">
             <a:avLst/>
@@ -29237,13 +27819,13 @@
           <a:lstStyle/>
           <a:p>
             <a:r>
-              <a:rPr lang="en-US" b="1" dirty="0"/>
+              <a:rPr lang="en-US" sz="2800" b="1" dirty="0"/>
               <a:t>Vertical Scalability:</a:t>
             </a:r>
             <a:br>
-              <a:rPr lang="en-US" b="1" dirty="0"/>
+              <a:rPr lang="en-US" sz="2800" b="1" dirty="0"/>
             </a:br>
-            <a:endParaRPr lang="en-US" b="1" dirty="0"/>
+            <a:endParaRPr lang="en-US" sz="2800" b="1" dirty="0"/>
           </a:p>
         </p:txBody>
       </p:sp>
@@ -29298,8 +27880,8 @@
         </p:nvSpPr>
         <p:spPr>
           <a:xfrm>
-            <a:off x="1752601" y="5376594"/>
-            <a:ext cx="2257285" cy="369332"/>
+            <a:off x="1075376" y="5374640"/>
+            <a:ext cx="3420424" cy="523220"/>
           </a:xfrm>
           <a:prstGeom prst="rect">
             <a:avLst/>
@@ -29313,7 +27895,7 @@
           <a:lstStyle/>
           <a:p>
             <a:r>
-              <a:rPr lang="en-US" b="1" dirty="0"/>
+              <a:rPr lang="en-US" sz="2800" b="1" dirty="0"/>
               <a:t>Horizontal Scalability:</a:t>
             </a:r>
           </a:p>
@@ -29672,187 +28254,7 @@
 </p:sld>
 </file>
 
-<file path=ppt/slides/slide2.xml><?xml version="1.0" encoding="utf-8"?>
-<p:sld xmlns:a="http://schemas.openxmlformats.org/drawingml/2006/main" xmlns:r="http://schemas.openxmlformats.org/officeDocument/2006/relationships" xmlns:p="http://schemas.openxmlformats.org/presentationml/2006/main">
-  <p:cSld>
-    <p:bg>
-      <p:bgPr>
-        <a:solidFill>
-          <a:schemeClr val="bg1"/>
-        </a:solidFill>
-        <a:effectLst/>
-      </p:bgPr>
-    </p:bg>
-    <p:spTree>
-      <p:nvGrpSpPr>
-        <p:cNvPr id="1" name=""/>
-        <p:cNvGrpSpPr/>
-        <p:nvPr/>
-      </p:nvGrpSpPr>
-      <p:grpSpPr>
-        <a:xfrm>
-          <a:off x="0" y="0"/>
-          <a:ext cx="0" cy="0"/>
-          <a:chOff x="0" y="0"/>
-          <a:chExt cx="0" cy="0"/>
-        </a:xfrm>
-      </p:grpSpPr>
-      <p:pic>
-        <p:nvPicPr>
-          <p:cNvPr id="7" name="Graphic 6">
-            <a:extLst>
-              <a:ext uri="{FF2B5EF4-FFF2-40B4-BE49-F238E27FC236}">
-                <a16:creationId xmlns:a16="http://schemas.microsoft.com/office/drawing/2014/main" id="{CC18DA7E-9FB8-4C9B-A87D-898E8D6893A8}"/>
-              </a:ext>
-            </a:extLst>
-          </p:cNvPr>
-          <p:cNvPicPr>
-            <a:picLocks noChangeAspect="1"/>
-          </p:cNvPicPr>
-          <p:nvPr/>
-        </p:nvPicPr>
-        <p:blipFill>
-          <a:blip r:embed="rId2">
-            <a:extLst>
-              <a:ext uri="{28A0092B-C50C-407E-A947-70E740481C1C}">
-                <a14:useLocalDpi xmlns:a14="http://schemas.microsoft.com/office/drawing/2010/main" val="0"/>
-              </a:ext>
-              <a:ext uri="{96DAC541-7B7A-43D3-8B79-37D633B846F1}">
-                <asvg:svgBlip xmlns:asvg="http://schemas.microsoft.com/office/drawing/2016/SVG/main" xmlns="" r:embed="rId3"/>
-              </a:ext>
-            </a:extLst>
-          </a:blip>
-          <a:stretch>
-            <a:fillRect/>
-          </a:stretch>
-        </p:blipFill>
-        <p:spPr>
-          <a:xfrm>
-            <a:off x="632619" y="365125"/>
-            <a:ext cx="1119981" cy="1119981"/>
-          </a:xfrm>
-          <a:prstGeom prst="rect">
-            <a:avLst/>
-          </a:prstGeom>
-        </p:spPr>
-      </p:pic>
-      <p:sp>
-        <p:nvSpPr>
-          <p:cNvPr id="2" name="Title 1">
-            <a:extLst>
-              <a:ext uri="{FF2B5EF4-FFF2-40B4-BE49-F238E27FC236}">
-                <a16:creationId xmlns:a16="http://schemas.microsoft.com/office/drawing/2014/main" id="{47181E45-C23A-4FDF-9335-310AC4537DAD}"/>
-              </a:ext>
-            </a:extLst>
-          </p:cNvPr>
-          <p:cNvSpPr>
-            <a:spLocks noGrp="1"/>
-          </p:cNvSpPr>
-          <p:nvPr>
-            <p:ph type="title"/>
-          </p:nvPr>
-        </p:nvSpPr>
-        <p:spPr>
-          <a:xfrm>
-            <a:off x="1913468" y="365125"/>
-            <a:ext cx="9440332" cy="1325563"/>
-          </a:xfrm>
-        </p:spPr>
-        <p:txBody>
-          <a:bodyPr>
-            <a:normAutofit/>
-          </a:bodyPr>
-          <a:lstStyle/>
-          <a:p>
-            <a:r>
-              <a:rPr lang="en-US" dirty="0"/>
-              <a:t>Agenda</a:t>
-            </a:r>
-          </a:p>
-        </p:txBody>
-      </p:sp>
-      <p:sp>
-        <p:nvSpPr>
-          <p:cNvPr id="3" name="Content Placeholder 2">
-            <a:extLst>
-              <a:ext uri="{FF2B5EF4-FFF2-40B4-BE49-F238E27FC236}">
-                <a16:creationId xmlns:a16="http://schemas.microsoft.com/office/drawing/2014/main" id="{88161BE5-48BE-423F-986A-2C585BFE6C45}"/>
-              </a:ext>
-            </a:extLst>
-          </p:cNvPr>
-          <p:cNvSpPr>
-            <a:spLocks noGrp="1"/>
-          </p:cNvSpPr>
-          <p:nvPr>
-            <p:ph idx="1"/>
-          </p:nvPr>
-        </p:nvSpPr>
-        <p:spPr>
-          <a:xfrm>
-            <a:off x="838200" y="1825625"/>
-            <a:ext cx="10515600" cy="4351338"/>
-          </a:xfrm>
-        </p:spPr>
-        <p:txBody>
-          <a:bodyPr>
-            <a:normAutofit/>
-          </a:bodyPr>
-          <a:lstStyle/>
-          <a:p>
-            <a:r>
-              <a:rPr lang="en-US" dirty="0"/>
-              <a:t>Discussion</a:t>
-            </a:r>
-          </a:p>
-          <a:p>
-            <a:r>
-              <a:rPr lang="en-US" dirty="0"/>
-              <a:t>Content</a:t>
-            </a:r>
-          </a:p>
-          <a:p>
-            <a:pPr lvl="1"/>
-            <a:r>
-              <a:rPr lang="en-US" dirty="0"/>
-              <a:t>Services</a:t>
-            </a:r>
-          </a:p>
-          <a:p>
-            <a:pPr lvl="1"/>
-            <a:r>
-              <a:rPr lang="en-US" dirty="0"/>
-              <a:t>Monitoring </a:t>
-            </a:r>
-          </a:p>
-          <a:p>
-            <a:pPr lvl="1"/>
-            <a:r>
-              <a:rPr lang="en-US" dirty="0"/>
-              <a:t>Logging</a:t>
-            </a:r>
-          </a:p>
-          <a:p>
-            <a:r>
-              <a:rPr lang="en-US" dirty="0"/>
-              <a:t>Wrap-Up</a:t>
-            </a:r>
-          </a:p>
-        </p:txBody>
-      </p:sp>
-    </p:spTree>
-    <p:extLst>
-      <p:ext uri="{BB962C8B-B14F-4D97-AF65-F5344CB8AC3E}">
-        <p14:creationId xmlns:p14="http://schemas.microsoft.com/office/powerpoint/2010/main" val="2890802198"/>
-      </p:ext>
-    </p:extLst>
-  </p:cSld>
-  <p:clrMapOvr>
-    <a:masterClrMapping/>
-  </p:clrMapOvr>
-</p:sld>
-</file>
-
-<file path=ppt/slides/slide20.xml><?xml version="1.0" encoding="utf-8"?>
+<file path=ppt/slides/slide18.xml><?xml version="1.0" encoding="utf-8"?>
 <p:sld xmlns:a="http://schemas.openxmlformats.org/drawingml/2006/main" xmlns:r="http://schemas.openxmlformats.org/officeDocument/2006/relationships" xmlns:p="http://schemas.openxmlformats.org/presentationml/2006/main">
   <p:cSld>
     <p:spTree>
@@ -29898,77 +28300,6 @@
           </a:p>
         </p:txBody>
       </p:sp>
-      <p:sp>
-        <p:nvSpPr>
-          <p:cNvPr id="5" name="Date Placeholder 4"/>
-          <p:cNvSpPr>
-            <a:spLocks noGrp="1"/>
-          </p:cNvSpPr>
-          <p:nvPr>
-            <p:ph type="dt" sz="half" idx="10"/>
-          </p:nvPr>
-        </p:nvSpPr>
-        <p:spPr/>
-        <p:txBody>
-          <a:bodyPr/>
-          <a:lstStyle/>
-          <a:p>
-            <a:fld id="{F158A94B-9EDB-49F0-B716-10583B9F335E}" type="datetime1">
-              <a:rPr lang="en-US" smtClean="0"/>
-              <a:t>9/17/2018</a:t>
-            </a:fld>
-            <a:endParaRPr lang="en-US"/>
-          </a:p>
-        </p:txBody>
-      </p:sp>
-      <p:sp>
-        <p:nvSpPr>
-          <p:cNvPr id="9" name="Footer Placeholder 8"/>
-          <p:cNvSpPr>
-            <a:spLocks noGrp="1"/>
-          </p:cNvSpPr>
-          <p:nvPr>
-            <p:ph type="ftr" sz="quarter" idx="11"/>
-          </p:nvPr>
-        </p:nvSpPr>
-        <p:spPr/>
-        <p:txBody>
-          <a:bodyPr/>
-          <a:lstStyle/>
-          <a:p>
-            <a:pPr algn="ctr"/>
-            <a:r>
-              <a:rPr lang="en-US"/>
-              <a:t>IST346: Info Tech Management &amp; Administration</a:t>
-            </a:r>
-            <a:endParaRPr lang="en-US" dirty="0"/>
-          </a:p>
-        </p:txBody>
-      </p:sp>
-      <p:sp>
-        <p:nvSpPr>
-          <p:cNvPr id="11" name="Slide Number Placeholder 10"/>
-          <p:cNvSpPr>
-            <a:spLocks noGrp="1"/>
-          </p:cNvSpPr>
-          <p:nvPr>
-            <p:ph type="sldNum" sz="quarter" idx="12"/>
-          </p:nvPr>
-        </p:nvSpPr>
-        <p:spPr/>
-        <p:txBody>
-          <a:bodyPr/>
-          <a:lstStyle/>
-          <a:p>
-            <a:fld id="{DF6669D1-DB19-4C99-869C-C84252016461}" type="slidenum">
-              <a:rPr lang="en-US" smtClean="0"/>
-              <a:pPr/>
-              <a:t>20</a:t>
-            </a:fld>
-            <a:endParaRPr lang="en-US"/>
-          </a:p>
-        </p:txBody>
-      </p:sp>
       <p:pic>
         <p:nvPicPr>
           <p:cNvPr id="3074" name="Picture 2"/>
@@ -29992,7 +28323,7 @@
         </p:blipFill>
         <p:spPr bwMode="auto">
           <a:xfrm>
-            <a:off x="2057400" y="1143001"/>
+            <a:off x="2197417" y="1550194"/>
             <a:ext cx="1371600" cy="1878806"/>
           </a:xfrm>
           <a:prstGeom prst="rect">
@@ -30041,7 +28372,7 @@
         </p:nvSpPr>
         <p:spPr>
           <a:xfrm>
-            <a:off x="3962402" y="1447800"/>
+            <a:off x="3810427" y="1837205"/>
             <a:ext cx="3428999" cy="1569660"/>
           </a:xfrm>
           <a:prstGeom prst="rect">
@@ -30093,7 +28424,7 @@
         </p:blipFill>
         <p:spPr bwMode="auto">
           <a:xfrm>
-            <a:off x="7391400" y="1522204"/>
+            <a:off x="7531417" y="1929397"/>
             <a:ext cx="1373396" cy="1373396"/>
           </a:xfrm>
           <a:prstGeom prst="rect">
@@ -30248,10 +28579,6 @@
               <a:br>
                 <a:rPr lang="en-US" sz="1900" dirty="0"/>
               </a:br>
-              <a:r>
-                <a:rPr lang="en-US" sz="1900" dirty="0"/>
-                <a:t/>
-              </a:r>
               <a:br>
                 <a:rPr lang="en-US" sz="1900" dirty="0"/>
               </a:br>
@@ -30286,7 +28613,7 @@
         </p:blipFill>
         <p:spPr bwMode="auto">
           <a:xfrm>
-            <a:off x="2275840" y="3604915"/>
+            <a:off x="2415857" y="4012108"/>
             <a:ext cx="1549546" cy="2095500"/>
           </a:xfrm>
           <a:prstGeom prst="rect">
@@ -30335,7 +28662,7 @@
         </p:nvSpPr>
         <p:spPr>
           <a:xfrm>
-            <a:off x="2364813" y="3143251"/>
+            <a:off x="2504830" y="3550444"/>
             <a:ext cx="1371600" cy="461665"/>
           </a:xfrm>
           <a:prstGeom prst="rect">
@@ -30365,7 +28692,7 @@
         </p:nvSpPr>
         <p:spPr>
           <a:xfrm>
-            <a:off x="1752600" y="5690255"/>
+            <a:off x="1892617" y="6097448"/>
             <a:ext cx="3645870" cy="369332"/>
           </a:xfrm>
           <a:prstGeom prst="rect">
@@ -30394,7 +28721,7 @@
         </p:nvSpPr>
         <p:spPr>
           <a:xfrm>
-            <a:off x="7441528" y="3147061"/>
+            <a:off x="7581545" y="3554254"/>
             <a:ext cx="2007272" cy="461665"/>
           </a:xfrm>
           <a:prstGeom prst="rect">
@@ -30439,7 +28766,7 @@
         </p:blipFill>
         <p:spPr bwMode="auto">
           <a:xfrm>
-            <a:off x="7135477" y="3604916"/>
+            <a:off x="7275494" y="4012109"/>
             <a:ext cx="2619375" cy="1743075"/>
           </a:xfrm>
           <a:prstGeom prst="rect">
@@ -30488,7 +28815,7 @@
         </p:nvSpPr>
         <p:spPr>
           <a:xfrm>
-            <a:off x="6781800" y="5473323"/>
+            <a:off x="6921817" y="5880516"/>
             <a:ext cx="3629712" cy="369332"/>
           </a:xfrm>
           <a:prstGeom prst="rect">
@@ -30509,6 +28836,104 @@
           </a:p>
         </p:txBody>
       </p:sp>
+      <p:sp>
+        <p:nvSpPr>
+          <p:cNvPr id="13" name="Arrow: Right 12">
+            <a:extLst>
+              <a:ext uri="{FF2B5EF4-FFF2-40B4-BE49-F238E27FC236}">
+                <a16:creationId xmlns:a16="http://schemas.microsoft.com/office/drawing/2014/main" id="{DE34E888-17F9-407B-B97E-E1F343BB2C1C}"/>
+              </a:ext>
+            </a:extLst>
+          </p:cNvPr>
+          <p:cNvSpPr/>
+          <p:nvPr/>
+        </p:nvSpPr>
+        <p:spPr>
+          <a:xfrm>
+            <a:off x="711200" y="2184609"/>
+            <a:ext cx="1371600" cy="863391"/>
+          </a:xfrm>
+          <a:prstGeom prst="rightArrow">
+            <a:avLst/>
+          </a:prstGeom>
+        </p:spPr>
+        <p:style>
+          <a:lnRef idx="2">
+            <a:schemeClr val="accent1">
+              <a:shade val="50000"/>
+            </a:schemeClr>
+          </a:lnRef>
+          <a:fillRef idx="1">
+            <a:schemeClr val="accent1"/>
+          </a:fillRef>
+          <a:effectRef idx="0">
+            <a:schemeClr val="accent1"/>
+          </a:effectRef>
+          <a:fontRef idx="minor">
+            <a:schemeClr val="lt1"/>
+          </a:fontRef>
+        </p:style>
+        <p:txBody>
+          <a:bodyPr rtlCol="0" anchor="ctr"/>
+          <a:lstStyle/>
+          <a:p>
+            <a:pPr algn="ctr"/>
+            <a:r>
+              <a:rPr lang="en-US" dirty="0"/>
+              <a:t>Traffic</a:t>
+            </a:r>
+          </a:p>
+        </p:txBody>
+      </p:sp>
+      <p:sp>
+        <p:nvSpPr>
+          <p:cNvPr id="14" name="Arrow: Left 13">
+            <a:extLst>
+              <a:ext uri="{FF2B5EF4-FFF2-40B4-BE49-F238E27FC236}">
+                <a16:creationId xmlns:a16="http://schemas.microsoft.com/office/drawing/2014/main" id="{75C8AE7F-596C-42F8-B51F-4A3A6F65E7D5}"/>
+              </a:ext>
+            </a:extLst>
+          </p:cNvPr>
+          <p:cNvSpPr/>
+          <p:nvPr/>
+        </p:nvSpPr>
+        <p:spPr>
+          <a:xfrm>
+            <a:off x="9146223" y="2231521"/>
+            <a:ext cx="1696720" cy="996503"/>
+          </a:xfrm>
+          <a:prstGeom prst="leftArrow">
+            <a:avLst/>
+          </a:prstGeom>
+        </p:spPr>
+        <p:style>
+          <a:lnRef idx="2">
+            <a:schemeClr val="accent1">
+              <a:shade val="50000"/>
+            </a:schemeClr>
+          </a:lnRef>
+          <a:fillRef idx="1">
+            <a:schemeClr val="accent1"/>
+          </a:fillRef>
+          <a:effectRef idx="0">
+            <a:schemeClr val="accent1"/>
+          </a:effectRef>
+          <a:fontRef idx="minor">
+            <a:schemeClr val="lt1"/>
+          </a:fontRef>
+        </p:style>
+        <p:txBody>
+          <a:bodyPr rtlCol="0" anchor="ctr"/>
+          <a:lstStyle/>
+          <a:p>
+            <a:pPr algn="ctr"/>
+            <a:r>
+              <a:rPr lang="en-US" dirty="0"/>
+              <a:t>Service</a:t>
+            </a:r>
+          </a:p>
+        </p:txBody>
+      </p:sp>
     </p:spTree>
     <p:extLst>
       <p:ext uri="{BB962C8B-B14F-4D97-AF65-F5344CB8AC3E}">
@@ -30522,7 +28947,7 @@
 </p:sld>
 </file>
 
-<file path=ppt/slides/slide21.xml><?xml version="1.0" encoding="utf-8"?>
+<file path=ppt/slides/slide19.xml><?xml version="1.0" encoding="utf-8"?>
 <p:sld xmlns:a="http://schemas.openxmlformats.org/drawingml/2006/main" xmlns:r="http://schemas.openxmlformats.org/officeDocument/2006/relationships" xmlns:p="http://schemas.openxmlformats.org/presentationml/2006/main">
   <p:cSld>
     <p:spTree>
@@ -30556,7 +28981,7 @@
           <a:p>
             <a:r>
               <a:rPr lang="en-US" dirty="0"/>
-              <a:t>Service Monitoring</a:t>
+              <a:t>Service Monitoring &amp; Logging</a:t>
             </a:r>
           </a:p>
         </p:txBody>
@@ -30573,8 +28998,8 @@
         </p:nvSpPr>
         <p:spPr>
           <a:xfrm>
-            <a:off x="1981200" y="1828800"/>
-            <a:ext cx="8229600" cy="4509296"/>
+            <a:off x="944880" y="2446745"/>
+            <a:ext cx="9265920" cy="3891350"/>
           </a:xfrm>
         </p:spPr>
         <p:txBody>
@@ -30583,176 +29008,37 @@
           </a:bodyPr>
           <a:lstStyle/>
           <a:p>
-            <a:pPr marL="514350" indent="-514350">
-              <a:buNone/>
-            </a:pPr>
             <a:r>
-              <a:rPr lang="en-US" sz="2400" dirty="0"/>
-              <a:t>Layered Monitoring: </a:t>
-            </a:r>
-            <a:r>
-              <a:rPr lang="en-US" sz="2400" b="1" dirty="0"/>
-              <a:t>PPS!</a:t>
-            </a:r>
-            <a:endParaRPr lang="en-US" sz="2400" dirty="0"/>
-          </a:p>
-          <a:p>
-            <a:pPr marL="514350" indent="-514350">
-              <a:buFont typeface="+mj-lt"/>
-              <a:buAutoNum type="arabicPeriod"/>
-            </a:pPr>
-            <a:r>
-              <a:rPr lang="en-US" sz="2400" dirty="0"/>
-              <a:t>Ping: Monitor the host</a:t>
+              <a:rPr lang="en-US" dirty="0"/>
+              <a:t>You cannot offer good service if you don’t monitor.</a:t>
             </a:r>
           </a:p>
           <a:p>
-            <a:pPr marL="514350" indent="-514350">
-              <a:buFont typeface="+mj-lt"/>
-              <a:buAutoNum type="arabicPeriod"/>
-            </a:pPr>
             <a:r>
-              <a:rPr lang="en-US" sz="2400" dirty="0"/>
-              <a:t>Port: Monitor the port for the service </a:t>
+              <a:rPr lang="en-US" dirty="0"/>
+              <a:t>You cannot measure unless you are logging activity.</a:t>
             </a:r>
           </a:p>
           <a:p>
-            <a:pPr marL="514350" indent="-514350">
-              <a:buFont typeface="+mj-lt"/>
-              <a:buAutoNum type="arabicPeriod"/>
-            </a:pPr>
             <a:r>
-              <a:rPr lang="en-US" sz="2400" dirty="0"/>
-              <a:t>Service: Connect to the port; verify the response</a:t>
+              <a:rPr lang="en-US" dirty="0"/>
+              <a:t>If you’re not measuring it,  you’re not managing it.</a:t>
             </a:r>
-            <a:br>
-              <a:rPr lang="en-US" sz="2400" dirty="0"/>
-            </a:br>
-            <a:endParaRPr lang="en-US" sz="2400" dirty="0"/>
           </a:p>
           <a:p>
             <a:r>
-              <a:rPr lang="en-US" sz="2400" dirty="0"/>
-              <a:t>A Monitoring agent should send an alert to the IT team when things aren’t right.</a:t>
+              <a:rPr lang="en-US" dirty="0"/>
+              <a:t>Monitoring == real-time</a:t>
             </a:r>
           </a:p>
           <a:p>
-            <a:pPr lvl="1"/>
             <a:r>
-              <a:rPr lang="en-US" sz="2000" dirty="0"/>
-              <a:t>What, When, Where</a:t>
+              <a:rPr lang="en-US" dirty="0"/>
+              <a:t>Logging == historical</a:t>
             </a:r>
           </a:p>
-        </p:txBody>
-      </p:sp>
-      <p:sp>
-        <p:nvSpPr>
-          <p:cNvPr id="4" name="Date Placeholder 3"/>
-          <p:cNvSpPr>
-            <a:spLocks noGrp="1"/>
-          </p:cNvSpPr>
-          <p:nvPr>
-            <p:ph type="dt" sz="half" idx="10"/>
-          </p:nvPr>
-        </p:nvSpPr>
-        <p:spPr/>
-        <p:txBody>
-          <a:bodyPr/>
-          <a:lstStyle/>
           <a:p>
-            <a:fld id="{1119F604-EB26-4A1B-8040-10AB96DEB97E}" type="datetime1">
-              <a:rPr lang="en-US" smtClean="0"/>
-              <a:t>9/17/2018</a:t>
-            </a:fld>
             <a:endParaRPr lang="en-US" dirty="0"/>
-          </a:p>
-        </p:txBody>
-      </p:sp>
-      <p:sp>
-        <p:nvSpPr>
-          <p:cNvPr id="9" name="Footer Placeholder 8"/>
-          <p:cNvSpPr>
-            <a:spLocks noGrp="1"/>
-          </p:cNvSpPr>
-          <p:nvPr>
-            <p:ph type="ftr" sz="quarter" idx="11"/>
-          </p:nvPr>
-        </p:nvSpPr>
-        <p:spPr/>
-        <p:txBody>
-          <a:bodyPr/>
-          <a:lstStyle/>
-          <a:p>
-            <a:r>
-              <a:rPr lang="en-US"/>
-              <a:t>IST346: Info Tech Management &amp; Administration</a:t>
-            </a:r>
-            <a:endParaRPr lang="en-US" dirty="0"/>
-          </a:p>
-        </p:txBody>
-      </p:sp>
-      <p:sp>
-        <p:nvSpPr>
-          <p:cNvPr id="10" name="Slide Number Placeholder 9"/>
-          <p:cNvSpPr>
-            <a:spLocks noGrp="1"/>
-          </p:cNvSpPr>
-          <p:nvPr>
-            <p:ph type="sldNum" sz="quarter" idx="12"/>
-          </p:nvPr>
-        </p:nvSpPr>
-        <p:spPr/>
-        <p:txBody>
-          <a:bodyPr/>
-          <a:lstStyle/>
-          <a:p>
-            <a:fld id="{DF6669D1-DB19-4C99-869C-C84252016461}" type="slidenum">
-              <a:rPr lang="en-US" smtClean="0"/>
-              <a:pPr/>
-              <a:t>21</a:t>
-            </a:fld>
-            <a:endParaRPr lang="en-US" dirty="0"/>
-          </a:p>
-        </p:txBody>
-      </p:sp>
-      <p:sp>
-        <p:nvSpPr>
-          <p:cNvPr id="5" name="TextBox 4"/>
-          <p:cNvSpPr txBox="1"/>
-          <p:nvPr/>
-        </p:nvSpPr>
-        <p:spPr>
-          <a:xfrm>
-            <a:off x="2057400" y="5638801"/>
-            <a:ext cx="8229600" cy="461665"/>
-          </a:xfrm>
-          <a:prstGeom prst="rect">
-            <a:avLst/>
-          </a:prstGeom>
-          <a:solidFill>
-            <a:schemeClr val="accent2">
-              <a:lumMod val="20000"/>
-              <a:lumOff val="80000"/>
-            </a:schemeClr>
-          </a:solidFill>
-          <a:effectLst>
-            <a:outerShdw blurRad="50800" dist="38100" dir="5400000" algn="t" rotWithShape="0">
-              <a:prstClr val="black">
-                <a:alpha val="40000"/>
-              </a:prstClr>
-            </a:outerShdw>
-          </a:effectLst>
-        </p:spPr>
-        <p:txBody>
-          <a:bodyPr wrap="square" rtlCol="0">
-            <a:spAutoFit/>
-          </a:bodyPr>
-          <a:lstStyle/>
-          <a:p>
-            <a:r>
-              <a:rPr lang="en-US" sz="2400" dirty="0"/>
-              <a:t>Without adequate monitoring you cannot offer good service!</a:t>
-            </a:r>
           </a:p>
         </p:txBody>
       </p:sp>
@@ -30870,10 +29156,6 @@
               <a:br>
                 <a:rPr lang="en-US" sz="1900" dirty="0"/>
               </a:br>
-              <a:r>
-                <a:rPr lang="en-US" sz="1900" dirty="0"/>
-                <a:t/>
-              </a:r>
               <a:br>
                 <a:rPr lang="en-US" sz="1900" dirty="0"/>
               </a:br>
@@ -30898,9 +29180,17 @@
 </p:sld>
 </file>
 
-<file path=ppt/slides/slide22.xml><?xml version="1.0" encoding="utf-8"?>
+<file path=ppt/slides/slide2.xml><?xml version="1.0" encoding="utf-8"?>
 <p:sld xmlns:a="http://schemas.openxmlformats.org/drawingml/2006/main" xmlns:r="http://schemas.openxmlformats.org/officeDocument/2006/relationships" xmlns:p="http://schemas.openxmlformats.org/presentationml/2006/main">
   <p:cSld>
+    <p:bg>
+      <p:bgPr>
+        <a:solidFill>
+          <a:schemeClr val="bg1"/>
+        </a:solidFill>
+        <a:effectLst/>
+      </p:bgPr>
+    </p:bg>
     <p:spTree>
       <p:nvGrpSpPr>
         <p:cNvPr id="1" name=""/>
@@ -30915,9 +29205,54 @@
           <a:chExt cx="0" cy="0"/>
         </a:xfrm>
       </p:grpSpPr>
+      <p:pic>
+        <p:nvPicPr>
+          <p:cNvPr id="7" name="Graphic 6">
+            <a:extLst>
+              <a:ext uri="{FF2B5EF4-FFF2-40B4-BE49-F238E27FC236}">
+                <a16:creationId xmlns:a16="http://schemas.microsoft.com/office/drawing/2014/main" id="{CC18DA7E-9FB8-4C9B-A87D-898E8D6893A8}"/>
+              </a:ext>
+            </a:extLst>
+          </p:cNvPr>
+          <p:cNvPicPr>
+            <a:picLocks noChangeAspect="1"/>
+          </p:cNvPicPr>
+          <p:nvPr/>
+        </p:nvPicPr>
+        <p:blipFill>
+          <a:blip r:embed="rId2">
+            <a:extLst>
+              <a:ext uri="{28A0092B-C50C-407E-A947-70E740481C1C}">
+                <a14:useLocalDpi xmlns:a14="http://schemas.microsoft.com/office/drawing/2010/main" val="0"/>
+              </a:ext>
+              <a:ext uri="{96DAC541-7B7A-43D3-8B79-37D633B846F1}">
+                <asvg:svgBlip xmlns:asvg="http://schemas.microsoft.com/office/drawing/2016/SVG/main" r:embed="rId3"/>
+              </a:ext>
+            </a:extLst>
+          </a:blip>
+          <a:stretch>
+            <a:fillRect/>
+          </a:stretch>
+        </p:blipFill>
+        <p:spPr>
+          <a:xfrm>
+            <a:off x="632619" y="365125"/>
+            <a:ext cx="1119981" cy="1119981"/>
+          </a:xfrm>
+          <a:prstGeom prst="rect">
+            <a:avLst/>
+          </a:prstGeom>
+        </p:spPr>
+      </p:pic>
       <p:sp>
         <p:nvSpPr>
-          <p:cNvPr id="4" name="Title 3"/>
+          <p:cNvPr id="2" name="Title 1">
+            <a:extLst>
+              <a:ext uri="{FF2B5EF4-FFF2-40B4-BE49-F238E27FC236}">
+                <a16:creationId xmlns:a16="http://schemas.microsoft.com/office/drawing/2014/main" id="{47181E45-C23A-4FDF-9335-310AC4537DAD}"/>
+              </a:ext>
+            </a:extLst>
+          </p:cNvPr>
           <p:cNvSpPr>
             <a:spLocks noGrp="1"/>
           </p:cNvSpPr>
@@ -30925,61 +29260,10 @@
             <p:ph type="title"/>
           </p:nvPr>
         </p:nvSpPr>
-        <p:spPr/>
-        <p:txBody>
-          <a:bodyPr>
-            <a:normAutofit/>
-          </a:bodyPr>
-          <a:lstStyle/>
-          <a:p>
-            <a:r>
-              <a:rPr lang="en-US" dirty="0"/>
-              <a:t>Monitoring and Logging</a:t>
-            </a:r>
-          </a:p>
-        </p:txBody>
-      </p:sp>
-      <p:sp>
-        <p:nvSpPr>
-          <p:cNvPr id="5" name="Text Placeholder 4"/>
-          <p:cNvSpPr>
-            <a:spLocks noGrp="1"/>
-          </p:cNvSpPr>
-          <p:nvPr>
-            <p:ph type="body" idx="1"/>
-          </p:nvPr>
-        </p:nvSpPr>
         <p:spPr>
           <a:xfrm>
-            <a:off x="1981200" y="1722438"/>
-            <a:ext cx="3931920" cy="639762"/>
-          </a:xfrm>
-        </p:spPr>
-        <p:txBody>
-          <a:bodyPr/>
-          <a:lstStyle/>
-          <a:p>
-            <a:r>
-              <a:rPr lang="en-US" dirty="0"/>
-              <a:t>Service Monitoring</a:t>
-            </a:r>
-          </a:p>
-        </p:txBody>
-      </p:sp>
-      <p:sp>
-        <p:nvSpPr>
-          <p:cNvPr id="6" name="Content Placeholder 5"/>
-          <p:cNvSpPr>
-            <a:spLocks noGrp="1"/>
-          </p:cNvSpPr>
-          <p:nvPr>
-            <p:ph sz="half" idx="2"/>
-          </p:nvPr>
-        </p:nvSpPr>
-        <p:spPr>
-          <a:xfrm>
-            <a:off x="1981200" y="2438400"/>
-            <a:ext cx="3931920" cy="4343400"/>
+            <a:off x="1913468" y="365125"/>
+            <a:ext cx="9440332" cy="1325563"/>
           </a:xfrm>
         </p:spPr>
         <p:txBody>
@@ -30990,310 +29274,83 @@
           <a:p>
             <a:r>
               <a:rPr lang="en-US" dirty="0"/>
-              <a:t>Observing service activity in real-time</a:t>
-            </a:r>
-          </a:p>
-          <a:p>
-            <a:r>
-              <a:rPr lang="en-US" dirty="0"/>
-              <a:t>This is done by a computer, not a human.</a:t>
-            </a:r>
-          </a:p>
-          <a:p>
-            <a:r>
-              <a:rPr lang="en-US" dirty="0"/>
-              <a:t>Important events are passed on to a human (notification).</a:t>
-            </a:r>
-          </a:p>
-          <a:p>
-            <a:endParaRPr lang="en-US" dirty="0"/>
-          </a:p>
-        </p:txBody>
-      </p:sp>
-      <p:sp>
-        <p:nvSpPr>
-          <p:cNvPr id="7" name="Text Placeholder 6"/>
-          <p:cNvSpPr>
-            <a:spLocks noGrp="1"/>
-          </p:cNvSpPr>
-          <p:nvPr>
-            <p:ph type="body" sz="quarter" idx="3"/>
-          </p:nvPr>
-        </p:nvSpPr>
-        <p:spPr>
-          <a:xfrm>
-            <a:off x="6248400" y="1722438"/>
-            <a:ext cx="3931920" cy="639762"/>
-          </a:xfrm>
-        </p:spPr>
-        <p:txBody>
-          <a:bodyPr/>
-          <a:lstStyle/>
-          <a:p>
-            <a:r>
-              <a:rPr lang="en-US" dirty="0"/>
-              <a:t>Service Logging</a:t>
+              <a:t>Agenda</a:t>
             </a:r>
           </a:p>
         </p:txBody>
       </p:sp>
       <p:sp>
         <p:nvSpPr>
-          <p:cNvPr id="8" name="Content Placeholder 7"/>
+          <p:cNvPr id="3" name="Content Placeholder 2">
+            <a:extLst>
+              <a:ext uri="{FF2B5EF4-FFF2-40B4-BE49-F238E27FC236}">
+                <a16:creationId xmlns:a16="http://schemas.microsoft.com/office/drawing/2014/main" id="{88161BE5-48BE-423F-986A-2C585BFE6C45}"/>
+              </a:ext>
+            </a:extLst>
+          </p:cNvPr>
           <p:cNvSpPr>
             <a:spLocks noGrp="1"/>
           </p:cNvSpPr>
           <p:nvPr>
-            <p:ph sz="quarter" idx="4"/>
+            <p:ph idx="1"/>
           </p:nvPr>
         </p:nvSpPr>
         <p:spPr>
           <a:xfrm>
-            <a:off x="6278880" y="2362200"/>
-            <a:ext cx="3931920" cy="4343400"/>
+            <a:off x="838200" y="1825625"/>
+            <a:ext cx="10515600" cy="4351338"/>
           </a:xfrm>
         </p:spPr>
         <p:txBody>
           <a:bodyPr>
-            <a:normAutofit lnSpcReduction="10000"/>
+            <a:normAutofit/>
           </a:bodyPr>
           <a:lstStyle/>
           <a:p>
             <a:r>
               <a:rPr lang="en-US" dirty="0"/>
-              <a:t>Keeping </a:t>
-            </a:r>
-            <a:r>
-              <a:rPr lang="en-US" b="1" i="1" dirty="0"/>
-              <a:t>historical records</a:t>
-            </a:r>
-            <a:r>
-              <a:rPr lang="en-US" b="1" dirty="0"/>
-              <a:t> </a:t>
-            </a:r>
-            <a:r>
-              <a:rPr lang="en-US" dirty="0"/>
-              <a:t>of service activity </a:t>
+              <a:t>Discussion</a:t>
             </a:r>
           </a:p>
           <a:p>
             <a:r>
               <a:rPr lang="en-US" dirty="0"/>
-              <a:t>This data grows over time and can become quite large.</a:t>
+              <a:t>Content</a:t>
+            </a:r>
+          </a:p>
+          <a:p>
+            <a:pPr lvl="1"/>
+            <a:r>
+              <a:rPr lang="en-US" dirty="0"/>
+              <a:t>Services</a:t>
+            </a:r>
+          </a:p>
+          <a:p>
+            <a:pPr lvl="1"/>
+            <a:r>
+              <a:rPr lang="en-US" dirty="0"/>
+              <a:t>Monitoring </a:t>
+            </a:r>
+          </a:p>
+          <a:p>
+            <a:pPr lvl="1"/>
+            <a:r>
+              <a:rPr lang="en-US" dirty="0"/>
+              <a:t>Logging</a:t>
             </a:r>
           </a:p>
           <a:p>
             <a:r>
               <a:rPr lang="en-US" dirty="0"/>
-              <a:t>Only referred to when needed to troubleshoot a problem or trace down a security incident.</a:t>
+              <a:t>Wrap-Up</a:t>
             </a:r>
           </a:p>
         </p:txBody>
       </p:sp>
-      <p:sp>
-        <p:nvSpPr>
-          <p:cNvPr id="2" name="Date Placeholder 1"/>
-          <p:cNvSpPr>
-            <a:spLocks noGrp="1"/>
-          </p:cNvSpPr>
-          <p:nvPr>
-            <p:ph type="dt" sz="half" idx="10"/>
-          </p:nvPr>
-        </p:nvSpPr>
-        <p:spPr/>
-        <p:txBody>
-          <a:bodyPr/>
-          <a:lstStyle/>
-          <a:p>
-            <a:fld id="{89B27376-CE16-46B4-9684-6BFB315E8133}" type="datetime1">
-              <a:rPr lang="en-US" smtClean="0"/>
-              <a:t>9/17/2018</a:t>
-            </a:fld>
-            <a:endParaRPr lang="en-US"/>
-          </a:p>
-        </p:txBody>
-      </p:sp>
-      <p:sp>
-        <p:nvSpPr>
-          <p:cNvPr id="3" name="Footer Placeholder 2"/>
-          <p:cNvSpPr>
-            <a:spLocks noGrp="1"/>
-          </p:cNvSpPr>
-          <p:nvPr>
-            <p:ph type="ftr" sz="quarter" idx="11"/>
-          </p:nvPr>
-        </p:nvSpPr>
-        <p:spPr/>
-        <p:txBody>
-          <a:bodyPr/>
-          <a:lstStyle/>
-          <a:p>
-            <a:pPr algn="ctr"/>
-            <a:r>
-              <a:rPr lang="en-US"/>
-              <a:t>IST346: Info Tech Management &amp; Administration</a:t>
-            </a:r>
-            <a:endParaRPr lang="en-US" dirty="0"/>
-          </a:p>
-        </p:txBody>
-      </p:sp>
-      <p:sp>
-        <p:nvSpPr>
-          <p:cNvPr id="12" name="Slide Number Placeholder 11"/>
-          <p:cNvSpPr>
-            <a:spLocks noGrp="1"/>
-          </p:cNvSpPr>
-          <p:nvPr>
-            <p:ph type="sldNum" sz="quarter" idx="12"/>
-          </p:nvPr>
-        </p:nvSpPr>
-        <p:spPr/>
-        <p:txBody>
-          <a:bodyPr/>
-          <a:lstStyle/>
-          <a:p>
-            <a:fld id="{DF6669D1-DB19-4C99-869C-C84252016461}" type="slidenum">
-              <a:rPr lang="en-US" smtClean="0"/>
-              <a:pPr/>
-              <a:t>22</a:t>
-            </a:fld>
-            <a:endParaRPr lang="en-US"/>
-          </a:p>
-        </p:txBody>
-      </p:sp>
-      <p:grpSp>
-        <p:nvGrpSpPr>
-          <p:cNvPr id="9" name="Group 8"/>
-          <p:cNvGrpSpPr/>
-          <p:nvPr/>
-        </p:nvGrpSpPr>
-        <p:grpSpPr>
-          <a:xfrm>
-            <a:off x="8812970" y="411920"/>
-            <a:ext cx="1797880" cy="1797880"/>
-            <a:chOff x="4316011" y="1729959"/>
-            <a:chExt cx="1797880" cy="1797880"/>
-          </a:xfrm>
-        </p:grpSpPr>
-        <p:sp>
-          <p:nvSpPr>
-            <p:cNvPr id="10" name="Oval 9"/>
-            <p:cNvSpPr/>
-            <p:nvPr/>
-          </p:nvSpPr>
-          <p:spPr>
-            <a:xfrm>
-              <a:off x="4316011" y="1729959"/>
-              <a:ext cx="1797880" cy="1797880"/>
-            </a:xfrm>
-            <a:prstGeom prst="ellipse">
-              <a:avLst/>
-            </a:prstGeom>
-          </p:spPr>
-          <p:style>
-            <a:lnRef idx="2">
-              <a:schemeClr val="lt1">
-                <a:hueOff val="0"/>
-                <a:satOff val="0"/>
-                <a:lumOff val="0"/>
-                <a:alphaOff val="0"/>
-              </a:schemeClr>
-            </a:lnRef>
-            <a:fillRef idx="1">
-              <a:schemeClr val="accent1">
-                <a:alpha val="50000"/>
-                <a:hueOff val="0"/>
-                <a:satOff val="0"/>
-                <a:lumOff val="0"/>
-                <a:alphaOff val="0"/>
-              </a:schemeClr>
-            </a:fillRef>
-            <a:effectRef idx="0">
-              <a:schemeClr val="accent1">
-                <a:alpha val="50000"/>
-                <a:hueOff val="0"/>
-                <a:satOff val="0"/>
-                <a:lumOff val="0"/>
-                <a:alphaOff val="0"/>
-              </a:schemeClr>
-            </a:effectRef>
-            <a:fontRef idx="minor">
-              <a:schemeClr val="tx1"/>
-            </a:fontRef>
-          </p:style>
-        </p:sp>
-        <p:sp>
-          <p:nvSpPr>
-            <p:cNvPr id="11" name="Oval 4"/>
-            <p:cNvSpPr/>
-            <p:nvPr/>
-          </p:nvSpPr>
-          <p:spPr>
-            <a:xfrm>
-              <a:off x="4579303" y="1993252"/>
-              <a:ext cx="1286937" cy="1271294"/>
-            </a:xfrm>
-            <a:prstGeom prst="rect">
-              <a:avLst/>
-            </a:prstGeom>
-          </p:spPr>
-          <p:style>
-            <a:lnRef idx="0">
-              <a:scrgbClr r="0" g="0" b="0"/>
-            </a:lnRef>
-            <a:fillRef idx="0">
-              <a:scrgbClr r="0" g="0" b="0"/>
-            </a:fillRef>
-            <a:effectRef idx="0">
-              <a:scrgbClr r="0" g="0" b="0"/>
-            </a:effectRef>
-            <a:fontRef idx="minor">
-              <a:schemeClr val="tx1"/>
-            </a:fontRef>
-          </p:style>
-          <p:txBody>
-            <a:bodyPr spcFirstLastPara="0" vert="horz" wrap="square" lIns="98943" tIns="24130" rIns="98943" bIns="24130" numCol="1" spcCol="1270" anchor="ctr" anchorCtr="0">
-              <a:noAutofit/>
-            </a:bodyPr>
-            <a:lstStyle/>
-            <a:p>
-              <a:pPr algn="ctr" defTabSz="844550">
-                <a:lnSpc>
-                  <a:spcPct val="90000"/>
-                </a:lnSpc>
-                <a:spcBef>
-                  <a:spcPct val="0"/>
-                </a:spcBef>
-                <a:spcAft>
-                  <a:spcPct val="35000"/>
-                </a:spcAft>
-              </a:pPr>
-              <a:r>
-                <a:rPr lang="en-US" sz="1900" dirty="0"/>
-                <a:t>Monitored</a:t>
-              </a:r>
-              <a:br>
-                <a:rPr lang="en-US" sz="1900" dirty="0"/>
-              </a:br>
-              <a:r>
-                <a:rPr lang="en-US" sz="1900" dirty="0"/>
-                <a:t/>
-              </a:r>
-              <a:br>
-                <a:rPr lang="en-US" sz="1900" dirty="0"/>
-              </a:br>
-              <a:r>
-                <a:rPr lang="en-US" sz="1900" dirty="0"/>
-                <a:t>4</a:t>
-              </a:r>
-            </a:p>
-          </p:txBody>
-        </p:sp>
-      </p:grpSp>
     </p:spTree>
     <p:extLst>
       <p:ext uri="{BB962C8B-B14F-4D97-AF65-F5344CB8AC3E}">
-        <p14:creationId xmlns:p14="http://schemas.microsoft.com/office/powerpoint/2010/main" val="3401336182"/>
+        <p14:creationId xmlns:p14="http://schemas.microsoft.com/office/powerpoint/2010/main" val="2890802198"/>
       </p:ext>
     </p:extLst>
   </p:cSld>
@@ -31303,458 +29360,7 @@
 </p:sld>
 </file>
 
-<file path=ppt/slides/slide23.xml><?xml version="1.0" encoding="utf-8"?>
-<p:sld xmlns:a="http://schemas.openxmlformats.org/drawingml/2006/main" xmlns:r="http://schemas.openxmlformats.org/officeDocument/2006/relationships" xmlns:p="http://schemas.openxmlformats.org/presentationml/2006/main">
-  <p:cSld>
-    <p:spTree>
-      <p:nvGrpSpPr>
-        <p:cNvPr id="1" name=""/>
-        <p:cNvGrpSpPr/>
-        <p:nvPr/>
-      </p:nvGrpSpPr>
-      <p:grpSpPr>
-        <a:xfrm>
-          <a:off x="0" y="0"/>
-          <a:ext cx="0" cy="0"/>
-          <a:chOff x="0" y="0"/>
-          <a:chExt cx="0" cy="0"/>
-        </a:xfrm>
-      </p:grpSpPr>
-      <p:sp>
-        <p:nvSpPr>
-          <p:cNvPr id="2" name="Title 1"/>
-          <p:cNvSpPr>
-            <a:spLocks noGrp="1"/>
-          </p:cNvSpPr>
-          <p:nvPr>
-            <p:ph type="title"/>
-          </p:nvPr>
-        </p:nvSpPr>
-        <p:spPr/>
-        <p:txBody>
-          <a:bodyPr>
-            <a:normAutofit/>
-          </a:bodyPr>
-          <a:lstStyle/>
-          <a:p>
-            <a:r>
-              <a:rPr lang="en-US" dirty="0"/>
-              <a:t>Why Bother?</a:t>
-            </a:r>
-          </a:p>
-        </p:txBody>
-      </p:sp>
-      <p:sp>
-        <p:nvSpPr>
-          <p:cNvPr id="8" name="Text Placeholder 7"/>
-          <p:cNvSpPr>
-            <a:spLocks noGrp="1"/>
-          </p:cNvSpPr>
-          <p:nvPr>
-            <p:ph type="body" idx="1"/>
-          </p:nvPr>
-        </p:nvSpPr>
-        <p:spPr>
-          <a:xfrm>
-            <a:off x="1981200" y="1798638"/>
-            <a:ext cx="3931920" cy="639762"/>
-          </a:xfrm>
-        </p:spPr>
-        <p:txBody>
-          <a:bodyPr/>
-          <a:lstStyle/>
-          <a:p>
-            <a:r>
-              <a:rPr lang="en-US" dirty="0"/>
-              <a:t>Why do we Monitor?</a:t>
-            </a:r>
-          </a:p>
-        </p:txBody>
-      </p:sp>
-      <p:sp>
-        <p:nvSpPr>
-          <p:cNvPr id="7" name="Content Placeholder 6"/>
-          <p:cNvSpPr>
-            <a:spLocks noGrp="1"/>
-          </p:cNvSpPr>
-          <p:nvPr>
-            <p:ph sz="half" idx="2"/>
-          </p:nvPr>
-        </p:nvSpPr>
-        <p:spPr>
-          <a:xfrm>
-            <a:off x="1981200" y="2362200"/>
-            <a:ext cx="3931920" cy="4343400"/>
-          </a:xfrm>
-        </p:spPr>
-        <p:txBody>
-          <a:bodyPr/>
-          <a:lstStyle/>
-          <a:p>
-            <a:r>
-              <a:rPr lang="en-US" dirty="0"/>
-              <a:t>To detect / identify  problems quickly. </a:t>
-            </a:r>
-          </a:p>
-          <a:p>
-            <a:r>
-              <a:rPr lang="en-US" dirty="0"/>
-              <a:t>Ideally you want to know about it before your users do.</a:t>
-            </a:r>
-          </a:p>
-          <a:p>
-            <a:r>
-              <a:rPr lang="en-US" dirty="0"/>
-              <a:t>To determine if resources are being constrained or over utilized.</a:t>
-            </a:r>
-          </a:p>
-        </p:txBody>
-      </p:sp>
-      <p:sp>
-        <p:nvSpPr>
-          <p:cNvPr id="9" name="Text Placeholder 8"/>
-          <p:cNvSpPr>
-            <a:spLocks noGrp="1"/>
-          </p:cNvSpPr>
-          <p:nvPr>
-            <p:ph type="body" sz="quarter" idx="3"/>
-          </p:nvPr>
-        </p:nvSpPr>
-        <p:spPr>
-          <a:xfrm>
-            <a:off x="6278880" y="1798638"/>
-            <a:ext cx="3931920" cy="639762"/>
-          </a:xfrm>
-        </p:spPr>
-        <p:txBody>
-          <a:bodyPr/>
-          <a:lstStyle/>
-          <a:p>
-            <a:r>
-              <a:rPr lang="en-US" dirty="0"/>
-              <a:t>Why do we Log?</a:t>
-            </a:r>
-          </a:p>
-        </p:txBody>
-      </p:sp>
-      <p:sp>
-        <p:nvSpPr>
-          <p:cNvPr id="10" name="Content Placeholder 9"/>
-          <p:cNvSpPr>
-            <a:spLocks noGrp="1"/>
-          </p:cNvSpPr>
-          <p:nvPr>
-            <p:ph sz="quarter" idx="4"/>
-          </p:nvPr>
-        </p:nvSpPr>
-        <p:spPr>
-          <a:xfrm>
-            <a:off x="6278880" y="2362200"/>
-            <a:ext cx="3931920" cy="4343400"/>
-          </a:xfrm>
-        </p:spPr>
-        <p:txBody>
-          <a:bodyPr/>
-          <a:lstStyle/>
-          <a:p>
-            <a:r>
-              <a:rPr lang="en-US" dirty="0"/>
-              <a:t>Help get to the root cause of an issue or incident.</a:t>
-            </a:r>
-          </a:p>
-          <a:p>
-            <a:r>
-              <a:rPr lang="en-US" dirty="0"/>
-              <a:t>Help us predict problem and avoid them.</a:t>
-            </a:r>
-          </a:p>
-          <a:p>
-            <a:r>
-              <a:rPr lang="en-US" dirty="0"/>
-              <a:t>Provide historical data or trends for service usage.</a:t>
-            </a:r>
-          </a:p>
-          <a:p>
-            <a:r>
-              <a:rPr lang="en-US" dirty="0"/>
-              <a:t>Report on service activity.</a:t>
-            </a:r>
-          </a:p>
-        </p:txBody>
-      </p:sp>
-      <p:sp>
-        <p:nvSpPr>
-          <p:cNvPr id="3" name="Date Placeholder 2"/>
-          <p:cNvSpPr>
-            <a:spLocks noGrp="1"/>
-          </p:cNvSpPr>
-          <p:nvPr>
-            <p:ph type="dt" sz="half" idx="10"/>
-          </p:nvPr>
-        </p:nvSpPr>
-        <p:spPr/>
-        <p:txBody>
-          <a:bodyPr/>
-          <a:lstStyle/>
-          <a:p>
-            <a:fld id="{9208AEFB-BE8F-4C09-9101-1170EE3E5250}" type="datetime1">
-              <a:rPr lang="en-US" smtClean="0"/>
-              <a:t>9/17/2018</a:t>
-            </a:fld>
-            <a:endParaRPr lang="en-US"/>
-          </a:p>
-        </p:txBody>
-      </p:sp>
-      <p:sp>
-        <p:nvSpPr>
-          <p:cNvPr id="4" name="Footer Placeholder 3"/>
-          <p:cNvSpPr>
-            <a:spLocks noGrp="1"/>
-          </p:cNvSpPr>
-          <p:nvPr>
-            <p:ph type="ftr" sz="quarter" idx="11"/>
-          </p:nvPr>
-        </p:nvSpPr>
-        <p:spPr/>
-        <p:txBody>
-          <a:bodyPr/>
-          <a:lstStyle/>
-          <a:p>
-            <a:pPr algn="ctr"/>
-            <a:r>
-              <a:rPr lang="en-US"/>
-              <a:t>IST346: Info Tech Management &amp; Administration</a:t>
-            </a:r>
-            <a:endParaRPr lang="en-US" dirty="0"/>
-          </a:p>
-        </p:txBody>
-      </p:sp>
-      <p:sp>
-        <p:nvSpPr>
-          <p:cNvPr id="5" name="Slide Number Placeholder 4"/>
-          <p:cNvSpPr>
-            <a:spLocks noGrp="1"/>
-          </p:cNvSpPr>
-          <p:nvPr>
-            <p:ph type="sldNum" sz="quarter" idx="12"/>
-          </p:nvPr>
-        </p:nvSpPr>
-        <p:spPr/>
-        <p:txBody>
-          <a:bodyPr/>
-          <a:lstStyle/>
-          <a:p>
-            <a:fld id="{DF6669D1-DB19-4C99-869C-C84252016461}" type="slidenum">
-              <a:rPr lang="en-US" smtClean="0"/>
-              <a:pPr/>
-              <a:t>23</a:t>
-            </a:fld>
-            <a:endParaRPr lang="en-US"/>
-          </a:p>
-        </p:txBody>
-      </p:sp>
-      <p:sp>
-        <p:nvSpPr>
-          <p:cNvPr id="11" name="TextBox 10"/>
-          <p:cNvSpPr txBox="1"/>
-          <p:nvPr/>
-        </p:nvSpPr>
-        <p:spPr>
-          <a:xfrm>
-            <a:off x="2209800" y="6029980"/>
-            <a:ext cx="8001000" cy="523220"/>
-          </a:xfrm>
-          <a:prstGeom prst="rect">
-            <a:avLst/>
-          </a:prstGeom>
-        </p:spPr>
-        <p:style>
-          <a:lnRef idx="2">
-            <a:schemeClr val="accent6"/>
-          </a:lnRef>
-          <a:fillRef idx="1">
-            <a:schemeClr val="lt1"/>
-          </a:fillRef>
-          <a:effectRef idx="0">
-            <a:schemeClr val="accent6"/>
-          </a:effectRef>
-          <a:fontRef idx="minor">
-            <a:schemeClr val="dk1"/>
-          </a:fontRef>
-        </p:style>
-        <p:txBody>
-          <a:bodyPr wrap="square" rtlCol="0">
-            <a:spAutoFit/>
-          </a:bodyPr>
-          <a:lstStyle/>
-          <a:p>
-            <a:pPr algn="ctr"/>
-            <a:r>
-              <a:rPr lang="en-US" sz="2800" dirty="0"/>
-              <a:t>If you’re not </a:t>
-            </a:r>
-            <a:r>
-              <a:rPr lang="en-US" sz="2800" b="1" i="1" dirty="0"/>
-              <a:t>measuring</a:t>
-            </a:r>
-            <a:r>
-              <a:rPr lang="en-US" sz="2800" dirty="0"/>
-              <a:t> it you aren’t </a:t>
-            </a:r>
-            <a:r>
-              <a:rPr lang="en-US" sz="2800" b="1" i="1" dirty="0"/>
-              <a:t>managing</a:t>
-            </a:r>
-            <a:r>
-              <a:rPr lang="en-US" sz="2800" dirty="0"/>
-              <a:t> it</a:t>
-            </a:r>
-          </a:p>
-        </p:txBody>
-      </p:sp>
-      <p:grpSp>
-        <p:nvGrpSpPr>
-          <p:cNvPr id="12" name="Group 11"/>
-          <p:cNvGrpSpPr/>
-          <p:nvPr/>
-        </p:nvGrpSpPr>
-        <p:grpSpPr>
-          <a:xfrm>
-            <a:off x="8832020" y="411920"/>
-            <a:ext cx="1797880" cy="1797880"/>
-            <a:chOff x="4316011" y="1729959"/>
-            <a:chExt cx="1797880" cy="1797880"/>
-          </a:xfrm>
-        </p:grpSpPr>
-        <p:sp>
-          <p:nvSpPr>
-            <p:cNvPr id="13" name="Oval 12"/>
-            <p:cNvSpPr/>
-            <p:nvPr/>
-          </p:nvSpPr>
-          <p:spPr>
-            <a:xfrm>
-              <a:off x="4316011" y="1729959"/>
-              <a:ext cx="1797880" cy="1797880"/>
-            </a:xfrm>
-            <a:prstGeom prst="ellipse">
-              <a:avLst/>
-            </a:prstGeom>
-          </p:spPr>
-          <p:style>
-            <a:lnRef idx="2">
-              <a:schemeClr val="lt1">
-                <a:hueOff val="0"/>
-                <a:satOff val="0"/>
-                <a:lumOff val="0"/>
-                <a:alphaOff val="0"/>
-              </a:schemeClr>
-            </a:lnRef>
-            <a:fillRef idx="1">
-              <a:schemeClr val="accent1">
-                <a:alpha val="50000"/>
-                <a:hueOff val="0"/>
-                <a:satOff val="0"/>
-                <a:lumOff val="0"/>
-                <a:alphaOff val="0"/>
-              </a:schemeClr>
-            </a:fillRef>
-            <a:effectRef idx="0">
-              <a:schemeClr val="accent1">
-                <a:alpha val="50000"/>
-                <a:hueOff val="0"/>
-                <a:satOff val="0"/>
-                <a:lumOff val="0"/>
-                <a:alphaOff val="0"/>
-              </a:schemeClr>
-            </a:effectRef>
-            <a:fontRef idx="minor">
-              <a:schemeClr val="tx1"/>
-            </a:fontRef>
-          </p:style>
-        </p:sp>
-        <p:sp>
-          <p:nvSpPr>
-            <p:cNvPr id="14" name="Oval 4"/>
-            <p:cNvSpPr/>
-            <p:nvPr/>
-          </p:nvSpPr>
-          <p:spPr>
-            <a:xfrm>
-              <a:off x="4551791" y="1993252"/>
-              <a:ext cx="1298807" cy="1271294"/>
-            </a:xfrm>
-            <a:prstGeom prst="rect">
-              <a:avLst/>
-            </a:prstGeom>
-          </p:spPr>
-          <p:style>
-            <a:lnRef idx="0">
-              <a:scrgbClr r="0" g="0" b="0"/>
-            </a:lnRef>
-            <a:fillRef idx="0">
-              <a:scrgbClr r="0" g="0" b="0"/>
-            </a:fillRef>
-            <a:effectRef idx="0">
-              <a:scrgbClr r="0" g="0" b="0"/>
-            </a:effectRef>
-            <a:fontRef idx="minor">
-              <a:schemeClr val="tx1"/>
-            </a:fontRef>
-          </p:style>
-          <p:txBody>
-            <a:bodyPr spcFirstLastPara="0" vert="horz" wrap="square" lIns="98943" tIns="24130" rIns="98943" bIns="24130" numCol="1" spcCol="1270" anchor="ctr" anchorCtr="0">
-              <a:noAutofit/>
-            </a:bodyPr>
-            <a:lstStyle/>
-            <a:p>
-              <a:pPr algn="ctr" defTabSz="844550">
-                <a:lnSpc>
-                  <a:spcPct val="90000"/>
-                </a:lnSpc>
-                <a:spcBef>
-                  <a:spcPct val="0"/>
-                </a:spcBef>
-                <a:spcAft>
-                  <a:spcPct val="35000"/>
-                </a:spcAft>
-              </a:pPr>
-              <a:r>
-                <a:rPr lang="en-US" sz="1900" dirty="0"/>
-                <a:t>Monitored</a:t>
-              </a:r>
-              <a:br>
-                <a:rPr lang="en-US" sz="1900" dirty="0"/>
-              </a:br>
-              <a:r>
-                <a:rPr lang="en-US" sz="1900" dirty="0"/>
-                <a:t/>
-              </a:r>
-              <a:br>
-                <a:rPr lang="en-US" sz="1900" dirty="0"/>
-              </a:br>
-              <a:r>
-                <a:rPr lang="en-US" sz="1900" dirty="0"/>
-                <a:t>4</a:t>
-              </a:r>
-            </a:p>
-          </p:txBody>
-        </p:sp>
-      </p:grpSp>
-    </p:spTree>
-    <p:extLst>
-      <p:ext uri="{BB962C8B-B14F-4D97-AF65-F5344CB8AC3E}">
-        <p14:creationId xmlns:p14="http://schemas.microsoft.com/office/powerpoint/2010/main" val="1253431174"/>
-      </p:ext>
-    </p:extLst>
-  </p:cSld>
-  <p:clrMapOvr>
-    <a:masterClrMapping/>
-  </p:clrMapOvr>
-</p:sld>
-</file>
-
-<file path=ppt/slides/slide24.xml><?xml version="1.0" encoding="utf-8"?>
+<file path=ppt/slides/slide20.xml><?xml version="1.0" encoding="utf-8"?>
 <p:sld xmlns:a="http://schemas.openxmlformats.org/drawingml/2006/main" xmlns:r="http://schemas.openxmlformats.org/officeDocument/2006/relationships" xmlns:p="http://schemas.openxmlformats.org/presentationml/2006/main">
   <p:cSld>
     <p:spTree>
@@ -31792,77 +29398,6 @@
               <a:rPr lang="en-US" dirty="0"/>
               <a:t>How Monitoring and Logging Work</a:t>
             </a:r>
-          </a:p>
-        </p:txBody>
-      </p:sp>
-      <p:sp>
-        <p:nvSpPr>
-          <p:cNvPr id="2" name="Date Placeholder 1"/>
-          <p:cNvSpPr>
-            <a:spLocks noGrp="1"/>
-          </p:cNvSpPr>
-          <p:nvPr>
-            <p:ph type="dt" sz="half" idx="10"/>
-          </p:nvPr>
-        </p:nvSpPr>
-        <p:spPr/>
-        <p:txBody>
-          <a:bodyPr/>
-          <a:lstStyle/>
-          <a:p>
-            <a:fld id="{B92E5BCC-D5F8-40AE-B9FC-6FD4C9ACAB98}" type="datetime1">
-              <a:rPr lang="en-US" smtClean="0"/>
-              <a:t>9/17/2018</a:t>
-            </a:fld>
-            <a:endParaRPr lang="en-US"/>
-          </a:p>
-        </p:txBody>
-      </p:sp>
-      <p:sp>
-        <p:nvSpPr>
-          <p:cNvPr id="3" name="Footer Placeholder 2"/>
-          <p:cNvSpPr>
-            <a:spLocks noGrp="1"/>
-          </p:cNvSpPr>
-          <p:nvPr>
-            <p:ph type="ftr" sz="quarter" idx="11"/>
-          </p:nvPr>
-        </p:nvSpPr>
-        <p:spPr/>
-        <p:txBody>
-          <a:bodyPr/>
-          <a:lstStyle/>
-          <a:p>
-            <a:pPr algn="ctr"/>
-            <a:r>
-              <a:rPr lang="en-US"/>
-              <a:t>IST346: Info Tech Management &amp; Administration</a:t>
-            </a:r>
-            <a:endParaRPr lang="en-US" dirty="0"/>
-          </a:p>
-        </p:txBody>
-      </p:sp>
-      <p:sp>
-        <p:nvSpPr>
-          <p:cNvPr id="4" name="Slide Number Placeholder 3"/>
-          <p:cNvSpPr>
-            <a:spLocks noGrp="1"/>
-          </p:cNvSpPr>
-          <p:nvPr>
-            <p:ph type="sldNum" sz="quarter" idx="12"/>
-          </p:nvPr>
-        </p:nvSpPr>
-        <p:spPr/>
-        <p:txBody>
-          <a:bodyPr/>
-          <a:lstStyle/>
-          <a:p>
-            <a:fld id="{DF6669D1-DB19-4C99-869C-C84252016461}" type="slidenum">
-              <a:rPr lang="en-US" smtClean="0"/>
-              <a:pPr/>
-              <a:t>24</a:t>
-            </a:fld>
-            <a:endParaRPr lang="en-US"/>
           </a:p>
         </p:txBody>
       </p:sp>
@@ -31927,10 +29462,18 @@
           <a:lstStyle/>
           <a:p>
             <a:r>
-              <a:rPr lang="en-US" sz="2400" b="1" dirty="0"/>
+              <a:rPr lang="en-US" sz="2400" b="1" dirty="0">
+                <a:solidFill>
+                  <a:schemeClr val="bg1"/>
+                </a:solidFill>
+              </a:rPr>
               <a:t>Server</a:t>
             </a:r>
-            <a:endParaRPr lang="en-US" b="1" dirty="0"/>
+            <a:endParaRPr lang="en-US" b="1" dirty="0">
+              <a:solidFill>
+                <a:schemeClr val="bg1"/>
+              </a:solidFill>
+            </a:endParaRPr>
           </a:p>
         </p:txBody>
       </p:sp>
@@ -31973,7 +29516,7 @@
             <a:r>
               <a:rPr lang="en-US" b="1" dirty="0">
                 <a:solidFill>
-                  <a:schemeClr val="tx1"/>
+                  <a:schemeClr val="bg1"/>
                 </a:solidFill>
               </a:rPr>
               <a:t>Service</a:t>
@@ -32471,35 +30014,6 @@
           </a:p>
         </p:txBody>
       </p:sp>
-      <p:sp>
-        <p:nvSpPr>
-          <p:cNvPr id="31" name="TextBox 30"/>
-          <p:cNvSpPr txBox="1"/>
-          <p:nvPr/>
-        </p:nvSpPr>
-        <p:spPr>
-          <a:xfrm>
-            <a:off x="5257801" y="6488668"/>
-            <a:ext cx="430311" cy="369332"/>
-          </a:xfrm>
-          <a:prstGeom prst="rect">
-            <a:avLst/>
-          </a:prstGeom>
-          <a:noFill/>
-        </p:spPr>
-        <p:txBody>
-          <a:bodyPr wrap="none" rtlCol="0">
-            <a:spAutoFit/>
-          </a:bodyPr>
-          <a:lstStyle/>
-          <a:p>
-            <a:r>
-              <a:rPr lang="en-US" b="1" dirty="0"/>
-              <a:t>SA</a:t>
-            </a:r>
-          </a:p>
-        </p:txBody>
-      </p:sp>
     </p:spTree>
     <p:extLst>
       <p:ext uri="{BB962C8B-B14F-4D97-AF65-F5344CB8AC3E}">
@@ -32513,7 +30027,7 @@
 </p:sld>
 </file>
 
-<file path=ppt/slides/slide25.xml><?xml version="1.0" encoding="utf-8"?>
+<file path=ppt/slides/slide21.xml><?xml version="1.0" encoding="utf-8"?>
 <p:sld xmlns:a="http://schemas.openxmlformats.org/drawingml/2006/main" xmlns:r="http://schemas.openxmlformats.org/officeDocument/2006/relationships" xmlns:p="http://schemas.openxmlformats.org/presentationml/2006/main">
   <p:cSld>
     <p:spTree>
@@ -32556,77 +30070,6 @@
               <a:rPr lang="en-US" dirty="0"/>
               <a:t>Example: Simple Web Service Monitoring</a:t>
             </a:r>
-          </a:p>
-        </p:txBody>
-      </p:sp>
-      <p:sp>
-        <p:nvSpPr>
-          <p:cNvPr id="18" name="Date Placeholder 17"/>
-          <p:cNvSpPr>
-            <a:spLocks noGrp="1"/>
-          </p:cNvSpPr>
-          <p:nvPr>
-            <p:ph type="dt" sz="half" idx="10"/>
-          </p:nvPr>
-        </p:nvSpPr>
-        <p:spPr/>
-        <p:txBody>
-          <a:bodyPr/>
-          <a:lstStyle/>
-          <a:p>
-            <a:fld id="{DE28F47F-FB24-4935-A6E5-9F20393CAF42}" type="datetime1">
-              <a:rPr lang="en-US" smtClean="0"/>
-              <a:t>9/17/2018</a:t>
-            </a:fld>
-            <a:endParaRPr lang="en-US"/>
-          </a:p>
-        </p:txBody>
-      </p:sp>
-      <p:sp>
-        <p:nvSpPr>
-          <p:cNvPr id="19" name="Footer Placeholder 18"/>
-          <p:cNvSpPr>
-            <a:spLocks noGrp="1"/>
-          </p:cNvSpPr>
-          <p:nvPr>
-            <p:ph type="ftr" sz="quarter" idx="11"/>
-          </p:nvPr>
-        </p:nvSpPr>
-        <p:spPr/>
-        <p:txBody>
-          <a:bodyPr/>
-          <a:lstStyle/>
-          <a:p>
-            <a:pPr algn="ctr"/>
-            <a:r>
-              <a:rPr lang="en-US"/>
-              <a:t>IST346: Info Tech Management &amp; Administration</a:t>
-            </a:r>
-            <a:endParaRPr lang="en-US" dirty="0"/>
-          </a:p>
-        </p:txBody>
-      </p:sp>
-      <p:sp>
-        <p:nvSpPr>
-          <p:cNvPr id="20" name="Slide Number Placeholder 19"/>
-          <p:cNvSpPr>
-            <a:spLocks noGrp="1"/>
-          </p:cNvSpPr>
-          <p:nvPr>
-            <p:ph type="sldNum" sz="quarter" idx="12"/>
-          </p:nvPr>
-        </p:nvSpPr>
-        <p:spPr/>
-        <p:txBody>
-          <a:bodyPr/>
-          <a:lstStyle/>
-          <a:p>
-            <a:fld id="{DF6669D1-DB19-4C99-869C-C84252016461}" type="slidenum">
-              <a:rPr lang="en-US" smtClean="0"/>
-              <a:pPr/>
-              <a:t>25</a:t>
-            </a:fld>
-            <a:endParaRPr lang="en-US"/>
           </a:p>
         </p:txBody>
       </p:sp>
@@ -32677,7 +30120,7 @@
         <p:spPr>
           <a:xfrm>
             <a:off x="5029200" y="1600200"/>
-            <a:ext cx="2503378" cy="369332"/>
+            <a:ext cx="2566857" cy="369332"/>
           </a:xfrm>
           <a:prstGeom prst="rect">
             <a:avLst/>
@@ -32691,8 +30134,12 @@
           <a:lstStyle/>
           <a:p>
             <a:r>
-              <a:rPr lang="en-US" b="1" dirty="0"/>
-              <a:t>Linux Host:  web.syr.edu</a:t>
+              <a:rPr lang="en-US" b="1" dirty="0">
+                <a:solidFill>
+                  <a:schemeClr val="bg1"/>
+                </a:solidFill>
+              </a:rPr>
+              <a:t>Linux Host:  website.com</a:t>
             </a:r>
           </a:p>
         </p:txBody>
@@ -32736,25 +30183,10 @@
             <a:r>
               <a:rPr lang="en-US" b="1" dirty="0">
                 <a:solidFill>
-                  <a:schemeClr val="tx1"/>
+                  <a:schemeClr val="bg1"/>
                 </a:solidFill>
               </a:rPr>
-              <a:t>Apache</a:t>
-            </a:r>
-            <a:br>
-              <a:rPr lang="en-US" b="1" dirty="0">
-                <a:solidFill>
-                  <a:schemeClr val="tx1"/>
-                </a:solidFill>
-              </a:rPr>
-            </a:br>
-            <a:r>
-              <a:rPr lang="en-US" b="1" dirty="0">
-                <a:solidFill>
-                  <a:schemeClr val="tx1"/>
-                </a:solidFill>
-              </a:rPr>
-              <a:t>HTTPD</a:t>
+              <a:t>Nginx</a:t>
             </a:r>
           </a:p>
         </p:txBody>
@@ -32945,7 +30377,7 @@
                   <a:schemeClr val="tx1"/>
                 </a:solidFill>
               </a:rPr>
-              <a:t> web.syr.edu</a:t>
+              <a:t> website.com</a:t>
             </a:r>
           </a:p>
         </p:txBody>
@@ -33315,2042 +30747,7 @@
 </p:sld>
 </file>
 
-<file path=ppt/slides/slide26.xml><?xml version="1.0" encoding="utf-8"?>
-<p:sld xmlns:a="http://schemas.openxmlformats.org/drawingml/2006/main" xmlns:r="http://schemas.openxmlformats.org/officeDocument/2006/relationships" xmlns:p="http://schemas.openxmlformats.org/presentationml/2006/main">
-  <p:cSld>
-    <p:spTree>
-      <p:nvGrpSpPr>
-        <p:cNvPr id="1" name=""/>
-        <p:cNvGrpSpPr/>
-        <p:nvPr/>
-      </p:nvGrpSpPr>
-      <p:grpSpPr>
-        <a:xfrm>
-          <a:off x="0" y="0"/>
-          <a:ext cx="0" cy="0"/>
-          <a:chOff x="0" y="0"/>
-          <a:chExt cx="0" cy="0"/>
-        </a:xfrm>
-      </p:grpSpPr>
-      <p:sp>
-        <p:nvSpPr>
-          <p:cNvPr id="2" name="Title 1"/>
-          <p:cNvSpPr>
-            <a:spLocks noGrp="1"/>
-          </p:cNvSpPr>
-          <p:nvPr>
-            <p:ph type="title"/>
-          </p:nvPr>
-        </p:nvSpPr>
-        <p:spPr>
-          <a:xfrm>
-            <a:off x="1981200" y="228600"/>
-            <a:ext cx="8458200" cy="914400"/>
-          </a:xfrm>
-        </p:spPr>
-        <p:txBody>
-          <a:bodyPr>
-            <a:normAutofit fontScale="90000"/>
-          </a:bodyPr>
-          <a:lstStyle/>
-          <a:p>
-            <a:r>
-              <a:rPr lang="en-US" dirty="0"/>
-              <a:t>Example: Email Service Monitoring</a:t>
-            </a:r>
-          </a:p>
-        </p:txBody>
-      </p:sp>
-      <p:sp>
-        <p:nvSpPr>
-          <p:cNvPr id="18" name="Date Placeholder 17"/>
-          <p:cNvSpPr>
-            <a:spLocks noGrp="1"/>
-          </p:cNvSpPr>
-          <p:nvPr>
-            <p:ph type="dt" sz="half" idx="10"/>
-          </p:nvPr>
-        </p:nvSpPr>
-        <p:spPr/>
-        <p:txBody>
-          <a:bodyPr/>
-          <a:lstStyle/>
-          <a:p>
-            <a:fld id="{86D26F13-C38B-4574-BE0F-C5146E0E81FE}" type="datetime1">
-              <a:rPr lang="en-US" smtClean="0"/>
-              <a:t>9/17/2018</a:t>
-            </a:fld>
-            <a:endParaRPr lang="en-US"/>
-          </a:p>
-        </p:txBody>
-      </p:sp>
-      <p:sp>
-        <p:nvSpPr>
-          <p:cNvPr id="19" name="Footer Placeholder 18"/>
-          <p:cNvSpPr>
-            <a:spLocks noGrp="1"/>
-          </p:cNvSpPr>
-          <p:nvPr>
-            <p:ph type="ftr" sz="quarter" idx="11"/>
-          </p:nvPr>
-        </p:nvSpPr>
-        <p:spPr/>
-        <p:txBody>
-          <a:bodyPr/>
-          <a:lstStyle/>
-          <a:p>
-            <a:pPr algn="ctr"/>
-            <a:r>
-              <a:rPr lang="en-US"/>
-              <a:t>IST346: Info Tech Management &amp; Administration</a:t>
-            </a:r>
-            <a:endParaRPr lang="en-US" dirty="0"/>
-          </a:p>
-        </p:txBody>
-      </p:sp>
-      <p:sp>
-        <p:nvSpPr>
-          <p:cNvPr id="20" name="Slide Number Placeholder 19"/>
-          <p:cNvSpPr>
-            <a:spLocks noGrp="1"/>
-          </p:cNvSpPr>
-          <p:nvPr>
-            <p:ph type="sldNum" sz="quarter" idx="12"/>
-          </p:nvPr>
-        </p:nvSpPr>
-        <p:spPr/>
-        <p:txBody>
-          <a:bodyPr/>
-          <a:lstStyle/>
-          <a:p>
-            <a:fld id="{DF6669D1-DB19-4C99-869C-C84252016461}" type="slidenum">
-              <a:rPr lang="en-US" smtClean="0"/>
-              <a:pPr/>
-              <a:t>26</a:t>
-            </a:fld>
-            <a:endParaRPr lang="en-US"/>
-          </a:p>
-        </p:txBody>
-      </p:sp>
-      <p:sp>
-        <p:nvSpPr>
-          <p:cNvPr id="3" name="Rectangle 2"/>
-          <p:cNvSpPr/>
-          <p:nvPr/>
-        </p:nvSpPr>
-        <p:spPr>
-          <a:xfrm>
-            <a:off x="5029200" y="1600200"/>
-            <a:ext cx="4953000" cy="3733800"/>
-          </a:xfrm>
-          <a:prstGeom prst="rect">
-            <a:avLst/>
-          </a:prstGeom>
-        </p:spPr>
-        <p:style>
-          <a:lnRef idx="1">
-            <a:schemeClr val="accent2"/>
-          </a:lnRef>
-          <a:fillRef idx="2">
-            <a:schemeClr val="accent2"/>
-          </a:fillRef>
-          <a:effectRef idx="1">
-            <a:schemeClr val="accent2"/>
-          </a:effectRef>
-          <a:fontRef idx="minor">
-            <a:schemeClr val="dk1"/>
-          </a:fontRef>
-        </p:style>
-        <p:txBody>
-          <a:bodyPr rtlCol="0" anchor="ctr"/>
-          <a:lstStyle/>
-          <a:p>
-            <a:pPr algn="ctr"/>
-            <a:endParaRPr lang="en-US" dirty="0"/>
-          </a:p>
-        </p:txBody>
-      </p:sp>
-      <p:sp>
-        <p:nvSpPr>
-          <p:cNvPr id="4" name="TextBox 3"/>
-          <p:cNvSpPr txBox="1"/>
-          <p:nvPr/>
-        </p:nvSpPr>
-        <p:spPr>
-          <a:xfrm>
-            <a:off x="5029200" y="1600200"/>
-            <a:ext cx="1672446" cy="369332"/>
-          </a:xfrm>
-          <a:prstGeom prst="rect">
-            <a:avLst/>
-          </a:prstGeom>
-          <a:noFill/>
-        </p:spPr>
-        <p:txBody>
-          <a:bodyPr wrap="none" rtlCol="0">
-            <a:spAutoFit/>
-          </a:bodyPr>
-          <a:lstStyle/>
-          <a:p>
-            <a:r>
-              <a:rPr lang="en-US" b="1" dirty="0"/>
-              <a:t>Exchange </a:t>
-            </a:r>
-            <a:r>
-              <a:rPr lang="en-US" b="1" dirty="0" err="1"/>
-              <a:t>eMail</a:t>
-            </a:r>
-            <a:endParaRPr lang="en-US" b="1" dirty="0"/>
-          </a:p>
-        </p:txBody>
-      </p:sp>
-      <p:sp>
-        <p:nvSpPr>
-          <p:cNvPr id="5" name="Plaque 4"/>
-          <p:cNvSpPr/>
-          <p:nvPr/>
-        </p:nvSpPr>
-        <p:spPr>
-          <a:xfrm>
-            <a:off x="4648200" y="2209800"/>
-            <a:ext cx="1600200" cy="1676400"/>
-          </a:xfrm>
-          <a:prstGeom prst="plaque">
-            <a:avLst/>
-          </a:prstGeom>
-        </p:spPr>
-        <p:style>
-          <a:lnRef idx="2">
-            <a:schemeClr val="accent4">
-              <a:shade val="50000"/>
-            </a:schemeClr>
-          </a:lnRef>
-          <a:fillRef idx="1">
-            <a:schemeClr val="accent4"/>
-          </a:fillRef>
-          <a:effectRef idx="0">
-            <a:schemeClr val="accent4"/>
-          </a:effectRef>
-          <a:fontRef idx="minor">
-            <a:schemeClr val="lt1"/>
-          </a:fontRef>
-        </p:style>
-        <p:txBody>
-          <a:bodyPr rtlCol="0" anchor="ctr"/>
-          <a:lstStyle/>
-          <a:p>
-            <a:pPr algn="ctr"/>
-            <a:r>
-              <a:rPr lang="en-US" b="1" dirty="0">
-                <a:solidFill>
-                  <a:schemeClr val="tx1"/>
-                </a:solidFill>
-              </a:rPr>
-              <a:t>Web mail service</a:t>
-            </a:r>
-          </a:p>
-        </p:txBody>
-      </p:sp>
-      <p:sp>
-        <p:nvSpPr>
-          <p:cNvPr id="6" name="Can 5"/>
-          <p:cNvSpPr/>
-          <p:nvPr/>
-        </p:nvSpPr>
-        <p:spPr>
-          <a:xfrm>
-            <a:off x="8610600" y="1752600"/>
-            <a:ext cx="1295400" cy="1524000"/>
-          </a:xfrm>
-          <a:prstGeom prst="can">
-            <a:avLst/>
-          </a:prstGeom>
-        </p:spPr>
-        <p:style>
-          <a:lnRef idx="2">
-            <a:schemeClr val="accent3">
-              <a:shade val="50000"/>
-            </a:schemeClr>
-          </a:lnRef>
-          <a:fillRef idx="1">
-            <a:schemeClr val="accent3"/>
-          </a:fillRef>
-          <a:effectRef idx="0">
-            <a:schemeClr val="accent3"/>
-          </a:effectRef>
-          <a:fontRef idx="minor">
-            <a:schemeClr val="lt1"/>
-          </a:fontRef>
-        </p:style>
-        <p:txBody>
-          <a:bodyPr rtlCol="0" anchor="ctr"/>
-          <a:lstStyle/>
-          <a:p>
-            <a:pPr algn="ctr"/>
-            <a:r>
-              <a:rPr lang="en-US" sz="1400" b="1" dirty="0">
-                <a:solidFill>
-                  <a:schemeClr val="tx1"/>
-                </a:solidFill>
-              </a:rPr>
-              <a:t>http</a:t>
-            </a:r>
-          </a:p>
-          <a:p>
-            <a:pPr algn="ctr"/>
-            <a:r>
-              <a:rPr lang="en-US" sz="1400" b="1" dirty="0" err="1">
-                <a:solidFill>
-                  <a:schemeClr val="tx1"/>
-                </a:solidFill>
-              </a:rPr>
-              <a:t>access_logs</a:t>
-            </a:r>
-            <a:endParaRPr lang="en-US" sz="1400" b="1" dirty="0">
-              <a:solidFill>
-                <a:schemeClr val="tx1"/>
-              </a:solidFill>
-            </a:endParaRPr>
-          </a:p>
-        </p:txBody>
-      </p:sp>
-      <p:sp>
-        <p:nvSpPr>
-          <p:cNvPr id="7" name="Left-Right Arrow 6"/>
-          <p:cNvSpPr/>
-          <p:nvPr/>
-        </p:nvSpPr>
-        <p:spPr>
-          <a:xfrm>
-            <a:off x="1981200" y="2438400"/>
-            <a:ext cx="2438400" cy="1143000"/>
-          </a:xfrm>
-          <a:prstGeom prst="leftRightArrow">
-            <a:avLst/>
-          </a:prstGeom>
-        </p:spPr>
-        <p:style>
-          <a:lnRef idx="2">
-            <a:schemeClr val="accent1">
-              <a:shade val="50000"/>
-            </a:schemeClr>
-          </a:lnRef>
-          <a:fillRef idx="1">
-            <a:schemeClr val="accent1"/>
-          </a:fillRef>
-          <a:effectRef idx="0">
-            <a:schemeClr val="accent1"/>
-          </a:effectRef>
-          <a:fontRef idx="minor">
-            <a:schemeClr val="lt1"/>
-          </a:fontRef>
-        </p:style>
-        <p:txBody>
-          <a:bodyPr rtlCol="0" anchor="ctr"/>
-          <a:lstStyle/>
-          <a:p>
-            <a:pPr algn="ctr"/>
-            <a:r>
-              <a:rPr lang="en-US" dirty="0"/>
-              <a:t>Network Activity</a:t>
-            </a:r>
-          </a:p>
-        </p:txBody>
-      </p:sp>
-      <p:sp>
-        <p:nvSpPr>
-          <p:cNvPr id="8" name="Right Arrow 7"/>
-          <p:cNvSpPr/>
-          <p:nvPr/>
-        </p:nvSpPr>
-        <p:spPr>
-          <a:xfrm rot="20936947">
-            <a:off x="6300695" y="2036099"/>
-            <a:ext cx="2236663" cy="762000"/>
-          </a:xfrm>
-          <a:prstGeom prst="rightArrow">
-            <a:avLst/>
-          </a:prstGeom>
-        </p:spPr>
-        <p:style>
-          <a:lnRef idx="2">
-            <a:schemeClr val="accent1">
-              <a:shade val="50000"/>
-            </a:schemeClr>
-          </a:lnRef>
-          <a:fillRef idx="1">
-            <a:schemeClr val="accent1"/>
-          </a:fillRef>
-          <a:effectRef idx="0">
-            <a:schemeClr val="accent1"/>
-          </a:effectRef>
-          <a:fontRef idx="minor">
-            <a:schemeClr val="lt1"/>
-          </a:fontRef>
-        </p:style>
-        <p:txBody>
-          <a:bodyPr rtlCol="0" anchor="ctr"/>
-          <a:lstStyle/>
-          <a:p>
-            <a:pPr algn="ctr"/>
-            <a:r>
-              <a:rPr lang="en-US" dirty="0"/>
-              <a:t>Service Activity</a:t>
-            </a:r>
-          </a:p>
-        </p:txBody>
-      </p:sp>
-      <p:sp>
-        <p:nvSpPr>
-          <p:cNvPr id="9" name="Flowchart: Alternate Process 8"/>
-          <p:cNvSpPr/>
-          <p:nvPr/>
-        </p:nvSpPr>
-        <p:spPr>
-          <a:xfrm>
-            <a:off x="1676400" y="4343400"/>
-            <a:ext cx="2286000" cy="914400"/>
-          </a:xfrm>
-          <a:prstGeom prst="flowChartAlternateProcess">
-            <a:avLst/>
-          </a:prstGeom>
-        </p:spPr>
-        <p:style>
-          <a:lnRef idx="1">
-            <a:schemeClr val="accent5"/>
-          </a:lnRef>
-          <a:fillRef idx="2">
-            <a:schemeClr val="accent5"/>
-          </a:fillRef>
-          <a:effectRef idx="1">
-            <a:schemeClr val="accent5"/>
-          </a:effectRef>
-          <a:fontRef idx="minor">
-            <a:schemeClr val="dk1"/>
-          </a:fontRef>
-        </p:style>
-        <p:txBody>
-          <a:bodyPr rtlCol="0" anchor="ctr"/>
-          <a:lstStyle/>
-          <a:p>
-            <a:pPr algn="ctr"/>
-            <a:r>
-              <a:rPr lang="en-US" b="1" dirty="0">
-                <a:solidFill>
-                  <a:schemeClr val="tx1"/>
-                </a:solidFill>
-              </a:rPr>
-              <a:t>SCOM test-mailflow.ps1script</a:t>
-            </a:r>
-          </a:p>
-        </p:txBody>
-      </p:sp>
-      <p:sp>
-        <p:nvSpPr>
-          <p:cNvPr id="10" name="Flowchart: Alternate Process 9"/>
-          <p:cNvSpPr/>
-          <p:nvPr/>
-        </p:nvSpPr>
-        <p:spPr>
-          <a:xfrm>
-            <a:off x="6858000" y="4191000"/>
-            <a:ext cx="3048000" cy="914400"/>
-          </a:xfrm>
-          <a:prstGeom prst="flowChartAlternateProcess">
-            <a:avLst/>
-          </a:prstGeom>
-        </p:spPr>
-        <p:style>
-          <a:lnRef idx="1">
-            <a:schemeClr val="accent5"/>
-          </a:lnRef>
-          <a:fillRef idx="2">
-            <a:schemeClr val="accent5"/>
-          </a:fillRef>
-          <a:effectRef idx="1">
-            <a:schemeClr val="accent5"/>
-          </a:effectRef>
-          <a:fontRef idx="minor">
-            <a:schemeClr val="dk1"/>
-          </a:fontRef>
-        </p:style>
-        <p:txBody>
-          <a:bodyPr rtlCol="0" anchor="ctr"/>
-          <a:lstStyle/>
-          <a:p>
-            <a:pPr algn="ctr"/>
-            <a:r>
-              <a:rPr lang="en-US" b="1" dirty="0">
-                <a:solidFill>
-                  <a:schemeClr val="tx1"/>
-                </a:solidFill>
-              </a:rPr>
-              <a:t>Windows IIS web service monitor</a:t>
-            </a:r>
-          </a:p>
-        </p:txBody>
-      </p:sp>
-      <p:sp>
-        <p:nvSpPr>
-          <p:cNvPr id="11" name="Left-Right Arrow 10"/>
-          <p:cNvSpPr/>
-          <p:nvPr/>
-        </p:nvSpPr>
-        <p:spPr>
-          <a:xfrm rot="2360339">
-            <a:off x="6080778" y="3882583"/>
-            <a:ext cx="794128" cy="235835"/>
-          </a:xfrm>
-          <a:prstGeom prst="leftRightArrow">
-            <a:avLst/>
-          </a:prstGeom>
-        </p:spPr>
-        <p:style>
-          <a:lnRef idx="2">
-            <a:schemeClr val="accent1">
-              <a:shade val="50000"/>
-            </a:schemeClr>
-          </a:lnRef>
-          <a:fillRef idx="1">
-            <a:schemeClr val="accent1"/>
-          </a:fillRef>
-          <a:effectRef idx="0">
-            <a:schemeClr val="accent1"/>
-          </a:effectRef>
-          <a:fontRef idx="minor">
-            <a:schemeClr val="lt1"/>
-          </a:fontRef>
-        </p:style>
-        <p:txBody>
-          <a:bodyPr rtlCol="0" anchor="ctr"/>
-          <a:lstStyle/>
-          <a:p>
-            <a:pPr algn="ctr"/>
-            <a:endParaRPr lang="en-US"/>
-          </a:p>
-        </p:txBody>
-      </p:sp>
-      <p:sp>
-        <p:nvSpPr>
-          <p:cNvPr id="12" name="Left-Right Arrow 11"/>
-          <p:cNvSpPr/>
-          <p:nvPr/>
-        </p:nvSpPr>
-        <p:spPr>
-          <a:xfrm rot="19370867">
-            <a:off x="3962400" y="4038600"/>
-            <a:ext cx="914400" cy="228600"/>
-          </a:xfrm>
-          <a:prstGeom prst="leftRightArrow">
-            <a:avLst/>
-          </a:prstGeom>
-        </p:spPr>
-        <p:style>
-          <a:lnRef idx="2">
-            <a:schemeClr val="accent1">
-              <a:shade val="50000"/>
-            </a:schemeClr>
-          </a:lnRef>
-          <a:fillRef idx="1">
-            <a:schemeClr val="accent1"/>
-          </a:fillRef>
-          <a:effectRef idx="0">
-            <a:schemeClr val="accent1"/>
-          </a:effectRef>
-          <a:fontRef idx="minor">
-            <a:schemeClr val="lt1"/>
-          </a:fontRef>
-        </p:style>
-        <p:txBody>
-          <a:bodyPr rtlCol="0" anchor="ctr"/>
-          <a:lstStyle/>
-          <a:p>
-            <a:pPr algn="ctr"/>
-            <a:endParaRPr lang="en-US"/>
-          </a:p>
-        </p:txBody>
-      </p:sp>
-      <p:sp>
-        <p:nvSpPr>
-          <p:cNvPr id="13" name="Smiley Face 12"/>
-          <p:cNvSpPr/>
-          <p:nvPr/>
-        </p:nvSpPr>
-        <p:spPr>
-          <a:xfrm>
-            <a:off x="4953000" y="5486400"/>
-            <a:ext cx="1066800" cy="990600"/>
-          </a:xfrm>
-          <a:prstGeom prst="smileyFace">
-            <a:avLst/>
-          </a:prstGeom>
-          <a:ln>
-            <a:solidFill>
-              <a:schemeClr val="tx1"/>
-            </a:solidFill>
-          </a:ln>
-        </p:spPr>
-        <p:style>
-          <a:lnRef idx="1">
-            <a:schemeClr val="accent3"/>
-          </a:lnRef>
-          <a:fillRef idx="2">
-            <a:schemeClr val="accent3"/>
-          </a:fillRef>
-          <a:effectRef idx="1">
-            <a:schemeClr val="accent3"/>
-          </a:effectRef>
-          <a:fontRef idx="minor">
-            <a:schemeClr val="dk1"/>
-          </a:fontRef>
-        </p:style>
-        <p:txBody>
-          <a:bodyPr rtlCol="0" anchor="ctr"/>
-          <a:lstStyle/>
-          <a:p>
-            <a:pPr algn="ctr"/>
-            <a:endParaRPr lang="en-US"/>
-          </a:p>
-        </p:txBody>
-      </p:sp>
-      <p:sp>
-        <p:nvSpPr>
-          <p:cNvPr id="14" name="Bent-Up Arrow 13"/>
-          <p:cNvSpPr/>
-          <p:nvPr/>
-        </p:nvSpPr>
-        <p:spPr>
-          <a:xfrm rot="5400000">
-            <a:off x="3352800" y="4953000"/>
-            <a:ext cx="838200" cy="1752600"/>
-          </a:xfrm>
-          <a:prstGeom prst="bentUpArrow">
-            <a:avLst/>
-          </a:prstGeom>
-        </p:spPr>
-        <p:style>
-          <a:lnRef idx="2">
-            <a:schemeClr val="accent1">
-              <a:shade val="50000"/>
-            </a:schemeClr>
-          </a:lnRef>
-          <a:fillRef idx="1">
-            <a:schemeClr val="accent1"/>
-          </a:fillRef>
-          <a:effectRef idx="0">
-            <a:schemeClr val="accent1"/>
-          </a:effectRef>
-          <a:fontRef idx="minor">
-            <a:schemeClr val="lt1"/>
-          </a:fontRef>
-        </p:style>
-        <p:txBody>
-          <a:bodyPr rtlCol="0" anchor="ctr"/>
-          <a:lstStyle/>
-          <a:p>
-            <a:pPr algn="ctr"/>
-            <a:endParaRPr lang="en-US"/>
-          </a:p>
-        </p:txBody>
-      </p:sp>
-      <p:sp>
-        <p:nvSpPr>
-          <p:cNvPr id="15" name="Bent-Up Arrow 14"/>
-          <p:cNvSpPr/>
-          <p:nvPr/>
-        </p:nvSpPr>
-        <p:spPr>
-          <a:xfrm rot="5400000">
-            <a:off x="6705600" y="5029200"/>
-            <a:ext cx="838200" cy="1752600"/>
-          </a:xfrm>
-          <a:prstGeom prst="bentUpArrow">
-            <a:avLst/>
-          </a:prstGeom>
-          <a:scene3d>
-            <a:camera prst="orthographicFront">
-              <a:rot lat="10800000" lon="0" rev="10800000"/>
-            </a:camera>
-            <a:lightRig rig="threePt" dir="t"/>
-          </a:scene3d>
-        </p:spPr>
-        <p:style>
-          <a:lnRef idx="2">
-            <a:schemeClr val="accent1">
-              <a:shade val="50000"/>
-            </a:schemeClr>
-          </a:lnRef>
-          <a:fillRef idx="1">
-            <a:schemeClr val="accent1"/>
-          </a:fillRef>
-          <a:effectRef idx="0">
-            <a:schemeClr val="accent1"/>
-          </a:effectRef>
-          <a:fontRef idx="minor">
-            <a:schemeClr val="lt1"/>
-          </a:fontRef>
-        </p:style>
-        <p:txBody>
-          <a:bodyPr rtlCol="0" anchor="ctr"/>
-          <a:lstStyle/>
-          <a:p>
-            <a:pPr algn="ctr"/>
-            <a:endParaRPr lang="en-US"/>
-          </a:p>
-        </p:txBody>
-      </p:sp>
-      <p:sp>
-        <p:nvSpPr>
-          <p:cNvPr id="16" name="TextBox 15"/>
-          <p:cNvSpPr txBox="1"/>
-          <p:nvPr/>
-        </p:nvSpPr>
-        <p:spPr>
-          <a:xfrm>
-            <a:off x="6553200" y="6248400"/>
-            <a:ext cx="2438400" cy="338554"/>
-          </a:xfrm>
-          <a:prstGeom prst="rect">
-            <a:avLst/>
-          </a:prstGeom>
-          <a:noFill/>
-        </p:spPr>
-        <p:txBody>
-          <a:bodyPr wrap="square" rtlCol="0">
-            <a:spAutoFit/>
-          </a:bodyPr>
-          <a:lstStyle/>
-          <a:p>
-            <a:r>
-              <a:rPr lang="en-US" sz="1600" b="1" dirty="0"/>
-              <a:t>Event:  Service stopped</a:t>
-            </a:r>
-          </a:p>
-        </p:txBody>
-      </p:sp>
-      <p:sp>
-        <p:nvSpPr>
-          <p:cNvPr id="17" name="TextBox 16"/>
-          <p:cNvSpPr txBox="1"/>
-          <p:nvPr/>
-        </p:nvSpPr>
-        <p:spPr>
-          <a:xfrm>
-            <a:off x="2514600" y="6172200"/>
-            <a:ext cx="2144370" cy="338554"/>
-          </a:xfrm>
-          <a:prstGeom prst="rect">
-            <a:avLst/>
-          </a:prstGeom>
-          <a:noFill/>
-        </p:spPr>
-        <p:txBody>
-          <a:bodyPr wrap="none" rtlCol="0">
-            <a:spAutoFit/>
-          </a:bodyPr>
-          <a:lstStyle/>
-          <a:p>
-            <a:r>
-              <a:rPr lang="en-US" sz="1600" b="1" dirty="0"/>
-              <a:t>Event: Port unavailable</a:t>
-            </a:r>
-          </a:p>
-        </p:txBody>
-      </p:sp>
-    </p:spTree>
-    <p:extLst>
-      <p:ext uri="{BB962C8B-B14F-4D97-AF65-F5344CB8AC3E}">
-        <p14:creationId xmlns:p14="http://schemas.microsoft.com/office/powerpoint/2010/main" val="366667672"/>
-      </p:ext>
-    </p:extLst>
-  </p:cSld>
-  <p:clrMapOvr>
-    <a:masterClrMapping/>
-  </p:clrMapOvr>
-</p:sld>
-</file>
-
-<file path=ppt/slides/slide27.xml><?xml version="1.0" encoding="utf-8"?>
-<p:sld xmlns:a="http://schemas.openxmlformats.org/drawingml/2006/main" xmlns:r="http://schemas.openxmlformats.org/officeDocument/2006/relationships" xmlns:p="http://schemas.openxmlformats.org/presentationml/2006/main">
-  <p:cSld>
-    <p:spTree>
-      <p:nvGrpSpPr>
-        <p:cNvPr id="1" name=""/>
-        <p:cNvGrpSpPr/>
-        <p:nvPr/>
-      </p:nvGrpSpPr>
-      <p:grpSpPr>
-        <a:xfrm>
-          <a:off x="0" y="0"/>
-          <a:ext cx="0" cy="0"/>
-          <a:chOff x="0" y="0"/>
-          <a:chExt cx="0" cy="0"/>
-        </a:xfrm>
-      </p:grpSpPr>
-      <p:sp>
-        <p:nvSpPr>
-          <p:cNvPr id="2" name="Title 1"/>
-          <p:cNvSpPr>
-            <a:spLocks noGrp="1"/>
-          </p:cNvSpPr>
-          <p:nvPr>
-            <p:ph type="title"/>
-          </p:nvPr>
-        </p:nvSpPr>
-        <p:spPr/>
-        <p:txBody>
-          <a:bodyPr/>
-          <a:lstStyle/>
-          <a:p>
-            <a:r>
-              <a:rPr lang="en-US" dirty="0"/>
-              <a:t>What to Monitor, what to Log?</a:t>
-            </a:r>
-          </a:p>
-        </p:txBody>
-      </p:sp>
-      <p:sp>
-        <p:nvSpPr>
-          <p:cNvPr id="3" name="Content Placeholder 2"/>
-          <p:cNvSpPr>
-            <a:spLocks noGrp="1"/>
-          </p:cNvSpPr>
-          <p:nvPr>
-            <p:ph idx="1"/>
-          </p:nvPr>
-        </p:nvSpPr>
-        <p:spPr/>
-        <p:txBody>
-          <a:bodyPr>
-            <a:normAutofit fontScale="92500" lnSpcReduction="20000"/>
-          </a:bodyPr>
-          <a:lstStyle/>
-          <a:p>
-            <a:r>
-              <a:rPr lang="en-US" dirty="0"/>
-              <a:t>Monitor for a </a:t>
-            </a:r>
-            <a:r>
-              <a:rPr lang="en-US" b="1" dirty="0"/>
-              <a:t>condition</a:t>
-            </a:r>
-            <a:r>
-              <a:rPr lang="en-US" dirty="0"/>
-              <a:t>.</a:t>
-            </a:r>
-          </a:p>
-          <a:p>
-            <a:r>
-              <a:rPr lang="en-US" dirty="0"/>
-              <a:t>Send </a:t>
-            </a:r>
-            <a:r>
-              <a:rPr lang="en-US" b="1" dirty="0"/>
-              <a:t>alert</a:t>
-            </a:r>
-            <a:r>
-              <a:rPr lang="en-US" dirty="0"/>
-              <a:t> when the condition is met.</a:t>
-            </a:r>
-          </a:p>
-          <a:p>
-            <a:r>
-              <a:rPr lang="en-US" dirty="0"/>
-              <a:t>Log the </a:t>
-            </a:r>
-            <a:r>
-              <a:rPr lang="en-US" b="1" dirty="0"/>
-              <a:t>condition </a:t>
-            </a:r>
-            <a:r>
-              <a:rPr lang="en-US" dirty="0"/>
-              <a:t>whether it sends an alert or not.</a:t>
-            </a:r>
-          </a:p>
-          <a:p>
-            <a:pPr>
-              <a:buNone/>
-            </a:pPr>
-            <a:endParaRPr lang="en-US" dirty="0"/>
-          </a:p>
-          <a:p>
-            <a:pPr>
-              <a:buNone/>
-            </a:pPr>
-            <a:r>
-              <a:rPr lang="en-US" dirty="0"/>
-              <a:t>Examples: </a:t>
-            </a:r>
-            <a:r>
-              <a:rPr lang="en-US" b="1" dirty="0"/>
-              <a:t>(Why would you monitor/log these?)</a:t>
-            </a:r>
-            <a:endParaRPr lang="en-US" dirty="0"/>
-          </a:p>
-          <a:p>
-            <a:r>
-              <a:rPr lang="en-US" dirty="0"/>
-              <a:t>CPU utilization stays at 100% for X minutes.</a:t>
-            </a:r>
-          </a:p>
-          <a:p>
-            <a:r>
-              <a:rPr lang="en-US" dirty="0"/>
-              <a:t>Free disk space drops below 10%.</a:t>
-            </a:r>
-          </a:p>
-          <a:p>
-            <a:r>
-              <a:rPr lang="en-US" dirty="0"/>
-              <a:t>Port does not respond for 1500 ms</a:t>
-            </a:r>
-          </a:p>
-          <a:p>
-            <a:r>
-              <a:rPr lang="en-US" dirty="0"/>
-              <a:t>HTTP request take more than 5 sec to get response.</a:t>
-            </a:r>
-          </a:p>
-        </p:txBody>
-      </p:sp>
-      <p:sp>
-        <p:nvSpPr>
-          <p:cNvPr id="7" name="Date Placeholder 6"/>
-          <p:cNvSpPr>
-            <a:spLocks noGrp="1"/>
-          </p:cNvSpPr>
-          <p:nvPr>
-            <p:ph type="dt" sz="half" idx="10"/>
-          </p:nvPr>
-        </p:nvSpPr>
-        <p:spPr/>
-        <p:txBody>
-          <a:bodyPr/>
-          <a:lstStyle/>
-          <a:p>
-            <a:fld id="{54916222-73E2-4E38-B398-65E740567471}" type="datetime1">
-              <a:rPr lang="en-US" smtClean="0"/>
-              <a:t>9/17/2018</a:t>
-            </a:fld>
-            <a:endParaRPr lang="en-US" dirty="0"/>
-          </a:p>
-        </p:txBody>
-      </p:sp>
-      <p:sp>
-        <p:nvSpPr>
-          <p:cNvPr id="8" name="Footer Placeholder 7"/>
-          <p:cNvSpPr>
-            <a:spLocks noGrp="1"/>
-          </p:cNvSpPr>
-          <p:nvPr>
-            <p:ph type="ftr" sz="quarter" idx="11"/>
-          </p:nvPr>
-        </p:nvSpPr>
-        <p:spPr/>
-        <p:txBody>
-          <a:bodyPr/>
-          <a:lstStyle/>
-          <a:p>
-            <a:r>
-              <a:rPr lang="en-US"/>
-              <a:t>IST346: Info Tech Management &amp; Administration</a:t>
-            </a:r>
-            <a:endParaRPr lang="en-US" dirty="0"/>
-          </a:p>
-        </p:txBody>
-      </p:sp>
-      <p:sp>
-        <p:nvSpPr>
-          <p:cNvPr id="9" name="Slide Number Placeholder 8"/>
-          <p:cNvSpPr>
-            <a:spLocks noGrp="1"/>
-          </p:cNvSpPr>
-          <p:nvPr>
-            <p:ph type="sldNum" sz="quarter" idx="12"/>
-          </p:nvPr>
-        </p:nvSpPr>
-        <p:spPr/>
-        <p:txBody>
-          <a:bodyPr/>
-          <a:lstStyle/>
-          <a:p>
-            <a:fld id="{DF6669D1-DB19-4C99-869C-C84252016461}" type="slidenum">
-              <a:rPr lang="en-US" smtClean="0"/>
-              <a:pPr/>
-              <a:t>27</a:t>
-            </a:fld>
-            <a:endParaRPr lang="en-US" dirty="0"/>
-          </a:p>
-        </p:txBody>
-      </p:sp>
-      <p:grpSp>
-        <p:nvGrpSpPr>
-          <p:cNvPr id="4" name="Group 3"/>
-          <p:cNvGrpSpPr/>
-          <p:nvPr/>
-        </p:nvGrpSpPr>
-        <p:grpSpPr>
-          <a:xfrm>
-            <a:off x="8851070" y="423672"/>
-            <a:ext cx="1797880" cy="1797880"/>
-            <a:chOff x="4316011" y="1729959"/>
-            <a:chExt cx="1797880" cy="1797880"/>
-          </a:xfrm>
-        </p:grpSpPr>
-        <p:sp>
-          <p:nvSpPr>
-            <p:cNvPr id="5" name="Oval 4"/>
-            <p:cNvSpPr/>
-            <p:nvPr/>
-          </p:nvSpPr>
-          <p:spPr>
-            <a:xfrm>
-              <a:off x="4316011" y="1729959"/>
-              <a:ext cx="1797880" cy="1797880"/>
-            </a:xfrm>
-            <a:prstGeom prst="ellipse">
-              <a:avLst/>
-            </a:prstGeom>
-          </p:spPr>
-          <p:style>
-            <a:lnRef idx="2">
-              <a:schemeClr val="lt1">
-                <a:hueOff val="0"/>
-                <a:satOff val="0"/>
-                <a:lumOff val="0"/>
-                <a:alphaOff val="0"/>
-              </a:schemeClr>
-            </a:lnRef>
-            <a:fillRef idx="1">
-              <a:schemeClr val="accent1">
-                <a:alpha val="50000"/>
-                <a:hueOff val="0"/>
-                <a:satOff val="0"/>
-                <a:lumOff val="0"/>
-                <a:alphaOff val="0"/>
-              </a:schemeClr>
-            </a:fillRef>
-            <a:effectRef idx="0">
-              <a:schemeClr val="accent1">
-                <a:alpha val="50000"/>
-                <a:hueOff val="0"/>
-                <a:satOff val="0"/>
-                <a:lumOff val="0"/>
-                <a:alphaOff val="0"/>
-              </a:schemeClr>
-            </a:effectRef>
-            <a:fontRef idx="minor">
-              <a:schemeClr val="tx1"/>
-            </a:fontRef>
-          </p:style>
-        </p:sp>
-        <p:sp>
-          <p:nvSpPr>
-            <p:cNvPr id="6" name="Oval 4"/>
-            <p:cNvSpPr/>
-            <p:nvPr/>
-          </p:nvSpPr>
-          <p:spPr>
-            <a:xfrm>
-              <a:off x="4532741" y="1993252"/>
-              <a:ext cx="1317857" cy="1271294"/>
-            </a:xfrm>
-            <a:prstGeom prst="rect">
-              <a:avLst/>
-            </a:prstGeom>
-          </p:spPr>
-          <p:style>
-            <a:lnRef idx="0">
-              <a:scrgbClr r="0" g="0" b="0"/>
-            </a:lnRef>
-            <a:fillRef idx="0">
-              <a:scrgbClr r="0" g="0" b="0"/>
-            </a:fillRef>
-            <a:effectRef idx="0">
-              <a:scrgbClr r="0" g="0" b="0"/>
-            </a:effectRef>
-            <a:fontRef idx="minor">
-              <a:schemeClr val="tx1"/>
-            </a:fontRef>
-          </p:style>
-          <p:txBody>
-            <a:bodyPr spcFirstLastPara="0" vert="horz" wrap="square" lIns="98943" tIns="24130" rIns="98943" bIns="24130" numCol="1" spcCol="1270" anchor="ctr" anchorCtr="0">
-              <a:noAutofit/>
-            </a:bodyPr>
-            <a:lstStyle/>
-            <a:p>
-              <a:pPr algn="ctr" defTabSz="844550">
-                <a:lnSpc>
-                  <a:spcPct val="90000"/>
-                </a:lnSpc>
-                <a:spcBef>
-                  <a:spcPct val="0"/>
-                </a:spcBef>
-                <a:spcAft>
-                  <a:spcPct val="35000"/>
-                </a:spcAft>
-              </a:pPr>
-              <a:r>
-                <a:rPr lang="en-US" sz="1900" dirty="0"/>
-                <a:t>Monitored</a:t>
-              </a:r>
-              <a:br>
-                <a:rPr lang="en-US" sz="1900" dirty="0"/>
-              </a:br>
-              <a:r>
-                <a:rPr lang="en-US" sz="1900" dirty="0"/>
-                <a:t/>
-              </a:r>
-              <a:br>
-                <a:rPr lang="en-US" sz="1900" dirty="0"/>
-              </a:br>
-              <a:r>
-                <a:rPr lang="en-US" sz="1900" dirty="0"/>
-                <a:t>4</a:t>
-              </a:r>
-            </a:p>
-          </p:txBody>
-        </p:sp>
-      </p:grpSp>
-    </p:spTree>
-    <p:extLst>
-      <p:ext uri="{BB962C8B-B14F-4D97-AF65-F5344CB8AC3E}">
-        <p14:creationId xmlns:p14="http://schemas.microsoft.com/office/powerpoint/2010/main" val="2740777096"/>
-      </p:ext>
-    </p:extLst>
-  </p:cSld>
-  <p:clrMapOvr>
-    <a:masterClrMapping/>
-  </p:clrMapOvr>
-</p:sld>
-</file>
-
-<file path=ppt/slides/slide28.xml><?xml version="1.0" encoding="utf-8"?>
-<p:sld xmlns:a="http://schemas.openxmlformats.org/drawingml/2006/main" xmlns:r="http://schemas.openxmlformats.org/officeDocument/2006/relationships" xmlns:p="http://schemas.openxmlformats.org/presentationml/2006/main">
-  <p:cSld>
-    <p:spTree>
-      <p:nvGrpSpPr>
-        <p:cNvPr id="1" name=""/>
-        <p:cNvGrpSpPr/>
-        <p:nvPr/>
-      </p:nvGrpSpPr>
-      <p:grpSpPr>
-        <a:xfrm>
-          <a:off x="0" y="0"/>
-          <a:ext cx="0" cy="0"/>
-          <a:chOff x="0" y="0"/>
-          <a:chExt cx="0" cy="0"/>
-        </a:xfrm>
-      </p:grpSpPr>
-      <p:sp>
-        <p:nvSpPr>
-          <p:cNvPr id="2" name="Title 1"/>
-          <p:cNvSpPr>
-            <a:spLocks noGrp="1"/>
-          </p:cNvSpPr>
-          <p:nvPr>
-            <p:ph type="title"/>
-          </p:nvPr>
-        </p:nvSpPr>
-        <p:spPr/>
-        <p:txBody>
-          <a:bodyPr/>
-          <a:lstStyle/>
-          <a:p>
-            <a:r>
-              <a:rPr lang="en-US" dirty="0"/>
-              <a:t>Better Monitoring</a:t>
-            </a:r>
-          </a:p>
-        </p:txBody>
-      </p:sp>
-      <p:sp>
-        <p:nvSpPr>
-          <p:cNvPr id="3" name="Content Placeholder 2"/>
-          <p:cNvSpPr>
-            <a:spLocks noGrp="1"/>
-          </p:cNvSpPr>
-          <p:nvPr>
-            <p:ph idx="1"/>
-          </p:nvPr>
-        </p:nvSpPr>
-        <p:spPr/>
-        <p:txBody>
-          <a:bodyPr>
-            <a:normAutofit lnSpcReduction="10000"/>
-          </a:bodyPr>
-          <a:lstStyle/>
-          <a:p>
-            <a:r>
-              <a:rPr lang="en-US" sz="2400" dirty="0"/>
-              <a:t>Normal</a:t>
-            </a:r>
-          </a:p>
-          <a:p>
-            <a:pPr lvl="1"/>
-            <a:r>
-              <a:rPr lang="en-US" sz="2000" b="1" dirty="0"/>
-              <a:t>Normal: </a:t>
-            </a:r>
-            <a:r>
-              <a:rPr lang="en-US" sz="2000" dirty="0"/>
-              <a:t> When a service fails you send an alert.</a:t>
-            </a:r>
-          </a:p>
-          <a:p>
-            <a:r>
-              <a:rPr lang="en-US" sz="2400" dirty="0"/>
-              <a:t>Proactive Monitoring</a:t>
-            </a:r>
-          </a:p>
-          <a:p>
-            <a:pPr lvl="1"/>
-            <a:r>
-              <a:rPr lang="en-US" sz="2000" b="1" dirty="0"/>
-              <a:t>Proactive: </a:t>
-            </a:r>
-            <a:r>
-              <a:rPr lang="en-US" sz="2000" dirty="0"/>
-              <a:t> When a service show signs it is about to fail you send an alert. (100% </a:t>
-            </a:r>
-            <a:r>
-              <a:rPr lang="en-US" sz="2000" dirty="0" err="1"/>
-              <a:t>cpu</a:t>
-            </a:r>
-            <a:r>
-              <a:rPr lang="en-US" sz="2000" dirty="0"/>
-              <a:t>, Long responses, etc.)</a:t>
-            </a:r>
-          </a:p>
-          <a:p>
-            <a:r>
-              <a:rPr lang="en-US" sz="2400" dirty="0"/>
-              <a:t>Automated Responses</a:t>
-            </a:r>
-          </a:p>
-          <a:p>
-            <a:pPr lvl="1"/>
-            <a:r>
-              <a:rPr lang="en-US" sz="2000" b="1" dirty="0"/>
-              <a:t>Normal: </a:t>
-            </a:r>
-            <a:r>
-              <a:rPr lang="en-US" sz="2000" dirty="0"/>
-              <a:t> When a service fails you send an alert.</a:t>
-            </a:r>
-          </a:p>
-          <a:p>
-            <a:pPr lvl="1"/>
-            <a:r>
-              <a:rPr lang="en-US" sz="2000" b="1" dirty="0"/>
-              <a:t>Automated: </a:t>
-            </a:r>
-            <a:r>
-              <a:rPr lang="en-US" sz="2000" dirty="0"/>
-              <a:t> When the service fails, you attempt to restart it. If the restart fails, you send an alert.</a:t>
-            </a:r>
-          </a:p>
-          <a:p>
-            <a:r>
-              <a:rPr lang="en-US" sz="2400" dirty="0"/>
-              <a:t>PM and AR are difficult and time-consuming to implement, but are time savers for difficult problems with no permanent fix.</a:t>
-            </a:r>
-          </a:p>
-          <a:p>
-            <a:r>
-              <a:rPr lang="en-US" sz="2400" dirty="0"/>
-              <a:t>A layered approach is always better.</a:t>
-            </a:r>
-          </a:p>
-        </p:txBody>
-      </p:sp>
-      <p:sp>
-        <p:nvSpPr>
-          <p:cNvPr id="7" name="Date Placeholder 6"/>
-          <p:cNvSpPr>
-            <a:spLocks noGrp="1"/>
-          </p:cNvSpPr>
-          <p:nvPr>
-            <p:ph type="dt" sz="half" idx="10"/>
-          </p:nvPr>
-        </p:nvSpPr>
-        <p:spPr/>
-        <p:txBody>
-          <a:bodyPr/>
-          <a:lstStyle/>
-          <a:p>
-            <a:fld id="{2813433E-04A2-4C04-A465-835F1BD63FC9}" type="datetime1">
-              <a:rPr lang="en-US" smtClean="0"/>
-              <a:t>9/17/2018</a:t>
-            </a:fld>
-            <a:endParaRPr lang="en-US" dirty="0"/>
-          </a:p>
-        </p:txBody>
-      </p:sp>
-      <p:sp>
-        <p:nvSpPr>
-          <p:cNvPr id="8" name="Footer Placeholder 7"/>
-          <p:cNvSpPr>
-            <a:spLocks noGrp="1"/>
-          </p:cNvSpPr>
-          <p:nvPr>
-            <p:ph type="ftr" sz="quarter" idx="11"/>
-          </p:nvPr>
-        </p:nvSpPr>
-        <p:spPr/>
-        <p:txBody>
-          <a:bodyPr/>
-          <a:lstStyle/>
-          <a:p>
-            <a:r>
-              <a:rPr lang="en-US"/>
-              <a:t>IST346: Info Tech Management &amp; Administration</a:t>
-            </a:r>
-            <a:endParaRPr lang="en-US" dirty="0"/>
-          </a:p>
-        </p:txBody>
-      </p:sp>
-      <p:sp>
-        <p:nvSpPr>
-          <p:cNvPr id="9" name="Slide Number Placeholder 8"/>
-          <p:cNvSpPr>
-            <a:spLocks noGrp="1"/>
-          </p:cNvSpPr>
-          <p:nvPr>
-            <p:ph type="sldNum" sz="quarter" idx="12"/>
-          </p:nvPr>
-        </p:nvSpPr>
-        <p:spPr/>
-        <p:txBody>
-          <a:bodyPr/>
-          <a:lstStyle/>
-          <a:p>
-            <a:fld id="{DF6669D1-DB19-4C99-869C-C84252016461}" type="slidenum">
-              <a:rPr lang="en-US" smtClean="0"/>
-              <a:pPr/>
-              <a:t>28</a:t>
-            </a:fld>
-            <a:endParaRPr lang="en-US" dirty="0"/>
-          </a:p>
-        </p:txBody>
-      </p:sp>
-      <p:grpSp>
-        <p:nvGrpSpPr>
-          <p:cNvPr id="4" name="Group 3"/>
-          <p:cNvGrpSpPr/>
-          <p:nvPr/>
-        </p:nvGrpSpPr>
-        <p:grpSpPr>
-          <a:xfrm>
-            <a:off x="8851070" y="423672"/>
-            <a:ext cx="1797880" cy="1797880"/>
-            <a:chOff x="4316011" y="1729959"/>
-            <a:chExt cx="1797880" cy="1797880"/>
-          </a:xfrm>
-        </p:grpSpPr>
-        <p:sp>
-          <p:nvSpPr>
-            <p:cNvPr id="5" name="Oval 4"/>
-            <p:cNvSpPr/>
-            <p:nvPr/>
-          </p:nvSpPr>
-          <p:spPr>
-            <a:xfrm>
-              <a:off x="4316011" y="1729959"/>
-              <a:ext cx="1797880" cy="1797880"/>
-            </a:xfrm>
-            <a:prstGeom prst="ellipse">
-              <a:avLst/>
-            </a:prstGeom>
-          </p:spPr>
-          <p:style>
-            <a:lnRef idx="2">
-              <a:schemeClr val="lt1">
-                <a:hueOff val="0"/>
-                <a:satOff val="0"/>
-                <a:lumOff val="0"/>
-                <a:alphaOff val="0"/>
-              </a:schemeClr>
-            </a:lnRef>
-            <a:fillRef idx="1">
-              <a:schemeClr val="accent1">
-                <a:alpha val="50000"/>
-                <a:hueOff val="0"/>
-                <a:satOff val="0"/>
-                <a:lumOff val="0"/>
-                <a:alphaOff val="0"/>
-              </a:schemeClr>
-            </a:fillRef>
-            <a:effectRef idx="0">
-              <a:schemeClr val="accent1">
-                <a:alpha val="50000"/>
-                <a:hueOff val="0"/>
-                <a:satOff val="0"/>
-                <a:lumOff val="0"/>
-                <a:alphaOff val="0"/>
-              </a:schemeClr>
-            </a:effectRef>
-            <a:fontRef idx="minor">
-              <a:schemeClr val="tx1"/>
-            </a:fontRef>
-          </p:style>
-        </p:sp>
-        <p:sp>
-          <p:nvSpPr>
-            <p:cNvPr id="6" name="Oval 4"/>
-            <p:cNvSpPr/>
-            <p:nvPr/>
-          </p:nvSpPr>
-          <p:spPr>
-            <a:xfrm>
-              <a:off x="4532741" y="1993252"/>
-              <a:ext cx="1317857" cy="1271294"/>
-            </a:xfrm>
-            <a:prstGeom prst="rect">
-              <a:avLst/>
-            </a:prstGeom>
-          </p:spPr>
-          <p:style>
-            <a:lnRef idx="0">
-              <a:scrgbClr r="0" g="0" b="0"/>
-            </a:lnRef>
-            <a:fillRef idx="0">
-              <a:scrgbClr r="0" g="0" b="0"/>
-            </a:fillRef>
-            <a:effectRef idx="0">
-              <a:scrgbClr r="0" g="0" b="0"/>
-            </a:effectRef>
-            <a:fontRef idx="minor">
-              <a:schemeClr val="tx1"/>
-            </a:fontRef>
-          </p:style>
-          <p:txBody>
-            <a:bodyPr spcFirstLastPara="0" vert="horz" wrap="square" lIns="98943" tIns="24130" rIns="98943" bIns="24130" numCol="1" spcCol="1270" anchor="ctr" anchorCtr="0">
-              <a:noAutofit/>
-            </a:bodyPr>
-            <a:lstStyle/>
-            <a:p>
-              <a:pPr algn="ctr" defTabSz="844550">
-                <a:lnSpc>
-                  <a:spcPct val="90000"/>
-                </a:lnSpc>
-                <a:spcBef>
-                  <a:spcPct val="0"/>
-                </a:spcBef>
-                <a:spcAft>
-                  <a:spcPct val="35000"/>
-                </a:spcAft>
-              </a:pPr>
-              <a:r>
-                <a:rPr lang="en-US" sz="1900" dirty="0"/>
-                <a:t>Monitored</a:t>
-              </a:r>
-              <a:br>
-                <a:rPr lang="en-US" sz="1900" dirty="0"/>
-              </a:br>
-              <a:r>
-                <a:rPr lang="en-US" sz="1900" dirty="0"/>
-                <a:t/>
-              </a:r>
-              <a:br>
-                <a:rPr lang="en-US" sz="1900" dirty="0"/>
-              </a:br>
-              <a:r>
-                <a:rPr lang="en-US" sz="1900" dirty="0"/>
-                <a:t>4</a:t>
-              </a:r>
-            </a:p>
-          </p:txBody>
-        </p:sp>
-      </p:grpSp>
-    </p:spTree>
-    <p:extLst>
-      <p:ext uri="{BB962C8B-B14F-4D97-AF65-F5344CB8AC3E}">
-        <p14:creationId xmlns:p14="http://schemas.microsoft.com/office/powerpoint/2010/main" val="3488791870"/>
-      </p:ext>
-    </p:extLst>
-  </p:cSld>
-  <p:clrMapOvr>
-    <a:masterClrMapping/>
-  </p:clrMapOvr>
-</p:sld>
-</file>
-
-<file path=ppt/slides/slide29.xml><?xml version="1.0" encoding="utf-8"?>
-<p:sld xmlns:a="http://schemas.openxmlformats.org/drawingml/2006/main" xmlns:r="http://schemas.openxmlformats.org/officeDocument/2006/relationships" xmlns:p="http://schemas.openxmlformats.org/presentationml/2006/main">
-  <p:cSld>
-    <p:spTree>
-      <p:nvGrpSpPr>
-        <p:cNvPr id="1" name=""/>
-        <p:cNvGrpSpPr/>
-        <p:nvPr/>
-      </p:nvGrpSpPr>
-      <p:grpSpPr>
-        <a:xfrm>
-          <a:off x="0" y="0"/>
-          <a:ext cx="0" cy="0"/>
-          <a:chOff x="0" y="0"/>
-          <a:chExt cx="0" cy="0"/>
-        </a:xfrm>
-      </p:grpSpPr>
-      <p:sp>
-        <p:nvSpPr>
-          <p:cNvPr id="2" name="Title 1"/>
-          <p:cNvSpPr>
-            <a:spLocks noGrp="1"/>
-          </p:cNvSpPr>
-          <p:nvPr>
-            <p:ph type="title"/>
-          </p:nvPr>
-        </p:nvSpPr>
-        <p:spPr/>
-        <p:txBody>
-          <a:bodyPr/>
-          <a:lstStyle/>
-          <a:p>
-            <a:r>
-              <a:rPr lang="en-US" dirty="0"/>
-              <a:t>Alerts!</a:t>
-            </a:r>
-          </a:p>
-        </p:txBody>
-      </p:sp>
-      <p:sp>
-        <p:nvSpPr>
-          <p:cNvPr id="3" name="Content Placeholder 2"/>
-          <p:cNvSpPr>
-            <a:spLocks noGrp="1"/>
-          </p:cNvSpPr>
-          <p:nvPr>
-            <p:ph idx="1"/>
-          </p:nvPr>
-        </p:nvSpPr>
-        <p:spPr/>
-        <p:txBody>
-          <a:bodyPr>
-            <a:normAutofit/>
-          </a:bodyPr>
-          <a:lstStyle/>
-          <a:p>
-            <a:r>
-              <a:rPr lang="en-US" sz="2400" dirty="0"/>
-              <a:t>Types:</a:t>
-            </a:r>
-          </a:p>
-          <a:p>
-            <a:pPr lvl="1"/>
-            <a:r>
-              <a:rPr lang="en-US" sz="2000" dirty="0"/>
-              <a:t>Email</a:t>
-            </a:r>
-          </a:p>
-          <a:p>
-            <a:pPr lvl="1"/>
-            <a:r>
-              <a:rPr lang="en-US" sz="2000" dirty="0"/>
-              <a:t>TXT message</a:t>
-            </a:r>
-          </a:p>
-          <a:p>
-            <a:pPr lvl="1"/>
-            <a:r>
-              <a:rPr lang="en-US" sz="2000" dirty="0"/>
-              <a:t>SMS Page</a:t>
-            </a:r>
-          </a:p>
-          <a:p>
-            <a:pPr lvl="1"/>
-            <a:r>
-              <a:rPr lang="en-US" sz="2000" dirty="0"/>
-              <a:t>Automated dialer calls phone.</a:t>
-            </a:r>
-          </a:p>
-          <a:p>
-            <a:r>
-              <a:rPr lang="en-US" sz="2400" dirty="0"/>
-              <a:t>Pick the appropriate Alert for the appropriate Event and time.</a:t>
-            </a:r>
-          </a:p>
-          <a:p>
-            <a:pPr lvl="1"/>
-            <a:r>
-              <a:rPr lang="en-US" sz="2000" dirty="0"/>
-              <a:t>Don’t send email when you’re not going to check it!</a:t>
-            </a:r>
-          </a:p>
-          <a:p>
-            <a:r>
-              <a:rPr lang="en-US" sz="2400" dirty="0"/>
-              <a:t>In a layered approach, you might send an email, and if the problem persists send a TXT, etc…</a:t>
-            </a:r>
-          </a:p>
-        </p:txBody>
-      </p:sp>
-      <p:sp>
-        <p:nvSpPr>
-          <p:cNvPr id="7" name="Date Placeholder 6"/>
-          <p:cNvSpPr>
-            <a:spLocks noGrp="1"/>
-          </p:cNvSpPr>
-          <p:nvPr>
-            <p:ph type="dt" sz="half" idx="10"/>
-          </p:nvPr>
-        </p:nvSpPr>
-        <p:spPr/>
-        <p:txBody>
-          <a:bodyPr/>
-          <a:lstStyle/>
-          <a:p>
-            <a:fld id="{65D374BB-2D01-4445-9AFA-B15B2EE39F02}" type="datetime1">
-              <a:rPr lang="en-US" smtClean="0"/>
-              <a:t>9/17/2018</a:t>
-            </a:fld>
-            <a:endParaRPr lang="en-US" dirty="0"/>
-          </a:p>
-        </p:txBody>
-      </p:sp>
-      <p:sp>
-        <p:nvSpPr>
-          <p:cNvPr id="8" name="Footer Placeholder 7"/>
-          <p:cNvSpPr>
-            <a:spLocks noGrp="1"/>
-          </p:cNvSpPr>
-          <p:nvPr>
-            <p:ph type="ftr" sz="quarter" idx="11"/>
-          </p:nvPr>
-        </p:nvSpPr>
-        <p:spPr/>
-        <p:txBody>
-          <a:bodyPr/>
-          <a:lstStyle/>
-          <a:p>
-            <a:r>
-              <a:rPr lang="en-US"/>
-              <a:t>IST346: Info Tech Management &amp; Administration</a:t>
-            </a:r>
-            <a:endParaRPr lang="en-US" dirty="0"/>
-          </a:p>
-        </p:txBody>
-      </p:sp>
-      <p:sp>
-        <p:nvSpPr>
-          <p:cNvPr id="9" name="Slide Number Placeholder 8"/>
-          <p:cNvSpPr>
-            <a:spLocks noGrp="1"/>
-          </p:cNvSpPr>
-          <p:nvPr>
-            <p:ph type="sldNum" sz="quarter" idx="12"/>
-          </p:nvPr>
-        </p:nvSpPr>
-        <p:spPr/>
-        <p:txBody>
-          <a:bodyPr/>
-          <a:lstStyle/>
-          <a:p>
-            <a:fld id="{DF6669D1-DB19-4C99-869C-C84252016461}" type="slidenum">
-              <a:rPr lang="en-US" smtClean="0"/>
-              <a:pPr/>
-              <a:t>29</a:t>
-            </a:fld>
-            <a:endParaRPr lang="en-US" dirty="0"/>
-          </a:p>
-        </p:txBody>
-      </p:sp>
-      <p:grpSp>
-        <p:nvGrpSpPr>
-          <p:cNvPr id="4" name="Group 3"/>
-          <p:cNvGrpSpPr/>
-          <p:nvPr/>
-        </p:nvGrpSpPr>
-        <p:grpSpPr>
-          <a:xfrm>
-            <a:off x="8851070" y="442722"/>
-            <a:ext cx="1797880" cy="1797880"/>
-            <a:chOff x="4316011" y="1729959"/>
-            <a:chExt cx="1797880" cy="1797880"/>
-          </a:xfrm>
-        </p:grpSpPr>
-        <p:sp>
-          <p:nvSpPr>
-            <p:cNvPr id="5" name="Oval 4"/>
-            <p:cNvSpPr/>
-            <p:nvPr/>
-          </p:nvSpPr>
-          <p:spPr>
-            <a:xfrm>
-              <a:off x="4316011" y="1729959"/>
-              <a:ext cx="1797880" cy="1797880"/>
-            </a:xfrm>
-            <a:prstGeom prst="ellipse">
-              <a:avLst/>
-            </a:prstGeom>
-          </p:spPr>
-          <p:style>
-            <a:lnRef idx="2">
-              <a:schemeClr val="lt1">
-                <a:hueOff val="0"/>
-                <a:satOff val="0"/>
-                <a:lumOff val="0"/>
-                <a:alphaOff val="0"/>
-              </a:schemeClr>
-            </a:lnRef>
-            <a:fillRef idx="1">
-              <a:schemeClr val="accent1">
-                <a:alpha val="50000"/>
-                <a:hueOff val="0"/>
-                <a:satOff val="0"/>
-                <a:lumOff val="0"/>
-                <a:alphaOff val="0"/>
-              </a:schemeClr>
-            </a:fillRef>
-            <a:effectRef idx="0">
-              <a:schemeClr val="accent1">
-                <a:alpha val="50000"/>
-                <a:hueOff val="0"/>
-                <a:satOff val="0"/>
-                <a:lumOff val="0"/>
-                <a:alphaOff val="0"/>
-              </a:schemeClr>
-            </a:effectRef>
-            <a:fontRef idx="minor">
-              <a:schemeClr val="tx1"/>
-            </a:fontRef>
-          </p:style>
-        </p:sp>
-        <p:sp>
-          <p:nvSpPr>
-            <p:cNvPr id="6" name="Oval 4"/>
-            <p:cNvSpPr/>
-            <p:nvPr/>
-          </p:nvSpPr>
-          <p:spPr>
-            <a:xfrm>
-              <a:off x="4532741" y="1993252"/>
-              <a:ext cx="1317857" cy="1271294"/>
-            </a:xfrm>
-            <a:prstGeom prst="rect">
-              <a:avLst/>
-            </a:prstGeom>
-          </p:spPr>
-          <p:style>
-            <a:lnRef idx="0">
-              <a:scrgbClr r="0" g="0" b="0"/>
-            </a:lnRef>
-            <a:fillRef idx="0">
-              <a:scrgbClr r="0" g="0" b="0"/>
-            </a:fillRef>
-            <a:effectRef idx="0">
-              <a:scrgbClr r="0" g="0" b="0"/>
-            </a:effectRef>
-            <a:fontRef idx="minor">
-              <a:schemeClr val="tx1"/>
-            </a:fontRef>
-          </p:style>
-          <p:txBody>
-            <a:bodyPr spcFirstLastPara="0" vert="horz" wrap="square" lIns="98943" tIns="24130" rIns="98943" bIns="24130" numCol="1" spcCol="1270" anchor="ctr" anchorCtr="0">
-              <a:noAutofit/>
-            </a:bodyPr>
-            <a:lstStyle/>
-            <a:p>
-              <a:pPr algn="ctr" defTabSz="844550">
-                <a:lnSpc>
-                  <a:spcPct val="90000"/>
-                </a:lnSpc>
-                <a:spcBef>
-                  <a:spcPct val="0"/>
-                </a:spcBef>
-                <a:spcAft>
-                  <a:spcPct val="35000"/>
-                </a:spcAft>
-              </a:pPr>
-              <a:r>
-                <a:rPr lang="en-US" sz="1900" dirty="0"/>
-                <a:t>Monitored</a:t>
-              </a:r>
-              <a:br>
-                <a:rPr lang="en-US" sz="1900" dirty="0"/>
-              </a:br>
-              <a:r>
-                <a:rPr lang="en-US" sz="1900" dirty="0"/>
-                <a:t/>
-              </a:r>
-              <a:br>
-                <a:rPr lang="en-US" sz="1900" dirty="0"/>
-              </a:br>
-              <a:r>
-                <a:rPr lang="en-US" sz="1900" dirty="0"/>
-                <a:t>4</a:t>
-              </a:r>
-            </a:p>
-          </p:txBody>
-        </p:sp>
-      </p:grpSp>
-    </p:spTree>
-    <p:extLst>
-      <p:ext uri="{BB962C8B-B14F-4D97-AF65-F5344CB8AC3E}">
-        <p14:creationId xmlns:p14="http://schemas.microsoft.com/office/powerpoint/2010/main" val="3891060776"/>
-      </p:ext>
-    </p:extLst>
-  </p:cSld>
-  <p:clrMapOvr>
-    <a:masterClrMapping/>
-  </p:clrMapOvr>
-</p:sld>
-</file>
-
-<file path=ppt/slides/slide3.xml><?xml version="1.0" encoding="utf-8"?>
-<p:sld xmlns:a="http://schemas.openxmlformats.org/drawingml/2006/main" xmlns:r="http://schemas.openxmlformats.org/officeDocument/2006/relationships" xmlns:p="http://schemas.openxmlformats.org/presentationml/2006/main">
-  <p:cSld>
-    <p:bg>
-      <p:bgPr>
-        <a:solidFill>
-          <a:schemeClr val="bg1"/>
-        </a:solidFill>
-        <a:effectLst/>
-      </p:bgPr>
-    </p:bg>
-    <p:spTree>
-      <p:nvGrpSpPr>
-        <p:cNvPr id="1" name=""/>
-        <p:cNvGrpSpPr/>
-        <p:nvPr/>
-      </p:nvGrpSpPr>
-      <p:grpSpPr>
-        <a:xfrm>
-          <a:off x="0" y="0"/>
-          <a:ext cx="0" cy="0"/>
-          <a:chOff x="0" y="0"/>
-          <a:chExt cx="0" cy="0"/>
-        </a:xfrm>
-      </p:grpSpPr>
-      <p:sp>
-        <p:nvSpPr>
-          <p:cNvPr id="8" name="Rectangle 7">
-            <a:extLst>
-              <a:ext uri="{FF2B5EF4-FFF2-40B4-BE49-F238E27FC236}">
-                <a16:creationId xmlns:a16="http://schemas.microsoft.com/office/drawing/2014/main" id="{F98ED85F-DCEE-4B50-802E-71A6E3E12B04}"/>
-              </a:ext>
-              <a:ext uri="{C183D7F6-B498-43B3-948B-1728B52AA6E4}">
-                <adec:decorative xmlns:adec="http://schemas.microsoft.com/office/drawing/2017/decorative" xmlns="" val="1"/>
-              </a:ext>
-            </a:extLst>
-          </p:cNvPr>
-          <p:cNvSpPr>
-            <a:spLocks noGrp="1" noRot="1" noChangeAspect="1" noMove="1" noResize="1" noEditPoints="1" noAdjustHandles="1" noChangeArrowheads="1" noChangeShapeType="1" noTextEdit="1"/>
-          </p:cNvSpPr>
-          <p:nvPr>
-            <p:extLst>
-              <p:ext uri="{386F3935-93C4-4BCD-93E2-E3B085C9AB24}">
-                <p16:designElem xmlns:p16="http://schemas.microsoft.com/office/powerpoint/2015/main" val="1"/>
-              </p:ext>
-            </p:extLst>
-          </p:nvPr>
-        </p:nvSpPr>
-        <p:spPr bwMode="ltGray">
-          <a:xfrm>
-            <a:off x="321564" y="320040"/>
-            <a:ext cx="11548872" cy="6217920"/>
-          </a:xfrm>
-          <a:prstGeom prst="rect">
-            <a:avLst/>
-          </a:prstGeom>
-          <a:solidFill>
-            <a:schemeClr val="tx1">
-              <a:alpha val="14000"/>
-            </a:schemeClr>
-          </a:solidFill>
-          <a:ln w="127000" cap="sq" cmpd="thinThick">
-            <a:solidFill>
-              <a:schemeClr val="tx1">
-                <a:lumMod val="85000"/>
-                <a:lumOff val="15000"/>
-                <a:alpha val="15000"/>
-              </a:schemeClr>
-            </a:solidFill>
-          </a:ln>
-        </p:spPr>
-        <p:style>
-          <a:lnRef idx="2">
-            <a:schemeClr val="accent1">
-              <a:shade val="50000"/>
-            </a:schemeClr>
-          </a:lnRef>
-          <a:fillRef idx="1">
-            <a:schemeClr val="accent1"/>
-          </a:fillRef>
-          <a:effectRef idx="0">
-            <a:schemeClr val="accent1"/>
-          </a:effectRef>
-          <a:fontRef idx="minor">
-            <a:schemeClr val="lt1"/>
-          </a:fontRef>
-        </p:style>
-        <p:txBody>
-          <a:bodyPr rtlCol="0" anchor="ctr"/>
-          <a:lstStyle/>
-          <a:p>
-            <a:pPr algn="ctr"/>
-            <a:endParaRPr lang="en-US"/>
-          </a:p>
-        </p:txBody>
-      </p:sp>
-      <p:sp>
-        <p:nvSpPr>
-          <p:cNvPr id="2" name="Title 1">
-            <a:extLst>
-              <a:ext uri="{FF2B5EF4-FFF2-40B4-BE49-F238E27FC236}">
-                <a16:creationId xmlns:a16="http://schemas.microsoft.com/office/drawing/2014/main" id="{B9E49FAD-5FE2-405D-B69A-08F3F9D69B7A}"/>
-              </a:ext>
-            </a:extLst>
-          </p:cNvPr>
-          <p:cNvSpPr>
-            <a:spLocks noGrp="1"/>
-          </p:cNvSpPr>
-          <p:nvPr>
-            <p:ph type="title"/>
-          </p:nvPr>
-        </p:nvSpPr>
-        <p:spPr>
-          <a:xfrm>
-            <a:off x="838200" y="631825"/>
-            <a:ext cx="10515600" cy="1325563"/>
-          </a:xfrm>
-        </p:spPr>
-        <p:txBody>
-          <a:bodyPr>
-            <a:normAutofit/>
-          </a:bodyPr>
-          <a:lstStyle/>
-          <a:p>
-            <a:r>
-              <a:rPr lang="en-US" dirty="0"/>
-              <a:t>Discussion Questions</a:t>
-            </a:r>
-          </a:p>
-        </p:txBody>
-      </p:sp>
-      <p:sp>
-        <p:nvSpPr>
-          <p:cNvPr id="3" name="Content Placeholder 2">
-            <a:extLst>
-              <a:ext uri="{FF2B5EF4-FFF2-40B4-BE49-F238E27FC236}">
-                <a16:creationId xmlns:a16="http://schemas.microsoft.com/office/drawing/2014/main" id="{90E8D228-254D-4BFA-ADE9-CEE3CA6F7672}"/>
-              </a:ext>
-            </a:extLst>
-          </p:cNvPr>
-          <p:cNvSpPr>
-            <a:spLocks noGrp="1"/>
-          </p:cNvSpPr>
-          <p:nvPr>
-            <p:ph idx="1"/>
-          </p:nvPr>
-        </p:nvSpPr>
-        <p:spPr>
-          <a:xfrm>
-            <a:off x="838200" y="2057400"/>
-            <a:ext cx="10515600" cy="3871762"/>
-          </a:xfrm>
-        </p:spPr>
-        <p:txBody>
-          <a:bodyPr>
-            <a:normAutofit fontScale="92500" lnSpcReduction="10000"/>
-          </a:bodyPr>
-          <a:lstStyle/>
-          <a:p>
-            <a:pPr marL="514350" lvl="0" indent="-514350">
-              <a:buFont typeface="+mj-lt"/>
-              <a:buAutoNum type="arabicPeriod"/>
-            </a:pPr>
-            <a:r>
-              <a:rPr lang="en-US" dirty="0"/>
-              <a:t>What are the 6 characteristics of providing good service?</a:t>
-            </a:r>
-          </a:p>
-          <a:p>
-            <a:pPr marL="514350" lvl="0" indent="-514350">
-              <a:buFont typeface="+mj-lt"/>
-              <a:buAutoNum type="arabicPeriod"/>
-            </a:pPr>
-            <a:r>
-              <a:rPr lang="en-US" dirty="0" smtClean="0"/>
-              <a:t>What </a:t>
-            </a:r>
-            <a:r>
-              <a:rPr lang="en-US" dirty="0"/>
-              <a:t>aspects of a service should be monitored?</a:t>
-            </a:r>
-          </a:p>
-          <a:p>
-            <a:pPr marL="514350" lvl="0" indent="-514350">
-              <a:buFont typeface="+mj-lt"/>
-              <a:buAutoNum type="arabicPeriod"/>
-            </a:pPr>
-            <a:r>
-              <a:rPr lang="en-US" dirty="0"/>
-              <a:t>What are the two types of monitoring? Why are both important?</a:t>
-            </a:r>
-          </a:p>
-          <a:p>
-            <a:pPr marL="514350" lvl="0" indent="-514350">
-              <a:buFont typeface="+mj-lt"/>
-              <a:buAutoNum type="arabicPeriod"/>
-            </a:pPr>
-            <a:r>
-              <a:rPr lang="en-US" dirty="0"/>
-              <a:t>What are the uses of logs and benefits of logging?</a:t>
-            </a:r>
-          </a:p>
-          <a:p>
-            <a:pPr marL="514350" lvl="0" indent="-514350">
-              <a:buFont typeface="+mj-lt"/>
-              <a:buAutoNum type="arabicPeriod"/>
-            </a:pPr>
-            <a:r>
-              <a:rPr lang="en-US" dirty="0"/>
-              <a:t>What is end-to-end testing?</a:t>
-            </a:r>
-          </a:p>
-          <a:p>
-            <a:pPr marL="514350" lvl="0" indent="-514350">
-              <a:buFont typeface="+mj-lt"/>
-              <a:buAutoNum type="arabicPeriod"/>
-            </a:pPr>
-            <a:r>
-              <a:rPr lang="en-US" dirty="0"/>
-              <a:t>What is SNMP</a:t>
-            </a:r>
-            <a:r>
-              <a:rPr lang="en-US" dirty="0" smtClean="0"/>
-              <a:t>?</a:t>
-            </a:r>
-          </a:p>
-          <a:p>
-            <a:pPr marL="514350" lvl="0" indent="-514350">
-              <a:buFont typeface="+mj-lt"/>
-              <a:buAutoNum type="arabicPeriod"/>
-            </a:pPr>
-            <a:r>
-              <a:rPr lang="en-US" dirty="0" smtClean="0"/>
-              <a:t>Where are the Linux system logs located?</a:t>
-            </a:r>
-            <a:endParaRPr lang="en-US" dirty="0"/>
-          </a:p>
-        </p:txBody>
-      </p:sp>
-    </p:spTree>
-    <p:extLst>
-      <p:ext uri="{BB962C8B-B14F-4D97-AF65-F5344CB8AC3E}">
-        <p14:creationId xmlns:p14="http://schemas.microsoft.com/office/powerpoint/2010/main" val="1001285369"/>
-      </p:ext>
-    </p:extLst>
-  </p:cSld>
-  <p:clrMapOvr>
-    <a:masterClrMapping/>
-  </p:clrMapOvr>
-</p:sld>
-</file>
-
-<file path=ppt/slides/slide30.xml><?xml version="1.0" encoding="utf-8"?>
+<file path=ppt/slides/slide22.xml><?xml version="1.0" encoding="utf-8"?>
 <p:sld xmlns:a="http://schemas.openxmlformats.org/drawingml/2006/main" xmlns:r="http://schemas.openxmlformats.org/officeDocument/2006/relationships" xmlns:p="http://schemas.openxmlformats.org/presentationml/2006/main">
   <p:cSld>
     <p:spTree>
@@ -35399,158 +30796,88 @@
             <p:ph idx="1"/>
           </p:nvPr>
         </p:nvSpPr>
-        <p:spPr/>
+        <p:spPr>
+          <a:xfrm>
+            <a:off x="838200" y="1825624"/>
+            <a:ext cx="10515600" cy="4778375"/>
+          </a:xfrm>
+        </p:spPr>
         <p:txBody>
           <a:bodyPr>
-            <a:normAutofit fontScale="77500" lnSpcReduction="20000"/>
+            <a:normAutofit fontScale="92500" lnSpcReduction="20000"/>
           </a:bodyPr>
           <a:lstStyle/>
           <a:p>
             <a:r>
-              <a:rPr lang="en-US" dirty="0"/>
+              <a:rPr lang="en-US" sz="2800" dirty="0"/>
               <a:t>Log files get very large</a:t>
             </a:r>
           </a:p>
           <a:p>
             <a:pPr lvl="1"/>
             <a:r>
-              <a:rPr lang="en-US" dirty="0"/>
+              <a:rPr lang="en-US" sz="2400" dirty="0"/>
               <a:t>since they record all activity.</a:t>
             </a:r>
           </a:p>
           <a:p>
             <a:r>
-              <a:rPr lang="en-US" dirty="0"/>
+              <a:rPr lang="en-US" sz="2800" dirty="0"/>
               <a:t>Log file rotation – service points to a different log file after a specified interval.</a:t>
             </a:r>
           </a:p>
           <a:p>
             <a:pPr lvl="1"/>
             <a:r>
-              <a:rPr lang="en-US" dirty="0"/>
+              <a:rPr lang="en-US" sz="2400" dirty="0"/>
               <a:t>Lets you backup log files </a:t>
             </a:r>
           </a:p>
           <a:p>
             <a:pPr lvl="1"/>
             <a:r>
-              <a:rPr lang="en-US" dirty="0"/>
+              <a:rPr lang="en-US" sz="2400" dirty="0"/>
               <a:t>Keeps the size of the files manageable.</a:t>
             </a:r>
           </a:p>
           <a:p>
             <a:pPr lvl="1"/>
             <a:r>
-              <a:rPr lang="en-US" dirty="0"/>
+              <a:rPr lang="en-US" sz="2400" dirty="0"/>
               <a:t>Log files are text and they compress nicely.</a:t>
             </a:r>
           </a:p>
           <a:p>
             <a:r>
-              <a:rPr lang="en-US" dirty="0"/>
+              <a:rPr lang="en-US" sz="2800" dirty="0"/>
               <a:t>How long do you keep logs?</a:t>
             </a:r>
           </a:p>
           <a:p>
             <a:pPr lvl="1"/>
             <a:r>
-              <a:rPr lang="en-US" dirty="0"/>
+              <a:rPr lang="en-US" sz="2400" dirty="0"/>
               <a:t>Depends on service, depends on your policy</a:t>
             </a:r>
           </a:p>
           <a:p>
             <a:pPr lvl="1"/>
             <a:r>
-              <a:rPr lang="en-US" dirty="0"/>
+              <a:rPr lang="en-US" sz="2400" dirty="0"/>
               <a:t>It’s not a decision the SA should make.</a:t>
             </a:r>
           </a:p>
           <a:p>
             <a:r>
-              <a:rPr lang="en-US" dirty="0"/>
-              <a:t>Ship logs to a Big Data system like Hadoop or </a:t>
+              <a:rPr lang="en-US" sz="2800" dirty="0"/>
+              <a:t>Ship logs to a Big Data system like Hadoop or Elasticsearch</a:t>
             </a:r>
-            <a:r>
-              <a:rPr lang="en-US" dirty="0" err="1"/>
-              <a:t>ElastiSearch</a:t>
-            </a:r>
-            <a:endParaRPr lang="en-US" dirty="0"/>
           </a:p>
           <a:p>
             <a:r>
-              <a:rPr lang="en-US" dirty="0"/>
+              <a:rPr lang="en-US" sz="2800" dirty="0"/>
               <a:t>Like an insurance policy. Not very useful until the off chance that you need it... then you’re glad you have it!</a:t>
             </a:r>
-          </a:p>
-        </p:txBody>
-      </p:sp>
-      <p:sp>
-        <p:nvSpPr>
-          <p:cNvPr id="7" name="Date Placeholder 6"/>
-          <p:cNvSpPr>
-            <a:spLocks noGrp="1"/>
-          </p:cNvSpPr>
-          <p:nvPr>
-            <p:ph type="dt" sz="half" idx="10"/>
-          </p:nvPr>
-        </p:nvSpPr>
-        <p:spPr/>
-        <p:txBody>
-          <a:bodyPr/>
-          <a:lstStyle/>
-          <a:p>
-            <a:fld id="{41FBAFE3-DF6E-4C9F-979F-3017E2FACE6D}" type="datetime1">
-              <a:rPr lang="en-US" smtClean="0"/>
-              <a:t>9/17/2018</a:t>
-            </a:fld>
-            <a:endParaRPr lang="en-US" dirty="0"/>
-          </a:p>
-        </p:txBody>
-      </p:sp>
-      <p:sp>
-        <p:nvSpPr>
-          <p:cNvPr id="8" name="Footer Placeholder 7"/>
-          <p:cNvSpPr>
-            <a:spLocks noGrp="1"/>
-          </p:cNvSpPr>
-          <p:nvPr>
-            <p:ph type="ftr" sz="quarter" idx="11"/>
-          </p:nvPr>
-        </p:nvSpPr>
-        <p:spPr/>
-        <p:txBody>
-          <a:bodyPr/>
-          <a:lstStyle/>
-          <a:p>
-            <a:r>
-              <a:rPr lang="en-US"/>
-              <a:t>IST346: Info Tech Management &amp; Administration</a:t>
-            </a:r>
-            <a:endParaRPr lang="en-US" dirty="0"/>
-          </a:p>
-        </p:txBody>
-      </p:sp>
-      <p:sp>
-        <p:nvSpPr>
-          <p:cNvPr id="9" name="Slide Number Placeholder 8"/>
-          <p:cNvSpPr>
-            <a:spLocks noGrp="1"/>
-          </p:cNvSpPr>
-          <p:nvPr>
-            <p:ph type="sldNum" sz="quarter" idx="12"/>
-          </p:nvPr>
-        </p:nvSpPr>
-        <p:spPr/>
-        <p:txBody>
-          <a:bodyPr/>
-          <a:lstStyle/>
-          <a:p>
-            <a:fld id="{DF6669D1-DB19-4C99-869C-C84252016461}" type="slidenum">
-              <a:rPr lang="en-US" smtClean="0"/>
-              <a:pPr/>
-              <a:t>30</a:t>
-            </a:fld>
-            <a:endParaRPr lang="en-US" dirty="0"/>
           </a:p>
         </p:txBody>
       </p:sp>
@@ -35668,10 +30995,6 @@
               <a:br>
                 <a:rPr lang="en-US" sz="1900" dirty="0"/>
               </a:br>
-              <a:r>
-                <a:rPr lang="en-US" sz="1900" dirty="0"/>
-                <a:t/>
-              </a:r>
               <a:br>
                 <a:rPr lang="en-US" sz="1900" dirty="0"/>
               </a:br>
@@ -35696,7 +31019,7 @@
 </p:sld>
 </file>
 
-<file path=ppt/slides/slide31.xml><?xml version="1.0" encoding="utf-8"?>
+<file path=ppt/slides/slide23.xml><?xml version="1.0" encoding="utf-8"?>
 <p:sld xmlns:a="http://schemas.openxmlformats.org/drawingml/2006/main" xmlns:r="http://schemas.openxmlformats.org/officeDocument/2006/relationships" xmlns:p="http://schemas.openxmlformats.org/presentationml/2006/main">
   <p:cSld>
     <p:spTree>
@@ -35786,78 +31109,8 @@
           <a:p>
             <a:r>
               <a:rPr lang="en-US" dirty="0"/>
-              <a:t>Make sure your outage complies with your TOS.</a:t>
+              <a:t>Make sure your outage complies with your SLA.</a:t>
             </a:r>
-          </a:p>
-        </p:txBody>
-      </p:sp>
-      <p:sp>
-        <p:nvSpPr>
-          <p:cNvPr id="7" name="Date Placeholder 6"/>
-          <p:cNvSpPr>
-            <a:spLocks noGrp="1"/>
-          </p:cNvSpPr>
-          <p:nvPr>
-            <p:ph type="dt" sz="half" idx="10"/>
-          </p:nvPr>
-        </p:nvSpPr>
-        <p:spPr/>
-        <p:txBody>
-          <a:bodyPr/>
-          <a:lstStyle/>
-          <a:p>
-            <a:fld id="{464EF861-34FC-41C1-BDC8-0E193CA53B83}" type="datetime1">
-              <a:rPr lang="en-US" smtClean="0"/>
-              <a:t>9/17/2018</a:t>
-            </a:fld>
-            <a:endParaRPr lang="en-US" dirty="0"/>
-          </a:p>
-        </p:txBody>
-      </p:sp>
-      <p:sp>
-        <p:nvSpPr>
-          <p:cNvPr id="8" name="Footer Placeholder 7"/>
-          <p:cNvSpPr>
-            <a:spLocks noGrp="1"/>
-          </p:cNvSpPr>
-          <p:nvPr>
-            <p:ph type="ftr" sz="quarter" idx="11"/>
-          </p:nvPr>
-        </p:nvSpPr>
-        <p:spPr/>
-        <p:txBody>
-          <a:bodyPr/>
-          <a:lstStyle/>
-          <a:p>
-            <a:r>
-              <a:rPr lang="en-US"/>
-              <a:t>IST346: Info Tech Management &amp; Administration</a:t>
-            </a:r>
-            <a:endParaRPr lang="en-US" dirty="0"/>
-          </a:p>
-        </p:txBody>
-      </p:sp>
-      <p:sp>
-        <p:nvSpPr>
-          <p:cNvPr id="9" name="Slide Number Placeholder 8"/>
-          <p:cNvSpPr>
-            <a:spLocks noGrp="1"/>
-          </p:cNvSpPr>
-          <p:nvPr>
-            <p:ph type="sldNum" sz="quarter" idx="12"/>
-          </p:nvPr>
-        </p:nvSpPr>
-        <p:spPr/>
-        <p:txBody>
-          <a:bodyPr/>
-          <a:lstStyle/>
-          <a:p>
-            <a:fld id="{DF6669D1-DB19-4C99-869C-C84252016461}" type="slidenum">
-              <a:rPr lang="en-US" smtClean="0"/>
-              <a:pPr/>
-              <a:t>31</a:t>
-            </a:fld>
-            <a:endParaRPr lang="en-US" dirty="0"/>
           </a:p>
         </p:txBody>
       </p:sp>
@@ -35975,10 +31228,6 @@
               <a:br>
                 <a:rPr lang="en-US" sz="1900" dirty="0"/>
               </a:br>
-              <a:r>
-                <a:rPr lang="en-US" sz="1900" dirty="0"/>
-                <a:t/>
-              </a:r>
               <a:br>
                 <a:rPr lang="en-US" sz="1900" dirty="0"/>
               </a:br>
@@ -36003,7 +31252,7 @@
 </p:sld>
 </file>
 
-<file path=ppt/slides/slide32.xml><?xml version="1.0" encoding="utf-8"?>
+<file path=ppt/slides/slide24.xml><?xml version="1.0" encoding="utf-8"?>
 <p:sld xmlns:a="http://schemas.openxmlformats.org/drawingml/2006/main" xmlns:r="http://schemas.openxmlformats.org/officeDocument/2006/relationships" xmlns:p="http://schemas.openxmlformats.org/presentationml/2006/main">
   <p:cSld>
     <p:spTree>
@@ -36054,80 +31303,56 @@
         </p:nvSpPr>
         <p:spPr>
           <a:xfrm>
-            <a:off x="1981200" y="1690689"/>
-            <a:ext cx="8229600" cy="4786311"/>
+            <a:off x="924560" y="1690689"/>
+            <a:ext cx="9286240" cy="4786311"/>
           </a:xfrm>
         </p:spPr>
         <p:txBody>
           <a:bodyPr>
-            <a:normAutofit fontScale="85000" lnSpcReduction="20000"/>
+            <a:normAutofit/>
           </a:bodyPr>
           <a:lstStyle/>
           <a:p>
-            <a:pPr>
-              <a:buNone/>
-            </a:pPr>
             <a:r>
               <a:rPr lang="en-US" dirty="0"/>
-              <a:t>	After your service is up and running, </a:t>
-            </a:r>
-            <a:br>
-              <a:rPr lang="en-US" dirty="0"/>
-            </a:br>
-            <a:r>
-              <a:rPr lang="en-US" dirty="0"/>
-              <a:t>but </a:t>
-            </a:r>
-            <a:r>
-              <a:rPr lang="en-US" b="1" dirty="0"/>
-              <a:t>before </a:t>
-            </a:r>
-            <a:r>
-              <a:rPr lang="en-US" dirty="0"/>
-              <a:t>rolling it out you should:</a:t>
-            </a:r>
-          </a:p>
-          <a:p>
-            <a:endParaRPr lang="en-US" dirty="0"/>
-          </a:p>
-          <a:p>
-            <a:r>
-              <a:rPr lang="en-US" dirty="0"/>
-              <a:t>Document how the service should be used and maintained by your IT staff</a:t>
+              <a:t>Document </a:t>
             </a:r>
           </a:p>
           <a:p>
             <a:r>
               <a:rPr lang="en-US" dirty="0"/>
-              <a:t>Train your IT staff how to support the new service</a:t>
+              <a:t>Train your Staff</a:t>
             </a:r>
           </a:p>
           <a:p>
             <a:r>
               <a:rPr lang="en-US" dirty="0"/>
-              <a:t>Train the users, if required</a:t>
+              <a:t>Dev / Test / Prod</a:t>
             </a:r>
           </a:p>
           <a:p>
             <a:r>
               <a:rPr lang="en-US" dirty="0"/>
-              <a:t>Build out self-help support for the service to reduce calls to the helpdesk.</a:t>
+              <a:t>One / Some / Many – Phased Roll Out. Get Buy in.</a:t>
             </a:r>
           </a:p>
           <a:p>
             <a:r>
               <a:rPr lang="en-US" dirty="0"/>
-              <a:t>Don’t forget to advertise the new service to your users.</a:t>
+              <a:t>Measure to determine if you need to scale or have issues.</a:t>
             </a:r>
           </a:p>
           <a:p>
             <a:r>
-              <a:rPr lang="en-US" b="1" dirty="0"/>
-              <a:t>Roll it out using “One – Some  - Many” so you can get a handle of any unforeseen issues.</a:t>
+              <a:rPr lang="en-US" dirty="0"/>
+              <a:t>Advertise</a:t>
             </a:r>
           </a:p>
           <a:p>
-            <a:endParaRPr lang="en-US" dirty="0"/>
+            <a:r>
+              <a:rPr lang="en-US" dirty="0"/>
+              <a:t>Support!</a:t>
+            </a:r>
           </a:p>
         </p:txBody>
       </p:sp>
@@ -36195,7 +31420,7 @@
             <a:fld id="{DF6669D1-DB19-4C99-869C-C84252016461}" type="slidenum">
               <a:rPr lang="en-US" smtClean="0"/>
               <a:pPr/>
-              <a:t>32</a:t>
+              <a:t>24</a:t>
             </a:fld>
             <a:endParaRPr lang="en-US" dirty="0"/>
           </a:p>
@@ -36315,10 +31540,6 @@
               <a:br>
                 <a:rPr lang="en-US" sz="1900" dirty="0"/>
               </a:br>
-              <a:r>
-                <a:rPr lang="en-US" sz="1900" dirty="0"/>
-                <a:t/>
-              </a:r>
               <a:br>
                 <a:rPr lang="en-US" sz="1900" dirty="0"/>
               </a:br>
@@ -36343,7 +31564,7 @@
 </p:sld>
 </file>
 
-<file path=ppt/slides/slide33.xml><?xml version="1.0" encoding="utf-8"?>
+<file path=ppt/slides/slide25.xml><?xml version="1.0" encoding="utf-8"?>
 <p:sld xmlns:a="http://schemas.openxmlformats.org/drawingml/2006/main" xmlns:r="http://schemas.openxmlformats.org/officeDocument/2006/relationships" xmlns:p="http://schemas.openxmlformats.org/presentationml/2006/main">
   <p:cSld>
     <p:spTree>
@@ -36483,7 +31704,7 @@
             <a:fld id="{DF6669D1-DB19-4C99-869C-C84252016461}" type="slidenum">
               <a:rPr lang="en-US" smtClean="0"/>
               <a:pPr/>
-              <a:t>33</a:t>
+              <a:t>25</a:t>
             </a:fld>
             <a:endParaRPr lang="en-US" dirty="0"/>
           </a:p>
@@ -36524,270 +31745,7 @@
 </p:sld>
 </file>
 
-<file path=ppt/slides/slide34.xml><?xml version="1.0" encoding="utf-8"?>
-<p:sld xmlns:a="http://schemas.openxmlformats.org/drawingml/2006/main" xmlns:r="http://schemas.openxmlformats.org/officeDocument/2006/relationships" xmlns:p="http://schemas.openxmlformats.org/presentationml/2006/main">
-  <p:cSld>
-    <p:spTree>
-      <p:nvGrpSpPr>
-        <p:cNvPr id="1" name=""/>
-        <p:cNvGrpSpPr/>
-        <p:nvPr/>
-      </p:nvGrpSpPr>
-      <p:grpSpPr>
-        <a:xfrm>
-          <a:off x="0" y="0"/>
-          <a:ext cx="0" cy="0"/>
-          <a:chOff x="0" y="0"/>
-          <a:chExt cx="0" cy="0"/>
-        </a:xfrm>
-      </p:grpSpPr>
-      <p:pic>
-        <p:nvPicPr>
-          <p:cNvPr id="7" name="Graphic 6" descr="Checkmark">
-            <a:extLst>
-              <a:ext uri="{FF2B5EF4-FFF2-40B4-BE49-F238E27FC236}">
-                <a16:creationId xmlns:a16="http://schemas.microsoft.com/office/drawing/2014/main" id="{83088B2D-89F4-467A-8692-31CDEE023FA5}"/>
-              </a:ext>
-            </a:extLst>
-          </p:cNvPr>
-          <p:cNvPicPr>
-            <a:picLocks noChangeAspect="1"/>
-          </p:cNvPicPr>
-          <p:nvPr/>
-        </p:nvPicPr>
-        <p:blipFill>
-          <a:blip r:embed="rId3" cstate="hqprint">
-            <a:extLst>
-              <a:ext uri="{28A0092B-C50C-407E-A947-70E740481C1C}">
-                <a14:useLocalDpi xmlns:a14="http://schemas.microsoft.com/office/drawing/2010/main" val="0"/>
-              </a:ext>
-              <a:ext uri="{96DAC541-7B7A-43D3-8B79-37D633B846F1}">
-                <asvg:svgBlip xmlns:asvg="http://schemas.microsoft.com/office/drawing/2016/SVG/main" xmlns="" r:embed="rId4"/>
-              </a:ext>
-            </a:extLst>
-          </a:blip>
-          <a:stretch>
-            <a:fillRect/>
-          </a:stretch>
-        </p:blipFill>
-        <p:spPr>
-          <a:xfrm>
-            <a:off x="838200" y="570706"/>
-            <a:ext cx="914400" cy="914400"/>
-          </a:xfrm>
-          <a:prstGeom prst="rect">
-            <a:avLst/>
-          </a:prstGeom>
-        </p:spPr>
-      </p:pic>
-      <p:sp>
-        <p:nvSpPr>
-          <p:cNvPr id="2" name="Title 1">
-            <a:extLst>
-              <a:ext uri="{FF2B5EF4-FFF2-40B4-BE49-F238E27FC236}">
-                <a16:creationId xmlns:a16="http://schemas.microsoft.com/office/drawing/2014/main" id="{29BBA9DC-F699-48D8-8EAF-2CAE22A057F0}"/>
-              </a:ext>
-            </a:extLst>
-          </p:cNvPr>
-          <p:cNvSpPr>
-            <a:spLocks noGrp="1"/>
-          </p:cNvSpPr>
-          <p:nvPr>
-            <p:ph type="title"/>
-          </p:nvPr>
-        </p:nvSpPr>
-        <p:spPr>
-          <a:xfrm>
-            <a:off x="1752600" y="365125"/>
-            <a:ext cx="9601200" cy="1325563"/>
-          </a:xfrm>
-        </p:spPr>
-        <p:txBody>
-          <a:bodyPr>
-            <a:normAutofit/>
-          </a:bodyPr>
-          <a:lstStyle/>
-          <a:p>
-            <a:r>
-              <a:rPr lang="en-US" dirty="0"/>
-              <a:t>Check Yourself: Service Dependencies</a:t>
-            </a:r>
-          </a:p>
-        </p:txBody>
-      </p:sp>
-      <p:sp>
-        <p:nvSpPr>
-          <p:cNvPr id="3" name="Content Placeholder 2">
-            <a:extLst>
-              <a:ext uri="{FF2B5EF4-FFF2-40B4-BE49-F238E27FC236}">
-                <a16:creationId xmlns:a16="http://schemas.microsoft.com/office/drawing/2014/main" id="{57712AC8-58A5-48A6-8096-C79E9306A869}"/>
-              </a:ext>
-            </a:extLst>
-          </p:cNvPr>
-          <p:cNvSpPr>
-            <a:spLocks noGrp="1"/>
-          </p:cNvSpPr>
-          <p:nvPr>
-            <p:ph idx="1"/>
-          </p:nvPr>
-        </p:nvSpPr>
-        <p:spPr/>
-        <p:txBody>
-          <a:bodyPr>
-            <a:normAutofit/>
-          </a:bodyPr>
-          <a:lstStyle/>
-          <a:p>
-            <a:pPr marL="0" indent="0">
-              <a:buNone/>
-            </a:pPr>
-            <a:r>
-              <a:rPr lang="en-US" dirty="0"/>
-              <a:t>Consider a service like Dropbox.com or Google Drive.</a:t>
-            </a:r>
-          </a:p>
-          <a:p>
-            <a:pPr marL="514350" indent="-514350">
-              <a:buAutoNum type="arabicPeriod"/>
-            </a:pPr>
-            <a:r>
-              <a:rPr lang="en-US" dirty="0"/>
-              <a:t>What are the features?</a:t>
-            </a:r>
-          </a:p>
-          <a:p>
-            <a:pPr marL="514350" indent="-514350">
-              <a:buAutoNum type="arabicPeriod"/>
-            </a:pPr>
-            <a:r>
-              <a:rPr lang="en-US" dirty="0"/>
-              <a:t>What are the primary dependencies?</a:t>
-            </a:r>
-          </a:p>
-          <a:p>
-            <a:pPr marL="514350" indent="-514350">
-              <a:buAutoNum type="arabicPeriod"/>
-            </a:pPr>
-            <a:r>
-              <a:rPr lang="en-US" dirty="0"/>
-              <a:t>What are the external dependencies?</a:t>
-            </a:r>
-          </a:p>
-          <a:p>
-            <a:pPr marL="514350" indent="-514350">
-              <a:buAutoNum type="arabicPeriod"/>
-            </a:pPr>
-            <a:r>
-              <a:rPr lang="en-US" dirty="0"/>
-              <a:t>What constitutes a reasonable SLA? For this type of service?</a:t>
-            </a:r>
-            <a:br>
-              <a:rPr lang="en-US" dirty="0"/>
-            </a:br>
-            <a:endParaRPr lang="en-US" dirty="0"/>
-          </a:p>
-          <a:p>
-            <a:pPr marL="514350" indent="-514350">
-              <a:buAutoNum type="arabicPeriod"/>
-            </a:pPr>
-            <a:endParaRPr lang="en-US" dirty="0"/>
-          </a:p>
-        </p:txBody>
-      </p:sp>
-    </p:spTree>
-    <p:extLst>
-      <p:ext uri="{BB962C8B-B14F-4D97-AF65-F5344CB8AC3E}">
-        <p14:creationId xmlns:p14="http://schemas.microsoft.com/office/powerpoint/2010/main" val="3759275821"/>
-      </p:ext>
-    </p:extLst>
-  </p:cSld>
-  <p:clrMapOvr>
-    <a:masterClrMapping/>
-  </p:clrMapOvr>
-</p:sld>
-</file>
-
-<file path=ppt/slides/slide35.xml><?xml version="1.0" encoding="utf-8"?>
-<p:sld xmlns:a="http://schemas.openxmlformats.org/drawingml/2006/main" xmlns:r="http://schemas.openxmlformats.org/officeDocument/2006/relationships" xmlns:p="http://schemas.openxmlformats.org/presentationml/2006/main">
-  <p:cSld>
-    <p:spTree>
-      <p:nvGrpSpPr>
-        <p:cNvPr id="1" name=""/>
-        <p:cNvGrpSpPr/>
-        <p:nvPr/>
-      </p:nvGrpSpPr>
-      <p:grpSpPr>
-        <a:xfrm>
-          <a:off x="0" y="0"/>
-          <a:ext cx="0" cy="0"/>
-          <a:chOff x="0" y="0"/>
-          <a:chExt cx="0" cy="0"/>
-        </a:xfrm>
-      </p:grpSpPr>
-      <p:sp>
-        <p:nvSpPr>
-          <p:cNvPr id="2" name="Title 1">
-            <a:extLst>
-              <a:ext uri="{FF2B5EF4-FFF2-40B4-BE49-F238E27FC236}">
-                <a16:creationId xmlns:a16="http://schemas.microsoft.com/office/drawing/2014/main" id="{A026AB60-0615-495F-852D-16F08A91C1C8}"/>
-              </a:ext>
-            </a:extLst>
-          </p:cNvPr>
-          <p:cNvSpPr>
-            <a:spLocks noGrp="1"/>
-          </p:cNvSpPr>
-          <p:nvPr>
-            <p:ph type="title"/>
-          </p:nvPr>
-        </p:nvSpPr>
-        <p:spPr/>
-        <p:txBody>
-          <a:bodyPr/>
-          <a:lstStyle/>
-          <a:p>
-            <a:endParaRPr lang="en-US"/>
-          </a:p>
-        </p:txBody>
-      </p:sp>
-      <p:sp>
-        <p:nvSpPr>
-          <p:cNvPr id="3" name="Content Placeholder 2">
-            <a:extLst>
-              <a:ext uri="{FF2B5EF4-FFF2-40B4-BE49-F238E27FC236}">
-                <a16:creationId xmlns:a16="http://schemas.microsoft.com/office/drawing/2014/main" id="{015E1875-8758-46A3-ADD7-33E6F6DE2DF6}"/>
-              </a:ext>
-            </a:extLst>
-          </p:cNvPr>
-          <p:cNvSpPr>
-            <a:spLocks noGrp="1"/>
-          </p:cNvSpPr>
-          <p:nvPr>
-            <p:ph idx="1"/>
-          </p:nvPr>
-        </p:nvSpPr>
-        <p:spPr/>
-        <p:txBody>
-          <a:bodyPr/>
-          <a:lstStyle/>
-          <a:p>
-            <a:endParaRPr lang="en-US"/>
-          </a:p>
-        </p:txBody>
-      </p:sp>
-    </p:spTree>
-    <p:extLst>
-      <p:ext uri="{BB962C8B-B14F-4D97-AF65-F5344CB8AC3E}">
-        <p14:creationId xmlns:p14="http://schemas.microsoft.com/office/powerpoint/2010/main" val="4042864354"/>
-      </p:ext>
-    </p:extLst>
-  </p:cSld>
-  <p:clrMapOvr>
-    <a:masterClrMapping/>
-  </p:clrMapOvr>
-</p:sld>
-</file>
-
-<file path=ppt/slides/slide36.xml><?xml version="1.0" encoding="utf-8"?>
+<file path=ppt/slides/slide26.xml><?xml version="1.0" encoding="utf-8"?>
 <p:sld xmlns:a="http://schemas.openxmlformats.org/drawingml/2006/main" xmlns:r="http://schemas.openxmlformats.org/officeDocument/2006/relationships" xmlns:p="http://schemas.openxmlformats.org/presentationml/2006/main">
   <p:cSld>
     <p:bg>
@@ -36820,7 +31778,7 @@
                 <a16:creationId xmlns:a16="http://schemas.microsoft.com/office/drawing/2014/main" id="{C66F2F30-5DC0-44A0-BFA6-E12F46ED16DA}"/>
               </a:ext>
               <a:ext uri="{C183D7F6-B498-43B3-948B-1728B52AA6E4}">
-                <adec:decorative xmlns:adec="http://schemas.microsoft.com/office/drawing/2017/decorative" xmlns="" val="1"/>
+                <adec:decorative xmlns:adec="http://schemas.microsoft.com/office/drawing/2017/decorative" val="1"/>
               </a:ext>
             </a:extLst>
           </p:cNvPr>
@@ -36944,7 +31902,7 @@
                 <a16:creationId xmlns:a16="http://schemas.microsoft.com/office/drawing/2014/main" id="{85872F57-7F42-4F97-8391-DDC8D0054C03}"/>
               </a:ext>
               <a:ext uri="{C183D7F6-B498-43B3-948B-1728B52AA6E4}">
-                <adec:decorative xmlns:adec="http://schemas.microsoft.com/office/drawing/2017/decorative" xmlns="" val="1"/>
+                <adec:decorative xmlns:adec="http://schemas.microsoft.com/office/drawing/2017/decorative" val="1"/>
               </a:ext>
             </a:extLst>
           </p:cNvPr>
@@ -37100,7 +32058,7 @@
                 <a16:creationId xmlns:a16="http://schemas.microsoft.com/office/drawing/2014/main" id="{04DC2037-48A0-4F22-B9D4-8EAEBC780AB4}"/>
               </a:ext>
               <a:ext uri="{C183D7F6-B498-43B3-948B-1728B52AA6E4}">
-                <adec:decorative xmlns:adec="http://schemas.microsoft.com/office/drawing/2017/decorative" xmlns="" val="1"/>
+                <adec:decorative xmlns:adec="http://schemas.microsoft.com/office/drawing/2017/decorative" val="1"/>
               </a:ext>
             </a:extLst>
           </p:cNvPr>
@@ -37205,7 +32163,7 @@
                 <a16:creationId xmlns:a16="http://schemas.microsoft.com/office/drawing/2014/main" id="{0006CBFD-ADA0-43D1-9332-9C34CA1C76ED}"/>
               </a:ext>
               <a:ext uri="{C183D7F6-B498-43B3-948B-1728B52AA6E4}">
-                <adec:decorative xmlns:adec="http://schemas.microsoft.com/office/drawing/2017/decorative" xmlns="" val="1"/>
+                <adec:decorative xmlns:adec="http://schemas.microsoft.com/office/drawing/2017/decorative" val="1"/>
               </a:ext>
             </a:extLst>
           </p:cNvPr>
@@ -37313,7 +32271,7 @@
                 <a16:creationId xmlns:a16="http://schemas.microsoft.com/office/drawing/2014/main" id="{2B931666-F28F-45F3-A074-66D2272D580B}"/>
               </a:ext>
               <a:ext uri="{C183D7F6-B498-43B3-948B-1728B52AA6E4}">
-                <adec:decorative xmlns:adec="http://schemas.microsoft.com/office/drawing/2017/decorative" xmlns="" val="1"/>
+                <adec:decorative xmlns:adec="http://schemas.microsoft.com/office/drawing/2017/decorative" val="1"/>
               </a:ext>
             </a:extLst>
           </p:cNvPr>
@@ -37511,7 +32469,7 @@
                 <a:ea typeface="+mn-ea"/>
                 <a:cs typeface="+mn-cs"/>
               </a:rPr>
-              <a:t>Provide A Service</a:t>
+              <a:t>Service Selection</a:t>
             </a:r>
           </a:p>
         </p:txBody>
@@ -37529,7 +32487,7 @@
 </p:sld>
 </file>
 
-<file path=ppt/slides/slide37.xml><?xml version="1.0" encoding="utf-8"?>
+<file path=ppt/slides/slide27.xml><?xml version="1.0" encoding="utf-8"?>
 <p:sld xmlns:a="http://schemas.openxmlformats.org/drawingml/2006/main" xmlns:r="http://schemas.openxmlformats.org/officeDocument/2006/relationships" xmlns:p="http://schemas.openxmlformats.org/presentationml/2006/main">
   <p:cSld>
     <p:spTree>
@@ -37595,7 +32553,7 @@
         <p:spPr/>
         <p:txBody>
           <a:bodyPr>
-            <a:normAutofit/>
+            <a:normAutofit fontScale="92500" lnSpcReduction="20000"/>
           </a:bodyPr>
           <a:lstStyle/>
           <a:p>
@@ -37606,13 +32564,71 @@
           </a:p>
           <a:p>
             <a:r>
-              <a:rPr lang="en-US" sz="3200" dirty="0"/>
-              <a:t>Choose a </a:t>
+              <a:rPr lang="en-US" dirty="0"/>
+              <a:t>Think of a service you use every day. It can be the same service from the last  group activity. Answer these questions to the best of your ability</a:t>
             </a:r>
+          </a:p>
+          <a:p>
+            <a:pPr marL="514350" lvl="0" indent="-514350">
+              <a:buFont typeface="+mj-lt"/>
+              <a:buAutoNum type="arabicPeriod"/>
+            </a:pPr>
             <a:r>
-              <a:rPr lang="en-US" sz="3200" dirty="0" err="1"/>
-              <a:t>servic</a:t>
+              <a:rPr lang="en-US" dirty="0"/>
+              <a:t>Define the service</a:t>
             </a:r>
+          </a:p>
+          <a:p>
+            <a:pPr marL="514350" lvl="0" indent="-514350">
+              <a:buFont typeface="+mj-lt"/>
+              <a:buAutoNum type="arabicPeriod"/>
+            </a:pPr>
+            <a:r>
+              <a:rPr lang="en-US" dirty="0"/>
+              <a:t>How do they maintain reliability?</a:t>
+            </a:r>
+          </a:p>
+          <a:p>
+            <a:pPr marL="514350" lvl="0" indent="-514350">
+              <a:buFont typeface="+mj-lt"/>
+              <a:buAutoNum type="arabicPeriod"/>
+            </a:pPr>
+            <a:r>
+              <a:rPr lang="en-US" dirty="0"/>
+              <a:t>How is it scaled, if at all?</a:t>
+            </a:r>
+          </a:p>
+          <a:p>
+            <a:pPr marL="514350" lvl="0" indent="-514350">
+              <a:buFont typeface="+mj-lt"/>
+              <a:buAutoNum type="arabicPeriod"/>
+            </a:pPr>
+            <a:r>
+              <a:rPr lang="en-US" dirty="0"/>
+              <a:t>How do you think it is monitored?</a:t>
+            </a:r>
+          </a:p>
+          <a:p>
+            <a:pPr marL="514350" lvl="0" indent="-514350">
+              <a:buFont typeface="+mj-lt"/>
+              <a:buAutoNum type="arabicPeriod"/>
+            </a:pPr>
+            <a:r>
+              <a:rPr lang="en-US" dirty="0"/>
+              <a:t>How is it maintained?</a:t>
+            </a:r>
+          </a:p>
+          <a:p>
+            <a:pPr marL="514350" lvl="0" indent="-514350">
+              <a:buFont typeface="+mj-lt"/>
+              <a:buAutoNum type="arabicPeriod"/>
+            </a:pPr>
+            <a:r>
+              <a:rPr lang="en-US" dirty="0"/>
+              <a:t>How is it supported?</a:t>
+            </a:r>
+          </a:p>
+          <a:p>
             <a:endParaRPr lang="en-US" sz="3200" dirty="0"/>
           </a:p>
         </p:txBody>
@@ -37630,7 +32646,7 @@
 </p:sld>
 </file>
 
-<file path=ppt/slides/slide38.xml><?xml version="1.0" encoding="utf-8"?>
+<file path=ppt/slides/slide28.xml><?xml version="1.0" encoding="utf-8"?>
 <p:sld xmlns:a="http://schemas.openxmlformats.org/drawingml/2006/main" xmlns:r="http://schemas.openxmlformats.org/officeDocument/2006/relationships" xmlns:p="http://schemas.openxmlformats.org/presentationml/2006/main">
   <p:cSld>
     <p:bg>
@@ -37676,7 +32692,7 @@
                 <a14:useLocalDpi xmlns:a14="http://schemas.microsoft.com/office/drawing/2010/main" val="0"/>
               </a:ext>
               <a:ext uri="{96DAC541-7B7A-43D3-8B79-37D633B846F1}">
-                <asvg:svgBlip xmlns:asvg="http://schemas.microsoft.com/office/drawing/2016/SVG/main" xmlns="" r:embed="rId4"/>
+                <asvg:svgBlip xmlns:asvg="http://schemas.microsoft.com/office/drawing/2016/SVG/main" r:embed="rId4"/>
               </a:ext>
             </a:extLst>
           </a:blip>
@@ -37702,7 +32718,7 @@
                 <a16:creationId xmlns:a16="http://schemas.microsoft.com/office/drawing/2014/main" id="{1A882A9F-F4E9-4E23-8F0B-20B5DF42EAA9}"/>
               </a:ext>
               <a:ext uri="{C183D7F6-B498-43B3-948B-1728B52AA6E4}">
-                <adec:decorative xmlns:adec="http://schemas.microsoft.com/office/drawing/2017/decorative" xmlns="" val="1"/>
+                <adec:decorative xmlns:adec="http://schemas.microsoft.com/office/drawing/2017/decorative" val="1"/>
               </a:ext>
             </a:extLst>
           </p:cNvPr>
@@ -37796,7 +32812,7 @@
                 <a16:creationId xmlns:a16="http://schemas.microsoft.com/office/drawing/2014/main" id="{FBE9F90C-C163-435B-9A68-D15C92D1CF2B}"/>
               </a:ext>
               <a:ext uri="{C183D7F6-B498-43B3-948B-1728B52AA6E4}">
-                <adec:decorative xmlns:adec="http://schemas.microsoft.com/office/drawing/2017/decorative" xmlns="" val="1"/>
+                <adec:decorative xmlns:adec="http://schemas.microsoft.com/office/drawing/2017/decorative" val="1"/>
               </a:ext>
             </a:extLst>
           </p:cNvPr>
@@ -37890,7 +32906,7 @@
                 <a16:creationId xmlns:a16="http://schemas.microsoft.com/office/drawing/2014/main" id="{CDA1A2E9-63FE-408D-A803-8E306ECAB4B3}"/>
               </a:ext>
               <a:ext uri="{C183D7F6-B498-43B3-948B-1728B52AA6E4}">
-                <adec:decorative xmlns:adec="http://schemas.microsoft.com/office/drawing/2017/decorative" xmlns="" val="1"/>
+                <adec:decorative xmlns:adec="http://schemas.microsoft.com/office/drawing/2017/decorative" val="1"/>
               </a:ext>
             </a:extLst>
           </p:cNvPr>
@@ -38122,7 +33138,7 @@
 </p:sld>
 </file>
 
-<file path=ppt/slides/slide39.xml><?xml version="1.0" encoding="utf-8"?>
+<file path=ppt/slides/slide29.xml><?xml version="1.0" encoding="utf-8"?>
 <p:sld xmlns:a="http://schemas.openxmlformats.org/drawingml/2006/main" xmlns:r="http://schemas.openxmlformats.org/officeDocument/2006/relationships" xmlns:p="http://schemas.openxmlformats.org/presentationml/2006/main">
   <p:cSld>
     <p:bg>
@@ -38155,7 +33171,7 @@
                 <a16:creationId xmlns:a16="http://schemas.microsoft.com/office/drawing/2014/main" id="{CDA1A2E9-63FE-408D-A803-8E306ECAB4B3}"/>
               </a:ext>
               <a:ext uri="{C183D7F6-B498-43B3-948B-1728B52AA6E4}">
-                <adec:decorative xmlns:adec="http://schemas.microsoft.com/office/drawing/2017/decorative" xmlns="" val="1"/>
+                <adec:decorative xmlns:adec="http://schemas.microsoft.com/office/drawing/2017/decorative" val="1"/>
               </a:ext>
             </a:extLst>
           </p:cNvPr>
@@ -38291,7 +33307,7 @@
                 <a16:creationId xmlns:a16="http://schemas.microsoft.com/office/drawing/2014/main" id="{FBE9F90C-C163-435B-9A68-D15C92D1CF2B}"/>
               </a:ext>
               <a:ext uri="{C183D7F6-B498-43B3-948B-1728B52AA6E4}">
-                <adec:decorative xmlns:adec="http://schemas.microsoft.com/office/drawing/2017/decorative" xmlns="" val="1"/>
+                <adec:decorative xmlns:adec="http://schemas.microsoft.com/office/drawing/2017/decorative" val="1"/>
               </a:ext>
             </a:extLst>
           </p:cNvPr>
@@ -38443,7 +33459,7 @@
                 <a14:useLocalDpi xmlns:a14="http://schemas.microsoft.com/office/drawing/2010/main" val="0"/>
               </a:ext>
               <a:ext uri="{96DAC541-7B7A-43D3-8B79-37D633B846F1}">
-                <asvg:svgBlip xmlns:asvg="http://schemas.microsoft.com/office/drawing/2016/SVG/main" xmlns="" r:embed="rId3"/>
+                <asvg:svgBlip xmlns:asvg="http://schemas.microsoft.com/office/drawing/2016/SVG/main" r:embed="rId3"/>
               </a:ext>
             </a:extLst>
           </a:blip>
@@ -38469,7 +33485,7 @@
                 <a16:creationId xmlns:a16="http://schemas.microsoft.com/office/drawing/2014/main" id="{1A882A9F-F4E9-4E23-8F0B-20B5DF42EAA9}"/>
               </a:ext>
               <a:ext uri="{C183D7F6-B498-43B3-948B-1728B52AA6E4}">
-                <adec:decorative xmlns:adec="http://schemas.microsoft.com/office/drawing/2017/decorative" xmlns="" val="1"/>
+                <adec:decorative xmlns:adec="http://schemas.microsoft.com/office/drawing/2017/decorative" val="1"/>
               </a:ext>
             </a:extLst>
           </p:cNvPr>
@@ -38559,6 +33575,689 @@
     <p:extLst>
       <p:ext uri="{BB962C8B-B14F-4D97-AF65-F5344CB8AC3E}">
         <p14:creationId xmlns:p14="http://schemas.microsoft.com/office/powerpoint/2010/main" val="373008021"/>
+      </p:ext>
+    </p:extLst>
+  </p:cSld>
+  <p:clrMapOvr>
+    <a:masterClrMapping/>
+  </p:clrMapOvr>
+</p:sld>
+</file>
+
+<file path=ppt/slides/slide3.xml><?xml version="1.0" encoding="utf-8"?>
+<p:sld xmlns:a="http://schemas.openxmlformats.org/drawingml/2006/main" xmlns:r="http://schemas.openxmlformats.org/officeDocument/2006/relationships" xmlns:p="http://schemas.openxmlformats.org/presentationml/2006/main">
+  <p:cSld>
+    <p:bg>
+      <p:bgPr>
+        <a:solidFill>
+          <a:schemeClr val="bg1"/>
+        </a:solidFill>
+        <a:effectLst/>
+      </p:bgPr>
+    </p:bg>
+    <p:spTree>
+      <p:nvGrpSpPr>
+        <p:cNvPr id="1" name=""/>
+        <p:cNvGrpSpPr/>
+        <p:nvPr/>
+      </p:nvGrpSpPr>
+      <p:grpSpPr>
+        <a:xfrm>
+          <a:off x="0" y="0"/>
+          <a:ext cx="0" cy="0"/>
+          <a:chOff x="0" y="0"/>
+          <a:chExt cx="0" cy="0"/>
+        </a:xfrm>
+      </p:grpSpPr>
+      <p:sp>
+        <p:nvSpPr>
+          <p:cNvPr id="8" name="Rectangle 7">
+            <a:extLst>
+              <a:ext uri="{FF2B5EF4-FFF2-40B4-BE49-F238E27FC236}">
+                <a16:creationId xmlns:a16="http://schemas.microsoft.com/office/drawing/2014/main" id="{F98ED85F-DCEE-4B50-802E-71A6E3E12B04}"/>
+              </a:ext>
+              <a:ext uri="{C183D7F6-B498-43B3-948B-1728B52AA6E4}">
+                <adec:decorative xmlns:adec="http://schemas.microsoft.com/office/drawing/2017/decorative" val="1"/>
+              </a:ext>
+            </a:extLst>
+          </p:cNvPr>
+          <p:cNvSpPr>
+            <a:spLocks noGrp="1" noRot="1" noChangeAspect="1" noMove="1" noResize="1" noEditPoints="1" noAdjustHandles="1" noChangeArrowheads="1" noChangeShapeType="1" noTextEdit="1"/>
+          </p:cNvSpPr>
+          <p:nvPr>
+            <p:extLst>
+              <p:ext uri="{386F3935-93C4-4BCD-93E2-E3B085C9AB24}">
+                <p16:designElem xmlns:p16="http://schemas.microsoft.com/office/powerpoint/2015/main" val="1"/>
+              </p:ext>
+            </p:extLst>
+          </p:nvPr>
+        </p:nvSpPr>
+        <p:spPr bwMode="ltGray">
+          <a:xfrm>
+            <a:off x="321564" y="320040"/>
+            <a:ext cx="11548872" cy="6217920"/>
+          </a:xfrm>
+          <a:prstGeom prst="rect">
+            <a:avLst/>
+          </a:prstGeom>
+          <a:solidFill>
+            <a:schemeClr val="tx1">
+              <a:alpha val="14000"/>
+            </a:schemeClr>
+          </a:solidFill>
+          <a:ln w="127000" cap="sq" cmpd="thinThick">
+            <a:solidFill>
+              <a:schemeClr val="tx1">
+                <a:lumMod val="85000"/>
+                <a:lumOff val="15000"/>
+                <a:alpha val="15000"/>
+              </a:schemeClr>
+            </a:solidFill>
+          </a:ln>
+        </p:spPr>
+        <p:style>
+          <a:lnRef idx="2">
+            <a:schemeClr val="accent1">
+              <a:shade val="50000"/>
+            </a:schemeClr>
+          </a:lnRef>
+          <a:fillRef idx="1">
+            <a:schemeClr val="accent1"/>
+          </a:fillRef>
+          <a:effectRef idx="0">
+            <a:schemeClr val="accent1"/>
+          </a:effectRef>
+          <a:fontRef idx="minor">
+            <a:schemeClr val="lt1"/>
+          </a:fontRef>
+        </p:style>
+        <p:txBody>
+          <a:bodyPr rtlCol="0" anchor="ctr"/>
+          <a:lstStyle/>
+          <a:p>
+            <a:pPr algn="ctr"/>
+            <a:endParaRPr lang="en-US"/>
+          </a:p>
+        </p:txBody>
+      </p:sp>
+      <p:sp>
+        <p:nvSpPr>
+          <p:cNvPr id="2" name="Title 1">
+            <a:extLst>
+              <a:ext uri="{FF2B5EF4-FFF2-40B4-BE49-F238E27FC236}">
+                <a16:creationId xmlns:a16="http://schemas.microsoft.com/office/drawing/2014/main" id="{B9E49FAD-5FE2-405D-B69A-08F3F9D69B7A}"/>
+              </a:ext>
+            </a:extLst>
+          </p:cNvPr>
+          <p:cNvSpPr>
+            <a:spLocks noGrp="1"/>
+          </p:cNvSpPr>
+          <p:nvPr>
+            <p:ph type="title"/>
+          </p:nvPr>
+        </p:nvSpPr>
+        <p:spPr>
+          <a:xfrm>
+            <a:off x="838200" y="631825"/>
+            <a:ext cx="10515600" cy="1325563"/>
+          </a:xfrm>
+        </p:spPr>
+        <p:txBody>
+          <a:bodyPr>
+            <a:normAutofit/>
+          </a:bodyPr>
+          <a:lstStyle/>
+          <a:p>
+            <a:r>
+              <a:rPr lang="en-US" dirty="0"/>
+              <a:t>Discussion Questions</a:t>
+            </a:r>
+          </a:p>
+        </p:txBody>
+      </p:sp>
+      <p:sp>
+        <p:nvSpPr>
+          <p:cNvPr id="3" name="Content Placeholder 2">
+            <a:extLst>
+              <a:ext uri="{FF2B5EF4-FFF2-40B4-BE49-F238E27FC236}">
+                <a16:creationId xmlns:a16="http://schemas.microsoft.com/office/drawing/2014/main" id="{90E8D228-254D-4BFA-ADE9-CEE3CA6F7672}"/>
+              </a:ext>
+            </a:extLst>
+          </p:cNvPr>
+          <p:cNvSpPr>
+            <a:spLocks noGrp="1"/>
+          </p:cNvSpPr>
+          <p:nvPr>
+            <p:ph idx="1"/>
+          </p:nvPr>
+        </p:nvSpPr>
+        <p:spPr>
+          <a:xfrm>
+            <a:off x="838200" y="2057400"/>
+            <a:ext cx="10515600" cy="3871762"/>
+          </a:xfrm>
+        </p:spPr>
+        <p:txBody>
+          <a:bodyPr>
+            <a:normAutofit fontScale="92500" lnSpcReduction="10000"/>
+          </a:bodyPr>
+          <a:lstStyle/>
+          <a:p>
+            <a:pPr marL="514350" lvl="0" indent="-514350">
+              <a:buFont typeface="+mj-lt"/>
+              <a:buAutoNum type="arabicPeriod"/>
+            </a:pPr>
+            <a:r>
+              <a:rPr lang="en-US" dirty="0"/>
+              <a:t>What are the 6 characteristics of providing good service?</a:t>
+            </a:r>
+          </a:p>
+          <a:p>
+            <a:pPr marL="514350" lvl="0" indent="-514350">
+              <a:buFont typeface="+mj-lt"/>
+              <a:buAutoNum type="arabicPeriod"/>
+            </a:pPr>
+            <a:r>
+              <a:rPr lang="en-US" dirty="0"/>
+              <a:t>What aspects of a service should be monitored?</a:t>
+            </a:r>
+          </a:p>
+          <a:p>
+            <a:pPr marL="514350" lvl="0" indent="-514350">
+              <a:buFont typeface="+mj-lt"/>
+              <a:buAutoNum type="arabicPeriod"/>
+            </a:pPr>
+            <a:r>
+              <a:rPr lang="en-US" dirty="0"/>
+              <a:t>What are the two types of monitoring? Why are both important?</a:t>
+            </a:r>
+          </a:p>
+          <a:p>
+            <a:pPr marL="514350" lvl="0" indent="-514350">
+              <a:buFont typeface="+mj-lt"/>
+              <a:buAutoNum type="arabicPeriod"/>
+            </a:pPr>
+            <a:r>
+              <a:rPr lang="en-US" dirty="0"/>
+              <a:t>What are the uses of logs and benefits of logging?</a:t>
+            </a:r>
+          </a:p>
+          <a:p>
+            <a:pPr marL="514350" lvl="0" indent="-514350">
+              <a:buFont typeface="+mj-lt"/>
+              <a:buAutoNum type="arabicPeriod"/>
+            </a:pPr>
+            <a:r>
+              <a:rPr lang="en-US" dirty="0"/>
+              <a:t>What is end-to-end testing?</a:t>
+            </a:r>
+          </a:p>
+          <a:p>
+            <a:pPr marL="514350" lvl="0" indent="-514350">
+              <a:buFont typeface="+mj-lt"/>
+              <a:buAutoNum type="arabicPeriod"/>
+            </a:pPr>
+            <a:r>
+              <a:rPr lang="en-US" dirty="0"/>
+              <a:t>What is SNMP?</a:t>
+            </a:r>
+          </a:p>
+          <a:p>
+            <a:pPr marL="514350" lvl="0" indent="-514350">
+              <a:buFont typeface="+mj-lt"/>
+              <a:buAutoNum type="arabicPeriod"/>
+            </a:pPr>
+            <a:r>
+              <a:rPr lang="en-US" dirty="0"/>
+              <a:t>Where are the Linux system logs located?</a:t>
+            </a:r>
+          </a:p>
+        </p:txBody>
+      </p:sp>
+    </p:spTree>
+    <p:extLst>
+      <p:ext uri="{BB962C8B-B14F-4D97-AF65-F5344CB8AC3E}">
+        <p14:creationId xmlns:p14="http://schemas.microsoft.com/office/powerpoint/2010/main" val="1001285369"/>
+      </p:ext>
+    </p:extLst>
+  </p:cSld>
+  <p:clrMapOvr>
+    <a:masterClrMapping/>
+  </p:clrMapOvr>
+</p:sld>
+</file>
+
+<file path=ppt/slides/slide30.xml><?xml version="1.0" encoding="utf-8"?>
+<p:sld xmlns:a="http://schemas.openxmlformats.org/drawingml/2006/main" xmlns:r="http://schemas.openxmlformats.org/officeDocument/2006/relationships" xmlns:p="http://schemas.openxmlformats.org/presentationml/2006/main">
+  <p:cSld>
+    <p:bg>
+      <p:bgPr>
+        <a:solidFill>
+          <a:schemeClr val="bg1"/>
+        </a:solidFill>
+        <a:effectLst/>
+      </p:bgPr>
+    </p:bg>
+    <p:spTree>
+      <p:nvGrpSpPr>
+        <p:cNvPr id="1" name=""/>
+        <p:cNvGrpSpPr/>
+        <p:nvPr/>
+      </p:nvGrpSpPr>
+      <p:grpSpPr>
+        <a:xfrm>
+          <a:off x="0" y="0"/>
+          <a:ext cx="0" cy="0"/>
+          <a:chOff x="0" y="0"/>
+          <a:chExt cx="0" cy="0"/>
+        </a:xfrm>
+      </p:grpSpPr>
+      <p:pic>
+        <p:nvPicPr>
+          <p:cNvPr id="16" name="Graphic 6">
+            <a:extLst>
+              <a:ext uri="{FF2B5EF4-FFF2-40B4-BE49-F238E27FC236}">
+                <a16:creationId xmlns:a16="http://schemas.microsoft.com/office/drawing/2014/main" id="{ACAAF5D7-299C-47E0-BF58-5B55CABE4EA9}"/>
+              </a:ext>
+            </a:extLst>
+          </p:cNvPr>
+          <p:cNvPicPr>
+            <a:picLocks noChangeAspect="1"/>
+          </p:cNvPicPr>
+          <p:nvPr/>
+        </p:nvPicPr>
+        <p:blipFill>
+          <a:blip r:embed="rId2">
+            <a:extLst>
+              <a:ext uri="{28A0092B-C50C-407E-A947-70E740481C1C}">
+                <a14:useLocalDpi xmlns:a14="http://schemas.microsoft.com/office/drawing/2010/main" val="0"/>
+              </a:ext>
+              <a:ext uri="{96DAC541-7B7A-43D3-8B79-37D633B846F1}">
+                <asvg:svgBlip xmlns:asvg="http://schemas.microsoft.com/office/drawing/2016/SVG/main" r:embed="rId3"/>
+              </a:ext>
+            </a:extLst>
+          </a:blip>
+          <a:stretch>
+            <a:fillRect/>
+          </a:stretch>
+        </p:blipFill>
+        <p:spPr>
+          <a:xfrm>
+            <a:off x="7571572" y="4648201"/>
+            <a:ext cx="1632648" cy="1632648"/>
+          </a:xfrm>
+          <a:prstGeom prst="rect">
+            <a:avLst/>
+          </a:prstGeom>
+        </p:spPr>
+      </p:pic>
+      <p:sp>
+        <p:nvSpPr>
+          <p:cNvPr id="17" name="Rectangle 9">
+            <a:extLst>
+              <a:ext uri="{FF2B5EF4-FFF2-40B4-BE49-F238E27FC236}">
+                <a16:creationId xmlns:a16="http://schemas.microsoft.com/office/drawing/2014/main" id="{1A882A9F-F4E9-4E23-8F0B-20B5DF42EAA9}"/>
+              </a:ext>
+              <a:ext uri="{C183D7F6-B498-43B3-948B-1728B52AA6E4}">
+                <adec:decorative xmlns:adec="http://schemas.microsoft.com/office/drawing/2017/decorative" val="1"/>
+              </a:ext>
+            </a:extLst>
+          </p:cNvPr>
+          <p:cNvSpPr>
+            <a:spLocks noGrp="1" noRot="1" noChangeAspect="1" noMove="1" noResize="1" noEditPoints="1" noAdjustHandles="1" noChangeArrowheads="1" noChangeShapeType="1" noTextEdit="1"/>
+          </p:cNvSpPr>
+          <p:nvPr>
+            <p:extLst>
+              <p:ext uri="{386F3935-93C4-4BCD-93E2-E3B085C9AB24}">
+                <p16:designElem xmlns:p16="http://schemas.microsoft.com/office/powerpoint/2015/main" val="1"/>
+              </p:ext>
+            </p:extLst>
+          </p:nvPr>
+        </p:nvSpPr>
+        <p:spPr>
+          <a:xfrm>
+            <a:off x="9619345" y="4521270"/>
+            <a:ext cx="2115455" cy="1890204"/>
+          </a:xfrm>
+          <a:prstGeom prst="rect">
+            <a:avLst/>
+          </a:prstGeom>
+          <a:solidFill>
+            <a:schemeClr val="accent1">
+              <a:alpha val="95000"/>
+            </a:schemeClr>
+          </a:solidFill>
+          <a:ln w="25400">
+            <a:noFill/>
+          </a:ln>
+        </p:spPr>
+        <p:style>
+          <a:lnRef idx="2">
+            <a:schemeClr val="accent1">
+              <a:shade val="50000"/>
+            </a:schemeClr>
+          </a:lnRef>
+          <a:fillRef idx="1">
+            <a:schemeClr val="accent1"/>
+          </a:fillRef>
+          <a:effectRef idx="0">
+            <a:schemeClr val="accent1"/>
+          </a:effectRef>
+          <a:fontRef idx="minor">
+            <a:schemeClr val="lt1"/>
+          </a:fontRef>
+        </p:style>
+        <p:txBody>
+          <a:bodyPr rtlCol="0" anchor="ctr"/>
+          <a:lstStyle/>
+          <a:p>
+            <a:pPr marL="0" marR="0" lvl="0" indent="0" algn="ctr" defTabSz="914400" rtl="0" eaLnBrk="1" fontAlgn="auto" latinLnBrk="0" hangingPunct="1">
+              <a:lnSpc>
+                <a:spcPct val="100000"/>
+              </a:lnSpc>
+              <a:spcBef>
+                <a:spcPts val="0"/>
+              </a:spcBef>
+              <a:spcAft>
+                <a:spcPts val="0"/>
+              </a:spcAft>
+              <a:buClrTx/>
+              <a:buSzTx/>
+              <a:buFontTx/>
+              <a:buNone/>
+              <a:tabLst/>
+              <a:defRPr/>
+            </a:pPr>
+            <a:endParaRPr kumimoji="0" lang="en-US" sz="1800" b="0" i="0" u="none" strike="noStrike" kern="1200" cap="none" spc="0" normalizeH="0" baseline="0" noProof="0">
+              <a:ln>
+                <a:noFill/>
+              </a:ln>
+              <a:solidFill>
+                <a:srgbClr val="FFFFFF"/>
+              </a:solidFill>
+              <a:effectLst/>
+              <a:uLnTx/>
+              <a:uFillTx/>
+              <a:latin typeface="Calibri" panose="020F0502020204030204"/>
+              <a:ea typeface="+mn-ea"/>
+              <a:cs typeface="+mn-cs"/>
+            </a:endParaRPr>
+          </a:p>
+        </p:txBody>
+      </p:sp>
+      <p:sp>
+        <p:nvSpPr>
+          <p:cNvPr id="18" name="Rectangle 11">
+            <a:extLst>
+              <a:ext uri="{FF2B5EF4-FFF2-40B4-BE49-F238E27FC236}">
+                <a16:creationId xmlns:a16="http://schemas.microsoft.com/office/drawing/2014/main" id="{FBE9F90C-C163-435B-9A68-D15C92D1CF2B}"/>
+              </a:ext>
+              <a:ext uri="{C183D7F6-B498-43B3-948B-1728B52AA6E4}">
+                <adec:decorative xmlns:adec="http://schemas.microsoft.com/office/drawing/2017/decorative" val="1"/>
+              </a:ext>
+            </a:extLst>
+          </p:cNvPr>
+          <p:cNvSpPr>
+            <a:spLocks noGrp="1" noRot="1" noChangeAspect="1" noMove="1" noResize="1" noEditPoints="1" noAdjustHandles="1" noChangeArrowheads="1" noChangeShapeType="1" noTextEdit="1"/>
+          </p:cNvSpPr>
+          <p:nvPr>
+            <p:extLst>
+              <p:ext uri="{386F3935-93C4-4BCD-93E2-E3B085C9AB24}">
+                <p16:designElem xmlns:p16="http://schemas.microsoft.com/office/powerpoint/2015/main" val="1"/>
+              </p:ext>
+            </p:extLst>
+          </p:nvPr>
+        </p:nvSpPr>
+        <p:spPr>
+          <a:xfrm>
+            <a:off x="457200" y="4521269"/>
+            <a:ext cx="6699246" cy="1877811"/>
+          </a:xfrm>
+          <a:prstGeom prst="rect">
+            <a:avLst/>
+          </a:prstGeom>
+          <a:solidFill>
+            <a:srgbClr val="A5A5A5">
+              <a:alpha val="80000"/>
+            </a:srgbClr>
+          </a:solidFill>
+          <a:ln w="25400">
+            <a:noFill/>
+          </a:ln>
+        </p:spPr>
+        <p:style>
+          <a:lnRef idx="2">
+            <a:schemeClr val="accent1">
+              <a:shade val="50000"/>
+            </a:schemeClr>
+          </a:lnRef>
+          <a:fillRef idx="1">
+            <a:schemeClr val="accent1"/>
+          </a:fillRef>
+          <a:effectRef idx="0">
+            <a:schemeClr val="accent1"/>
+          </a:effectRef>
+          <a:fontRef idx="minor">
+            <a:schemeClr val="lt1"/>
+          </a:fontRef>
+        </p:style>
+        <p:txBody>
+          <a:bodyPr rtlCol="0" anchor="ctr"/>
+          <a:lstStyle/>
+          <a:p>
+            <a:pPr marL="0" marR="0" lvl="0" indent="0" algn="ctr" defTabSz="914400" rtl="0" eaLnBrk="1" fontAlgn="auto" latinLnBrk="0" hangingPunct="1">
+              <a:lnSpc>
+                <a:spcPct val="100000"/>
+              </a:lnSpc>
+              <a:spcBef>
+                <a:spcPts val="0"/>
+              </a:spcBef>
+              <a:spcAft>
+                <a:spcPts val="0"/>
+              </a:spcAft>
+              <a:buClrTx/>
+              <a:buSzTx/>
+              <a:buFontTx/>
+              <a:buNone/>
+              <a:tabLst/>
+              <a:defRPr/>
+            </a:pPr>
+            <a:endParaRPr kumimoji="0" lang="en-US" sz="1800" b="0" i="0" u="none" strike="noStrike" kern="1200" cap="none" spc="0" normalizeH="0" baseline="0" noProof="0">
+              <a:ln>
+                <a:noFill/>
+              </a:ln>
+              <a:solidFill>
+                <a:srgbClr val="FFFFFF"/>
+              </a:solidFill>
+              <a:effectLst/>
+              <a:uLnTx/>
+              <a:uFillTx/>
+              <a:latin typeface="Calibri" panose="020F0502020204030204"/>
+              <a:ea typeface="+mn-ea"/>
+              <a:cs typeface="+mn-cs"/>
+            </a:endParaRPr>
+          </a:p>
+        </p:txBody>
+      </p:sp>
+      <p:sp>
+        <p:nvSpPr>
+          <p:cNvPr id="19" name="Rectangle 13">
+            <a:extLst>
+              <a:ext uri="{FF2B5EF4-FFF2-40B4-BE49-F238E27FC236}">
+                <a16:creationId xmlns:a16="http://schemas.microsoft.com/office/drawing/2014/main" id="{CDA1A2E9-63FE-408D-A803-8E306ECAB4B3}"/>
+              </a:ext>
+              <a:ext uri="{C183D7F6-B498-43B3-948B-1728B52AA6E4}">
+                <adec:decorative xmlns:adec="http://schemas.microsoft.com/office/drawing/2017/decorative" val="1"/>
+              </a:ext>
+            </a:extLst>
+          </p:cNvPr>
+          <p:cNvSpPr>
+            <a:spLocks noGrp="1" noRot="1" noChangeAspect="1" noMove="1" noResize="1" noEditPoints="1" noAdjustHandles="1" noChangeArrowheads="1" noChangeShapeType="1" noTextEdit="1"/>
+          </p:cNvSpPr>
+          <p:nvPr>
+            <p:extLst>
+              <p:ext uri="{386F3935-93C4-4BCD-93E2-E3B085C9AB24}">
+                <p16:designElem xmlns:p16="http://schemas.microsoft.com/office/powerpoint/2015/main" val="1"/>
+              </p:ext>
+            </p:extLst>
+          </p:nvPr>
+        </p:nvSpPr>
+        <p:spPr>
+          <a:xfrm>
+            <a:off x="462058" y="450221"/>
+            <a:ext cx="11272742" cy="3918123"/>
+          </a:xfrm>
+          <a:prstGeom prst="rect">
+            <a:avLst/>
+          </a:prstGeom>
+          <a:solidFill>
+            <a:srgbClr val="404040">
+              <a:alpha val="95000"/>
+            </a:srgbClr>
+          </a:solidFill>
+          <a:ln w="25400">
+            <a:noFill/>
+          </a:ln>
+        </p:spPr>
+        <p:style>
+          <a:lnRef idx="2">
+            <a:schemeClr val="accent1">
+              <a:shade val="50000"/>
+            </a:schemeClr>
+          </a:lnRef>
+          <a:fillRef idx="1">
+            <a:schemeClr val="accent1"/>
+          </a:fillRef>
+          <a:effectRef idx="0">
+            <a:schemeClr val="accent1"/>
+          </a:effectRef>
+          <a:fontRef idx="minor">
+            <a:schemeClr val="lt1"/>
+          </a:fontRef>
+        </p:style>
+        <p:txBody>
+          <a:bodyPr rtlCol="0" anchor="ctr"/>
+          <a:lstStyle/>
+          <a:p>
+            <a:pPr marL="0" marR="0" lvl="0" indent="0" algn="ctr" defTabSz="914400" rtl="0" eaLnBrk="1" fontAlgn="auto" latinLnBrk="0" hangingPunct="1">
+              <a:lnSpc>
+                <a:spcPct val="100000"/>
+              </a:lnSpc>
+              <a:spcBef>
+                <a:spcPts val="0"/>
+              </a:spcBef>
+              <a:spcAft>
+                <a:spcPts val="0"/>
+              </a:spcAft>
+              <a:buClrTx/>
+              <a:buSzTx/>
+              <a:buFontTx/>
+              <a:buNone/>
+              <a:tabLst/>
+              <a:defRPr/>
+            </a:pPr>
+            <a:endParaRPr kumimoji="0" lang="en-US" sz="1800" b="0" i="0" u="none" strike="noStrike" kern="1200" cap="none" spc="0" normalizeH="0" baseline="0" noProof="0">
+              <a:ln>
+                <a:noFill/>
+              </a:ln>
+              <a:solidFill>
+                <a:srgbClr val="404040"/>
+              </a:solidFill>
+              <a:effectLst/>
+              <a:uLnTx/>
+              <a:uFillTx/>
+              <a:latin typeface="Calibri" panose="020F0502020204030204"/>
+              <a:ea typeface="+mn-ea"/>
+              <a:cs typeface="+mn-cs"/>
+            </a:endParaRPr>
+          </a:p>
+        </p:txBody>
+      </p:sp>
+      <p:sp>
+        <p:nvSpPr>
+          <p:cNvPr id="2" name="Title 1">
+            <a:extLst>
+              <a:ext uri="{FF2B5EF4-FFF2-40B4-BE49-F238E27FC236}">
+                <a16:creationId xmlns:a16="http://schemas.microsoft.com/office/drawing/2014/main" id="{D0609B61-82D2-41BE-878C-5AA5CB99D844}"/>
+              </a:ext>
+            </a:extLst>
+          </p:cNvPr>
+          <p:cNvSpPr>
+            <a:spLocks noGrp="1"/>
+          </p:cNvSpPr>
+          <p:nvPr>
+            <p:ph type="title"/>
+          </p:nvPr>
+        </p:nvSpPr>
+        <p:spPr>
+          <a:xfrm>
+            <a:off x="1100669" y="1111086"/>
+            <a:ext cx="10011831" cy="2623885"/>
+          </a:xfrm>
+        </p:spPr>
+        <p:txBody>
+          <a:bodyPr vert="horz" lIns="91440" tIns="45720" rIns="91440" bIns="45720" rtlCol="0" anchor="ctr">
+            <a:normAutofit/>
+          </a:bodyPr>
+          <a:lstStyle/>
+          <a:p>
+            <a:r>
+              <a:rPr lang="en-US" kern="1200">
+                <a:solidFill>
+                  <a:srgbClr val="FFFFFF"/>
+                </a:solidFill>
+                <a:latin typeface="+mj-lt"/>
+                <a:ea typeface="+mj-ea"/>
+                <a:cs typeface="+mj-cs"/>
+              </a:rPr>
+              <a:t>Questions?</a:t>
+            </a:r>
+          </a:p>
+        </p:txBody>
+      </p:sp>
+      <p:sp>
+        <p:nvSpPr>
+          <p:cNvPr id="3" name="Text Placeholder 2">
+            <a:extLst>
+              <a:ext uri="{FF2B5EF4-FFF2-40B4-BE49-F238E27FC236}">
+                <a16:creationId xmlns:a16="http://schemas.microsoft.com/office/drawing/2014/main" id="{5313E040-28CB-4E2D-87FE-76D4CD5AA7CB}"/>
+              </a:ext>
+            </a:extLst>
+          </p:cNvPr>
+          <p:cNvSpPr>
+            <a:spLocks noGrp="1"/>
+          </p:cNvSpPr>
+          <p:nvPr>
+            <p:ph type="body" idx="1"/>
+          </p:nvPr>
+        </p:nvSpPr>
+        <p:spPr>
+          <a:xfrm>
+            <a:off x="1079500" y="4843002"/>
+            <a:ext cx="5433479" cy="1234345"/>
+          </a:xfrm>
+        </p:spPr>
+        <p:txBody>
+          <a:bodyPr vert="horz" lIns="91440" tIns="45720" rIns="91440" bIns="45720" rtlCol="0" anchor="ctr">
+            <a:normAutofit/>
+          </a:bodyPr>
+          <a:lstStyle/>
+          <a:p>
+            <a:endParaRPr lang="en-US" sz="2400" kern="1200" dirty="0">
+              <a:solidFill>
+                <a:srgbClr val="1B1B1B"/>
+              </a:solidFill>
+              <a:latin typeface="+mn-lt"/>
+              <a:ea typeface="+mn-ea"/>
+              <a:cs typeface="+mn-cs"/>
+            </a:endParaRPr>
+          </a:p>
+        </p:txBody>
+      </p:sp>
+    </p:spTree>
+    <p:extLst>
+      <p:ext uri="{BB962C8B-B14F-4D97-AF65-F5344CB8AC3E}">
+        <p14:creationId xmlns:p14="http://schemas.microsoft.com/office/powerpoint/2010/main" val="3207482286"/>
       </p:ext>
     </p:extLst>
   </p:cSld>
@@ -38839,446 +34538,6 @@
 </p:sld>
 </file>
 
-<file path=ppt/slides/slide40.xml><?xml version="1.0" encoding="utf-8"?>
-<p:sld xmlns:a="http://schemas.openxmlformats.org/drawingml/2006/main" xmlns:r="http://schemas.openxmlformats.org/officeDocument/2006/relationships" xmlns:p="http://schemas.openxmlformats.org/presentationml/2006/main">
-  <p:cSld>
-    <p:bg>
-      <p:bgPr>
-        <a:solidFill>
-          <a:schemeClr val="bg1"/>
-        </a:solidFill>
-        <a:effectLst/>
-      </p:bgPr>
-    </p:bg>
-    <p:spTree>
-      <p:nvGrpSpPr>
-        <p:cNvPr id="1" name=""/>
-        <p:cNvGrpSpPr/>
-        <p:nvPr/>
-      </p:nvGrpSpPr>
-      <p:grpSpPr>
-        <a:xfrm>
-          <a:off x="0" y="0"/>
-          <a:ext cx="0" cy="0"/>
-          <a:chOff x="0" y="0"/>
-          <a:chExt cx="0" cy="0"/>
-        </a:xfrm>
-      </p:grpSpPr>
-      <p:pic>
-        <p:nvPicPr>
-          <p:cNvPr id="16" name="Graphic 6">
-            <a:extLst>
-              <a:ext uri="{FF2B5EF4-FFF2-40B4-BE49-F238E27FC236}">
-                <a16:creationId xmlns:a16="http://schemas.microsoft.com/office/drawing/2014/main" id="{ACAAF5D7-299C-47E0-BF58-5B55CABE4EA9}"/>
-              </a:ext>
-            </a:extLst>
-          </p:cNvPr>
-          <p:cNvPicPr>
-            <a:picLocks noChangeAspect="1"/>
-          </p:cNvPicPr>
-          <p:nvPr/>
-        </p:nvPicPr>
-        <p:blipFill>
-          <a:blip r:embed="rId2">
-            <a:extLst>
-              <a:ext uri="{28A0092B-C50C-407E-A947-70E740481C1C}">
-                <a14:useLocalDpi xmlns:a14="http://schemas.microsoft.com/office/drawing/2010/main" val="0"/>
-              </a:ext>
-              <a:ext uri="{96DAC541-7B7A-43D3-8B79-37D633B846F1}">
-                <asvg:svgBlip xmlns:asvg="http://schemas.microsoft.com/office/drawing/2016/SVG/main" xmlns="" r:embed="rId3"/>
-              </a:ext>
-            </a:extLst>
-          </a:blip>
-          <a:stretch>
-            <a:fillRect/>
-          </a:stretch>
-        </p:blipFill>
-        <p:spPr>
-          <a:xfrm>
-            <a:off x="7571572" y="4648201"/>
-            <a:ext cx="1632648" cy="1632648"/>
-          </a:xfrm>
-          <a:prstGeom prst="rect">
-            <a:avLst/>
-          </a:prstGeom>
-        </p:spPr>
-      </p:pic>
-      <p:sp>
-        <p:nvSpPr>
-          <p:cNvPr id="17" name="Rectangle 9">
-            <a:extLst>
-              <a:ext uri="{FF2B5EF4-FFF2-40B4-BE49-F238E27FC236}">
-                <a16:creationId xmlns:a16="http://schemas.microsoft.com/office/drawing/2014/main" id="{1A882A9F-F4E9-4E23-8F0B-20B5DF42EAA9}"/>
-              </a:ext>
-              <a:ext uri="{C183D7F6-B498-43B3-948B-1728B52AA6E4}">
-                <adec:decorative xmlns:adec="http://schemas.microsoft.com/office/drawing/2017/decorative" xmlns="" val="1"/>
-              </a:ext>
-            </a:extLst>
-          </p:cNvPr>
-          <p:cNvSpPr>
-            <a:spLocks noGrp="1" noRot="1" noChangeAspect="1" noMove="1" noResize="1" noEditPoints="1" noAdjustHandles="1" noChangeArrowheads="1" noChangeShapeType="1" noTextEdit="1"/>
-          </p:cNvSpPr>
-          <p:nvPr>
-            <p:extLst>
-              <p:ext uri="{386F3935-93C4-4BCD-93E2-E3B085C9AB24}">
-                <p16:designElem xmlns:p16="http://schemas.microsoft.com/office/powerpoint/2015/main" val="1"/>
-              </p:ext>
-            </p:extLst>
-          </p:nvPr>
-        </p:nvSpPr>
-        <p:spPr>
-          <a:xfrm>
-            <a:off x="9619345" y="4521270"/>
-            <a:ext cx="2115455" cy="1890204"/>
-          </a:xfrm>
-          <a:prstGeom prst="rect">
-            <a:avLst/>
-          </a:prstGeom>
-          <a:solidFill>
-            <a:schemeClr val="accent1">
-              <a:alpha val="95000"/>
-            </a:schemeClr>
-          </a:solidFill>
-          <a:ln w="25400">
-            <a:noFill/>
-          </a:ln>
-        </p:spPr>
-        <p:style>
-          <a:lnRef idx="2">
-            <a:schemeClr val="accent1">
-              <a:shade val="50000"/>
-            </a:schemeClr>
-          </a:lnRef>
-          <a:fillRef idx="1">
-            <a:schemeClr val="accent1"/>
-          </a:fillRef>
-          <a:effectRef idx="0">
-            <a:schemeClr val="accent1"/>
-          </a:effectRef>
-          <a:fontRef idx="minor">
-            <a:schemeClr val="lt1"/>
-          </a:fontRef>
-        </p:style>
-        <p:txBody>
-          <a:bodyPr rtlCol="0" anchor="ctr"/>
-          <a:lstStyle/>
-          <a:p>
-            <a:pPr marL="0" marR="0" lvl="0" indent="0" algn="ctr" defTabSz="914400" rtl="0" eaLnBrk="1" fontAlgn="auto" latinLnBrk="0" hangingPunct="1">
-              <a:lnSpc>
-                <a:spcPct val="100000"/>
-              </a:lnSpc>
-              <a:spcBef>
-                <a:spcPts val="0"/>
-              </a:spcBef>
-              <a:spcAft>
-                <a:spcPts val="0"/>
-              </a:spcAft>
-              <a:buClrTx/>
-              <a:buSzTx/>
-              <a:buFontTx/>
-              <a:buNone/>
-              <a:tabLst/>
-              <a:defRPr/>
-            </a:pPr>
-            <a:endParaRPr kumimoji="0" lang="en-US" sz="1800" b="0" i="0" u="none" strike="noStrike" kern="1200" cap="none" spc="0" normalizeH="0" baseline="0" noProof="0">
-              <a:ln>
-                <a:noFill/>
-              </a:ln>
-              <a:solidFill>
-                <a:srgbClr val="FFFFFF"/>
-              </a:solidFill>
-              <a:effectLst/>
-              <a:uLnTx/>
-              <a:uFillTx/>
-              <a:latin typeface="Calibri" panose="020F0502020204030204"/>
-              <a:ea typeface="+mn-ea"/>
-              <a:cs typeface="+mn-cs"/>
-            </a:endParaRPr>
-          </a:p>
-        </p:txBody>
-      </p:sp>
-      <p:sp>
-        <p:nvSpPr>
-          <p:cNvPr id="18" name="Rectangle 11">
-            <a:extLst>
-              <a:ext uri="{FF2B5EF4-FFF2-40B4-BE49-F238E27FC236}">
-                <a16:creationId xmlns:a16="http://schemas.microsoft.com/office/drawing/2014/main" id="{FBE9F90C-C163-435B-9A68-D15C92D1CF2B}"/>
-              </a:ext>
-              <a:ext uri="{C183D7F6-B498-43B3-948B-1728B52AA6E4}">
-                <adec:decorative xmlns:adec="http://schemas.microsoft.com/office/drawing/2017/decorative" xmlns="" val="1"/>
-              </a:ext>
-            </a:extLst>
-          </p:cNvPr>
-          <p:cNvSpPr>
-            <a:spLocks noGrp="1" noRot="1" noChangeAspect="1" noMove="1" noResize="1" noEditPoints="1" noAdjustHandles="1" noChangeArrowheads="1" noChangeShapeType="1" noTextEdit="1"/>
-          </p:cNvSpPr>
-          <p:nvPr>
-            <p:extLst>
-              <p:ext uri="{386F3935-93C4-4BCD-93E2-E3B085C9AB24}">
-                <p16:designElem xmlns:p16="http://schemas.microsoft.com/office/powerpoint/2015/main" val="1"/>
-              </p:ext>
-            </p:extLst>
-          </p:nvPr>
-        </p:nvSpPr>
-        <p:spPr>
-          <a:xfrm>
-            <a:off x="457200" y="4521269"/>
-            <a:ext cx="6699246" cy="1877811"/>
-          </a:xfrm>
-          <a:prstGeom prst="rect">
-            <a:avLst/>
-          </a:prstGeom>
-          <a:solidFill>
-            <a:srgbClr val="A5A5A5">
-              <a:alpha val="80000"/>
-            </a:srgbClr>
-          </a:solidFill>
-          <a:ln w="25400">
-            <a:noFill/>
-          </a:ln>
-        </p:spPr>
-        <p:style>
-          <a:lnRef idx="2">
-            <a:schemeClr val="accent1">
-              <a:shade val="50000"/>
-            </a:schemeClr>
-          </a:lnRef>
-          <a:fillRef idx="1">
-            <a:schemeClr val="accent1"/>
-          </a:fillRef>
-          <a:effectRef idx="0">
-            <a:schemeClr val="accent1"/>
-          </a:effectRef>
-          <a:fontRef idx="minor">
-            <a:schemeClr val="lt1"/>
-          </a:fontRef>
-        </p:style>
-        <p:txBody>
-          <a:bodyPr rtlCol="0" anchor="ctr"/>
-          <a:lstStyle/>
-          <a:p>
-            <a:pPr marL="0" marR="0" lvl="0" indent="0" algn="ctr" defTabSz="914400" rtl="0" eaLnBrk="1" fontAlgn="auto" latinLnBrk="0" hangingPunct="1">
-              <a:lnSpc>
-                <a:spcPct val="100000"/>
-              </a:lnSpc>
-              <a:spcBef>
-                <a:spcPts val="0"/>
-              </a:spcBef>
-              <a:spcAft>
-                <a:spcPts val="0"/>
-              </a:spcAft>
-              <a:buClrTx/>
-              <a:buSzTx/>
-              <a:buFontTx/>
-              <a:buNone/>
-              <a:tabLst/>
-              <a:defRPr/>
-            </a:pPr>
-            <a:endParaRPr kumimoji="0" lang="en-US" sz="1800" b="0" i="0" u="none" strike="noStrike" kern="1200" cap="none" spc="0" normalizeH="0" baseline="0" noProof="0">
-              <a:ln>
-                <a:noFill/>
-              </a:ln>
-              <a:solidFill>
-                <a:srgbClr val="FFFFFF"/>
-              </a:solidFill>
-              <a:effectLst/>
-              <a:uLnTx/>
-              <a:uFillTx/>
-              <a:latin typeface="Calibri" panose="020F0502020204030204"/>
-              <a:ea typeface="+mn-ea"/>
-              <a:cs typeface="+mn-cs"/>
-            </a:endParaRPr>
-          </a:p>
-        </p:txBody>
-      </p:sp>
-      <p:sp>
-        <p:nvSpPr>
-          <p:cNvPr id="19" name="Rectangle 13">
-            <a:extLst>
-              <a:ext uri="{FF2B5EF4-FFF2-40B4-BE49-F238E27FC236}">
-                <a16:creationId xmlns:a16="http://schemas.microsoft.com/office/drawing/2014/main" id="{CDA1A2E9-63FE-408D-A803-8E306ECAB4B3}"/>
-              </a:ext>
-              <a:ext uri="{C183D7F6-B498-43B3-948B-1728B52AA6E4}">
-                <adec:decorative xmlns:adec="http://schemas.microsoft.com/office/drawing/2017/decorative" xmlns="" val="1"/>
-              </a:ext>
-            </a:extLst>
-          </p:cNvPr>
-          <p:cNvSpPr>
-            <a:spLocks noGrp="1" noRot="1" noChangeAspect="1" noMove="1" noResize="1" noEditPoints="1" noAdjustHandles="1" noChangeArrowheads="1" noChangeShapeType="1" noTextEdit="1"/>
-          </p:cNvSpPr>
-          <p:nvPr>
-            <p:extLst>
-              <p:ext uri="{386F3935-93C4-4BCD-93E2-E3B085C9AB24}">
-                <p16:designElem xmlns:p16="http://schemas.microsoft.com/office/powerpoint/2015/main" val="1"/>
-              </p:ext>
-            </p:extLst>
-          </p:nvPr>
-        </p:nvSpPr>
-        <p:spPr>
-          <a:xfrm>
-            <a:off x="462058" y="450221"/>
-            <a:ext cx="11272742" cy="3918123"/>
-          </a:xfrm>
-          <a:prstGeom prst="rect">
-            <a:avLst/>
-          </a:prstGeom>
-          <a:solidFill>
-            <a:srgbClr val="404040">
-              <a:alpha val="95000"/>
-            </a:srgbClr>
-          </a:solidFill>
-          <a:ln w="25400">
-            <a:noFill/>
-          </a:ln>
-        </p:spPr>
-        <p:style>
-          <a:lnRef idx="2">
-            <a:schemeClr val="accent1">
-              <a:shade val="50000"/>
-            </a:schemeClr>
-          </a:lnRef>
-          <a:fillRef idx="1">
-            <a:schemeClr val="accent1"/>
-          </a:fillRef>
-          <a:effectRef idx="0">
-            <a:schemeClr val="accent1"/>
-          </a:effectRef>
-          <a:fontRef idx="minor">
-            <a:schemeClr val="lt1"/>
-          </a:fontRef>
-        </p:style>
-        <p:txBody>
-          <a:bodyPr rtlCol="0" anchor="ctr"/>
-          <a:lstStyle/>
-          <a:p>
-            <a:pPr marL="0" marR="0" lvl="0" indent="0" algn="ctr" defTabSz="914400" rtl="0" eaLnBrk="1" fontAlgn="auto" latinLnBrk="0" hangingPunct="1">
-              <a:lnSpc>
-                <a:spcPct val="100000"/>
-              </a:lnSpc>
-              <a:spcBef>
-                <a:spcPts val="0"/>
-              </a:spcBef>
-              <a:spcAft>
-                <a:spcPts val="0"/>
-              </a:spcAft>
-              <a:buClrTx/>
-              <a:buSzTx/>
-              <a:buFontTx/>
-              <a:buNone/>
-              <a:tabLst/>
-              <a:defRPr/>
-            </a:pPr>
-            <a:endParaRPr kumimoji="0" lang="en-US" sz="1800" b="0" i="0" u="none" strike="noStrike" kern="1200" cap="none" spc="0" normalizeH="0" baseline="0" noProof="0">
-              <a:ln>
-                <a:noFill/>
-              </a:ln>
-              <a:solidFill>
-                <a:srgbClr val="404040"/>
-              </a:solidFill>
-              <a:effectLst/>
-              <a:uLnTx/>
-              <a:uFillTx/>
-              <a:latin typeface="Calibri" panose="020F0502020204030204"/>
-              <a:ea typeface="+mn-ea"/>
-              <a:cs typeface="+mn-cs"/>
-            </a:endParaRPr>
-          </a:p>
-        </p:txBody>
-      </p:sp>
-      <p:sp>
-        <p:nvSpPr>
-          <p:cNvPr id="2" name="Title 1">
-            <a:extLst>
-              <a:ext uri="{FF2B5EF4-FFF2-40B4-BE49-F238E27FC236}">
-                <a16:creationId xmlns:a16="http://schemas.microsoft.com/office/drawing/2014/main" id="{D0609B61-82D2-41BE-878C-5AA5CB99D844}"/>
-              </a:ext>
-            </a:extLst>
-          </p:cNvPr>
-          <p:cNvSpPr>
-            <a:spLocks noGrp="1"/>
-          </p:cNvSpPr>
-          <p:nvPr>
-            <p:ph type="title"/>
-          </p:nvPr>
-        </p:nvSpPr>
-        <p:spPr>
-          <a:xfrm>
-            <a:off x="1100669" y="1111086"/>
-            <a:ext cx="10011831" cy="2623885"/>
-          </a:xfrm>
-        </p:spPr>
-        <p:txBody>
-          <a:bodyPr vert="horz" lIns="91440" tIns="45720" rIns="91440" bIns="45720" rtlCol="0" anchor="ctr">
-            <a:normAutofit/>
-          </a:bodyPr>
-          <a:lstStyle/>
-          <a:p>
-            <a:r>
-              <a:rPr lang="en-US" kern="1200">
-                <a:solidFill>
-                  <a:srgbClr val="FFFFFF"/>
-                </a:solidFill>
-                <a:latin typeface="+mj-lt"/>
-                <a:ea typeface="+mj-ea"/>
-                <a:cs typeface="+mj-cs"/>
-              </a:rPr>
-              <a:t>Questions?</a:t>
-            </a:r>
-          </a:p>
-        </p:txBody>
-      </p:sp>
-      <p:sp>
-        <p:nvSpPr>
-          <p:cNvPr id="3" name="Text Placeholder 2">
-            <a:extLst>
-              <a:ext uri="{FF2B5EF4-FFF2-40B4-BE49-F238E27FC236}">
-                <a16:creationId xmlns:a16="http://schemas.microsoft.com/office/drawing/2014/main" id="{5313E040-28CB-4E2D-87FE-76D4CD5AA7CB}"/>
-              </a:ext>
-            </a:extLst>
-          </p:cNvPr>
-          <p:cNvSpPr>
-            <a:spLocks noGrp="1"/>
-          </p:cNvSpPr>
-          <p:nvPr>
-            <p:ph type="body" idx="1"/>
-          </p:nvPr>
-        </p:nvSpPr>
-        <p:spPr>
-          <a:xfrm>
-            <a:off x="1079500" y="4843002"/>
-            <a:ext cx="5433479" cy="1234345"/>
-          </a:xfrm>
-        </p:spPr>
-        <p:txBody>
-          <a:bodyPr vert="horz" lIns="91440" tIns="45720" rIns="91440" bIns="45720" rtlCol="0" anchor="ctr">
-            <a:normAutofit/>
-          </a:bodyPr>
-          <a:lstStyle/>
-          <a:p>
-            <a:endParaRPr lang="en-US" sz="2400" kern="1200" dirty="0">
-              <a:solidFill>
-                <a:srgbClr val="1B1B1B"/>
-              </a:solidFill>
-              <a:latin typeface="+mn-lt"/>
-              <a:ea typeface="+mn-ea"/>
-              <a:cs typeface="+mn-cs"/>
-            </a:endParaRPr>
-          </a:p>
-        </p:txBody>
-      </p:sp>
-    </p:spTree>
-    <p:extLst>
-      <p:ext uri="{BB962C8B-B14F-4D97-AF65-F5344CB8AC3E}">
-        <p14:creationId xmlns:p14="http://schemas.microsoft.com/office/powerpoint/2010/main" val="3207482286"/>
-      </p:ext>
-    </p:extLst>
-  </p:cSld>
-  <p:clrMapOvr>
-    <a:masterClrMapping/>
-  </p:clrMapOvr>
-</p:sld>
-</file>
-
 <file path=ppt/slides/slide5.xml><?xml version="1.0" encoding="utf-8"?>
 <p:sld xmlns:a="http://schemas.openxmlformats.org/drawingml/2006/main" xmlns:r="http://schemas.openxmlformats.org/officeDocument/2006/relationships" xmlns:p="http://schemas.openxmlformats.org/presentationml/2006/main">
   <p:cSld>
@@ -39337,18 +34596,14 @@
           <a:lstStyle/>
           <a:p>
             <a:r>
-              <a:rPr lang="en-US" sz="2800" dirty="0" smtClean="0"/>
+              <a:rPr lang="en-US" sz="2800" dirty="0"/>
               <a:t>Background process accessible over a network.</a:t>
             </a:r>
           </a:p>
           <a:p>
             <a:r>
-              <a:rPr lang="en-US" sz="2800" dirty="0" smtClean="0"/>
-              <a:t>Typical </a:t>
-            </a:r>
-            <a:r>
               <a:rPr lang="en-US" sz="2800" dirty="0"/>
-              <a:t>environments have several services, and services often depend on other services.</a:t>
+              <a:t>Typical environments have several services, and services often depend on other services.</a:t>
             </a:r>
           </a:p>
           <a:p>
@@ -39363,7 +34618,7 @@
               <a:t>It is best to think about any given service in terms of its </a:t>
             </a:r>
             <a:r>
-              <a:rPr lang="en-US" sz="2800" b="1" i="1" dirty="0" smtClean="0"/>
+              <a:rPr lang="en-US" sz="2800" b="1" i="1" dirty="0"/>
               <a:t>anatomy </a:t>
             </a:r>
             <a:r>
@@ -39375,7 +34630,7 @@
               <a:t>interdependencies</a:t>
             </a:r>
             <a:r>
-              <a:rPr lang="en-US" sz="2800" dirty="0" smtClean="0"/>
+              <a:rPr lang="en-US" sz="2800" dirty="0"/>
               <a:t>.</a:t>
             </a:r>
           </a:p>
@@ -39434,12 +34689,8 @@
           <a:lstStyle/>
           <a:p>
             <a:r>
-              <a:rPr lang="en-US" dirty="0" smtClean="0"/>
-              <a:t>Anatomy </a:t>
-            </a:r>
-            <a:r>
               <a:rPr lang="en-US" dirty="0"/>
-              <a:t>of a service</a:t>
+              <a:t>Anatomy of a service</a:t>
             </a:r>
           </a:p>
         </p:txBody>
@@ -39619,21 +34870,8 @@
                   <a:sysClr val="windowText" lastClr="000000"/>
                 </a:solidFill>
               </a:rPr>
-              <a:t>Rules for accessing or extending the service beyond the </a:t>
+              <a:t>Rules for accessing or extending the service beyond the components, it may communicate with other systems.</a:t>
             </a:r>
-            <a:r>
-              <a:rPr lang="en-US" dirty="0" smtClean="0">
-                <a:solidFill>
-                  <a:sysClr val="windowText" lastClr="000000"/>
-                </a:solidFill>
-              </a:rPr>
-              <a:t>components, it may communicate with other systems.</a:t>
-            </a:r>
-            <a:endParaRPr lang="en-US" dirty="0">
-              <a:solidFill>
-                <a:sysClr val="windowText" lastClr="000000"/>
-              </a:solidFill>
-            </a:endParaRPr>
           </a:p>
         </p:txBody>
       </p:sp>
@@ -39794,13 +35032,8 @@
           <a:p>
             <a:r>
               <a:rPr lang="en-US" dirty="0"/>
-              <a:t>Service </a:t>
+              <a:t>Service Interdependencies</a:t>
             </a:r>
-            <a:r>
-              <a:rPr lang="en-US" dirty="0" smtClean="0"/>
-              <a:t>Interdependencies</a:t>
-            </a:r>
-            <a:endParaRPr lang="en-US" dirty="0"/>
           </a:p>
         </p:txBody>
       </p:sp>
